--- a/FinalPresentation2.pptx
+++ b/FinalPresentation2.pptx
@@ -15,9 +15,9 @@
     <p:sldId id="267" r:id="rId9"/>
     <p:sldId id="272" r:id="rId10"/>
     <p:sldId id="271" r:id="rId11"/>
-    <p:sldId id="268" r:id="rId12"/>
-    <p:sldId id="269" r:id="rId13"/>
-    <p:sldId id="270" r:id="rId14"/>
+    <p:sldId id="274" r:id="rId12"/>
+    <p:sldId id="275" r:id="rId13"/>
+    <p:sldId id="276" r:id="rId14"/>
   </p:sldIdLst>
   <p:sldSz cx="12192000" cy="6858000"/>
   <p:notesSz cx="6858000" cy="9144000"/>
@@ -135,9 +135,9 @@
             <p14:sldId id="267"/>
             <p14:sldId id="272"/>
             <p14:sldId id="271"/>
-            <p14:sldId id="268"/>
-            <p14:sldId id="269"/>
-            <p14:sldId id="270"/>
+            <p14:sldId id="274"/>
+            <p14:sldId id="275"/>
+            <p14:sldId id="276"/>
           </p14:sldIdLst>
         </p14:section>
       </p14:sectionLst>
@@ -179,7 +179,7 @@
           <p:cNvPr id="2" name="Title 1">
             <a:extLst>
               <a:ext uri="{FF2B5EF4-FFF2-40B4-BE49-F238E27FC236}">
-                <a16:creationId xmlns:a16="http://schemas.microsoft.com/office/drawing/2014/main" id="{BB722F66-727D-4150-ADA5-49CF3A0F6873}"/>
+                <a16:creationId xmlns:a16="http://schemas.microsoft.com/office/drawing/2014/main" xmlns="" id="{BB722F66-727D-4150-ADA5-49CF3A0F6873}"/>
               </a:ext>
             </a:extLst>
           </p:cNvPr>
@@ -219,7 +219,7 @@
           <p:cNvPr id="3" name="Subtitle 2">
             <a:extLst>
               <a:ext uri="{FF2B5EF4-FFF2-40B4-BE49-F238E27FC236}">
-                <a16:creationId xmlns:a16="http://schemas.microsoft.com/office/drawing/2014/main" id="{CDD9A1FE-C39F-4D7C-B93D-F8C203A1D69C}"/>
+                <a16:creationId xmlns:a16="http://schemas.microsoft.com/office/drawing/2014/main" xmlns="" id="{CDD9A1FE-C39F-4D7C-B93D-F8C203A1D69C}"/>
               </a:ext>
             </a:extLst>
           </p:cNvPr>
@@ -292,7 +292,7 @@
           <p:cNvPr id="4" name="Date Placeholder 3">
             <a:extLst>
               <a:ext uri="{FF2B5EF4-FFF2-40B4-BE49-F238E27FC236}">
-                <a16:creationId xmlns:a16="http://schemas.microsoft.com/office/drawing/2014/main" id="{BC008AAC-7D41-4304-8D59-EF34B232682C}"/>
+                <a16:creationId xmlns:a16="http://schemas.microsoft.com/office/drawing/2014/main" xmlns="" id="{BC008AAC-7D41-4304-8D59-EF34B232682C}"/>
               </a:ext>
             </a:extLst>
           </p:cNvPr>
@@ -319,7 +319,7 @@
           <a:p>
             <a:fld id="{9549D6DC-E1CB-4874-BF52-C3407230D20E}" type="datetime1">
               <a:rPr lang="en-US" smtClean="0"/>
-              <a:t>10/30/2024</a:t>
+              <a:t>11/6/2024</a:t>
             </a:fld>
             <a:endParaRPr lang="en-US"/>
           </a:p>
@@ -330,7 +330,7 @@
           <p:cNvPr id="5" name="Footer Placeholder 4">
             <a:extLst>
               <a:ext uri="{FF2B5EF4-FFF2-40B4-BE49-F238E27FC236}">
-                <a16:creationId xmlns:a16="http://schemas.microsoft.com/office/drawing/2014/main" id="{4724D078-DE22-4F23-8B48-21FB1415C3E3}"/>
+                <a16:creationId xmlns:a16="http://schemas.microsoft.com/office/drawing/2014/main" xmlns="" id="{4724D078-DE22-4F23-8B48-21FB1415C3E3}"/>
               </a:ext>
             </a:extLst>
           </p:cNvPr>
@@ -364,7 +364,7 @@
           <p:cNvPr id="6" name="Slide Number Placeholder 5">
             <a:extLst>
               <a:ext uri="{FF2B5EF4-FFF2-40B4-BE49-F238E27FC236}">
-                <a16:creationId xmlns:a16="http://schemas.microsoft.com/office/drawing/2014/main" id="{BB64C1F5-608B-4335-9F2A-17F63D5FAF0D}"/>
+                <a16:creationId xmlns:a16="http://schemas.microsoft.com/office/drawing/2014/main" xmlns="" id="{BB64C1F5-608B-4335-9F2A-17F63D5FAF0D}"/>
               </a:ext>
             </a:extLst>
           </p:cNvPr>
@@ -398,13 +398,13 @@
   <p:clrMapOvr>
     <a:masterClrMapping/>
   </p:clrMapOvr>
-  <mc:AlternateContent xmlns:mc="http://schemas.openxmlformats.org/markup-compatibility/2006" xmlns:p159="http://schemas.microsoft.com/office/powerpoint/2015/09/main">
-    <mc:Choice Requires="p159">
+  <mc:AlternateContent xmlns:mc="http://schemas.openxmlformats.org/markup-compatibility/2006">
+    <mc:Choice xmlns:p159="http://schemas.microsoft.com/office/powerpoint/2015/09/main" xmlns="" Requires="p159">
       <p:transition xmlns:p14="http://schemas.microsoft.com/office/powerpoint/2010/main" spd="slow" p14:dur="2000">
         <p159:morph option="byObject"/>
       </p:transition>
     </mc:Choice>
-    <mc:Fallback xmlns="">
+    <mc:Fallback>
       <p:transition spd="slow">
         <p:fade/>
       </p:transition>
@@ -435,7 +435,7 @@
           <p:cNvPr id="2" name="Title 1">
             <a:extLst>
               <a:ext uri="{FF2B5EF4-FFF2-40B4-BE49-F238E27FC236}">
-                <a16:creationId xmlns:a16="http://schemas.microsoft.com/office/drawing/2014/main" id="{E929F2C5-A3FC-44EF-BA15-CEC83C83D67C}"/>
+                <a16:creationId xmlns:a16="http://schemas.microsoft.com/office/drawing/2014/main" xmlns="" id="{E929F2C5-A3FC-44EF-BA15-CEC83C83D67C}"/>
               </a:ext>
             </a:extLst>
           </p:cNvPr>
@@ -464,7 +464,7 @@
           <p:cNvPr id="3" name="Vertical Text Placeholder 2">
             <a:extLst>
               <a:ext uri="{FF2B5EF4-FFF2-40B4-BE49-F238E27FC236}">
-                <a16:creationId xmlns:a16="http://schemas.microsoft.com/office/drawing/2014/main" id="{D45040D3-67DB-455C-AD79-49E185DB63C7}"/>
+                <a16:creationId xmlns:a16="http://schemas.microsoft.com/office/drawing/2014/main" xmlns="" id="{D45040D3-67DB-455C-AD79-49E185DB63C7}"/>
               </a:ext>
             </a:extLst>
           </p:cNvPr>
@@ -522,7 +522,7 @@
           <p:cNvPr id="4" name="Date Placeholder 3">
             <a:extLst>
               <a:ext uri="{FF2B5EF4-FFF2-40B4-BE49-F238E27FC236}">
-                <a16:creationId xmlns:a16="http://schemas.microsoft.com/office/drawing/2014/main" id="{D0B2B07A-258E-42DD-9A68-2C76F7D54040}"/>
+                <a16:creationId xmlns:a16="http://schemas.microsoft.com/office/drawing/2014/main" xmlns="" id="{D0B2B07A-258E-42DD-9A68-2C76F7D54040}"/>
               </a:ext>
             </a:extLst>
           </p:cNvPr>
@@ -540,7 +540,7 @@
           <a:p>
             <a:fld id="{F7701D81-C4B9-4A87-89A7-22E29E6C9200}" type="datetime1">
               <a:rPr lang="en-US" smtClean="0"/>
-              <a:t>10/30/2024</a:t>
+              <a:t>11/6/2024</a:t>
             </a:fld>
             <a:endParaRPr lang="en-US"/>
           </a:p>
@@ -551,7 +551,7 @@
           <p:cNvPr id="5" name="Footer Placeholder 4">
             <a:extLst>
               <a:ext uri="{FF2B5EF4-FFF2-40B4-BE49-F238E27FC236}">
-                <a16:creationId xmlns:a16="http://schemas.microsoft.com/office/drawing/2014/main" id="{7C01E9BC-3BB8-40CD-9294-59A2E59E1BE6}"/>
+                <a16:creationId xmlns:a16="http://schemas.microsoft.com/office/drawing/2014/main" xmlns="" id="{7C01E9BC-3BB8-40CD-9294-59A2E59E1BE6}"/>
               </a:ext>
             </a:extLst>
           </p:cNvPr>
@@ -576,7 +576,7 @@
           <p:cNvPr id="6" name="Slide Number Placeholder 5">
             <a:extLst>
               <a:ext uri="{FF2B5EF4-FFF2-40B4-BE49-F238E27FC236}">
-                <a16:creationId xmlns:a16="http://schemas.microsoft.com/office/drawing/2014/main" id="{5413979D-5589-4770-9D29-046F2B506C33}"/>
+                <a16:creationId xmlns:a16="http://schemas.microsoft.com/office/drawing/2014/main" xmlns="" id="{5413979D-5589-4770-9D29-046F2B506C33}"/>
               </a:ext>
             </a:extLst>
           </p:cNvPr>
@@ -610,13 +610,13 @@
   <p:clrMapOvr>
     <a:masterClrMapping/>
   </p:clrMapOvr>
-  <mc:AlternateContent xmlns:mc="http://schemas.openxmlformats.org/markup-compatibility/2006" xmlns:p159="http://schemas.microsoft.com/office/powerpoint/2015/09/main">
-    <mc:Choice Requires="p159">
+  <mc:AlternateContent xmlns:mc="http://schemas.openxmlformats.org/markup-compatibility/2006">
+    <mc:Choice xmlns:p159="http://schemas.microsoft.com/office/powerpoint/2015/09/main" xmlns="" Requires="p159">
       <p:transition xmlns:p14="http://schemas.microsoft.com/office/powerpoint/2010/main" spd="slow" p14:dur="2000">
         <p159:morph option="byObject"/>
       </p:transition>
     </mc:Choice>
-    <mc:Fallback xmlns="">
+    <mc:Fallback>
       <p:transition spd="slow">
         <p:fade/>
       </p:transition>
@@ -647,7 +647,7 @@
           <p:cNvPr id="2" name="Vertical Title 1">
             <a:extLst>
               <a:ext uri="{FF2B5EF4-FFF2-40B4-BE49-F238E27FC236}">
-                <a16:creationId xmlns:a16="http://schemas.microsoft.com/office/drawing/2014/main" id="{DC6693CD-CB65-4F37-A6DA-F300B93C14D9}"/>
+                <a16:creationId xmlns:a16="http://schemas.microsoft.com/office/drawing/2014/main" xmlns="" id="{DC6693CD-CB65-4F37-A6DA-F300B93C14D9}"/>
               </a:ext>
             </a:extLst>
           </p:cNvPr>
@@ -681,7 +681,7 @@
           <p:cNvPr id="3" name="Vertical Text Placeholder 2">
             <a:extLst>
               <a:ext uri="{FF2B5EF4-FFF2-40B4-BE49-F238E27FC236}">
-                <a16:creationId xmlns:a16="http://schemas.microsoft.com/office/drawing/2014/main" id="{7448D117-7AE6-4831-9867-5145F64A0C24}"/>
+                <a16:creationId xmlns:a16="http://schemas.microsoft.com/office/drawing/2014/main" xmlns="" id="{7448D117-7AE6-4831-9867-5145F64A0C24}"/>
               </a:ext>
             </a:extLst>
           </p:cNvPr>
@@ -744,7 +744,7 @@
           <p:cNvPr id="4" name="Date Placeholder 3">
             <a:extLst>
               <a:ext uri="{FF2B5EF4-FFF2-40B4-BE49-F238E27FC236}">
-                <a16:creationId xmlns:a16="http://schemas.microsoft.com/office/drawing/2014/main" id="{E4988CF8-397F-485E-8081-AFA4DADD440C}"/>
+                <a16:creationId xmlns:a16="http://schemas.microsoft.com/office/drawing/2014/main" xmlns="" id="{E4988CF8-397F-485E-8081-AFA4DADD440C}"/>
               </a:ext>
             </a:extLst>
           </p:cNvPr>
@@ -762,7 +762,7 @@
           <a:p>
             <a:fld id="{EE307718-69F7-427E-95A3-C1246AF46913}" type="datetime1">
               <a:rPr lang="en-US" smtClean="0"/>
-              <a:t>10/30/2024</a:t>
+              <a:t>11/6/2024</a:t>
             </a:fld>
             <a:endParaRPr lang="en-US"/>
           </a:p>
@@ -773,7 +773,7 @@
           <p:cNvPr id="5" name="Footer Placeholder 4">
             <a:extLst>
               <a:ext uri="{FF2B5EF4-FFF2-40B4-BE49-F238E27FC236}">
-                <a16:creationId xmlns:a16="http://schemas.microsoft.com/office/drawing/2014/main" id="{83CE4773-4660-4F21-83CF-1A449395BB9D}"/>
+                <a16:creationId xmlns:a16="http://schemas.microsoft.com/office/drawing/2014/main" xmlns="" id="{83CE4773-4660-4F21-83CF-1A449395BB9D}"/>
               </a:ext>
             </a:extLst>
           </p:cNvPr>
@@ -798,7 +798,7 @@
           <p:cNvPr id="6" name="Slide Number Placeholder 5">
             <a:extLst>
               <a:ext uri="{FF2B5EF4-FFF2-40B4-BE49-F238E27FC236}">
-                <a16:creationId xmlns:a16="http://schemas.microsoft.com/office/drawing/2014/main" id="{D5B59537-EB47-40FA-893E-785D6FE00A5C}"/>
+                <a16:creationId xmlns:a16="http://schemas.microsoft.com/office/drawing/2014/main" xmlns="" id="{D5B59537-EB47-40FA-893E-785D6FE00A5C}"/>
               </a:ext>
             </a:extLst>
           </p:cNvPr>
@@ -832,13 +832,13 @@
   <p:clrMapOvr>
     <a:masterClrMapping/>
   </p:clrMapOvr>
-  <mc:AlternateContent xmlns:mc="http://schemas.openxmlformats.org/markup-compatibility/2006" xmlns:p159="http://schemas.microsoft.com/office/powerpoint/2015/09/main">
-    <mc:Choice Requires="p159">
+  <mc:AlternateContent xmlns:mc="http://schemas.openxmlformats.org/markup-compatibility/2006">
+    <mc:Choice xmlns:p159="http://schemas.microsoft.com/office/powerpoint/2015/09/main" xmlns="" Requires="p159">
       <p:transition xmlns:p14="http://schemas.microsoft.com/office/powerpoint/2010/main" spd="slow" p14:dur="2000">
         <p159:morph option="byObject"/>
       </p:transition>
     </mc:Choice>
-    <mc:Fallback xmlns="">
+    <mc:Fallback>
       <p:transition spd="slow">
         <p:fade/>
       </p:transition>
@@ -869,7 +869,7 @@
           <p:cNvPr id="2" name="Title 1">
             <a:extLst>
               <a:ext uri="{FF2B5EF4-FFF2-40B4-BE49-F238E27FC236}">
-                <a16:creationId xmlns:a16="http://schemas.microsoft.com/office/drawing/2014/main" id="{D0E7B4A7-C566-48F4-B4B8-3A5E7B6C5C3A}"/>
+                <a16:creationId xmlns:a16="http://schemas.microsoft.com/office/drawing/2014/main" xmlns="" id="{D0E7B4A7-C566-48F4-B4B8-3A5E7B6C5C3A}"/>
               </a:ext>
             </a:extLst>
           </p:cNvPr>
@@ -898,7 +898,7 @@
           <p:cNvPr id="3" name="Content Placeholder 2">
             <a:extLst>
               <a:ext uri="{FF2B5EF4-FFF2-40B4-BE49-F238E27FC236}">
-                <a16:creationId xmlns:a16="http://schemas.microsoft.com/office/drawing/2014/main" id="{AD3B93F5-BC8B-452C-ACE2-C7E01D1B80FD}"/>
+                <a16:creationId xmlns:a16="http://schemas.microsoft.com/office/drawing/2014/main" xmlns="" id="{AD3B93F5-BC8B-452C-ACE2-C7E01D1B80FD}"/>
               </a:ext>
             </a:extLst>
           </p:cNvPr>
@@ -956,7 +956,7 @@
           <p:cNvPr id="4" name="Date Placeholder 3">
             <a:extLst>
               <a:ext uri="{FF2B5EF4-FFF2-40B4-BE49-F238E27FC236}">
-                <a16:creationId xmlns:a16="http://schemas.microsoft.com/office/drawing/2014/main" id="{239A49B3-A57D-46C5-8462-0C52509F8FCA}"/>
+                <a16:creationId xmlns:a16="http://schemas.microsoft.com/office/drawing/2014/main" xmlns="" id="{239A49B3-A57D-46C5-8462-0C52509F8FCA}"/>
               </a:ext>
             </a:extLst>
           </p:cNvPr>
@@ -974,7 +974,7 @@
           <a:p>
             <a:fld id="{48913E51-B7F7-4C24-B8E3-5471755DC0E0}" type="datetime1">
               <a:rPr lang="en-US" smtClean="0"/>
-              <a:t>10/30/2024</a:t>
+              <a:t>11/6/2024</a:t>
             </a:fld>
             <a:endParaRPr lang="en-US"/>
           </a:p>
@@ -985,7 +985,7 @@
           <p:cNvPr id="5" name="Footer Placeholder 4">
             <a:extLst>
               <a:ext uri="{FF2B5EF4-FFF2-40B4-BE49-F238E27FC236}">
-                <a16:creationId xmlns:a16="http://schemas.microsoft.com/office/drawing/2014/main" id="{9EC8C810-EAF4-4D86-84DD-2E574122DD84}"/>
+                <a16:creationId xmlns:a16="http://schemas.microsoft.com/office/drawing/2014/main" xmlns="" id="{9EC8C810-EAF4-4D86-84DD-2E574122DD84}"/>
               </a:ext>
             </a:extLst>
           </p:cNvPr>
@@ -1010,7 +1010,7 @@
           <p:cNvPr id="6" name="Slide Number Placeholder 5">
             <a:extLst>
               <a:ext uri="{FF2B5EF4-FFF2-40B4-BE49-F238E27FC236}">
-                <a16:creationId xmlns:a16="http://schemas.microsoft.com/office/drawing/2014/main" id="{9587E738-8574-490B-974B-9AD3B2AAE521}"/>
+                <a16:creationId xmlns:a16="http://schemas.microsoft.com/office/drawing/2014/main" xmlns="" id="{9587E738-8574-490B-974B-9AD3B2AAE521}"/>
               </a:ext>
             </a:extLst>
           </p:cNvPr>
@@ -1044,13 +1044,13 @@
   <p:clrMapOvr>
     <a:masterClrMapping/>
   </p:clrMapOvr>
-  <mc:AlternateContent xmlns:mc="http://schemas.openxmlformats.org/markup-compatibility/2006" xmlns:p159="http://schemas.microsoft.com/office/powerpoint/2015/09/main">
-    <mc:Choice Requires="p159">
+  <mc:AlternateContent xmlns:mc="http://schemas.openxmlformats.org/markup-compatibility/2006">
+    <mc:Choice xmlns:p159="http://schemas.microsoft.com/office/powerpoint/2015/09/main" xmlns="" Requires="p159">
       <p:transition xmlns:p14="http://schemas.microsoft.com/office/powerpoint/2010/main" spd="slow" p14:dur="2000">
         <p159:morph option="byObject"/>
       </p:transition>
     </mc:Choice>
-    <mc:Fallback xmlns="">
+    <mc:Fallback>
       <p:transition spd="slow">
         <p:fade/>
       </p:transition>
@@ -1081,7 +1081,7 @@
           <p:cNvPr id="2" name="Title 1">
             <a:extLst>
               <a:ext uri="{FF2B5EF4-FFF2-40B4-BE49-F238E27FC236}">
-                <a16:creationId xmlns:a16="http://schemas.microsoft.com/office/drawing/2014/main" id="{D839764E-4B3D-4B6A-A210-B50E4F60E246}"/>
+                <a16:creationId xmlns:a16="http://schemas.microsoft.com/office/drawing/2014/main" xmlns="" id="{D839764E-4B3D-4B6A-A210-B50E4F60E246}"/>
               </a:ext>
             </a:extLst>
           </p:cNvPr>
@@ -1121,7 +1121,7 @@
           <p:cNvPr id="3" name="Text Placeholder 2">
             <a:extLst>
               <a:ext uri="{FF2B5EF4-FFF2-40B4-BE49-F238E27FC236}">
-                <a16:creationId xmlns:a16="http://schemas.microsoft.com/office/drawing/2014/main" id="{8A30AEC2-B6E6-4C09-A16F-5E2A1C9A0D0E}"/>
+                <a16:creationId xmlns:a16="http://schemas.microsoft.com/office/drawing/2014/main" xmlns="" id="{8A30AEC2-B6E6-4C09-A16F-5E2A1C9A0D0E}"/>
               </a:ext>
             </a:extLst>
           </p:cNvPr>
@@ -1249,7 +1249,7 @@
           <p:cNvPr id="4" name="Date Placeholder 3">
             <a:extLst>
               <a:ext uri="{FF2B5EF4-FFF2-40B4-BE49-F238E27FC236}">
-                <a16:creationId xmlns:a16="http://schemas.microsoft.com/office/drawing/2014/main" id="{42A37CAB-B545-4E42-BB5A-F1DAA9335033}"/>
+                <a16:creationId xmlns:a16="http://schemas.microsoft.com/office/drawing/2014/main" xmlns="" id="{42A37CAB-B545-4E42-BB5A-F1DAA9335033}"/>
               </a:ext>
             </a:extLst>
           </p:cNvPr>
@@ -1267,7 +1267,7 @@
           <a:p>
             <a:fld id="{DA91A59F-D956-4598-A3C1-AE72A5387751}" type="datetime1">
               <a:rPr lang="en-US" smtClean="0"/>
-              <a:t>10/30/2024</a:t>
+              <a:t>11/6/2024</a:t>
             </a:fld>
             <a:endParaRPr lang="en-US" dirty="0"/>
           </a:p>
@@ -1278,7 +1278,7 @@
           <p:cNvPr id="5" name="Footer Placeholder 4">
             <a:extLst>
               <a:ext uri="{FF2B5EF4-FFF2-40B4-BE49-F238E27FC236}">
-                <a16:creationId xmlns:a16="http://schemas.microsoft.com/office/drawing/2014/main" id="{AF6D720B-7E58-43F4-9659-ADB2403A50BB}"/>
+                <a16:creationId xmlns:a16="http://schemas.microsoft.com/office/drawing/2014/main" xmlns="" id="{AF6D720B-7E58-43F4-9659-ADB2403A50BB}"/>
               </a:ext>
             </a:extLst>
           </p:cNvPr>
@@ -1303,7 +1303,7 @@
           <p:cNvPr id="6" name="Slide Number Placeholder 5">
             <a:extLst>
               <a:ext uri="{FF2B5EF4-FFF2-40B4-BE49-F238E27FC236}">
-                <a16:creationId xmlns:a16="http://schemas.microsoft.com/office/drawing/2014/main" id="{A895F53F-2FA5-4B5C-A151-F07BBC002B29}"/>
+                <a16:creationId xmlns:a16="http://schemas.microsoft.com/office/drawing/2014/main" xmlns="" id="{A895F53F-2FA5-4B5C-A151-F07BBC002B29}"/>
               </a:ext>
             </a:extLst>
           </p:cNvPr>
@@ -1337,13 +1337,13 @@
   <p:clrMapOvr>
     <a:masterClrMapping/>
   </p:clrMapOvr>
-  <mc:AlternateContent xmlns:mc="http://schemas.openxmlformats.org/markup-compatibility/2006" xmlns:p159="http://schemas.microsoft.com/office/powerpoint/2015/09/main">
-    <mc:Choice Requires="p159">
+  <mc:AlternateContent xmlns:mc="http://schemas.openxmlformats.org/markup-compatibility/2006">
+    <mc:Choice xmlns:p159="http://schemas.microsoft.com/office/powerpoint/2015/09/main" xmlns="" Requires="p159">
       <p:transition xmlns:p14="http://schemas.microsoft.com/office/powerpoint/2010/main" spd="slow" p14:dur="2000">
         <p159:morph option="byObject"/>
       </p:transition>
     </mc:Choice>
-    <mc:Fallback xmlns="">
+    <mc:Fallback>
       <p:transition spd="slow">
         <p:fade/>
       </p:transition>
@@ -1374,7 +1374,7 @@
           <p:cNvPr id="2" name="Title 1">
             <a:extLst>
               <a:ext uri="{FF2B5EF4-FFF2-40B4-BE49-F238E27FC236}">
-                <a16:creationId xmlns:a16="http://schemas.microsoft.com/office/drawing/2014/main" id="{EAD473D3-0F03-4BF4-831F-34E80BAC5513}"/>
+                <a16:creationId xmlns:a16="http://schemas.microsoft.com/office/drawing/2014/main" xmlns="" id="{EAD473D3-0F03-4BF4-831F-34E80BAC5513}"/>
               </a:ext>
             </a:extLst>
           </p:cNvPr>
@@ -1403,7 +1403,7 @@
           <p:cNvPr id="3" name="Content Placeholder 2">
             <a:extLst>
               <a:ext uri="{FF2B5EF4-FFF2-40B4-BE49-F238E27FC236}">
-                <a16:creationId xmlns:a16="http://schemas.microsoft.com/office/drawing/2014/main" id="{74C09409-59F2-486F-A6D0-FAEE8FFF25B2}"/>
+                <a16:creationId xmlns:a16="http://schemas.microsoft.com/office/drawing/2014/main" xmlns="" id="{74C09409-59F2-486F-A6D0-FAEE8FFF25B2}"/>
               </a:ext>
             </a:extLst>
           </p:cNvPr>
@@ -1466,7 +1466,7 @@
           <p:cNvPr id="4" name="Content Placeholder 3">
             <a:extLst>
               <a:ext uri="{FF2B5EF4-FFF2-40B4-BE49-F238E27FC236}">
-                <a16:creationId xmlns:a16="http://schemas.microsoft.com/office/drawing/2014/main" id="{03087241-B390-47A6-8070-C3D4652F887B}"/>
+                <a16:creationId xmlns:a16="http://schemas.microsoft.com/office/drawing/2014/main" xmlns="" id="{03087241-B390-47A6-8070-C3D4652F887B}"/>
               </a:ext>
             </a:extLst>
           </p:cNvPr>
@@ -1529,7 +1529,7 @@
           <p:cNvPr id="5" name="Date Placeholder 4">
             <a:extLst>
               <a:ext uri="{FF2B5EF4-FFF2-40B4-BE49-F238E27FC236}">
-                <a16:creationId xmlns:a16="http://schemas.microsoft.com/office/drawing/2014/main" id="{5080B360-2ACA-4B93-9439-591B6D3FBC3F}"/>
+                <a16:creationId xmlns:a16="http://schemas.microsoft.com/office/drawing/2014/main" xmlns="" id="{5080B360-2ACA-4B93-9439-591B6D3FBC3F}"/>
               </a:ext>
             </a:extLst>
           </p:cNvPr>
@@ -1547,7 +1547,7 @@
           <a:p>
             <a:fld id="{D70BBD69-7BD3-4731-8064-242619E92CBE}" type="datetime1">
               <a:rPr lang="en-US" smtClean="0"/>
-              <a:t>10/30/2024</a:t>
+              <a:t>11/6/2024</a:t>
             </a:fld>
             <a:endParaRPr lang="en-US"/>
           </a:p>
@@ -1558,7 +1558,7 @@
           <p:cNvPr id="6" name="Footer Placeholder 5">
             <a:extLst>
               <a:ext uri="{FF2B5EF4-FFF2-40B4-BE49-F238E27FC236}">
-                <a16:creationId xmlns:a16="http://schemas.microsoft.com/office/drawing/2014/main" id="{684A73E2-CF78-404C-A86F-E70A284AE99E}"/>
+                <a16:creationId xmlns:a16="http://schemas.microsoft.com/office/drawing/2014/main" xmlns="" id="{684A73E2-CF78-404C-A86F-E70A284AE99E}"/>
               </a:ext>
             </a:extLst>
           </p:cNvPr>
@@ -1583,7 +1583,7 @@
           <p:cNvPr id="7" name="Slide Number Placeholder 6">
             <a:extLst>
               <a:ext uri="{FF2B5EF4-FFF2-40B4-BE49-F238E27FC236}">
-                <a16:creationId xmlns:a16="http://schemas.microsoft.com/office/drawing/2014/main" id="{B6A8F42A-11E1-42A0-8ECF-A5BBA3B8CA56}"/>
+                <a16:creationId xmlns:a16="http://schemas.microsoft.com/office/drawing/2014/main" xmlns="" id="{B6A8F42A-11E1-42A0-8ECF-A5BBA3B8CA56}"/>
               </a:ext>
             </a:extLst>
           </p:cNvPr>
@@ -1617,13 +1617,13 @@
   <p:clrMapOvr>
     <a:masterClrMapping/>
   </p:clrMapOvr>
-  <mc:AlternateContent xmlns:mc="http://schemas.openxmlformats.org/markup-compatibility/2006" xmlns:p159="http://schemas.microsoft.com/office/powerpoint/2015/09/main">
-    <mc:Choice Requires="p159">
+  <mc:AlternateContent xmlns:mc="http://schemas.openxmlformats.org/markup-compatibility/2006">
+    <mc:Choice xmlns:p159="http://schemas.microsoft.com/office/powerpoint/2015/09/main" xmlns="" Requires="p159">
       <p:transition xmlns:p14="http://schemas.microsoft.com/office/powerpoint/2010/main" spd="slow" p14:dur="2000">
         <p159:morph option="byObject"/>
       </p:transition>
     </mc:Choice>
-    <mc:Fallback xmlns="">
+    <mc:Fallback>
       <p:transition spd="slow">
         <p:fade/>
       </p:transition>
@@ -1654,7 +1654,7 @@
           <p:cNvPr id="2" name="Title 1">
             <a:extLst>
               <a:ext uri="{FF2B5EF4-FFF2-40B4-BE49-F238E27FC236}">
-                <a16:creationId xmlns:a16="http://schemas.microsoft.com/office/drawing/2014/main" id="{D1BECA31-EE14-41DD-9914-DA7138220460}"/>
+                <a16:creationId xmlns:a16="http://schemas.microsoft.com/office/drawing/2014/main" xmlns="" id="{D1BECA31-EE14-41DD-9914-DA7138220460}"/>
               </a:ext>
             </a:extLst>
           </p:cNvPr>
@@ -1688,7 +1688,7 @@
           <p:cNvPr id="3" name="Text Placeholder 2">
             <a:extLst>
               <a:ext uri="{FF2B5EF4-FFF2-40B4-BE49-F238E27FC236}">
-                <a16:creationId xmlns:a16="http://schemas.microsoft.com/office/drawing/2014/main" id="{6CB22AB6-1657-4AE2-8607-2C77A25D79D9}"/>
+                <a16:creationId xmlns:a16="http://schemas.microsoft.com/office/drawing/2014/main" xmlns="" id="{6CB22AB6-1657-4AE2-8607-2C77A25D79D9}"/>
               </a:ext>
             </a:extLst>
           </p:cNvPr>
@@ -1761,7 +1761,7 @@
           <p:cNvPr id="4" name="Content Placeholder 3">
             <a:extLst>
               <a:ext uri="{FF2B5EF4-FFF2-40B4-BE49-F238E27FC236}">
-                <a16:creationId xmlns:a16="http://schemas.microsoft.com/office/drawing/2014/main" id="{4BAA6DC0-D4D5-4164-A3FD-6BB5CBB2BBAD}"/>
+                <a16:creationId xmlns:a16="http://schemas.microsoft.com/office/drawing/2014/main" xmlns="" id="{4BAA6DC0-D4D5-4164-A3FD-6BB5CBB2BBAD}"/>
               </a:ext>
             </a:extLst>
           </p:cNvPr>
@@ -1842,7 +1842,7 @@
           <p:cNvPr id="5" name="Text Placeholder 4">
             <a:extLst>
               <a:ext uri="{FF2B5EF4-FFF2-40B4-BE49-F238E27FC236}">
-                <a16:creationId xmlns:a16="http://schemas.microsoft.com/office/drawing/2014/main" id="{129B35F8-95F3-43D1-8917-5836BAA90490}"/>
+                <a16:creationId xmlns:a16="http://schemas.microsoft.com/office/drawing/2014/main" xmlns="" id="{129B35F8-95F3-43D1-8917-5836BAA90490}"/>
               </a:ext>
             </a:extLst>
           </p:cNvPr>
@@ -1915,7 +1915,7 @@
           <p:cNvPr id="6" name="Content Placeholder 5">
             <a:extLst>
               <a:ext uri="{FF2B5EF4-FFF2-40B4-BE49-F238E27FC236}">
-                <a16:creationId xmlns:a16="http://schemas.microsoft.com/office/drawing/2014/main" id="{12B639E7-F4A3-4ADE-B290-0A4F9761B977}"/>
+                <a16:creationId xmlns:a16="http://schemas.microsoft.com/office/drawing/2014/main" xmlns="" id="{12B639E7-F4A3-4ADE-B290-0A4F9761B977}"/>
               </a:ext>
             </a:extLst>
           </p:cNvPr>
@@ -1996,7 +1996,7 @@
           <p:cNvPr id="7" name="Date Placeholder 6">
             <a:extLst>
               <a:ext uri="{FF2B5EF4-FFF2-40B4-BE49-F238E27FC236}">
-                <a16:creationId xmlns:a16="http://schemas.microsoft.com/office/drawing/2014/main" id="{CD6F296B-429F-4DFC-ABC3-0A078EA99425}"/>
+                <a16:creationId xmlns:a16="http://schemas.microsoft.com/office/drawing/2014/main" xmlns="" id="{CD6F296B-429F-4DFC-ABC3-0A078EA99425}"/>
               </a:ext>
             </a:extLst>
           </p:cNvPr>
@@ -2014,7 +2014,7 @@
           <a:p>
             <a:fld id="{38BD77D9-239F-488B-9358-023C46BC7084}" type="datetime1">
               <a:rPr lang="en-US" smtClean="0"/>
-              <a:t>10/30/2024</a:t>
+              <a:t>11/6/2024</a:t>
             </a:fld>
             <a:endParaRPr lang="en-US"/>
           </a:p>
@@ -2025,7 +2025,7 @@
           <p:cNvPr id="8" name="Footer Placeholder 7">
             <a:extLst>
               <a:ext uri="{FF2B5EF4-FFF2-40B4-BE49-F238E27FC236}">
-                <a16:creationId xmlns:a16="http://schemas.microsoft.com/office/drawing/2014/main" id="{0B7103B9-D521-4910-AC15-F12F25CB9524}"/>
+                <a16:creationId xmlns:a16="http://schemas.microsoft.com/office/drawing/2014/main" xmlns="" id="{0B7103B9-D521-4910-AC15-F12F25CB9524}"/>
               </a:ext>
             </a:extLst>
           </p:cNvPr>
@@ -2050,7 +2050,7 @@
           <p:cNvPr id="9" name="Slide Number Placeholder 8">
             <a:extLst>
               <a:ext uri="{FF2B5EF4-FFF2-40B4-BE49-F238E27FC236}">
-                <a16:creationId xmlns:a16="http://schemas.microsoft.com/office/drawing/2014/main" id="{9F73A6D9-123D-492C-B5CE-294EF2559FAB}"/>
+                <a16:creationId xmlns:a16="http://schemas.microsoft.com/office/drawing/2014/main" xmlns="" id="{9F73A6D9-123D-492C-B5CE-294EF2559FAB}"/>
               </a:ext>
             </a:extLst>
           </p:cNvPr>
@@ -2084,13 +2084,13 @@
   <p:clrMapOvr>
     <a:masterClrMapping/>
   </p:clrMapOvr>
-  <mc:AlternateContent xmlns:mc="http://schemas.openxmlformats.org/markup-compatibility/2006" xmlns:p159="http://schemas.microsoft.com/office/powerpoint/2015/09/main">
-    <mc:Choice Requires="p159">
+  <mc:AlternateContent xmlns:mc="http://schemas.openxmlformats.org/markup-compatibility/2006">
+    <mc:Choice xmlns:p159="http://schemas.microsoft.com/office/powerpoint/2015/09/main" xmlns="" Requires="p159">
       <p:transition xmlns:p14="http://schemas.microsoft.com/office/powerpoint/2010/main" spd="slow" p14:dur="2000">
         <p159:morph option="byObject"/>
       </p:transition>
     </mc:Choice>
-    <mc:Fallback xmlns="">
+    <mc:Fallback>
       <p:transition spd="slow">
         <p:fade/>
       </p:transition>
@@ -2121,7 +2121,7 @@
           <p:cNvPr id="2" name="Title 1">
             <a:extLst>
               <a:ext uri="{FF2B5EF4-FFF2-40B4-BE49-F238E27FC236}">
-                <a16:creationId xmlns:a16="http://schemas.microsoft.com/office/drawing/2014/main" id="{4C592A22-4B4D-4F58-9783-A0469DA4D233}"/>
+                <a16:creationId xmlns:a16="http://schemas.microsoft.com/office/drawing/2014/main" xmlns="" id="{4C592A22-4B4D-4F58-9783-A0469DA4D233}"/>
               </a:ext>
             </a:extLst>
           </p:cNvPr>
@@ -2155,7 +2155,7 @@
           <p:cNvPr id="3" name="Date Placeholder 2">
             <a:extLst>
               <a:ext uri="{FF2B5EF4-FFF2-40B4-BE49-F238E27FC236}">
-                <a16:creationId xmlns:a16="http://schemas.microsoft.com/office/drawing/2014/main" id="{3B5EE610-5457-4E8C-B568-B8D560773B5C}"/>
+                <a16:creationId xmlns:a16="http://schemas.microsoft.com/office/drawing/2014/main" xmlns="" id="{3B5EE610-5457-4E8C-B568-B8D560773B5C}"/>
               </a:ext>
             </a:extLst>
           </p:cNvPr>
@@ -2173,7 +2173,7 @@
           <a:p>
             <a:fld id="{1EE61C24-7140-4FDE-92F3-654C6E2D3C1C}" type="datetime1">
               <a:rPr lang="en-US" smtClean="0"/>
-              <a:t>10/30/2024</a:t>
+              <a:t>11/6/2024</a:t>
             </a:fld>
             <a:endParaRPr lang="en-US"/>
           </a:p>
@@ -2184,7 +2184,7 @@
           <p:cNvPr id="4" name="Footer Placeholder 3">
             <a:extLst>
               <a:ext uri="{FF2B5EF4-FFF2-40B4-BE49-F238E27FC236}">
-                <a16:creationId xmlns:a16="http://schemas.microsoft.com/office/drawing/2014/main" id="{A0BA57BB-288A-4A30-A4EC-FF0537BC2603}"/>
+                <a16:creationId xmlns:a16="http://schemas.microsoft.com/office/drawing/2014/main" xmlns="" id="{A0BA57BB-288A-4A30-A4EC-FF0537BC2603}"/>
               </a:ext>
             </a:extLst>
           </p:cNvPr>
@@ -2209,7 +2209,7 @@
           <p:cNvPr id="5" name="Slide Number Placeholder 4">
             <a:extLst>
               <a:ext uri="{FF2B5EF4-FFF2-40B4-BE49-F238E27FC236}">
-                <a16:creationId xmlns:a16="http://schemas.microsoft.com/office/drawing/2014/main" id="{D0414C89-B968-4A85-A035-E2997A5F8498}"/>
+                <a16:creationId xmlns:a16="http://schemas.microsoft.com/office/drawing/2014/main" xmlns="" id="{D0414C89-B968-4A85-A035-E2997A5F8498}"/>
               </a:ext>
             </a:extLst>
           </p:cNvPr>
@@ -2243,13 +2243,13 @@
   <p:clrMapOvr>
     <a:masterClrMapping/>
   </p:clrMapOvr>
-  <mc:AlternateContent xmlns:mc="http://schemas.openxmlformats.org/markup-compatibility/2006" xmlns:p159="http://schemas.microsoft.com/office/powerpoint/2015/09/main">
-    <mc:Choice Requires="p159">
+  <mc:AlternateContent xmlns:mc="http://schemas.openxmlformats.org/markup-compatibility/2006">
+    <mc:Choice xmlns:p159="http://schemas.microsoft.com/office/powerpoint/2015/09/main" xmlns="" Requires="p159">
       <p:transition xmlns:p14="http://schemas.microsoft.com/office/powerpoint/2010/main" spd="slow" p14:dur="2000">
         <p159:morph option="byObject"/>
       </p:transition>
     </mc:Choice>
-    <mc:Fallback xmlns="">
+    <mc:Fallback>
       <p:transition spd="slow">
         <p:fade/>
       </p:transition>
@@ -2280,7 +2280,7 @@
           <p:cNvPr id="2" name="Date Placeholder 1">
             <a:extLst>
               <a:ext uri="{FF2B5EF4-FFF2-40B4-BE49-F238E27FC236}">
-                <a16:creationId xmlns:a16="http://schemas.microsoft.com/office/drawing/2014/main" id="{1B7A339C-4093-4B40-8C90-52F005CA9A0E}"/>
+                <a16:creationId xmlns:a16="http://schemas.microsoft.com/office/drawing/2014/main" xmlns="" id="{1B7A339C-4093-4B40-8C90-52F005CA9A0E}"/>
               </a:ext>
             </a:extLst>
           </p:cNvPr>
@@ -2298,7 +2298,7 @@
           <a:p>
             <a:fld id="{DC4D6ACF-ECB9-4B5F-A429-08B8AC75E8EF}" type="datetime1">
               <a:rPr lang="en-US" smtClean="0"/>
-              <a:t>10/30/2024</a:t>
+              <a:t>11/6/2024</a:t>
             </a:fld>
             <a:endParaRPr lang="en-US"/>
           </a:p>
@@ -2309,7 +2309,7 @@
           <p:cNvPr id="3" name="Footer Placeholder 2">
             <a:extLst>
               <a:ext uri="{FF2B5EF4-FFF2-40B4-BE49-F238E27FC236}">
-                <a16:creationId xmlns:a16="http://schemas.microsoft.com/office/drawing/2014/main" id="{DFA33F04-8E0A-4165-930C-527D781A7D0C}"/>
+                <a16:creationId xmlns:a16="http://schemas.microsoft.com/office/drawing/2014/main" xmlns="" id="{DFA33F04-8E0A-4165-930C-527D781A7D0C}"/>
               </a:ext>
             </a:extLst>
           </p:cNvPr>
@@ -2334,7 +2334,7 @@
           <p:cNvPr id="4" name="Slide Number Placeholder 3">
             <a:extLst>
               <a:ext uri="{FF2B5EF4-FFF2-40B4-BE49-F238E27FC236}">
-                <a16:creationId xmlns:a16="http://schemas.microsoft.com/office/drawing/2014/main" id="{9062F57B-BEB6-4973-A362-38F638E0D05C}"/>
+                <a16:creationId xmlns:a16="http://schemas.microsoft.com/office/drawing/2014/main" xmlns="" id="{9062F57B-BEB6-4973-A362-38F638E0D05C}"/>
               </a:ext>
             </a:extLst>
           </p:cNvPr>
@@ -2368,13 +2368,13 @@
   <p:clrMapOvr>
     <a:masterClrMapping/>
   </p:clrMapOvr>
-  <mc:AlternateContent xmlns:mc="http://schemas.openxmlformats.org/markup-compatibility/2006" xmlns:p159="http://schemas.microsoft.com/office/powerpoint/2015/09/main">
-    <mc:Choice Requires="p159">
+  <mc:AlternateContent xmlns:mc="http://schemas.openxmlformats.org/markup-compatibility/2006">
+    <mc:Choice xmlns:p159="http://schemas.microsoft.com/office/powerpoint/2015/09/main" xmlns="" Requires="p159">
       <p:transition xmlns:p14="http://schemas.microsoft.com/office/powerpoint/2010/main" spd="slow" p14:dur="2000">
         <p159:morph option="byObject"/>
       </p:transition>
     </mc:Choice>
-    <mc:Fallback xmlns="">
+    <mc:Fallback>
       <p:transition spd="slow">
         <p:fade/>
       </p:transition>
@@ -2405,7 +2405,7 @@
           <p:cNvPr id="2" name="Title 1">
             <a:extLst>
               <a:ext uri="{FF2B5EF4-FFF2-40B4-BE49-F238E27FC236}">
-                <a16:creationId xmlns:a16="http://schemas.microsoft.com/office/drawing/2014/main" id="{4A8FAC90-C2CA-44DD-8EF8-20BDD6724247}"/>
+                <a16:creationId xmlns:a16="http://schemas.microsoft.com/office/drawing/2014/main" xmlns="" id="{4A8FAC90-C2CA-44DD-8EF8-20BDD6724247}"/>
               </a:ext>
             </a:extLst>
           </p:cNvPr>
@@ -2445,7 +2445,7 @@
           <p:cNvPr id="3" name="Content Placeholder 2">
             <a:extLst>
               <a:ext uri="{FF2B5EF4-FFF2-40B4-BE49-F238E27FC236}">
-                <a16:creationId xmlns:a16="http://schemas.microsoft.com/office/drawing/2014/main" id="{5EE915FB-D5F4-4CAD-AE70-3644E81802E6}"/>
+                <a16:creationId xmlns:a16="http://schemas.microsoft.com/office/drawing/2014/main" xmlns="" id="{5EE915FB-D5F4-4CAD-AE70-3644E81802E6}"/>
               </a:ext>
             </a:extLst>
           </p:cNvPr>
@@ -2538,7 +2538,7 @@
           <p:cNvPr id="4" name="Text Placeholder 3">
             <a:extLst>
               <a:ext uri="{FF2B5EF4-FFF2-40B4-BE49-F238E27FC236}">
-                <a16:creationId xmlns:a16="http://schemas.microsoft.com/office/drawing/2014/main" id="{E7374DA3-3BAC-4045-825F-B3C27B89736B}"/>
+                <a16:creationId xmlns:a16="http://schemas.microsoft.com/office/drawing/2014/main" xmlns="" id="{E7374DA3-3BAC-4045-825F-B3C27B89736B}"/>
               </a:ext>
             </a:extLst>
           </p:cNvPr>
@@ -2611,7 +2611,7 @@
           <p:cNvPr id="5" name="Date Placeholder 4">
             <a:extLst>
               <a:ext uri="{FF2B5EF4-FFF2-40B4-BE49-F238E27FC236}">
-                <a16:creationId xmlns:a16="http://schemas.microsoft.com/office/drawing/2014/main" id="{D45A0D65-0423-4E45-947A-E08C8569F15F}"/>
+                <a16:creationId xmlns:a16="http://schemas.microsoft.com/office/drawing/2014/main" xmlns="" id="{D45A0D65-0423-4E45-947A-E08C8569F15F}"/>
               </a:ext>
             </a:extLst>
           </p:cNvPr>
@@ -2629,7 +2629,7 @@
           <a:p>
             <a:fld id="{788B429B-EE2A-486A-BDB9-0C848B4FAFDD}" type="datetime1">
               <a:rPr lang="en-US" smtClean="0"/>
-              <a:t>10/30/2024</a:t>
+              <a:t>11/6/2024</a:t>
             </a:fld>
             <a:endParaRPr lang="en-US"/>
           </a:p>
@@ -2640,7 +2640,7 @@
           <p:cNvPr id="6" name="Footer Placeholder 5">
             <a:extLst>
               <a:ext uri="{FF2B5EF4-FFF2-40B4-BE49-F238E27FC236}">
-                <a16:creationId xmlns:a16="http://schemas.microsoft.com/office/drawing/2014/main" id="{27E6FBD0-E49F-4DE6-9264-CEDB9BAA01C6}"/>
+                <a16:creationId xmlns:a16="http://schemas.microsoft.com/office/drawing/2014/main" xmlns="" id="{27E6FBD0-E49F-4DE6-9264-CEDB9BAA01C6}"/>
               </a:ext>
             </a:extLst>
           </p:cNvPr>
@@ -2665,7 +2665,7 @@
           <p:cNvPr id="7" name="Slide Number Placeholder 6">
             <a:extLst>
               <a:ext uri="{FF2B5EF4-FFF2-40B4-BE49-F238E27FC236}">
-                <a16:creationId xmlns:a16="http://schemas.microsoft.com/office/drawing/2014/main" id="{A816B246-A768-4B2D-96C6-9F417852636C}"/>
+                <a16:creationId xmlns:a16="http://schemas.microsoft.com/office/drawing/2014/main" xmlns="" id="{A816B246-A768-4B2D-96C6-9F417852636C}"/>
               </a:ext>
             </a:extLst>
           </p:cNvPr>
@@ -2699,13 +2699,13 @@
   <p:clrMapOvr>
     <a:masterClrMapping/>
   </p:clrMapOvr>
-  <mc:AlternateContent xmlns:mc="http://schemas.openxmlformats.org/markup-compatibility/2006" xmlns:p159="http://schemas.microsoft.com/office/powerpoint/2015/09/main">
-    <mc:Choice Requires="p159">
+  <mc:AlternateContent xmlns:mc="http://schemas.openxmlformats.org/markup-compatibility/2006">
+    <mc:Choice xmlns:p159="http://schemas.microsoft.com/office/powerpoint/2015/09/main" xmlns="" Requires="p159">
       <p:transition xmlns:p14="http://schemas.microsoft.com/office/powerpoint/2010/main" spd="slow" p14:dur="2000">
         <p159:morph option="byObject"/>
       </p:transition>
     </mc:Choice>
-    <mc:Fallback xmlns="">
+    <mc:Fallback>
       <p:transition spd="slow">
         <p:fade/>
       </p:transition>
@@ -2736,7 +2736,7 @@
           <p:cNvPr id="2" name="Title 1">
             <a:extLst>
               <a:ext uri="{FF2B5EF4-FFF2-40B4-BE49-F238E27FC236}">
-                <a16:creationId xmlns:a16="http://schemas.microsoft.com/office/drawing/2014/main" id="{060CB0C8-915E-4BF2-976E-B8D7EDC591F9}"/>
+                <a16:creationId xmlns:a16="http://schemas.microsoft.com/office/drawing/2014/main" xmlns="" id="{060CB0C8-915E-4BF2-976E-B8D7EDC591F9}"/>
               </a:ext>
             </a:extLst>
           </p:cNvPr>
@@ -2776,7 +2776,7 @@
           <p:cNvPr id="3" name="Picture Placeholder 2">
             <a:extLst>
               <a:ext uri="{FF2B5EF4-FFF2-40B4-BE49-F238E27FC236}">
-                <a16:creationId xmlns:a16="http://schemas.microsoft.com/office/drawing/2014/main" id="{710714E6-8E50-4B50-A2E0-F9D20155EB9B}"/>
+                <a16:creationId xmlns:a16="http://schemas.microsoft.com/office/drawing/2014/main" xmlns="" id="{710714E6-8E50-4B50-A2E0-F9D20155EB9B}"/>
               </a:ext>
             </a:extLst>
           </p:cNvPr>
@@ -2847,7 +2847,7 @@
           <p:cNvPr id="4" name="Text Placeholder 3">
             <a:extLst>
               <a:ext uri="{FF2B5EF4-FFF2-40B4-BE49-F238E27FC236}">
-                <a16:creationId xmlns:a16="http://schemas.microsoft.com/office/drawing/2014/main" id="{E0D67A6C-5CA5-4EF0-B1C4-ED85FF255AE3}"/>
+                <a16:creationId xmlns:a16="http://schemas.microsoft.com/office/drawing/2014/main" xmlns="" id="{E0D67A6C-5CA5-4EF0-B1C4-ED85FF255AE3}"/>
               </a:ext>
             </a:extLst>
           </p:cNvPr>
@@ -2920,7 +2920,7 @@
           <p:cNvPr id="5" name="Date Placeholder 4">
             <a:extLst>
               <a:ext uri="{FF2B5EF4-FFF2-40B4-BE49-F238E27FC236}">
-                <a16:creationId xmlns:a16="http://schemas.microsoft.com/office/drawing/2014/main" id="{31C76474-31D4-4567-B4EC-B6AF24488AE7}"/>
+                <a16:creationId xmlns:a16="http://schemas.microsoft.com/office/drawing/2014/main" xmlns="" id="{31C76474-31D4-4567-B4EC-B6AF24488AE7}"/>
               </a:ext>
             </a:extLst>
           </p:cNvPr>
@@ -2938,7 +2938,7 @@
           <a:p>
             <a:fld id="{8DA5FE4A-CB8D-40AB-BFFC-AAF37EA071CB}" type="datetime1">
               <a:rPr lang="en-US" smtClean="0"/>
-              <a:t>10/30/2024</a:t>
+              <a:t>11/6/2024</a:t>
             </a:fld>
             <a:endParaRPr lang="en-US"/>
           </a:p>
@@ -2949,7 +2949,7 @@
           <p:cNvPr id="6" name="Footer Placeholder 5">
             <a:extLst>
               <a:ext uri="{FF2B5EF4-FFF2-40B4-BE49-F238E27FC236}">
-                <a16:creationId xmlns:a16="http://schemas.microsoft.com/office/drawing/2014/main" id="{5C902DE0-33F5-4372-8EB5-F5746D344A59}"/>
+                <a16:creationId xmlns:a16="http://schemas.microsoft.com/office/drawing/2014/main" xmlns="" id="{5C902DE0-33F5-4372-8EB5-F5746D344A59}"/>
               </a:ext>
             </a:extLst>
           </p:cNvPr>
@@ -2974,7 +2974,7 @@
           <p:cNvPr id="7" name="Slide Number Placeholder 6">
             <a:extLst>
               <a:ext uri="{FF2B5EF4-FFF2-40B4-BE49-F238E27FC236}">
-                <a16:creationId xmlns:a16="http://schemas.microsoft.com/office/drawing/2014/main" id="{25C5C2EF-849D-4B2C-8ED6-D26553657DBA}"/>
+                <a16:creationId xmlns:a16="http://schemas.microsoft.com/office/drawing/2014/main" xmlns="" id="{25C5C2EF-849D-4B2C-8ED6-D26553657DBA}"/>
               </a:ext>
             </a:extLst>
           </p:cNvPr>
@@ -3008,13 +3008,13 @@
   <p:clrMapOvr>
     <a:masterClrMapping/>
   </p:clrMapOvr>
-  <mc:AlternateContent xmlns:mc="http://schemas.openxmlformats.org/markup-compatibility/2006" xmlns:p159="http://schemas.microsoft.com/office/powerpoint/2015/09/main">
-    <mc:Choice Requires="p159">
+  <mc:AlternateContent xmlns:mc="http://schemas.openxmlformats.org/markup-compatibility/2006">
+    <mc:Choice xmlns:p159="http://schemas.microsoft.com/office/powerpoint/2015/09/main" xmlns="" Requires="p159">
       <p:transition xmlns:p14="http://schemas.microsoft.com/office/powerpoint/2010/main" spd="slow" p14:dur="2000">
         <p159:morph option="byObject"/>
       </p:transition>
     </mc:Choice>
-    <mc:Fallback xmlns="">
+    <mc:Fallback>
       <p:transition spd="slow">
         <p:fade/>
       </p:transition>
@@ -3050,10 +3050,10 @@
           <p:cNvPr id="7" name="Rectangle 6">
             <a:extLst>
               <a:ext uri="{FF2B5EF4-FFF2-40B4-BE49-F238E27FC236}">
-                <a16:creationId xmlns:a16="http://schemas.microsoft.com/office/drawing/2014/main" id="{2293296F-4C3A-4530-98F5-F83646ACE913}"/>
+                <a16:creationId xmlns:a16="http://schemas.microsoft.com/office/drawing/2014/main" xmlns="" id="{2293296F-4C3A-4530-98F5-F83646ACE913}"/>
               </a:ext>
               <a:ext uri="{C183D7F6-B498-43B3-948B-1728B52AA6E4}">
-                <adec:decorative xmlns:adec="http://schemas.microsoft.com/office/drawing/2017/decorative" val="1"/>
+                <adec:decorative xmlns:adec="http://schemas.microsoft.com/office/drawing/2017/decorative" xmlns="" val="1"/>
               </a:ext>
             </a:extLst>
           </p:cNvPr>
@@ -3108,10 +3108,10 @@
           <p:cNvPr id="8" name="Group 7">
             <a:extLst>
               <a:ext uri="{FF2B5EF4-FFF2-40B4-BE49-F238E27FC236}">
-                <a16:creationId xmlns:a16="http://schemas.microsoft.com/office/drawing/2014/main" id="{3914D2BD-3C47-433D-81FE-DC6C39595F0E}"/>
+                <a16:creationId xmlns:a16="http://schemas.microsoft.com/office/drawing/2014/main" xmlns="" id="{3914D2BD-3C47-433D-81FE-DC6C39595F0E}"/>
               </a:ext>
               <a:ext uri="{C183D7F6-B498-43B3-948B-1728B52AA6E4}">
-                <adec:decorative xmlns:adec="http://schemas.microsoft.com/office/drawing/2017/decorative" val="1"/>
+                <adec:decorative xmlns:adec="http://schemas.microsoft.com/office/drawing/2017/decorative" xmlns="" val="1"/>
               </a:ext>
             </a:extLst>
           </p:cNvPr>
@@ -3131,7 +3131,7 @@
             <p:cNvPr id="9" name="Straight Connector 8">
               <a:extLst>
                 <a:ext uri="{FF2B5EF4-FFF2-40B4-BE49-F238E27FC236}">
-                  <a16:creationId xmlns:a16="http://schemas.microsoft.com/office/drawing/2014/main" id="{D3DD55E4-EA4F-4874-8B5B-6E0EAF4BBFC4}"/>
+                  <a16:creationId xmlns:a16="http://schemas.microsoft.com/office/drawing/2014/main" xmlns="" id="{D3DD55E4-EA4F-4874-8B5B-6E0EAF4BBFC4}"/>
                 </a:ext>
               </a:extLst>
             </p:cNvPr>
@@ -3174,7 +3174,7 @@
             <p:cNvPr id="10" name="Straight Connector 9">
               <a:extLst>
                 <a:ext uri="{FF2B5EF4-FFF2-40B4-BE49-F238E27FC236}">
-                  <a16:creationId xmlns:a16="http://schemas.microsoft.com/office/drawing/2014/main" id="{32950BAF-7673-4138-AEA2-DE7D368CC357}"/>
+                  <a16:creationId xmlns:a16="http://schemas.microsoft.com/office/drawing/2014/main" xmlns="" id="{32950BAF-7673-4138-AEA2-DE7D368CC357}"/>
                 </a:ext>
               </a:extLst>
             </p:cNvPr>
@@ -3217,7 +3217,7 @@
             <p:cNvPr id="11" name="Straight Connector 10">
               <a:extLst>
                 <a:ext uri="{FF2B5EF4-FFF2-40B4-BE49-F238E27FC236}">
-                  <a16:creationId xmlns:a16="http://schemas.microsoft.com/office/drawing/2014/main" id="{6BE3E2B5-EA1C-415A-941A-843C7EA148E1}"/>
+                  <a16:creationId xmlns:a16="http://schemas.microsoft.com/office/drawing/2014/main" xmlns="" id="{6BE3E2B5-EA1C-415A-941A-843C7EA148E1}"/>
                 </a:ext>
               </a:extLst>
             </p:cNvPr>
@@ -3260,7 +3260,7 @@
             <p:cNvPr id="12" name="Straight Connector 11">
               <a:extLst>
                 <a:ext uri="{FF2B5EF4-FFF2-40B4-BE49-F238E27FC236}">
-                  <a16:creationId xmlns:a16="http://schemas.microsoft.com/office/drawing/2014/main" id="{087FA3A6-E398-4576-B6B8-3328028D84B2}"/>
+                  <a16:creationId xmlns:a16="http://schemas.microsoft.com/office/drawing/2014/main" xmlns="" id="{087FA3A6-E398-4576-B6B8-3328028D84B2}"/>
                 </a:ext>
               </a:extLst>
             </p:cNvPr>
@@ -3303,7 +3303,7 @@
             <p:cNvPr id="13" name="Graphic 33">
               <a:extLst>
                 <a:ext uri="{FF2B5EF4-FFF2-40B4-BE49-F238E27FC236}">
-                  <a16:creationId xmlns:a16="http://schemas.microsoft.com/office/drawing/2014/main" id="{EFB597D7-65E0-476A-B9EB-3AA6ED33884C}"/>
+                  <a16:creationId xmlns:a16="http://schemas.microsoft.com/office/drawing/2014/main" xmlns="" id="{EFB597D7-65E0-476A-B9EB-3AA6ED33884C}"/>
                 </a:ext>
               </a:extLst>
             </p:cNvPr>
@@ -3378,7 +3378,7 @@
             <p:cNvPr id="14" name="Graphic 33">
               <a:extLst>
                 <a:ext uri="{FF2B5EF4-FFF2-40B4-BE49-F238E27FC236}">
-                  <a16:creationId xmlns:a16="http://schemas.microsoft.com/office/drawing/2014/main" id="{11AA060A-BE0E-4687-8F9E-0E2955D9796D}"/>
+                  <a16:creationId xmlns:a16="http://schemas.microsoft.com/office/drawing/2014/main" xmlns="" id="{11AA060A-BE0E-4687-8F9E-0E2955D9796D}"/>
                 </a:ext>
               </a:extLst>
             </p:cNvPr>
@@ -3454,7 +3454,7 @@
           <p:cNvPr id="2" name="Title Placeholder 1">
             <a:extLst>
               <a:ext uri="{FF2B5EF4-FFF2-40B4-BE49-F238E27FC236}">
-                <a16:creationId xmlns:a16="http://schemas.microsoft.com/office/drawing/2014/main" id="{2D78318D-FE3E-41D7-9A8C-2065A2C46AF3}"/>
+                <a16:creationId xmlns:a16="http://schemas.microsoft.com/office/drawing/2014/main" xmlns="" id="{2D78318D-FE3E-41D7-9A8C-2065A2C46AF3}"/>
               </a:ext>
             </a:extLst>
           </p:cNvPr>
@@ -3493,7 +3493,7 @@
           <p:cNvPr id="3" name="Text Placeholder 2">
             <a:extLst>
               <a:ext uri="{FF2B5EF4-FFF2-40B4-BE49-F238E27FC236}">
-                <a16:creationId xmlns:a16="http://schemas.microsoft.com/office/drawing/2014/main" id="{FDB06718-79E7-4159-A003-F86FE7B3D829}"/>
+                <a16:creationId xmlns:a16="http://schemas.microsoft.com/office/drawing/2014/main" xmlns="" id="{FDB06718-79E7-4159-A003-F86FE7B3D829}"/>
               </a:ext>
             </a:extLst>
           </p:cNvPr>
@@ -3561,7 +3561,7 @@
           <p:cNvPr id="4" name="Date Placeholder 3">
             <a:extLst>
               <a:ext uri="{FF2B5EF4-FFF2-40B4-BE49-F238E27FC236}">
-                <a16:creationId xmlns:a16="http://schemas.microsoft.com/office/drawing/2014/main" id="{5B1F99FF-FFE2-431D-A0C8-A46C21712A20}"/>
+                <a16:creationId xmlns:a16="http://schemas.microsoft.com/office/drawing/2014/main" xmlns="" id="{5B1F99FF-FFE2-431D-A0C8-A46C21712A20}"/>
               </a:ext>
             </a:extLst>
           </p:cNvPr>
@@ -3598,7 +3598,7 @@
           <a:p>
             <a:fld id="{C0517C94-3B1E-4991-BED3-41F8B0158A00}" type="datetime1">
               <a:rPr lang="en-US" smtClean="0"/>
-              <a:t>10/30/2024</a:t>
+              <a:t>11/6/2024</a:t>
             </a:fld>
             <a:endParaRPr lang="en-US" dirty="0"/>
           </a:p>
@@ -3609,7 +3609,7 @@
           <p:cNvPr id="5" name="Footer Placeholder 4">
             <a:extLst>
               <a:ext uri="{FF2B5EF4-FFF2-40B4-BE49-F238E27FC236}">
-                <a16:creationId xmlns:a16="http://schemas.microsoft.com/office/drawing/2014/main" id="{51C3547E-668D-4191-847C-7424F75496E6}"/>
+                <a16:creationId xmlns:a16="http://schemas.microsoft.com/office/drawing/2014/main" xmlns="" id="{51C3547E-668D-4191-847C-7424F75496E6}"/>
               </a:ext>
             </a:extLst>
           </p:cNvPr>
@@ -3653,7 +3653,7 @@
           <p:cNvPr id="6" name="Slide Number Placeholder 5">
             <a:extLst>
               <a:ext uri="{FF2B5EF4-FFF2-40B4-BE49-F238E27FC236}">
-                <a16:creationId xmlns:a16="http://schemas.microsoft.com/office/drawing/2014/main" id="{8CBB6E6E-8527-4F63-A0C7-84CD44A2B00D}"/>
+                <a16:creationId xmlns:a16="http://schemas.microsoft.com/office/drawing/2014/main" xmlns="" id="{8CBB6E6E-8527-4F63-A0C7-84CD44A2B00D}"/>
               </a:ext>
             </a:extLst>
           </p:cNvPr>
@@ -3718,13 +3718,13 @@
     <p:sldLayoutId id="2147483683" r:id="rId10"/>
     <p:sldLayoutId id="2147483684" r:id="rId11"/>
   </p:sldLayoutIdLst>
-  <mc:AlternateContent xmlns:mc="http://schemas.openxmlformats.org/markup-compatibility/2006" xmlns:p159="http://schemas.microsoft.com/office/powerpoint/2015/09/main">
-    <mc:Choice Requires="p159">
+  <mc:AlternateContent xmlns:mc="http://schemas.openxmlformats.org/markup-compatibility/2006">
+    <mc:Choice xmlns:p159="http://schemas.microsoft.com/office/powerpoint/2015/09/main" xmlns="" Requires="p159">
       <p:transition xmlns:p14="http://schemas.microsoft.com/office/powerpoint/2010/main" spd="slow" p14:dur="2000">
         <p159:morph option="byObject"/>
       </p:transition>
     </mc:Choice>
-    <mc:Fallback xmlns="">
+    <mc:Fallback>
       <p:transition spd="slow">
         <p:fade/>
       </p:transition>
@@ -4062,10 +4062,10 @@
           <p:cNvPr id="9" name="Rectangle 8">
             <a:extLst>
               <a:ext uri="{FF2B5EF4-FFF2-40B4-BE49-F238E27FC236}">
-                <a16:creationId xmlns:a16="http://schemas.microsoft.com/office/drawing/2014/main" id="{A38827F1-3359-44F6-9009-43AE2B17FEAD}"/>
+                <a16:creationId xmlns:a16="http://schemas.microsoft.com/office/drawing/2014/main" xmlns="" id="{A38827F1-3359-44F6-9009-43AE2B17FEAD}"/>
               </a:ext>
               <a:ext uri="{C183D7F6-B498-43B3-948B-1728B52AA6E4}">
-                <adec:decorative xmlns:adec="http://schemas.microsoft.com/office/drawing/2017/decorative" val="1"/>
+                <adec:decorative xmlns:adec="http://schemas.microsoft.com/office/drawing/2017/decorative" xmlns="" val="1"/>
               </a:ext>
             </a:extLst>
           </p:cNvPr>
@@ -4075,7 +4075,7 @@
           <p:nvPr>
             <p:extLst>
               <p:ext uri="{386F3935-93C4-4BCD-93E2-E3B085C9AB24}">
-                <p16:designElem xmlns:p16="http://schemas.microsoft.com/office/powerpoint/2015/main" val="1"/>
+                <p16:designElem xmlns:p16="http://schemas.microsoft.com/office/powerpoint/2015/main" xmlns="" val="1"/>
               </p:ext>
             </p:extLst>
           </p:nvPr>
@@ -4122,10 +4122,10 @@
           <p:cNvPr id="11" name="Rectangle 10">
             <a:extLst>
               <a:ext uri="{FF2B5EF4-FFF2-40B4-BE49-F238E27FC236}">
-                <a16:creationId xmlns:a16="http://schemas.microsoft.com/office/drawing/2014/main" id="{17AFAD67-5350-4773-886F-D6DD7E66DB04}"/>
+                <a16:creationId xmlns:a16="http://schemas.microsoft.com/office/drawing/2014/main" xmlns="" id="{17AFAD67-5350-4773-886F-D6DD7E66DB04}"/>
               </a:ext>
               <a:ext uri="{C183D7F6-B498-43B3-948B-1728B52AA6E4}">
-                <adec:decorative xmlns:adec="http://schemas.microsoft.com/office/drawing/2017/decorative" val="1"/>
+                <adec:decorative xmlns:adec="http://schemas.microsoft.com/office/drawing/2017/decorative" xmlns="" val="1"/>
               </a:ext>
             </a:extLst>
           </p:cNvPr>
@@ -4135,7 +4135,7 @@
           <p:nvPr>
             <p:extLst>
               <p:ext uri="{386F3935-93C4-4BCD-93E2-E3B085C9AB24}">
-                <p16:designElem xmlns:p16="http://schemas.microsoft.com/office/powerpoint/2015/main" val="1"/>
+                <p16:designElem xmlns:p16="http://schemas.microsoft.com/office/powerpoint/2015/main" xmlns="" val="1"/>
               </p:ext>
             </p:extLst>
           </p:nvPr>
@@ -4185,7 +4185,7 @@
           <p:cNvPr id="4" name="Picture 3" descr="Volume indicators">
             <a:extLst>
               <a:ext uri="{FF2B5EF4-FFF2-40B4-BE49-F238E27FC236}">
-                <a16:creationId xmlns:a16="http://schemas.microsoft.com/office/drawing/2014/main" id="{44B9E4ED-C411-A81C-54E8-50F55C6C5676}"/>
+                <a16:creationId xmlns:a16="http://schemas.microsoft.com/office/drawing/2014/main" xmlns="" id="{44B9E4ED-C411-A81C-54E8-50F55C6C5676}"/>
               </a:ext>
             </a:extLst>
           </p:cNvPr>
@@ -4219,10 +4219,10 @@
           <p:cNvPr id="13" name="Group 12">
             <a:extLst>
               <a:ext uri="{FF2B5EF4-FFF2-40B4-BE49-F238E27FC236}">
-                <a16:creationId xmlns:a16="http://schemas.microsoft.com/office/drawing/2014/main" id="{654AC0FE-C43D-49AC-9730-284354DEC86E}"/>
+                <a16:creationId xmlns:a16="http://schemas.microsoft.com/office/drawing/2014/main" xmlns="" id="{654AC0FE-C43D-49AC-9730-284354DEC86E}"/>
               </a:ext>
               <a:ext uri="{C183D7F6-B498-43B3-948B-1728B52AA6E4}">
-                <adec:decorative xmlns:adec="http://schemas.microsoft.com/office/drawing/2017/decorative" val="1"/>
+                <adec:decorative xmlns:adec="http://schemas.microsoft.com/office/drawing/2017/decorative" xmlns="" val="1"/>
               </a:ext>
             </a:extLst>
           </p:cNvPr>
@@ -4232,7 +4232,7 @@
           <p:nvPr>
             <p:extLst>
               <p:ext uri="{386F3935-93C4-4BCD-93E2-E3B085C9AB24}">
-                <p16:designElem xmlns:p16="http://schemas.microsoft.com/office/powerpoint/2015/main" val="1"/>
+                <p16:designElem xmlns:p16="http://schemas.microsoft.com/office/powerpoint/2015/main" xmlns="" val="1"/>
               </p:ext>
             </p:extLst>
           </p:nvPr>
@@ -4250,10 +4250,10 @@
             <p:cNvPr id="14" name="Straight Connector 13">
               <a:extLst>
                 <a:ext uri="{FF2B5EF4-FFF2-40B4-BE49-F238E27FC236}">
-                  <a16:creationId xmlns:a16="http://schemas.microsoft.com/office/drawing/2014/main" id="{246F6FE9-8F24-4E96-8FA6-DABE61A20CF5}"/>
+                  <a16:creationId xmlns:a16="http://schemas.microsoft.com/office/drawing/2014/main" xmlns="" id="{246F6FE9-8F24-4E96-8FA6-DABE61A20CF5}"/>
                 </a:ext>
                 <a:ext uri="{C183D7F6-B498-43B3-948B-1728B52AA6E4}">
-                  <adec:decorative xmlns:adec="http://schemas.microsoft.com/office/drawing/2017/decorative" val="1"/>
+                  <adec:decorative xmlns:adec="http://schemas.microsoft.com/office/drawing/2017/decorative" xmlns="" val="1"/>
                 </a:ext>
               </a:extLst>
             </p:cNvPr>
@@ -4263,7 +4263,7 @@
             <p:nvPr>
               <p:extLst>
                 <p:ext uri="{386F3935-93C4-4BCD-93E2-E3B085C9AB24}">
-                  <p16:designElem xmlns:p16="http://schemas.microsoft.com/office/powerpoint/2015/main" val="1"/>
+                  <p16:designElem xmlns:p16="http://schemas.microsoft.com/office/powerpoint/2015/main" xmlns="" val="1"/>
                 </p:ext>
               </p:extLst>
             </p:nvPr>
@@ -4302,10 +4302,10 @@
             <p:cNvPr id="15" name="Straight Connector 14">
               <a:extLst>
                 <a:ext uri="{FF2B5EF4-FFF2-40B4-BE49-F238E27FC236}">
-                  <a16:creationId xmlns:a16="http://schemas.microsoft.com/office/drawing/2014/main" id="{40C5E755-8FD9-4EBF-978B-015F9339F30F}"/>
+                  <a16:creationId xmlns:a16="http://schemas.microsoft.com/office/drawing/2014/main" xmlns="" id="{40C5E755-8FD9-4EBF-978B-015F9339F30F}"/>
                 </a:ext>
                 <a:ext uri="{C183D7F6-B498-43B3-948B-1728B52AA6E4}">
-                  <adec:decorative xmlns:adec="http://schemas.microsoft.com/office/drawing/2017/decorative" val="1"/>
+                  <adec:decorative xmlns:adec="http://schemas.microsoft.com/office/drawing/2017/decorative" xmlns="" val="1"/>
                 </a:ext>
               </a:extLst>
             </p:cNvPr>
@@ -4315,7 +4315,7 @@
             <p:nvPr>
               <p:extLst>
                 <p:ext uri="{386F3935-93C4-4BCD-93E2-E3B085C9AB24}">
-                  <p16:designElem xmlns:p16="http://schemas.microsoft.com/office/powerpoint/2015/main" val="1"/>
+                  <p16:designElem xmlns:p16="http://schemas.microsoft.com/office/powerpoint/2015/main" xmlns="" val="1"/>
                 </p:ext>
               </p:extLst>
             </p:nvPr>
@@ -4354,10 +4354,10 @@
             <p:cNvPr id="16" name="Straight Connector 15">
               <a:extLst>
                 <a:ext uri="{FF2B5EF4-FFF2-40B4-BE49-F238E27FC236}">
-                  <a16:creationId xmlns:a16="http://schemas.microsoft.com/office/drawing/2014/main" id="{9C7F63B7-3E85-42EC-8447-F6699247ECB5}"/>
+                  <a16:creationId xmlns:a16="http://schemas.microsoft.com/office/drawing/2014/main" xmlns="" id="{9C7F63B7-3E85-42EC-8447-F6699247ECB5}"/>
                 </a:ext>
                 <a:ext uri="{C183D7F6-B498-43B3-948B-1728B52AA6E4}">
-                  <adec:decorative xmlns:adec="http://schemas.microsoft.com/office/drawing/2017/decorative" val="1"/>
+                  <adec:decorative xmlns:adec="http://schemas.microsoft.com/office/drawing/2017/decorative" xmlns="" val="1"/>
                 </a:ext>
               </a:extLst>
             </p:cNvPr>
@@ -4367,7 +4367,7 @@
             <p:nvPr>
               <p:extLst>
                 <p:ext uri="{386F3935-93C4-4BCD-93E2-E3B085C9AB24}">
-                  <p16:designElem xmlns:p16="http://schemas.microsoft.com/office/powerpoint/2015/main" val="1"/>
+                  <p16:designElem xmlns:p16="http://schemas.microsoft.com/office/powerpoint/2015/main" xmlns="" val="1"/>
                 </p:ext>
               </p:extLst>
             </p:nvPr>
@@ -4406,10 +4406,10 @@
             <p:cNvPr id="17" name="Graphic 11">
               <a:extLst>
                 <a:ext uri="{FF2B5EF4-FFF2-40B4-BE49-F238E27FC236}">
-                  <a16:creationId xmlns:a16="http://schemas.microsoft.com/office/drawing/2014/main" id="{AFDFA9EA-AAC0-416F-A0E9-ACD410E9DA59}"/>
+                  <a16:creationId xmlns:a16="http://schemas.microsoft.com/office/drawing/2014/main" xmlns="" id="{AFDFA9EA-AAC0-416F-A0E9-ACD410E9DA59}"/>
                 </a:ext>
                 <a:ext uri="{C183D7F6-B498-43B3-948B-1728B52AA6E4}">
-                  <adec:decorative xmlns:adec="http://schemas.microsoft.com/office/drawing/2017/decorative" val="1"/>
+                  <adec:decorative xmlns:adec="http://schemas.microsoft.com/office/drawing/2017/decorative" xmlns="" val="1"/>
                 </a:ext>
               </a:extLst>
             </p:cNvPr>
@@ -4417,7 +4417,7 @@
             <p:nvPr>
               <p:extLst>
                 <p:ext uri="{386F3935-93C4-4BCD-93E2-E3B085C9AB24}">
-                  <p16:designElem xmlns:p16="http://schemas.microsoft.com/office/powerpoint/2015/main" val="1"/>
+                  <p16:designElem xmlns:p16="http://schemas.microsoft.com/office/powerpoint/2015/main" xmlns="" val="1"/>
                 </p:ext>
               </p:extLst>
             </p:nvPr>
@@ -4530,10 +4530,10 @@
             <p:cNvPr id="18" name="Straight Connector 17">
               <a:extLst>
                 <a:ext uri="{FF2B5EF4-FFF2-40B4-BE49-F238E27FC236}">
-                  <a16:creationId xmlns:a16="http://schemas.microsoft.com/office/drawing/2014/main" id="{C4EF7E7E-9948-4D78-BE70-F624A62D8532}"/>
+                  <a16:creationId xmlns:a16="http://schemas.microsoft.com/office/drawing/2014/main" xmlns="" id="{C4EF7E7E-9948-4D78-BE70-F624A62D8532}"/>
                 </a:ext>
                 <a:ext uri="{C183D7F6-B498-43B3-948B-1728B52AA6E4}">
-                  <adec:decorative xmlns:adec="http://schemas.microsoft.com/office/drawing/2017/decorative" val="1"/>
+                  <adec:decorative xmlns:adec="http://schemas.microsoft.com/office/drawing/2017/decorative" xmlns="" val="1"/>
                 </a:ext>
               </a:extLst>
             </p:cNvPr>
@@ -4543,7 +4543,7 @@
             <p:nvPr>
               <p:extLst>
                 <p:ext uri="{386F3935-93C4-4BCD-93E2-E3B085C9AB24}">
-                  <p16:designElem xmlns:p16="http://schemas.microsoft.com/office/powerpoint/2015/main" val="1"/>
+                  <p16:designElem xmlns:p16="http://schemas.microsoft.com/office/powerpoint/2015/main" xmlns="" val="1"/>
                 </p:ext>
               </p:extLst>
             </p:nvPr>
@@ -4582,10 +4582,10 @@
             <p:cNvPr id="19" name="Straight Connector 18">
               <a:extLst>
                 <a:ext uri="{FF2B5EF4-FFF2-40B4-BE49-F238E27FC236}">
-                  <a16:creationId xmlns:a16="http://schemas.microsoft.com/office/drawing/2014/main" id="{6975AAAB-9AEC-496F-94E4-CE5330CB49FA}"/>
+                  <a16:creationId xmlns:a16="http://schemas.microsoft.com/office/drawing/2014/main" xmlns="" id="{6975AAAB-9AEC-496F-94E4-CE5330CB49FA}"/>
                 </a:ext>
                 <a:ext uri="{C183D7F6-B498-43B3-948B-1728B52AA6E4}">
-                  <adec:decorative xmlns:adec="http://schemas.microsoft.com/office/drawing/2017/decorative" val="1"/>
+                  <adec:decorative xmlns:adec="http://schemas.microsoft.com/office/drawing/2017/decorative" xmlns="" val="1"/>
                 </a:ext>
               </a:extLst>
             </p:cNvPr>
@@ -4595,7 +4595,7 @@
             <p:nvPr>
               <p:extLst>
                 <p:ext uri="{386F3935-93C4-4BCD-93E2-E3B085C9AB24}">
-                  <p16:designElem xmlns:p16="http://schemas.microsoft.com/office/powerpoint/2015/main" val="1"/>
+                  <p16:designElem xmlns:p16="http://schemas.microsoft.com/office/powerpoint/2015/main" xmlns="" val="1"/>
                 </p:ext>
               </p:extLst>
             </p:nvPr>
@@ -4634,10 +4634,10 @@
             <p:cNvPr id="20" name="Straight Connector 19">
               <a:extLst>
                 <a:ext uri="{FF2B5EF4-FFF2-40B4-BE49-F238E27FC236}">
-                  <a16:creationId xmlns:a16="http://schemas.microsoft.com/office/drawing/2014/main" id="{EB5BF383-42C5-4FE4-894A-17B84AF224FE}"/>
+                  <a16:creationId xmlns:a16="http://schemas.microsoft.com/office/drawing/2014/main" xmlns="" id="{EB5BF383-42C5-4FE4-894A-17B84AF224FE}"/>
                 </a:ext>
                 <a:ext uri="{C183D7F6-B498-43B3-948B-1728B52AA6E4}">
-                  <adec:decorative xmlns:adec="http://schemas.microsoft.com/office/drawing/2017/decorative" val="1"/>
+                  <adec:decorative xmlns:adec="http://schemas.microsoft.com/office/drawing/2017/decorative" xmlns="" val="1"/>
                 </a:ext>
               </a:extLst>
             </p:cNvPr>
@@ -4647,7 +4647,7 @@
             <p:nvPr>
               <p:extLst>
                 <p:ext uri="{386F3935-93C4-4BCD-93E2-E3B085C9AB24}">
-                  <p16:designElem xmlns:p16="http://schemas.microsoft.com/office/powerpoint/2015/main" val="1"/>
+                  <p16:designElem xmlns:p16="http://schemas.microsoft.com/office/powerpoint/2015/main" xmlns="" val="1"/>
                 </p:ext>
               </p:extLst>
             </p:nvPr>
@@ -4730,18 +4730,25 @@
   <p:clrMapOvr>
     <a:overrideClrMapping bg1="dk1" tx1="lt1" bg2="dk2" tx2="lt2" accent1="accent1" accent2="accent2" accent3="accent3" accent4="accent4" accent5="accent5" accent6="accent6" hlink="hlink" folHlink="folHlink"/>
   </p:clrMapOvr>
-  <mc:AlternateContent xmlns:mc="http://schemas.openxmlformats.org/markup-compatibility/2006" xmlns:p159="http://schemas.microsoft.com/office/powerpoint/2015/09/main">
-    <mc:Choice Requires="p159">
+  <mc:AlternateContent xmlns:mc="http://schemas.openxmlformats.org/markup-compatibility/2006">
+    <mc:Choice xmlns:p159="http://schemas.microsoft.com/office/powerpoint/2015/09/main" xmlns="" Requires="p159">
       <p:transition xmlns:p14="http://schemas.microsoft.com/office/powerpoint/2010/main" spd="slow" p14:dur="2000">
         <p159:morph option="byObject"/>
       </p:transition>
     </mc:Choice>
-    <mc:Fallback xmlns="">
+    <mc:Fallback>
       <p:transition spd="slow">
         <p:fade/>
       </p:transition>
     </mc:Fallback>
   </mc:AlternateContent>
+  <p:timing>
+    <p:tnLst>
+      <p:par>
+        <p:cTn id="1" dur="indefinite" restart="never" nodeType="tmRoot"/>
+      </p:par>
+    </p:tnLst>
+  </p:timing>
 </p:sld>
 </file>
 
@@ -4767,7 +4774,7 @@
           <p:cNvPr id="15" name="Content Placeholder 14">
             <a:extLst>
               <a:ext uri="{FF2B5EF4-FFF2-40B4-BE49-F238E27FC236}">
-                <a16:creationId xmlns:a16="http://schemas.microsoft.com/office/drawing/2014/main" id="{D090E16E-A951-4315-AAFC-AAC6D3918528}"/>
+                <a16:creationId xmlns:a16="http://schemas.microsoft.com/office/drawing/2014/main" xmlns="" id="{D090E16E-A951-4315-AAFC-AAC6D3918528}"/>
               </a:ext>
             </a:extLst>
           </p:cNvPr>
@@ -4792,7 +4799,7 @@
         </p:blipFill>
         <p:spPr>
           <a:xfrm>
-            <a:off x="651000" y="561181"/>
+            <a:off x="650999" y="617348"/>
             <a:ext cx="4781612" cy="5735637"/>
           </a:xfrm>
         </p:spPr>
@@ -4802,7 +4809,7 @@
           <p:cNvPr id="19" name="Picture 18">
             <a:extLst>
               <a:ext uri="{FF2B5EF4-FFF2-40B4-BE49-F238E27FC236}">
-                <a16:creationId xmlns:a16="http://schemas.microsoft.com/office/drawing/2014/main" id="{75FACC1E-DCAB-46BC-9B36-FFBF6A7E8347}"/>
+                <a16:creationId xmlns:a16="http://schemas.microsoft.com/office/drawing/2014/main" xmlns="" id="{75FACC1E-DCAB-46BC-9B36-FFBF6A7E8347}"/>
               </a:ext>
             </a:extLst>
           </p:cNvPr>
@@ -4838,7 +4845,7 @@
           <p:cNvPr id="21" name="Picture 20">
             <a:extLst>
               <a:ext uri="{FF2B5EF4-FFF2-40B4-BE49-F238E27FC236}">
-                <a16:creationId xmlns:a16="http://schemas.microsoft.com/office/drawing/2014/main" id="{D9B7A3FC-1E3C-4F83-984A-0EAD7BD896CF}"/>
+                <a16:creationId xmlns:a16="http://schemas.microsoft.com/office/drawing/2014/main" xmlns="" id="{D9B7A3FC-1E3C-4F83-984A-0EAD7BD896CF}"/>
               </a:ext>
             </a:extLst>
           </p:cNvPr>
@@ -4874,7 +4881,7 @@
           <p:cNvPr id="23" name="Picture 22">
             <a:extLst>
               <a:ext uri="{FF2B5EF4-FFF2-40B4-BE49-F238E27FC236}">
-                <a16:creationId xmlns:a16="http://schemas.microsoft.com/office/drawing/2014/main" id="{1AF7F1A6-19AB-43C0-ADDC-ECF17C9A203F}"/>
+                <a16:creationId xmlns:a16="http://schemas.microsoft.com/office/drawing/2014/main" xmlns="" id="{1AF7F1A6-19AB-43C0-ADDC-ECF17C9A203F}"/>
               </a:ext>
             </a:extLst>
           </p:cNvPr>
@@ -4910,7 +4917,7 @@
           <p:cNvPr id="6" name="Title 1">
             <a:extLst>
               <a:ext uri="{FF2B5EF4-FFF2-40B4-BE49-F238E27FC236}">
-                <a16:creationId xmlns:a16="http://schemas.microsoft.com/office/drawing/2014/main" id="{B0FFD169-9772-48D6-A11E-645ED2D5D4F4}"/>
+                <a16:creationId xmlns:a16="http://schemas.microsoft.com/office/drawing/2014/main" xmlns="" id="{B0FFD169-9772-48D6-A11E-645ED2D5D4F4}"/>
               </a:ext>
             </a:extLst>
           </p:cNvPr>
@@ -4951,33 +4958,42 @@
   <p:clrMapOvr>
     <a:masterClrMapping/>
   </p:clrMapOvr>
-  <mc:AlternateContent xmlns:mc="http://schemas.openxmlformats.org/markup-compatibility/2006" xmlns:p159="http://schemas.microsoft.com/office/powerpoint/2015/09/main">
-    <mc:Choice Requires="p159">
+  <mc:AlternateContent xmlns:mc="http://schemas.openxmlformats.org/markup-compatibility/2006">
+    <mc:Choice xmlns:p159="http://schemas.microsoft.com/office/powerpoint/2015/09/main" xmlns="" Requires="p159">
       <p:transition xmlns:p14="http://schemas.microsoft.com/office/powerpoint/2010/main" spd="slow" p14:dur="2000">
         <p159:morph option="byObject"/>
       </p:transition>
     </mc:Choice>
-    <mc:Fallback xmlns="">
+    <mc:Fallback>
       <p:transition spd="slow">
         <p:fade/>
       </p:transition>
     </mc:Fallback>
   </mc:AlternateContent>
+  <p:timing>
+    <p:tnLst>
+      <p:par>
+        <p:cTn id="1" dur="indefinite" restart="never" nodeType="tmRoot"/>
+      </p:par>
+    </p:tnLst>
+  </p:timing>
 </p:sld>
 </file>
 
 <file path=ppt/slides/slide11.xml><?xml version="1.0" encoding="utf-8"?>
 <p:sld xmlns:a="http://schemas.openxmlformats.org/drawingml/2006/main" xmlns:r="http://schemas.openxmlformats.org/officeDocument/2006/relationships" xmlns:p="http://schemas.openxmlformats.org/presentationml/2006/main">
   <p:cSld>
+    <p:bg>
+      <p:bgPr>
+        <a:solidFill>
+          <a:schemeClr val="bg1"/>
+        </a:solidFill>
+        <a:effectLst/>
+      </p:bgPr>
+    </p:bg>
     <p:spTree>
       <p:nvGrpSpPr>
-        <p:cNvPr id="1" name="">
-          <a:extLst>
-            <a:ext uri="{FF2B5EF4-FFF2-40B4-BE49-F238E27FC236}">
-              <a16:creationId xmlns:a16="http://schemas.microsoft.com/office/drawing/2014/main" id="{B910DEBA-E1FB-441C-9D02-413E99C4E141}"/>
-            </a:ext>
-          </a:extLst>
-        </p:cNvPr>
+        <p:cNvPr id="1" name=""/>
         <p:cNvGrpSpPr/>
         <p:nvPr/>
       </p:nvGrpSpPr>
@@ -4991,236 +5007,1601 @@
       </p:grpSpPr>
       <p:sp>
         <p:nvSpPr>
-          <p:cNvPr id="2" name="Title 1">
+          <p:cNvPr id="38" name="Rectangle 6">
             <a:extLst>
               <a:ext uri="{FF2B5EF4-FFF2-40B4-BE49-F238E27FC236}">
-                <a16:creationId xmlns:a16="http://schemas.microsoft.com/office/drawing/2014/main" id="{F95D02F2-9049-9219-5512-6BD522C94445}"/>
+                <a16:creationId xmlns:a16="http://schemas.microsoft.com/office/drawing/2014/main" xmlns="" id="{2293296F-4C3A-4530-98F5-F83646ACE913}"/>
+              </a:ext>
+              <a:ext uri="{C183D7F6-B498-43B3-948B-1728B52AA6E4}">
+                <adec:decorative xmlns:adec="http://schemas.microsoft.com/office/drawing/2017/decorative" xmlns="" val="1"/>
               </a:ext>
             </a:extLst>
           </p:cNvPr>
           <p:cNvSpPr>
-            <a:spLocks noGrp="1"/>
+            <a:spLocks noGrp="1" noRot="1" noChangeAspect="1" noMove="1" noResize="1" noEditPoints="1" noAdjustHandles="1" noChangeArrowheads="1" noChangeShapeType="1" noTextEdit="1"/>
           </p:cNvSpPr>
           <p:nvPr>
-            <p:ph type="title"/>
+            <p:extLst>
+              <p:ext uri="{386F3935-93C4-4BCD-93E2-E3B085C9AB24}">
+                <p16:designElem xmlns:p16="http://schemas.microsoft.com/office/powerpoint/2015/main" xmlns="" val="1"/>
+              </p:ext>
+            </p:extLst>
           </p:nvPr>
         </p:nvSpPr>
         <p:spPr>
           <a:xfrm>
-            <a:off x="-752354" y="3795"/>
-            <a:ext cx="12944355" cy="632813"/>
+            <a:off x="2189" y="0"/>
+            <a:ext cx="12192000" cy="6857997"/>
           </a:xfrm>
+          <a:prstGeom prst="rect">
+            <a:avLst/>
+          </a:prstGeom>
+          <a:solidFill>
+            <a:schemeClr val="bg2">
+              <a:lumMod val="60000"/>
+              <a:lumOff val="40000"/>
+            </a:schemeClr>
+          </a:solidFill>
+          <a:ln>
+            <a:noFill/>
+          </a:ln>
         </p:spPr>
+        <p:style>
+          <a:lnRef idx="2">
+            <a:schemeClr val="accent1">
+              <a:shade val="50000"/>
+            </a:schemeClr>
+          </a:lnRef>
+          <a:fillRef idx="1">
+            <a:schemeClr val="accent1"/>
+          </a:fillRef>
+          <a:effectRef idx="0">
+            <a:schemeClr val="accent1"/>
+          </a:effectRef>
+          <a:fontRef idx="minor">
+            <a:schemeClr val="lt1"/>
+          </a:fontRef>
+        </p:style>
         <p:txBody>
-          <a:bodyPr>
-            <a:normAutofit/>
-          </a:bodyPr>
+          <a:bodyPr rtlCol="0" anchor="ctr"/>
           <a:lstStyle/>
           <a:p>
             <a:pPr algn="ctr"/>
-            <a:r>
-              <a:rPr lang="en-US" sz="2000" dirty="0">
-                <a:solidFill>
-                  <a:schemeClr val="accent1">
-                    <a:lumMod val="75000"/>
-                  </a:schemeClr>
-                </a:solidFill>
-              </a:rPr>
-              <a:t>cost calculations according to Egyptian market conditions and the feasibility considerations</a:t>
-            </a:r>
+            <a:endParaRPr lang="en-US" dirty="0"/>
+          </a:p>
+        </p:txBody>
+      </p:sp>
+      <p:grpSp>
+        <p:nvGrpSpPr>
+          <p:cNvPr id="39" name="Group 8">
+            <a:extLst>
+              <a:ext uri="{FF2B5EF4-FFF2-40B4-BE49-F238E27FC236}">
+                <a16:creationId xmlns:a16="http://schemas.microsoft.com/office/drawing/2014/main" xmlns="" id="{3914D2BD-3C47-433D-81FE-DC6C39595F0E}"/>
+              </a:ext>
+              <a:ext uri="{C183D7F6-B498-43B3-948B-1728B52AA6E4}">
+                <adec:decorative xmlns:adec="http://schemas.microsoft.com/office/drawing/2017/decorative" xmlns="" val="1"/>
+              </a:ext>
+            </a:extLst>
+          </p:cNvPr>
+          <p:cNvGrpSpPr>
+            <a:grpSpLocks noGrp="1" noUngrp="1" noRot="1" noChangeAspect="1" noMove="1" noResize="1"/>
+          </p:cNvGrpSpPr>
+          <p:nvPr>
+            <p:extLst>
+              <p:ext uri="{386F3935-93C4-4BCD-93E2-E3B085C9AB24}">
+                <p16:designElem xmlns:p16="http://schemas.microsoft.com/office/powerpoint/2015/main" xmlns="" val="1"/>
+              </p:ext>
+            </p:extLst>
+          </p:nvPr>
+        </p:nvGrpSpPr>
+        <p:grpSpPr>
+          <a:xfrm>
+            <a:off x="572" y="-1"/>
+            <a:ext cx="12192000" cy="6857996"/>
+            <a:chOff x="572" y="-1"/>
+            <a:chExt cx="12192000" cy="6857996"/>
+          </a:xfrm>
+        </p:grpSpPr>
+        <p:cxnSp>
+          <p:nvCxnSpPr>
+            <p:cNvPr id="10" name="Straight Connector 9">
+              <a:extLst>
+                <a:ext uri="{FF2B5EF4-FFF2-40B4-BE49-F238E27FC236}">
+                  <a16:creationId xmlns:a16="http://schemas.microsoft.com/office/drawing/2014/main" xmlns="" id="{D3DD55E4-EA4F-4874-8B5B-6E0EAF4BBFC4}"/>
+                </a:ext>
+                <a:ext uri="{C183D7F6-B498-43B3-948B-1728B52AA6E4}">
+                  <adec:decorative xmlns:adec="http://schemas.microsoft.com/office/drawing/2017/decorative" xmlns="" val="1"/>
+                </a:ext>
+              </a:extLst>
+            </p:cNvPr>
+            <p:cNvCxnSpPr>
+              <a:cxnSpLocks/>
+            </p:cNvCxnSpPr>
+            <p:nvPr>
+              <p:extLst>
+                <p:ext uri="{386F3935-93C4-4BCD-93E2-E3B085C9AB24}">
+                  <p16:designElem xmlns:p16="http://schemas.microsoft.com/office/powerpoint/2015/main" xmlns="" val="1"/>
+                </p:ext>
+              </p:extLst>
+            </p:nvPr>
+          </p:nvCxnSpPr>
+          <p:spPr>
+            <a:xfrm>
+              <a:off x="1667" y="6276706"/>
+              <a:ext cx="12189811" cy="0"/>
+            </a:xfrm>
+            <a:prstGeom prst="line">
+              <a:avLst/>
+            </a:prstGeom>
+            <a:ln w="12700">
+              <a:solidFill>
+                <a:schemeClr val="accent4"/>
+              </a:solidFill>
+            </a:ln>
+          </p:spPr>
+          <p:style>
+            <a:lnRef idx="1">
+              <a:schemeClr val="accent1"/>
+            </a:lnRef>
+            <a:fillRef idx="0">
+              <a:schemeClr val="accent1"/>
+            </a:fillRef>
+            <a:effectRef idx="0">
+              <a:schemeClr val="accent1"/>
+            </a:effectRef>
+            <a:fontRef idx="minor">
+              <a:schemeClr val="tx1"/>
+            </a:fontRef>
+          </p:style>
+        </p:cxnSp>
+        <p:cxnSp>
+          <p:nvCxnSpPr>
+            <p:cNvPr id="11" name="Straight Connector 10">
+              <a:extLst>
+                <a:ext uri="{FF2B5EF4-FFF2-40B4-BE49-F238E27FC236}">
+                  <a16:creationId xmlns:a16="http://schemas.microsoft.com/office/drawing/2014/main" xmlns="" id="{32950BAF-7673-4138-AEA2-DE7D368CC357}"/>
+                </a:ext>
+                <a:ext uri="{C183D7F6-B498-43B3-948B-1728B52AA6E4}">
+                  <adec:decorative xmlns:adec="http://schemas.microsoft.com/office/drawing/2017/decorative" xmlns="" val="1"/>
+                </a:ext>
+              </a:extLst>
+            </p:cNvPr>
+            <p:cNvCxnSpPr>
+              <a:cxnSpLocks/>
+            </p:cNvCxnSpPr>
+            <p:nvPr>
+              <p:extLst>
+                <p:ext uri="{386F3935-93C4-4BCD-93E2-E3B085C9AB24}">
+                  <p16:designElem xmlns:p16="http://schemas.microsoft.com/office/powerpoint/2015/main" xmlns="" val="1"/>
+                </p:ext>
+              </p:extLst>
+            </p:nvPr>
+          </p:nvCxnSpPr>
+          <p:spPr>
+            <a:xfrm>
+              <a:off x="572" y="580876"/>
+              <a:ext cx="12192000" cy="0"/>
+            </a:xfrm>
+            <a:prstGeom prst="line">
+              <a:avLst/>
+            </a:prstGeom>
+            <a:ln w="12700">
+              <a:solidFill>
+                <a:schemeClr val="accent4"/>
+              </a:solidFill>
+            </a:ln>
+          </p:spPr>
+          <p:style>
+            <a:lnRef idx="1">
+              <a:schemeClr val="accent1"/>
+            </a:lnRef>
+            <a:fillRef idx="0">
+              <a:schemeClr val="accent1"/>
+            </a:fillRef>
+            <a:effectRef idx="0">
+              <a:schemeClr val="accent1"/>
+            </a:effectRef>
+            <a:fontRef idx="minor">
+              <a:schemeClr val="tx1"/>
+            </a:fontRef>
+          </p:style>
+        </p:cxnSp>
+        <p:cxnSp>
+          <p:nvCxnSpPr>
+            <p:cNvPr id="12" name="Straight Connector 11">
+              <a:extLst>
+                <a:ext uri="{FF2B5EF4-FFF2-40B4-BE49-F238E27FC236}">
+                  <a16:creationId xmlns:a16="http://schemas.microsoft.com/office/drawing/2014/main" xmlns="" id="{6BE3E2B5-EA1C-415A-941A-843C7EA148E1}"/>
+                </a:ext>
+                <a:ext uri="{C183D7F6-B498-43B3-948B-1728B52AA6E4}">
+                  <adec:decorative xmlns:adec="http://schemas.microsoft.com/office/drawing/2017/decorative" xmlns="" val="1"/>
+                </a:ext>
+              </a:extLst>
+            </p:cNvPr>
+            <p:cNvCxnSpPr>
+              <a:cxnSpLocks/>
+            </p:cNvCxnSpPr>
+            <p:nvPr>
+              <p:extLst>
+                <p:ext uri="{386F3935-93C4-4BCD-93E2-E3B085C9AB24}">
+                  <p16:designElem xmlns:p16="http://schemas.microsoft.com/office/powerpoint/2015/main" xmlns="" val="1"/>
+                </p:ext>
+              </p:extLst>
+            </p:nvPr>
+          </p:nvCxnSpPr>
+          <p:spPr>
+            <a:xfrm rot="16200000">
+              <a:off x="8134324" y="3428956"/>
+              <a:ext cx="6857912" cy="0"/>
+            </a:xfrm>
+            <a:prstGeom prst="line">
+              <a:avLst/>
+            </a:prstGeom>
+            <a:ln w="12700">
+              <a:solidFill>
+                <a:schemeClr val="accent4"/>
+              </a:solidFill>
+            </a:ln>
+          </p:spPr>
+          <p:style>
+            <a:lnRef idx="1">
+              <a:schemeClr val="accent1"/>
+            </a:lnRef>
+            <a:fillRef idx="0">
+              <a:schemeClr val="accent1"/>
+            </a:fillRef>
+            <a:effectRef idx="0">
+              <a:schemeClr val="accent1"/>
+            </a:effectRef>
+            <a:fontRef idx="minor">
+              <a:schemeClr val="tx1"/>
+            </a:fontRef>
+          </p:style>
+        </p:cxnSp>
+        <p:cxnSp>
+          <p:nvCxnSpPr>
+            <p:cNvPr id="13" name="Straight Connector 12">
+              <a:extLst>
+                <a:ext uri="{FF2B5EF4-FFF2-40B4-BE49-F238E27FC236}">
+                  <a16:creationId xmlns:a16="http://schemas.microsoft.com/office/drawing/2014/main" xmlns="" id="{087FA3A6-E398-4576-B6B8-3328028D84B2}"/>
+                </a:ext>
+                <a:ext uri="{C183D7F6-B498-43B3-948B-1728B52AA6E4}">
+                  <adec:decorative xmlns:adec="http://schemas.microsoft.com/office/drawing/2017/decorative" xmlns="" val="1"/>
+                </a:ext>
+              </a:extLst>
+            </p:cNvPr>
+            <p:cNvCxnSpPr>
+              <a:cxnSpLocks/>
+            </p:cNvCxnSpPr>
+            <p:nvPr>
+              <p:extLst>
+                <p:ext uri="{386F3935-93C4-4BCD-93E2-E3B085C9AB24}">
+                  <p16:designElem xmlns:p16="http://schemas.microsoft.com/office/powerpoint/2015/main" xmlns="" val="1"/>
+                </p:ext>
+              </p:extLst>
+            </p:nvPr>
+          </p:nvCxnSpPr>
+          <p:spPr>
+            <a:xfrm rot="16200000">
+              <a:off x="-2794261" y="3428956"/>
+              <a:ext cx="6857912" cy="0"/>
+            </a:xfrm>
+            <a:prstGeom prst="line">
+              <a:avLst/>
+            </a:prstGeom>
+            <a:ln w="12700">
+              <a:solidFill>
+                <a:schemeClr val="accent4"/>
+              </a:solidFill>
+            </a:ln>
+          </p:spPr>
+          <p:style>
+            <a:lnRef idx="1">
+              <a:schemeClr val="accent1"/>
+            </a:lnRef>
+            <a:fillRef idx="0">
+              <a:schemeClr val="accent1"/>
+            </a:fillRef>
+            <a:effectRef idx="0">
+              <a:schemeClr val="accent1"/>
+            </a:effectRef>
+            <a:fontRef idx="minor">
+              <a:schemeClr val="tx1"/>
+            </a:fontRef>
+          </p:style>
+        </p:cxnSp>
+        <p:sp>
+          <p:nvSpPr>
+            <p:cNvPr id="14" name="Graphic 33">
+              <a:extLst>
+                <a:ext uri="{FF2B5EF4-FFF2-40B4-BE49-F238E27FC236}">
+                  <a16:creationId xmlns:a16="http://schemas.microsoft.com/office/drawing/2014/main" xmlns="" id="{EFB597D7-65E0-476A-B9EB-3AA6ED33884C}"/>
+                </a:ext>
+                <a:ext uri="{C183D7F6-B498-43B3-948B-1728B52AA6E4}">
+                  <adec:decorative xmlns:adec="http://schemas.microsoft.com/office/drawing/2017/decorative" xmlns="" val="1"/>
+                </a:ext>
+              </a:extLst>
+            </p:cNvPr>
+            <p:cNvSpPr/>
+            <p:nvPr>
+              <p:extLst>
+                <p:ext uri="{386F3935-93C4-4BCD-93E2-E3B085C9AB24}">
+                  <p16:designElem xmlns:p16="http://schemas.microsoft.com/office/powerpoint/2015/main" xmlns="" val="1"/>
+                </p:ext>
+              </p:extLst>
+            </p:nvPr>
+          </p:nvSpPr>
+          <p:spPr>
+            <a:xfrm>
+              <a:off x="4277016" y="-1"/>
+              <a:ext cx="3637968" cy="580875"/>
+            </a:xfrm>
+            <a:custGeom>
+              <a:avLst/>
+              <a:gdLst>
+                <a:gd name="connsiteX0" fmla="*/ 0 w 2679858"/>
+                <a:gd name="connsiteY0" fmla="*/ 4953 h 434911"/>
+                <a:gd name="connsiteX1" fmla="*/ 1336548 w 2679858"/>
+                <a:gd name="connsiteY1" fmla="*/ 434912 h 434911"/>
+                <a:gd name="connsiteX2" fmla="*/ 2679859 w 2679858"/>
+                <a:gd name="connsiteY2" fmla="*/ 0 h 434911"/>
+              </a:gdLst>
+              <a:ahLst/>
+              <a:cxnLst>
+                <a:cxn ang="0">
+                  <a:pos x="connsiteX0" y="connsiteY0"/>
+                </a:cxn>
+                <a:cxn ang="0">
+                  <a:pos x="connsiteX1" y="connsiteY1"/>
+                </a:cxn>
+                <a:cxn ang="0">
+                  <a:pos x="connsiteX2" y="connsiteY2"/>
+                </a:cxn>
+              </a:cxnLst>
+              <a:rect l="l" t="t" r="r" b="b"/>
+              <a:pathLst>
+                <a:path w="2679858" h="434911">
+                  <a:moveTo>
+                    <a:pt x="0" y="4953"/>
+                  </a:moveTo>
+                  <a:cubicBezTo>
+                    <a:pt x="370427" y="274606"/>
+                    <a:pt x="833723" y="434912"/>
+                    <a:pt x="1336548" y="434912"/>
+                  </a:cubicBezTo>
+                  <a:cubicBezTo>
+                    <a:pt x="1842326" y="434912"/>
+                    <a:pt x="2308289" y="272701"/>
+                    <a:pt x="2679859" y="0"/>
+                  </a:cubicBezTo>
+                </a:path>
+              </a:pathLst>
+            </a:custGeom>
+            <a:noFill/>
+            <a:ln w="12700" cap="flat">
+              <a:solidFill>
+                <a:schemeClr val="accent4"/>
+              </a:solidFill>
+              <a:prstDash val="solid"/>
+              <a:miter/>
+            </a:ln>
+          </p:spPr>
+          <p:txBody>
+            <a:bodyPr rtlCol="0" anchor="ctr"/>
+            <a:lstStyle/>
+            <a:p>
+              <a:endParaRPr lang="en-US" dirty="0"/>
+            </a:p>
+          </p:txBody>
+        </p:sp>
+        <p:sp>
+          <p:nvSpPr>
+            <p:cNvPr id="15" name="Graphic 33">
+              <a:extLst>
+                <a:ext uri="{FF2B5EF4-FFF2-40B4-BE49-F238E27FC236}">
+                  <a16:creationId xmlns:a16="http://schemas.microsoft.com/office/drawing/2014/main" xmlns="" id="{11AA060A-BE0E-4687-8F9E-0E2955D9796D}"/>
+                </a:ext>
+                <a:ext uri="{C183D7F6-B498-43B3-948B-1728B52AA6E4}">
+                  <adec:decorative xmlns:adec="http://schemas.microsoft.com/office/drawing/2017/decorative" xmlns="" val="1"/>
+                </a:ext>
+              </a:extLst>
+            </p:cNvPr>
+            <p:cNvSpPr/>
+            <p:nvPr>
+              <p:extLst>
+                <p:ext uri="{386F3935-93C4-4BCD-93E2-E3B085C9AB24}">
+                  <p16:designElem xmlns:p16="http://schemas.microsoft.com/office/powerpoint/2015/main" xmlns="" val="1"/>
+                </p:ext>
+              </p:extLst>
+            </p:nvPr>
+          </p:nvSpPr>
+          <p:spPr>
+            <a:xfrm rot="10800000">
+              <a:off x="4305089" y="6276705"/>
+              <a:ext cx="3581824" cy="581290"/>
+            </a:xfrm>
+            <a:custGeom>
+              <a:avLst/>
+              <a:gdLst>
+                <a:gd name="connsiteX0" fmla="*/ 0 w 2679858"/>
+                <a:gd name="connsiteY0" fmla="*/ 4953 h 434911"/>
+                <a:gd name="connsiteX1" fmla="*/ 1336548 w 2679858"/>
+                <a:gd name="connsiteY1" fmla="*/ 434912 h 434911"/>
+                <a:gd name="connsiteX2" fmla="*/ 2679859 w 2679858"/>
+                <a:gd name="connsiteY2" fmla="*/ 0 h 434911"/>
+              </a:gdLst>
+              <a:ahLst/>
+              <a:cxnLst>
+                <a:cxn ang="0">
+                  <a:pos x="connsiteX0" y="connsiteY0"/>
+                </a:cxn>
+                <a:cxn ang="0">
+                  <a:pos x="connsiteX1" y="connsiteY1"/>
+                </a:cxn>
+                <a:cxn ang="0">
+                  <a:pos x="connsiteX2" y="connsiteY2"/>
+                </a:cxn>
+              </a:cxnLst>
+              <a:rect l="l" t="t" r="r" b="b"/>
+              <a:pathLst>
+                <a:path w="2679858" h="434911">
+                  <a:moveTo>
+                    <a:pt x="0" y="4953"/>
+                  </a:moveTo>
+                  <a:cubicBezTo>
+                    <a:pt x="370427" y="274606"/>
+                    <a:pt x="833723" y="434912"/>
+                    <a:pt x="1336548" y="434912"/>
+                  </a:cubicBezTo>
+                  <a:cubicBezTo>
+                    <a:pt x="1842326" y="434912"/>
+                    <a:pt x="2308289" y="272701"/>
+                    <a:pt x="2679859" y="0"/>
+                  </a:cubicBezTo>
+                </a:path>
+              </a:pathLst>
+            </a:custGeom>
+            <a:noFill/>
+            <a:ln w="12700" cap="flat">
+              <a:solidFill>
+                <a:schemeClr val="accent4"/>
+              </a:solidFill>
+              <a:prstDash val="solid"/>
+              <a:miter/>
+            </a:ln>
+          </p:spPr>
+          <p:txBody>
+            <a:bodyPr rtlCol="0" anchor="ctr"/>
+            <a:lstStyle/>
+            <a:p>
+              <a:endParaRPr lang="en-US" dirty="0"/>
+            </a:p>
+          </p:txBody>
+        </p:sp>
+      </p:grpSp>
+      <p:grpSp>
+        <p:nvGrpSpPr>
+          <p:cNvPr id="40" name="Group 16">
+            <a:extLst>
+              <a:ext uri="{FF2B5EF4-FFF2-40B4-BE49-F238E27FC236}">
+                <a16:creationId xmlns:a16="http://schemas.microsoft.com/office/drawing/2014/main" xmlns="" id="{65E07BDE-E927-4175-820B-81F985407467}"/>
+              </a:ext>
+              <a:ext uri="{C183D7F6-B498-43B3-948B-1728B52AA6E4}">
+                <adec:decorative xmlns:adec="http://schemas.microsoft.com/office/drawing/2017/decorative" xmlns="" val="1"/>
+              </a:ext>
+            </a:extLst>
+          </p:cNvPr>
+          <p:cNvGrpSpPr>
+            <a:grpSpLocks noGrp="1" noUngrp="1" noRot="1" noChangeAspect="1" noMove="1" noResize="1"/>
+          </p:cNvGrpSpPr>
+          <p:nvPr>
+            <p:extLst>
+              <p:ext uri="{386F3935-93C4-4BCD-93E2-E3B085C9AB24}">
+                <p16:designElem xmlns:p16="http://schemas.microsoft.com/office/powerpoint/2015/main" xmlns="" val="1"/>
+              </p:ext>
+            </p:extLst>
+          </p:nvPr>
+        </p:nvGrpSpPr>
+        <p:grpSpPr>
+          <a:xfrm>
+            <a:off x="572" y="-1"/>
+            <a:ext cx="12192000" cy="6857996"/>
+            <a:chOff x="572" y="-1"/>
+            <a:chExt cx="12192000" cy="6857996"/>
+          </a:xfrm>
+        </p:grpSpPr>
+        <p:cxnSp>
+          <p:nvCxnSpPr>
+            <p:cNvPr id="18" name="Straight Connector 17">
+              <a:extLst>
+                <a:ext uri="{FF2B5EF4-FFF2-40B4-BE49-F238E27FC236}">
+                  <a16:creationId xmlns:a16="http://schemas.microsoft.com/office/drawing/2014/main" xmlns="" id="{F9103D9E-236B-4AD2-A27C-BF2007A2D95B}"/>
+                </a:ext>
+                <a:ext uri="{C183D7F6-B498-43B3-948B-1728B52AA6E4}">
+                  <adec:decorative xmlns:adec="http://schemas.microsoft.com/office/drawing/2017/decorative" xmlns="" val="1"/>
+                </a:ext>
+              </a:extLst>
+            </p:cNvPr>
+            <p:cNvCxnSpPr>
+              <a:cxnSpLocks/>
+            </p:cNvCxnSpPr>
+            <p:nvPr>
+              <p:extLst>
+                <p:ext uri="{386F3935-93C4-4BCD-93E2-E3B085C9AB24}">
+                  <p16:designElem xmlns:p16="http://schemas.microsoft.com/office/powerpoint/2015/main" xmlns="" val="1"/>
+                </p:ext>
+              </p:extLst>
+            </p:nvPr>
+          </p:nvCxnSpPr>
+          <p:spPr>
+            <a:xfrm>
+              <a:off x="1667" y="6276706"/>
+              <a:ext cx="12189811" cy="0"/>
+            </a:xfrm>
+            <a:prstGeom prst="line">
+              <a:avLst/>
+            </a:prstGeom>
+            <a:ln w="12700">
+              <a:solidFill>
+                <a:schemeClr val="accent4"/>
+              </a:solidFill>
+            </a:ln>
+          </p:spPr>
+          <p:style>
+            <a:lnRef idx="1">
+              <a:schemeClr val="accent1"/>
+            </a:lnRef>
+            <a:fillRef idx="0">
+              <a:schemeClr val="accent1"/>
+            </a:fillRef>
+            <a:effectRef idx="0">
+              <a:schemeClr val="accent1"/>
+            </a:effectRef>
+            <a:fontRef idx="minor">
+              <a:schemeClr val="tx1"/>
+            </a:fontRef>
+          </p:style>
+        </p:cxnSp>
+        <p:cxnSp>
+          <p:nvCxnSpPr>
+            <p:cNvPr id="19" name="Straight Connector 18">
+              <a:extLst>
+                <a:ext uri="{FF2B5EF4-FFF2-40B4-BE49-F238E27FC236}">
+                  <a16:creationId xmlns:a16="http://schemas.microsoft.com/office/drawing/2014/main" xmlns="" id="{86701FBB-07FC-4733-9104-D2EF1D685050}"/>
+                </a:ext>
+                <a:ext uri="{C183D7F6-B498-43B3-948B-1728B52AA6E4}">
+                  <adec:decorative xmlns:adec="http://schemas.microsoft.com/office/drawing/2017/decorative" xmlns="" val="1"/>
+                </a:ext>
+              </a:extLst>
+            </p:cNvPr>
+            <p:cNvCxnSpPr>
+              <a:cxnSpLocks/>
+            </p:cNvCxnSpPr>
+            <p:nvPr>
+              <p:extLst>
+                <p:ext uri="{386F3935-93C4-4BCD-93E2-E3B085C9AB24}">
+                  <p16:designElem xmlns:p16="http://schemas.microsoft.com/office/powerpoint/2015/main" xmlns="" val="1"/>
+                </p:ext>
+              </p:extLst>
+            </p:nvPr>
+          </p:nvCxnSpPr>
+          <p:spPr>
+            <a:xfrm>
+              <a:off x="572" y="580876"/>
+              <a:ext cx="12192000" cy="0"/>
+            </a:xfrm>
+            <a:prstGeom prst="line">
+              <a:avLst/>
+            </a:prstGeom>
+            <a:ln w="12700">
+              <a:solidFill>
+                <a:schemeClr val="accent4"/>
+              </a:solidFill>
+            </a:ln>
+          </p:spPr>
+          <p:style>
+            <a:lnRef idx="1">
+              <a:schemeClr val="accent1"/>
+            </a:lnRef>
+            <a:fillRef idx="0">
+              <a:schemeClr val="accent1"/>
+            </a:fillRef>
+            <a:effectRef idx="0">
+              <a:schemeClr val="accent1"/>
+            </a:effectRef>
+            <a:fontRef idx="minor">
+              <a:schemeClr val="tx1"/>
+            </a:fontRef>
+          </p:style>
+        </p:cxnSp>
+        <p:cxnSp>
+          <p:nvCxnSpPr>
+            <p:cNvPr id="20" name="Straight Connector 19">
+              <a:extLst>
+                <a:ext uri="{FF2B5EF4-FFF2-40B4-BE49-F238E27FC236}">
+                  <a16:creationId xmlns:a16="http://schemas.microsoft.com/office/drawing/2014/main" xmlns="" id="{F0024222-CC64-47B0-A4BF-B40233E43B4C}"/>
+                </a:ext>
+                <a:ext uri="{C183D7F6-B498-43B3-948B-1728B52AA6E4}">
+                  <adec:decorative xmlns:adec="http://schemas.microsoft.com/office/drawing/2017/decorative" xmlns="" val="1"/>
+                </a:ext>
+              </a:extLst>
+            </p:cNvPr>
+            <p:cNvCxnSpPr>
+              <a:cxnSpLocks/>
+            </p:cNvCxnSpPr>
+            <p:nvPr>
+              <p:extLst>
+                <p:ext uri="{386F3935-93C4-4BCD-93E2-E3B085C9AB24}">
+                  <p16:designElem xmlns:p16="http://schemas.microsoft.com/office/powerpoint/2015/main" xmlns="" val="1"/>
+                </p:ext>
+              </p:extLst>
+            </p:nvPr>
+          </p:nvCxnSpPr>
+          <p:spPr>
+            <a:xfrm rot="16200000">
+              <a:off x="8134324" y="3428956"/>
+              <a:ext cx="6857912" cy="0"/>
+            </a:xfrm>
+            <a:prstGeom prst="line">
+              <a:avLst/>
+            </a:prstGeom>
+            <a:ln w="12700">
+              <a:solidFill>
+                <a:schemeClr val="accent4"/>
+              </a:solidFill>
+            </a:ln>
+          </p:spPr>
+          <p:style>
+            <a:lnRef idx="1">
+              <a:schemeClr val="accent1"/>
+            </a:lnRef>
+            <a:fillRef idx="0">
+              <a:schemeClr val="accent1"/>
+            </a:fillRef>
+            <a:effectRef idx="0">
+              <a:schemeClr val="accent1"/>
+            </a:effectRef>
+            <a:fontRef idx="minor">
+              <a:schemeClr val="tx1"/>
+            </a:fontRef>
+          </p:style>
+        </p:cxnSp>
+        <p:cxnSp>
+          <p:nvCxnSpPr>
+            <p:cNvPr id="21" name="Straight Connector 20">
+              <a:extLst>
+                <a:ext uri="{FF2B5EF4-FFF2-40B4-BE49-F238E27FC236}">
+                  <a16:creationId xmlns:a16="http://schemas.microsoft.com/office/drawing/2014/main" xmlns="" id="{C8B03883-6F44-4FEE-BFBE-4D73F19E72AC}"/>
+                </a:ext>
+                <a:ext uri="{C183D7F6-B498-43B3-948B-1728B52AA6E4}">
+                  <adec:decorative xmlns:adec="http://schemas.microsoft.com/office/drawing/2017/decorative" xmlns="" val="1"/>
+                </a:ext>
+              </a:extLst>
+            </p:cNvPr>
+            <p:cNvCxnSpPr>
+              <a:cxnSpLocks/>
+            </p:cNvCxnSpPr>
+            <p:nvPr>
+              <p:extLst>
+                <p:ext uri="{386F3935-93C4-4BCD-93E2-E3B085C9AB24}">
+                  <p16:designElem xmlns:p16="http://schemas.microsoft.com/office/powerpoint/2015/main" xmlns="" val="1"/>
+                </p:ext>
+              </p:extLst>
+            </p:nvPr>
+          </p:nvCxnSpPr>
+          <p:spPr>
+            <a:xfrm rot="16200000">
+              <a:off x="-2794261" y="3428956"/>
+              <a:ext cx="6857912" cy="0"/>
+            </a:xfrm>
+            <a:prstGeom prst="line">
+              <a:avLst/>
+            </a:prstGeom>
+            <a:ln w="12700">
+              <a:solidFill>
+                <a:schemeClr val="accent4"/>
+              </a:solidFill>
+            </a:ln>
+          </p:spPr>
+          <p:style>
+            <a:lnRef idx="1">
+              <a:schemeClr val="accent1"/>
+            </a:lnRef>
+            <a:fillRef idx="0">
+              <a:schemeClr val="accent1"/>
+            </a:fillRef>
+            <a:effectRef idx="0">
+              <a:schemeClr val="accent1"/>
+            </a:effectRef>
+            <a:fontRef idx="minor">
+              <a:schemeClr val="tx1"/>
+            </a:fontRef>
+          </p:style>
+        </p:cxnSp>
+        <p:sp>
+          <p:nvSpPr>
+            <p:cNvPr id="22" name="Graphic 33">
+              <a:extLst>
+                <a:ext uri="{FF2B5EF4-FFF2-40B4-BE49-F238E27FC236}">
+                  <a16:creationId xmlns:a16="http://schemas.microsoft.com/office/drawing/2014/main" xmlns="" id="{5A26ABB5-559E-45EC-8DBC-364F029DD723}"/>
+                </a:ext>
+                <a:ext uri="{C183D7F6-B498-43B3-948B-1728B52AA6E4}">
+                  <adec:decorative xmlns:adec="http://schemas.microsoft.com/office/drawing/2017/decorative" xmlns="" val="1"/>
+                </a:ext>
+              </a:extLst>
+            </p:cNvPr>
+            <p:cNvSpPr/>
+            <p:nvPr>
+              <p:extLst>
+                <p:ext uri="{386F3935-93C4-4BCD-93E2-E3B085C9AB24}">
+                  <p16:designElem xmlns:p16="http://schemas.microsoft.com/office/powerpoint/2015/main" xmlns="" val="1"/>
+                </p:ext>
+              </p:extLst>
+            </p:nvPr>
+          </p:nvSpPr>
+          <p:spPr>
+            <a:xfrm>
+              <a:off x="4277016" y="-1"/>
+              <a:ext cx="3637968" cy="580875"/>
+            </a:xfrm>
+            <a:custGeom>
+              <a:avLst/>
+              <a:gdLst>
+                <a:gd name="connsiteX0" fmla="*/ 0 w 2679858"/>
+                <a:gd name="connsiteY0" fmla="*/ 4953 h 434911"/>
+                <a:gd name="connsiteX1" fmla="*/ 1336548 w 2679858"/>
+                <a:gd name="connsiteY1" fmla="*/ 434912 h 434911"/>
+                <a:gd name="connsiteX2" fmla="*/ 2679859 w 2679858"/>
+                <a:gd name="connsiteY2" fmla="*/ 0 h 434911"/>
+              </a:gdLst>
+              <a:ahLst/>
+              <a:cxnLst>
+                <a:cxn ang="0">
+                  <a:pos x="connsiteX0" y="connsiteY0"/>
+                </a:cxn>
+                <a:cxn ang="0">
+                  <a:pos x="connsiteX1" y="connsiteY1"/>
+                </a:cxn>
+                <a:cxn ang="0">
+                  <a:pos x="connsiteX2" y="connsiteY2"/>
+                </a:cxn>
+              </a:cxnLst>
+              <a:rect l="l" t="t" r="r" b="b"/>
+              <a:pathLst>
+                <a:path w="2679858" h="434911">
+                  <a:moveTo>
+                    <a:pt x="0" y="4953"/>
+                  </a:moveTo>
+                  <a:cubicBezTo>
+                    <a:pt x="370427" y="274606"/>
+                    <a:pt x="833723" y="434912"/>
+                    <a:pt x="1336548" y="434912"/>
+                  </a:cubicBezTo>
+                  <a:cubicBezTo>
+                    <a:pt x="1842326" y="434912"/>
+                    <a:pt x="2308289" y="272701"/>
+                    <a:pt x="2679859" y="0"/>
+                  </a:cubicBezTo>
+                </a:path>
+              </a:pathLst>
+            </a:custGeom>
+            <a:noFill/>
+            <a:ln w="12700" cap="flat">
+              <a:solidFill>
+                <a:schemeClr val="accent4"/>
+              </a:solidFill>
+              <a:prstDash val="solid"/>
+              <a:miter/>
+            </a:ln>
+          </p:spPr>
+          <p:txBody>
+            <a:bodyPr rtlCol="0" anchor="ctr"/>
+            <a:lstStyle/>
+            <a:p>
+              <a:endParaRPr lang="en-US" dirty="0"/>
+            </a:p>
+          </p:txBody>
+        </p:sp>
+        <p:sp>
+          <p:nvSpPr>
+            <p:cNvPr id="23" name="Graphic 33">
+              <a:extLst>
+                <a:ext uri="{FF2B5EF4-FFF2-40B4-BE49-F238E27FC236}">
+                  <a16:creationId xmlns:a16="http://schemas.microsoft.com/office/drawing/2014/main" xmlns="" id="{339DC07F-79A6-42D3-BDD6-5A262FFC53A2}"/>
+                </a:ext>
+                <a:ext uri="{C183D7F6-B498-43B3-948B-1728B52AA6E4}">
+                  <adec:decorative xmlns:adec="http://schemas.microsoft.com/office/drawing/2017/decorative" xmlns="" val="1"/>
+                </a:ext>
+              </a:extLst>
+            </p:cNvPr>
+            <p:cNvSpPr/>
+            <p:nvPr>
+              <p:extLst>
+                <p:ext uri="{386F3935-93C4-4BCD-93E2-E3B085C9AB24}">
+                  <p16:designElem xmlns:p16="http://schemas.microsoft.com/office/powerpoint/2015/main" xmlns="" val="1"/>
+                </p:ext>
+              </p:extLst>
+            </p:nvPr>
+          </p:nvSpPr>
+          <p:spPr>
+            <a:xfrm rot="10800000">
+              <a:off x="4305089" y="6276705"/>
+              <a:ext cx="3581824" cy="581290"/>
+            </a:xfrm>
+            <a:custGeom>
+              <a:avLst/>
+              <a:gdLst>
+                <a:gd name="connsiteX0" fmla="*/ 0 w 2679858"/>
+                <a:gd name="connsiteY0" fmla="*/ 4953 h 434911"/>
+                <a:gd name="connsiteX1" fmla="*/ 1336548 w 2679858"/>
+                <a:gd name="connsiteY1" fmla="*/ 434912 h 434911"/>
+                <a:gd name="connsiteX2" fmla="*/ 2679859 w 2679858"/>
+                <a:gd name="connsiteY2" fmla="*/ 0 h 434911"/>
+              </a:gdLst>
+              <a:ahLst/>
+              <a:cxnLst>
+                <a:cxn ang="0">
+                  <a:pos x="connsiteX0" y="connsiteY0"/>
+                </a:cxn>
+                <a:cxn ang="0">
+                  <a:pos x="connsiteX1" y="connsiteY1"/>
+                </a:cxn>
+                <a:cxn ang="0">
+                  <a:pos x="connsiteX2" y="connsiteY2"/>
+                </a:cxn>
+              </a:cxnLst>
+              <a:rect l="l" t="t" r="r" b="b"/>
+              <a:pathLst>
+                <a:path w="2679858" h="434911">
+                  <a:moveTo>
+                    <a:pt x="0" y="4953"/>
+                  </a:moveTo>
+                  <a:cubicBezTo>
+                    <a:pt x="370427" y="274606"/>
+                    <a:pt x="833723" y="434912"/>
+                    <a:pt x="1336548" y="434912"/>
+                  </a:cubicBezTo>
+                  <a:cubicBezTo>
+                    <a:pt x="1842326" y="434912"/>
+                    <a:pt x="2308289" y="272701"/>
+                    <a:pt x="2679859" y="0"/>
+                  </a:cubicBezTo>
+                </a:path>
+              </a:pathLst>
+            </a:custGeom>
+            <a:noFill/>
+            <a:ln w="12700" cap="flat">
+              <a:solidFill>
+                <a:schemeClr val="accent4"/>
+              </a:solidFill>
+              <a:prstDash val="solid"/>
+              <a:miter/>
+            </a:ln>
+          </p:spPr>
+          <p:txBody>
+            <a:bodyPr rtlCol="0" anchor="ctr"/>
+            <a:lstStyle/>
+            <a:p>
+              <a:endParaRPr lang="en-US" dirty="0"/>
+            </a:p>
+          </p:txBody>
+        </p:sp>
+      </p:grpSp>
+      <p:sp useBgFill="1">
+        <p:nvSpPr>
+          <p:cNvPr id="41" name="Rectangle 24">
+            <a:extLst>
+              <a:ext uri="{FF2B5EF4-FFF2-40B4-BE49-F238E27FC236}">
+                <a16:creationId xmlns:a16="http://schemas.microsoft.com/office/drawing/2014/main" xmlns="" id="{BD2D4D3D-0943-4A9D-AE30-EEEAF707A340}"/>
+              </a:ext>
+              <a:ext uri="{C183D7F6-B498-43B3-948B-1728B52AA6E4}">
+                <adec:decorative xmlns:adec="http://schemas.microsoft.com/office/drawing/2017/decorative" xmlns="" val="1"/>
+              </a:ext>
+            </a:extLst>
+          </p:cNvPr>
+          <p:cNvSpPr>
+            <a:spLocks noGrp="1" noRot="1" noChangeAspect="1" noMove="1" noResize="1" noEditPoints="1" noAdjustHandles="1" noChangeArrowheads="1" noChangeShapeType="1" noTextEdit="1"/>
+          </p:cNvSpPr>
+          <p:nvPr>
+            <p:extLst>
+              <p:ext uri="{386F3935-93C4-4BCD-93E2-E3B085C9AB24}">
+                <p16:designElem xmlns:p16="http://schemas.microsoft.com/office/powerpoint/2015/main" xmlns="" val="1"/>
+              </p:ext>
+            </p:extLst>
+          </p:nvPr>
+        </p:nvSpPr>
+        <p:spPr>
+          <a:xfrm>
+            <a:off x="1903" y="0"/>
+            <a:ext cx="12192000" cy="6857997"/>
+          </a:xfrm>
+          <a:prstGeom prst="rect">
+            <a:avLst/>
+          </a:prstGeom>
+          <a:ln>
+            <a:noFill/>
+          </a:ln>
+        </p:spPr>
+        <p:style>
+          <a:lnRef idx="2">
+            <a:schemeClr val="accent1">
+              <a:shade val="50000"/>
+            </a:schemeClr>
+          </a:lnRef>
+          <a:fillRef idx="1">
+            <a:schemeClr val="accent1"/>
+          </a:fillRef>
+          <a:effectRef idx="0">
+            <a:schemeClr val="accent1"/>
+          </a:effectRef>
+          <a:fontRef idx="minor">
+            <a:schemeClr val="lt1"/>
+          </a:fontRef>
+        </p:style>
+        <p:txBody>
+          <a:bodyPr rtlCol="0" anchor="ctr"/>
+          <a:lstStyle/>
+          <a:p>
+            <a:pPr algn="ctr"/>
+            <a:endParaRPr lang="en-US" dirty="0"/>
           </a:p>
         </p:txBody>
       </p:sp>
       <p:sp>
         <p:nvSpPr>
-          <p:cNvPr id="4" name="Content Placeholder 3">
+          <p:cNvPr id="42" name="Rectangle 26">
             <a:extLst>
               <a:ext uri="{FF2B5EF4-FFF2-40B4-BE49-F238E27FC236}">
-                <a16:creationId xmlns:a16="http://schemas.microsoft.com/office/drawing/2014/main" id="{7CF212B3-9A1E-E6EF-A805-59954E5FEDB7}"/>
+                <a16:creationId xmlns:a16="http://schemas.microsoft.com/office/drawing/2014/main" xmlns="" id="{96402F50-78D0-4C40-8FB9-47AF6DD06DC9}"/>
+              </a:ext>
+              <a:ext uri="{C183D7F6-B498-43B3-948B-1728B52AA6E4}">
+                <adec:decorative xmlns:adec="http://schemas.microsoft.com/office/drawing/2017/decorative" xmlns="" val="1"/>
               </a:ext>
             </a:extLst>
           </p:cNvPr>
           <p:cNvSpPr>
-            <a:spLocks noGrp="1"/>
+            <a:spLocks noGrp="1" noRot="1" noChangeAspect="1" noMove="1" noResize="1" noEditPoints="1" noAdjustHandles="1" noChangeArrowheads="1" noChangeShapeType="1" noTextEdit="1"/>
           </p:cNvSpPr>
           <p:nvPr>
-            <p:ph idx="1"/>
+            <p:extLst>
+              <p:ext uri="{386F3935-93C4-4BCD-93E2-E3B085C9AB24}">
+                <p16:designElem xmlns:p16="http://schemas.microsoft.com/office/powerpoint/2015/main" xmlns="" val="1"/>
+              </p:ext>
+            </p:extLst>
           </p:nvPr>
         </p:nvSpPr>
         <p:spPr>
           <a:xfrm>
-            <a:off x="838200" y="636608"/>
-            <a:ext cx="10515600" cy="5428526"/>
+            <a:off x="0" y="0"/>
+            <a:ext cx="12192000" cy="6857997"/>
           </a:xfrm>
+          <a:prstGeom prst="rect">
+            <a:avLst/>
+          </a:prstGeom>
+          <a:solidFill>
+            <a:schemeClr val="bg2">
+              <a:lumMod val="60000"/>
+              <a:lumOff val="40000"/>
+            </a:schemeClr>
+          </a:solidFill>
+          <a:ln>
+            <a:noFill/>
+          </a:ln>
+        </p:spPr>
+        <p:style>
+          <a:lnRef idx="2">
+            <a:schemeClr val="accent1">
+              <a:shade val="50000"/>
+            </a:schemeClr>
+          </a:lnRef>
+          <a:fillRef idx="1">
+            <a:schemeClr val="accent1"/>
+          </a:fillRef>
+          <a:effectRef idx="0">
+            <a:schemeClr val="accent1"/>
+          </a:effectRef>
+          <a:fontRef idx="minor">
+            <a:schemeClr val="lt1"/>
+          </a:fontRef>
+        </p:style>
+        <p:txBody>
+          <a:bodyPr rtlCol="0" anchor="ctr"/>
+          <a:lstStyle/>
+          <a:p>
+            <a:pPr algn="ctr"/>
+            <a:endParaRPr lang="en-US" dirty="0"/>
+          </a:p>
+        </p:txBody>
+      </p:sp>
+      <p:grpSp>
+        <p:nvGrpSpPr>
+          <p:cNvPr id="43" name="Group 28">
+            <a:extLst>
+              <a:ext uri="{FF2B5EF4-FFF2-40B4-BE49-F238E27FC236}">
+                <a16:creationId xmlns:a16="http://schemas.microsoft.com/office/drawing/2014/main" xmlns="" id="{905FD742-A584-4C24-981D-4BE96AC5618C}"/>
+              </a:ext>
+              <a:ext uri="{C183D7F6-B498-43B3-948B-1728B52AA6E4}">
+                <adec:decorative xmlns:adec="http://schemas.microsoft.com/office/drawing/2017/decorative" xmlns="" val="1"/>
+              </a:ext>
+            </a:extLst>
+          </p:cNvPr>
+          <p:cNvGrpSpPr>
+            <a:grpSpLocks noGrp="1" noUngrp="1" noRot="1" noChangeAspect="1" noMove="1" noResize="1"/>
+          </p:cNvGrpSpPr>
+          <p:nvPr>
+            <p:extLst>
+              <p:ext uri="{386F3935-93C4-4BCD-93E2-E3B085C9AB24}">
+                <p16:designElem xmlns:p16="http://schemas.microsoft.com/office/powerpoint/2015/main" xmlns="" val="1"/>
+              </p:ext>
+            </p:extLst>
+          </p:nvPr>
+        </p:nvGrpSpPr>
+        <p:grpSpPr>
+          <a:xfrm>
+            <a:off x="630269" y="-15381"/>
+            <a:ext cx="10933011" cy="6880178"/>
+            <a:chOff x="630269" y="-15381"/>
+            <a:chExt cx="10933011" cy="6880178"/>
+          </a:xfrm>
+        </p:grpSpPr>
+        <p:grpSp>
+          <p:nvGrpSpPr>
+            <p:cNvPr id="30" name="Group 29">
+              <a:extLst>
+                <a:ext uri="{FF2B5EF4-FFF2-40B4-BE49-F238E27FC236}">
+                  <a16:creationId xmlns:a16="http://schemas.microsoft.com/office/drawing/2014/main" xmlns="" id="{7258DE11-AA0C-48D2-8F00-9B8DC1093A47}"/>
+                </a:ext>
+                <a:ext uri="{C183D7F6-B498-43B3-948B-1728B52AA6E4}">
+                  <adec:decorative xmlns:adec="http://schemas.microsoft.com/office/drawing/2017/decorative" xmlns="" val="1"/>
+                </a:ext>
+              </a:extLst>
+            </p:cNvPr>
+            <p:cNvGrpSpPr/>
+            <p:nvPr>
+              <p:extLst>
+                <p:ext uri="{386F3935-93C4-4BCD-93E2-E3B085C9AB24}">
+                  <p16:designElem xmlns:p16="http://schemas.microsoft.com/office/powerpoint/2015/main" xmlns="" val="1"/>
+                </p:ext>
+              </p:extLst>
+            </p:nvPr>
+          </p:nvGrpSpPr>
+          <p:grpSpPr>
+            <a:xfrm>
+              <a:off x="630269" y="-15381"/>
+              <a:ext cx="10933011" cy="6880178"/>
+              <a:chOff x="630269" y="-15381"/>
+              <a:chExt cx="10933011" cy="6880178"/>
+            </a:xfrm>
+          </p:grpSpPr>
+          <p:cxnSp>
+            <p:nvCxnSpPr>
+              <p:cNvPr id="32" name="Straight Connector 31">
+                <a:extLst>
+                  <a:ext uri="{FF2B5EF4-FFF2-40B4-BE49-F238E27FC236}">
+                    <a16:creationId xmlns:a16="http://schemas.microsoft.com/office/drawing/2014/main" xmlns="" id="{62A6129B-5E41-4111-BA49-D6E73631A7F0}"/>
+                  </a:ext>
+                  <a:ext uri="{C183D7F6-B498-43B3-948B-1728B52AA6E4}">
+                    <adec:decorative xmlns:adec="http://schemas.microsoft.com/office/drawing/2017/decorative" xmlns="" val="1"/>
+                  </a:ext>
+                </a:extLst>
+              </p:cNvPr>
+              <p:cNvCxnSpPr>
+                <a:cxnSpLocks/>
+              </p:cNvCxnSpPr>
+              <p:nvPr>
+                <p:extLst>
+                  <p:ext uri="{386F3935-93C4-4BCD-93E2-E3B085C9AB24}">
+                    <p16:designElem xmlns:p16="http://schemas.microsoft.com/office/powerpoint/2015/main" xmlns="" val="1"/>
+                  </p:ext>
+                </p:extLst>
+              </p:nvPr>
+            </p:nvCxnSpPr>
+            <p:spPr>
+              <a:xfrm flipV="1">
+                <a:off x="2193087" y="0"/>
+                <a:ext cx="0" cy="6858000"/>
+              </a:xfrm>
+              <a:prstGeom prst="line">
+                <a:avLst/>
+              </a:prstGeom>
+              <a:ln w="12700">
+                <a:solidFill>
+                  <a:schemeClr val="accent4"/>
+                </a:solidFill>
+              </a:ln>
+            </p:spPr>
+            <p:style>
+              <a:lnRef idx="1">
+                <a:schemeClr val="accent1"/>
+              </a:lnRef>
+              <a:fillRef idx="0">
+                <a:schemeClr val="accent1"/>
+              </a:fillRef>
+              <a:effectRef idx="0">
+                <a:schemeClr val="accent1"/>
+              </a:effectRef>
+              <a:fontRef idx="minor">
+                <a:schemeClr val="tx1"/>
+              </a:fontRef>
+            </p:style>
+          </p:cxnSp>
+          <p:cxnSp>
+            <p:nvCxnSpPr>
+              <p:cNvPr id="33" name="Straight Connector 32">
+                <a:extLst>
+                  <a:ext uri="{FF2B5EF4-FFF2-40B4-BE49-F238E27FC236}">
+                    <a16:creationId xmlns:a16="http://schemas.microsoft.com/office/drawing/2014/main" xmlns="" id="{42ACD671-2209-4876-A99B-0D185B70D1EA}"/>
+                  </a:ext>
+                  <a:ext uri="{C183D7F6-B498-43B3-948B-1728B52AA6E4}">
+                    <adec:decorative xmlns:adec="http://schemas.microsoft.com/office/drawing/2017/decorative" xmlns="" val="1"/>
+                  </a:ext>
+                </a:extLst>
+              </p:cNvPr>
+              <p:cNvCxnSpPr>
+                <a:cxnSpLocks/>
+              </p:cNvCxnSpPr>
+              <p:nvPr>
+                <p:extLst>
+                  <p:ext uri="{386F3935-93C4-4BCD-93E2-E3B085C9AB24}">
+                    <p16:designElem xmlns:p16="http://schemas.microsoft.com/office/powerpoint/2015/main" xmlns="" val="1"/>
+                  </p:ext>
+                </p:extLst>
+              </p:nvPr>
+            </p:nvCxnSpPr>
+            <p:spPr>
+              <a:xfrm rot="16200000">
+                <a:off x="6729241" y="3413575"/>
+                <a:ext cx="6857912" cy="0"/>
+              </a:xfrm>
+              <a:prstGeom prst="line">
+                <a:avLst/>
+              </a:prstGeom>
+              <a:ln w="12700">
+                <a:solidFill>
+                  <a:schemeClr val="accent4"/>
+                </a:solidFill>
+              </a:ln>
+            </p:spPr>
+            <p:style>
+              <a:lnRef idx="1">
+                <a:schemeClr val="accent1"/>
+              </a:lnRef>
+              <a:fillRef idx="0">
+                <a:schemeClr val="accent1"/>
+              </a:fillRef>
+              <a:effectRef idx="0">
+                <a:schemeClr val="accent1"/>
+              </a:effectRef>
+              <a:fontRef idx="minor">
+                <a:schemeClr val="tx1"/>
+              </a:fontRef>
+            </p:style>
+          </p:cxnSp>
+          <p:cxnSp>
+            <p:nvCxnSpPr>
+              <p:cNvPr id="34" name="Straight Connector 33">
+                <a:extLst>
+                  <a:ext uri="{FF2B5EF4-FFF2-40B4-BE49-F238E27FC236}">
+                    <a16:creationId xmlns:a16="http://schemas.microsoft.com/office/drawing/2014/main" xmlns="" id="{5ACF9EAE-7FB1-4C87-B3F1-9129699CB1B6}"/>
+                  </a:ext>
+                  <a:ext uri="{C183D7F6-B498-43B3-948B-1728B52AA6E4}">
+                    <adec:decorative xmlns:adec="http://schemas.microsoft.com/office/drawing/2017/decorative" xmlns="" val="1"/>
+                  </a:ext>
+                </a:extLst>
+              </p:cNvPr>
+              <p:cNvCxnSpPr>
+                <a:cxnSpLocks/>
+              </p:cNvCxnSpPr>
+              <p:nvPr>
+                <p:extLst>
+                  <p:ext uri="{386F3935-93C4-4BCD-93E2-E3B085C9AB24}">
+                    <p16:designElem xmlns:p16="http://schemas.microsoft.com/office/powerpoint/2015/main" xmlns="" val="1"/>
+                  </p:ext>
+                </p:extLst>
+              </p:nvPr>
+            </p:nvCxnSpPr>
+            <p:spPr>
+              <a:xfrm>
+                <a:off x="630269" y="3413532"/>
+                <a:ext cx="2585819" cy="0"/>
+              </a:xfrm>
+              <a:prstGeom prst="line">
+                <a:avLst/>
+              </a:prstGeom>
+              <a:ln w="12700">
+                <a:solidFill>
+                  <a:schemeClr val="accent4"/>
+                </a:solidFill>
+              </a:ln>
+            </p:spPr>
+            <p:style>
+              <a:lnRef idx="1">
+                <a:schemeClr val="accent1"/>
+              </a:lnRef>
+              <a:fillRef idx="0">
+                <a:schemeClr val="accent1"/>
+              </a:fillRef>
+              <a:effectRef idx="0">
+                <a:schemeClr val="accent1"/>
+              </a:effectRef>
+              <a:fontRef idx="minor">
+                <a:schemeClr val="tx1"/>
+              </a:fontRef>
+            </p:style>
+          </p:cxnSp>
+          <p:cxnSp>
+            <p:nvCxnSpPr>
+              <p:cNvPr id="35" name="Straight Connector 34">
+                <a:extLst>
+                  <a:ext uri="{FF2B5EF4-FFF2-40B4-BE49-F238E27FC236}">
+                    <a16:creationId xmlns:a16="http://schemas.microsoft.com/office/drawing/2014/main" xmlns="" id="{774E1729-16FC-4A78-A1FC-1B4B0D30C803}"/>
+                  </a:ext>
+                  <a:ext uri="{C183D7F6-B498-43B3-948B-1728B52AA6E4}">
+                    <adec:decorative xmlns:adec="http://schemas.microsoft.com/office/drawing/2017/decorative" xmlns="" val="1"/>
+                  </a:ext>
+                </a:extLst>
+              </p:cNvPr>
+              <p:cNvCxnSpPr>
+                <a:cxnSpLocks/>
+              </p:cNvCxnSpPr>
+              <p:nvPr>
+                <p:extLst>
+                  <p:ext uri="{386F3935-93C4-4BCD-93E2-E3B085C9AB24}">
+                    <p16:designElem xmlns:p16="http://schemas.microsoft.com/office/powerpoint/2015/main" xmlns="" val="1"/>
+                  </p:ext>
+                </p:extLst>
+              </p:nvPr>
+            </p:nvCxnSpPr>
+            <p:spPr>
+              <a:xfrm>
+                <a:off x="8975913" y="3413529"/>
+                <a:ext cx="2587367" cy="0"/>
+              </a:xfrm>
+              <a:prstGeom prst="line">
+                <a:avLst/>
+              </a:prstGeom>
+              <a:ln w="12700">
+                <a:solidFill>
+                  <a:schemeClr val="accent4"/>
+                </a:solidFill>
+              </a:ln>
+            </p:spPr>
+            <p:style>
+              <a:lnRef idx="1">
+                <a:schemeClr val="accent1"/>
+              </a:lnRef>
+              <a:fillRef idx="0">
+                <a:schemeClr val="accent1"/>
+              </a:fillRef>
+              <a:effectRef idx="0">
+                <a:schemeClr val="accent1"/>
+              </a:effectRef>
+              <a:fontRef idx="minor">
+                <a:schemeClr val="tx1"/>
+              </a:fontRef>
+            </p:style>
+          </p:cxnSp>
+          <p:cxnSp>
+            <p:nvCxnSpPr>
+              <p:cNvPr id="36" name="Straight Connector 35">
+                <a:extLst>
+                  <a:ext uri="{FF2B5EF4-FFF2-40B4-BE49-F238E27FC236}">
+                    <a16:creationId xmlns:a16="http://schemas.microsoft.com/office/drawing/2014/main" xmlns="" id="{3E4DB013-2DB1-4155-8355-AE8EDE75CC7E}"/>
+                  </a:ext>
+                  <a:ext uri="{C183D7F6-B498-43B3-948B-1728B52AA6E4}">
+                    <adec:decorative xmlns:adec="http://schemas.microsoft.com/office/drawing/2017/decorative" xmlns="" val="1"/>
+                  </a:ext>
+                </a:extLst>
+              </p:cNvPr>
+              <p:cNvCxnSpPr>
+                <a:cxnSpLocks/>
+              </p:cNvCxnSpPr>
+              <p:nvPr>
+                <p:extLst>
+                  <p:ext uri="{386F3935-93C4-4BCD-93E2-E3B085C9AB24}">
+                    <p16:designElem xmlns:p16="http://schemas.microsoft.com/office/powerpoint/2015/main" xmlns="" val="1"/>
+                  </p:ext>
+                </p:extLst>
+              </p:nvPr>
+            </p:nvCxnSpPr>
+            <p:spPr>
+              <a:xfrm rot="16200000">
+                <a:off x="8134324" y="3435841"/>
+                <a:ext cx="6857912" cy="0"/>
+              </a:xfrm>
+              <a:prstGeom prst="line">
+                <a:avLst/>
+              </a:prstGeom>
+              <a:ln w="12700">
+                <a:solidFill>
+                  <a:schemeClr val="accent4"/>
+                </a:solidFill>
+              </a:ln>
+            </p:spPr>
+            <p:style>
+              <a:lnRef idx="1">
+                <a:schemeClr val="accent1"/>
+              </a:lnRef>
+              <a:fillRef idx="0">
+                <a:schemeClr val="accent1"/>
+              </a:fillRef>
+              <a:effectRef idx="0">
+                <a:schemeClr val="accent1"/>
+              </a:effectRef>
+              <a:fontRef idx="minor">
+                <a:schemeClr val="tx1"/>
+              </a:fontRef>
+            </p:style>
+          </p:cxnSp>
+          <p:cxnSp>
+            <p:nvCxnSpPr>
+              <p:cNvPr id="37" name="Straight Connector 36">
+                <a:extLst>
+                  <a:ext uri="{FF2B5EF4-FFF2-40B4-BE49-F238E27FC236}">
+                    <a16:creationId xmlns:a16="http://schemas.microsoft.com/office/drawing/2014/main" xmlns="" id="{77AED547-EF0A-4CE6-87B9-059D7C6375D3}"/>
+                  </a:ext>
+                  <a:ext uri="{C183D7F6-B498-43B3-948B-1728B52AA6E4}">
+                    <adec:decorative xmlns:adec="http://schemas.microsoft.com/office/drawing/2017/decorative" xmlns="" val="1"/>
+                  </a:ext>
+                </a:extLst>
+              </p:cNvPr>
+              <p:cNvCxnSpPr>
+                <a:cxnSpLocks/>
+              </p:cNvCxnSpPr>
+              <p:nvPr>
+                <p:extLst>
+                  <p:ext uri="{386F3935-93C4-4BCD-93E2-E3B085C9AB24}">
+                    <p16:designElem xmlns:p16="http://schemas.microsoft.com/office/powerpoint/2015/main" xmlns="" val="1"/>
+                  </p:ext>
+                </p:extLst>
+              </p:nvPr>
+            </p:nvCxnSpPr>
+            <p:spPr>
+              <a:xfrm rot="16200000">
+                <a:off x="-2794261" y="3435428"/>
+                <a:ext cx="6857912" cy="0"/>
+              </a:xfrm>
+              <a:prstGeom prst="line">
+                <a:avLst/>
+              </a:prstGeom>
+              <a:ln w="12700">
+                <a:solidFill>
+                  <a:schemeClr val="accent4"/>
+                </a:solidFill>
+              </a:ln>
+            </p:spPr>
+            <p:style>
+              <a:lnRef idx="1">
+                <a:schemeClr val="accent1"/>
+              </a:lnRef>
+              <a:fillRef idx="0">
+                <a:schemeClr val="accent1"/>
+              </a:fillRef>
+              <a:effectRef idx="0">
+                <a:schemeClr val="accent1"/>
+              </a:effectRef>
+              <a:fontRef idx="minor">
+                <a:schemeClr val="tx1"/>
+              </a:fontRef>
+            </p:style>
+          </p:cxnSp>
+        </p:grpSp>
+        <p:sp>
+          <p:nvSpPr>
+            <p:cNvPr id="31" name="Graphic 11">
+              <a:extLst>
+                <a:ext uri="{FF2B5EF4-FFF2-40B4-BE49-F238E27FC236}">
+                  <a16:creationId xmlns:a16="http://schemas.microsoft.com/office/drawing/2014/main" xmlns="" id="{61ABD7CE-E0CE-4FE7-AEA1-F7DB71799BF5}"/>
+                </a:ext>
+                <a:ext uri="{C183D7F6-B498-43B3-948B-1728B52AA6E4}">
+                  <adec:decorative xmlns:adec="http://schemas.microsoft.com/office/drawing/2017/decorative" xmlns="" val="1"/>
+                </a:ext>
+              </a:extLst>
+            </p:cNvPr>
+            <p:cNvSpPr/>
+            <p:nvPr>
+              <p:extLst>
+                <p:ext uri="{386F3935-93C4-4BCD-93E2-E3B085C9AB24}">
+                  <p16:designElem xmlns:p16="http://schemas.microsoft.com/office/powerpoint/2015/main" xmlns="" val="1"/>
+                </p:ext>
+              </p:extLst>
+            </p:nvPr>
+          </p:nvSpPr>
+          <p:spPr>
+            <a:xfrm>
+              <a:off x="3222063" y="702002"/>
+              <a:ext cx="5759819" cy="6155995"/>
+            </a:xfrm>
+            <a:custGeom>
+              <a:avLst/>
+              <a:gdLst>
+                <a:gd name="connsiteX0" fmla="*/ 0 w 4320540"/>
+                <a:gd name="connsiteY0" fmla="*/ 4617720 h 4617719"/>
+                <a:gd name="connsiteX1" fmla="*/ 0 w 4320540"/>
+                <a:gd name="connsiteY1" fmla="*/ 4268439 h 4617719"/>
+                <a:gd name="connsiteX2" fmla="*/ 0 w 4320540"/>
+                <a:gd name="connsiteY2" fmla="*/ 2052352 h 4617719"/>
+                <a:gd name="connsiteX3" fmla="*/ 2160270 w 4320540"/>
+                <a:gd name="connsiteY3" fmla="*/ 0 h 4617719"/>
+                <a:gd name="connsiteX4" fmla="*/ 2160270 w 4320540"/>
+                <a:gd name="connsiteY4" fmla="*/ 0 h 4617719"/>
+                <a:gd name="connsiteX5" fmla="*/ 4320540 w 4320540"/>
+                <a:gd name="connsiteY5" fmla="*/ 2052352 h 4617719"/>
+                <a:gd name="connsiteX6" fmla="*/ 4320540 w 4320540"/>
+                <a:gd name="connsiteY6" fmla="*/ 2782443 h 4617719"/>
+                <a:gd name="connsiteX7" fmla="*/ 4320540 w 4320540"/>
+                <a:gd name="connsiteY7" fmla="*/ 4617720 h 4617719"/>
+              </a:gdLst>
+              <a:ahLst/>
+              <a:cxnLst>
+                <a:cxn ang="0">
+                  <a:pos x="connsiteX0" y="connsiteY0"/>
+                </a:cxn>
+                <a:cxn ang="0">
+                  <a:pos x="connsiteX1" y="connsiteY1"/>
+                </a:cxn>
+                <a:cxn ang="0">
+                  <a:pos x="connsiteX2" y="connsiteY2"/>
+                </a:cxn>
+                <a:cxn ang="0">
+                  <a:pos x="connsiteX3" y="connsiteY3"/>
+                </a:cxn>
+                <a:cxn ang="0">
+                  <a:pos x="connsiteX4" y="connsiteY4"/>
+                </a:cxn>
+                <a:cxn ang="0">
+                  <a:pos x="connsiteX5" y="connsiteY5"/>
+                </a:cxn>
+                <a:cxn ang="0">
+                  <a:pos x="connsiteX6" y="connsiteY6"/>
+                </a:cxn>
+                <a:cxn ang="0">
+                  <a:pos x="connsiteX7" y="connsiteY7"/>
+                </a:cxn>
+              </a:cxnLst>
+              <a:rect l="l" t="t" r="r" b="b"/>
+              <a:pathLst>
+                <a:path w="4320540" h="4617719">
+                  <a:moveTo>
+                    <a:pt x="0" y="4617720"/>
+                  </a:moveTo>
+                  <a:lnTo>
+                    <a:pt x="0" y="4268439"/>
+                  </a:lnTo>
+                  <a:lnTo>
+                    <a:pt x="0" y="2052352"/>
+                  </a:lnTo>
+                  <a:cubicBezTo>
+                    <a:pt x="0" y="918877"/>
+                    <a:pt x="967169" y="0"/>
+                    <a:pt x="2160270" y="0"/>
+                  </a:cubicBezTo>
+                  <a:lnTo>
+                    <a:pt x="2160270" y="0"/>
+                  </a:lnTo>
+                  <a:cubicBezTo>
+                    <a:pt x="3353372" y="0"/>
+                    <a:pt x="4320540" y="918877"/>
+                    <a:pt x="4320540" y="2052352"/>
+                  </a:cubicBezTo>
+                  <a:lnTo>
+                    <a:pt x="4320540" y="2782443"/>
+                  </a:lnTo>
+                  <a:lnTo>
+                    <a:pt x="4320540" y="4617720"/>
+                  </a:lnTo>
+                </a:path>
+              </a:pathLst>
+            </a:custGeom>
+            <a:noFill/>
+            <a:ln w="12700" cap="flat">
+              <a:solidFill>
+                <a:schemeClr val="accent4"/>
+              </a:solidFill>
+              <a:prstDash val="solid"/>
+              <a:miter/>
+            </a:ln>
+          </p:spPr>
+          <p:txBody>
+            <a:bodyPr rtlCol="0" anchor="ctr"/>
+            <a:lstStyle/>
+            <a:p>
+              <a:endParaRPr lang="en-US"/>
+            </a:p>
+          </p:txBody>
+        </p:sp>
+      </p:grpSp>
+      <p:sp>
+        <p:nvSpPr>
+          <p:cNvPr id="44" name="Title 1">
+            <a:extLst>
+              <a:ext uri="{FF2B5EF4-FFF2-40B4-BE49-F238E27FC236}">
+                <a16:creationId xmlns:a16="http://schemas.microsoft.com/office/drawing/2014/main" xmlns="" id="{A4875C88-8791-496D-852A-47B73B6FFF5A}"/>
+              </a:ext>
+            </a:extLst>
+          </p:cNvPr>
+          <p:cNvSpPr txBox="1">
+            <a:spLocks/>
+          </p:cNvSpPr>
+          <p:nvPr/>
+        </p:nvSpPr>
+        <p:spPr>
+          <a:xfrm>
+            <a:off x="4774479" y="3413529"/>
+            <a:ext cx="2889486" cy="847690"/>
+          </a:xfrm>
+          <a:prstGeom prst="rect">
+            <a:avLst/>
+          </a:prstGeom>
         </p:spPr>
         <p:txBody>
-          <a:bodyPr>
-            <a:normAutofit lnSpcReduction="10000"/>
+          <a:bodyPr vert="horz" lIns="91440" tIns="45720" rIns="91440" bIns="45720" rtlCol="0" anchor="t">
+            <a:normAutofit fontScale="97500" lnSpcReduction="10000"/>
           </a:bodyPr>
-          <a:lstStyle/>
-          <a:p>
-            <a:pPr marL="0" indent="0">
+          <a:lstStyle>
+            <a:lvl1pPr algn="l" defTabSz="914400" rtl="0" eaLnBrk="1" latinLnBrk="0" hangingPunct="1">
+              <a:lnSpc>
+                <a:spcPct val="100000"/>
+              </a:lnSpc>
+              <a:spcBef>
+                <a:spcPct val="0"/>
+              </a:spcBef>
               <a:buNone/>
-            </a:pPr>
+              <a:defRPr sz="4400" kern="1200">
+                <a:solidFill>
+                  <a:schemeClr val="tx2">
+                    <a:lumMod val="60000"/>
+                    <a:lumOff val="40000"/>
+                  </a:schemeClr>
+                </a:solidFill>
+                <a:latin typeface="+mj-lt"/>
+                <a:ea typeface="+mj-ea"/>
+                <a:cs typeface="+mj-cs"/>
+              </a:defRPr>
+            </a:lvl1pPr>
+          </a:lstStyle>
+          <a:p>
+            <a:pPr algn="ctr"/>
             <a:r>
-              <a:rPr lang="en-US" b="1" dirty="0"/>
-              <a:t>1. Project Management Costs</a:t>
-            </a:r>
-          </a:p>
-          <a:p>
-            <a:pPr>
-              <a:buFont typeface="Arial" panose="020B0604020202020204" pitchFamily="34" charset="0"/>
-              <a:buChar char="•"/>
-            </a:pPr>
-            <a:r>
-              <a:rPr lang="en-US" b="1" dirty="0"/>
-              <a:t>System Request and Feasibility Analysis</a:t>
-            </a:r>
-            <a:r>
-              <a:rPr lang="en-US" dirty="0"/>
-              <a:t>: Cost for drafting, feasibility analysis, and consulting, if required.</a:t>
-            </a:r>
-          </a:p>
-          <a:p>
-            <a:pPr marL="742950" lvl="1" indent="-285750">
-              <a:buFont typeface="Arial" panose="020B0604020202020204" pitchFamily="34" charset="0"/>
-              <a:buChar char="•"/>
-            </a:pPr>
-            <a:r>
-              <a:rPr lang="en-US" b="1" dirty="0"/>
+              <a:rPr lang="en-US" sz="5200" dirty="0" smtClean="0"/>
               <a:t>Cost</a:t>
             </a:r>
-            <a:r>
-              <a:rPr lang="en-US" dirty="0"/>
-              <a:t>: EGP 5,000–15,000.</a:t>
-            </a:r>
-          </a:p>
-          <a:p>
-            <a:endParaRPr lang="en-US" b="1" dirty="0"/>
-          </a:p>
-          <a:p>
-            <a:pPr marL="0" indent="0">
-              <a:buNone/>
-            </a:pPr>
-            <a:r>
-              <a:rPr lang="en-US" b="1" dirty="0"/>
-              <a:t>2. Technical Feasibility and Economic Analysis</a:t>
-            </a:r>
-          </a:p>
-          <a:p>
-            <a:pPr>
-              <a:buFont typeface="Arial" panose="020B0604020202020204" pitchFamily="34" charset="0"/>
-              <a:buChar char="•"/>
-            </a:pPr>
-            <a:r>
-              <a:rPr lang="en-US" b="1" dirty="0"/>
-              <a:t>Cost-Benefit Analysis Tools</a:t>
-            </a:r>
-            <a:r>
-              <a:rPr lang="en-US" dirty="0"/>
-              <a:t>: Software for cash flow analysis, NPV, ROI, and break-even calculations. Open-source tools could reduce costs.</a:t>
-            </a:r>
-          </a:p>
-          <a:p>
-            <a:pPr marL="742950" lvl="1" indent="-285750">
-              <a:buFont typeface="Arial" panose="020B0604020202020204" pitchFamily="34" charset="0"/>
-              <a:buChar char="•"/>
-            </a:pPr>
-            <a:r>
-              <a:rPr lang="en-US" b="1" dirty="0"/>
-              <a:t>Cost</a:t>
-            </a:r>
-            <a:r>
-              <a:rPr lang="en-US" dirty="0"/>
-              <a:t>: EGP 2,000–5,000.</a:t>
-            </a:r>
-          </a:p>
-          <a:p>
-            <a:pPr marL="742950" lvl="1" indent="-285750">
-              <a:buFont typeface="Arial" panose="020B0604020202020204" pitchFamily="34" charset="0"/>
-              <a:buChar char="•"/>
-            </a:pPr>
-            <a:endParaRPr lang="en-US" dirty="0"/>
-          </a:p>
-          <a:p>
-            <a:pPr marL="0" indent="0">
-              <a:buNone/>
-            </a:pPr>
-            <a:r>
-              <a:rPr lang="en-US" b="1" dirty="0"/>
-              <a:t>3. Staffing and Team Costs</a:t>
-            </a:r>
-          </a:p>
-          <a:p>
-            <a:r>
-              <a:rPr lang="en-US" b="1" dirty="0"/>
-              <a:t>Development Team</a:t>
-            </a:r>
-            <a:r>
-              <a:rPr lang="en-US" dirty="0"/>
-              <a:t>:</a:t>
-            </a:r>
-          </a:p>
-          <a:p>
-            <a:pPr marL="742950" lvl="1" indent="-285750"/>
-            <a:r>
-              <a:rPr lang="en-US" b="1" dirty="0"/>
-              <a:t>Hourly Rates</a:t>
-            </a:r>
-            <a:r>
-              <a:rPr lang="en-US" dirty="0"/>
-              <a:t> for local developers (frontend, backend, AI specialists): EGP 50–200 per hour.</a:t>
-            </a:r>
-          </a:p>
-          <a:p>
-            <a:pPr marL="742950" lvl="1" indent="-285750"/>
-            <a:r>
-              <a:rPr lang="en-US" b="1" dirty="0"/>
-              <a:t>Project Manager</a:t>
-            </a:r>
-            <a:r>
-              <a:rPr lang="en-US" dirty="0"/>
-              <a:t>: Full-time or part-time, estimated at EGP 10,000–20,000 per month.</a:t>
-            </a:r>
-          </a:p>
-          <a:p>
-            <a:pPr marL="742950" lvl="1" indent="-285750"/>
-            <a:r>
-              <a:rPr lang="en-US" b="1" dirty="0"/>
-              <a:t>Total Staffing Cost</a:t>
-            </a:r>
-            <a:r>
-              <a:rPr lang="en-US" dirty="0"/>
-              <a:t>: EGP 50,000–150,000 depending on duration and number of team members.</a:t>
-            </a:r>
-          </a:p>
-          <a:p>
-            <a:endParaRPr lang="en-US" dirty="0"/>
+          </a:p>
+          <a:p>
+            <a:pPr algn="ctr"/>
+            <a:endParaRPr lang="en-US" sz="5200" dirty="0"/>
           </a:p>
         </p:txBody>
       </p:sp>
     </p:spTree>
     <p:extLst>
       <p:ext uri="{BB962C8B-B14F-4D97-AF65-F5344CB8AC3E}">
-        <p14:creationId xmlns:p14="http://schemas.microsoft.com/office/powerpoint/2010/main" val="3402818246"/>
+        <p14:creationId xmlns:p14="http://schemas.microsoft.com/office/powerpoint/2010/main" val="3394785937"/>
       </p:ext>
     </p:extLst>
   </p:cSld>
   <p:clrMapOvr>
     <a:masterClrMapping/>
   </p:clrMapOvr>
-  <mc:AlternateContent xmlns:mc="http://schemas.openxmlformats.org/markup-compatibility/2006" xmlns:p159="http://schemas.microsoft.com/office/powerpoint/2015/09/main">
-    <mc:Choice Requires="p159">
+  <mc:AlternateContent xmlns:mc="http://schemas.openxmlformats.org/markup-compatibility/2006">
+    <mc:Choice xmlns:p159="http://schemas.microsoft.com/office/powerpoint/2015/09/main" xmlns="" Requires="p159">
       <p:transition xmlns:p14="http://schemas.microsoft.com/office/powerpoint/2010/main" spd="slow" p14:dur="2000">
         <p159:morph option="byObject"/>
       </p:transition>
     </mc:Choice>
-    <mc:Fallback xmlns="">
+    <mc:Fallback>
       <p:transition spd="slow">
         <p:fade/>
       </p:transition>
     </mc:Fallback>
   </mc:AlternateContent>
+  <p:timing>
+    <p:tnLst>
+      <p:par>
+        <p:cTn id="1" dur="indefinite" restart="never" nodeType="tmRoot"/>
+      </p:par>
+    </p:tnLst>
+  </p:timing>
 </p:sld>
 </file>
 
@@ -5241,246 +6622,65 @@
           <a:chExt cx="0" cy="0"/>
         </a:xfrm>
       </p:grpSpPr>
-      <p:sp>
-        <p:nvSpPr>
-          <p:cNvPr id="3" name="Content Placeholder 2">
+      <p:pic>
+        <p:nvPicPr>
+          <p:cNvPr id="2" name="Picture 1"/>
+          <p:cNvPicPr>
+            <a:picLocks noChangeAspect="1"/>
+          </p:cNvPicPr>
+          <p:nvPr/>
+        </p:nvPicPr>
+        <p:blipFill>
+          <a:blip r:embed="rId2">
             <a:extLst>
-              <a:ext uri="{FF2B5EF4-FFF2-40B4-BE49-F238E27FC236}">
-                <a16:creationId xmlns:a16="http://schemas.microsoft.com/office/drawing/2014/main" id="{8F509895-5DD7-CBB3-CC3B-E420AEE78F1D}"/>
+              <a:ext uri="{28A0092B-C50C-407E-A947-70E740481C1C}">
+                <a14:useLocalDpi xmlns:a14="http://schemas.microsoft.com/office/drawing/2010/main" val="0"/>
               </a:ext>
             </a:extLst>
-          </p:cNvPr>
-          <p:cNvSpPr>
-            <a:spLocks noGrp="1"/>
-          </p:cNvSpPr>
-          <p:nvPr>
-            <p:ph idx="1"/>
-          </p:nvPr>
-        </p:nvSpPr>
+          </a:blip>
+          <a:stretch>
+            <a:fillRect/>
+          </a:stretch>
+        </p:blipFill>
         <p:spPr>
           <a:xfrm>
-            <a:off x="838200" y="902825"/>
-            <a:ext cx="10515600" cy="5339355"/>
+            <a:off x="635726" y="583474"/>
+            <a:ext cx="10920548" cy="5669280"/>
           </a:xfrm>
+          <a:prstGeom prst="rect">
+            <a:avLst/>
+          </a:prstGeom>
         </p:spPr>
-        <p:txBody>
-          <a:bodyPr>
-            <a:normAutofit/>
-          </a:bodyPr>
-          <a:lstStyle/>
-          <a:p>
-            <a:pPr marL="0" indent="0">
-              <a:buNone/>
-            </a:pPr>
-            <a:r>
-              <a:rPr lang="en-US" b="1" dirty="0"/>
-              <a:t>4. Infrastructure and Environment</a:t>
-            </a:r>
-          </a:p>
-          <a:p>
-            <a:pPr>
-              <a:buFont typeface="Arial" panose="020B0604020202020204" pitchFamily="34" charset="0"/>
-              <a:buChar char="•"/>
-            </a:pPr>
-            <a:r>
-              <a:rPr lang="en-US" b="1" dirty="0"/>
-              <a:t>Local Server Build</a:t>
-            </a:r>
-            <a:r>
-              <a:rPr lang="en-US" dirty="0"/>
-              <a:t>: Including hardware, OS licensing, cooling, and network equipment.</a:t>
-            </a:r>
-          </a:p>
-          <a:p>
-            <a:pPr marL="742950" lvl="1" indent="-285750">
-              <a:buFont typeface="Arial" panose="020B0604020202020204" pitchFamily="34" charset="0"/>
-              <a:buChar char="•"/>
-            </a:pPr>
-            <a:r>
-              <a:rPr lang="en-US" b="1" dirty="0"/>
-              <a:t>Hardware Setup</a:t>
-            </a:r>
-            <a:r>
-              <a:rPr lang="en-US" dirty="0"/>
-              <a:t>: EGP 15,000–120,000 per server based on server grade.</a:t>
-            </a:r>
-          </a:p>
-          <a:p>
-            <a:pPr marL="742950" lvl="1" indent="-285750">
-              <a:buFont typeface="Arial" panose="020B0604020202020204" pitchFamily="34" charset="0"/>
-              <a:buChar char="•"/>
-            </a:pPr>
-            <a:r>
-              <a:rPr lang="en-US" b="1" dirty="0"/>
-              <a:t>Ongoing Maintenance and Power</a:t>
-            </a:r>
-            <a:r>
-              <a:rPr lang="en-US" dirty="0"/>
-              <a:t>: EGP 2,000–5,000 monthly.</a:t>
-            </a:r>
-          </a:p>
-          <a:p>
-            <a:pPr marL="742950" lvl="1" indent="-285750">
-              <a:buFont typeface="Arial" panose="020B0604020202020204" pitchFamily="34" charset="0"/>
-              <a:buChar char="•"/>
-            </a:pPr>
-            <a:r>
-              <a:rPr lang="en-US" b="1" dirty="0"/>
-              <a:t>Security and Backup Systems</a:t>
-            </a:r>
-            <a:r>
-              <a:rPr lang="en-US" dirty="0"/>
-              <a:t>: Initial setup EGP 5,000–15,000.</a:t>
-            </a:r>
-          </a:p>
-          <a:p>
-            <a:pPr marL="457200" lvl="1" indent="0">
-              <a:buNone/>
-            </a:pPr>
-            <a:endParaRPr lang="en-US" dirty="0"/>
-          </a:p>
-          <a:p>
-            <a:pPr marL="0" indent="0">
-              <a:buNone/>
-            </a:pPr>
-            <a:r>
-              <a:rPr lang="en-US" b="1" dirty="0"/>
-              <a:t>5. Scope Management and Project Tools</a:t>
-            </a:r>
-          </a:p>
-          <a:p>
-            <a:r>
-              <a:rPr lang="en-US" b="1" dirty="0"/>
-              <a:t>Work Breakdown Structure and Project Planning Tools</a:t>
-            </a:r>
-            <a:r>
-              <a:rPr lang="en-US" dirty="0"/>
-              <a:t> (Gantt charts, network diagrams):</a:t>
-            </a:r>
-          </a:p>
-          <a:p>
-            <a:pPr marL="742950" lvl="1" indent="-285750"/>
-            <a:r>
-              <a:rPr lang="en-US" b="1" dirty="0"/>
-              <a:t>Software Licenses</a:t>
-            </a:r>
-            <a:r>
-              <a:rPr lang="en-US" dirty="0"/>
-              <a:t> (e.g., Microsoft Project, local alternatives): EGP 2,000–8,000 per year.</a:t>
-            </a:r>
-          </a:p>
-          <a:p>
-            <a:r>
-              <a:rPr lang="en-US" b="1" dirty="0"/>
-              <a:t>Change Management and Testing Tools</a:t>
-            </a:r>
-            <a:r>
-              <a:rPr lang="en-US" dirty="0"/>
-              <a:t>:</a:t>
-            </a:r>
-          </a:p>
-          <a:p>
-            <a:pPr marL="742950" lvl="1" indent="-285750"/>
-            <a:r>
-              <a:rPr lang="en-US" dirty="0"/>
-              <a:t>Tools to manage scope, testing feedback, and iterations, potentially open-source or low-cost software.</a:t>
-            </a:r>
-          </a:p>
-          <a:p>
-            <a:pPr marL="742950" lvl="1" indent="-285750"/>
-            <a:r>
-              <a:rPr lang="en-US" b="1" dirty="0"/>
-              <a:t>Cost</a:t>
-            </a:r>
-            <a:r>
-              <a:rPr lang="en-US" dirty="0"/>
-              <a:t>: EGP 5,000–10,000.</a:t>
-            </a:r>
-          </a:p>
-          <a:p>
-            <a:pPr marL="457200" lvl="1" indent="0">
-              <a:buNone/>
-            </a:pPr>
-            <a:endParaRPr lang="en-US" dirty="0"/>
-          </a:p>
-          <a:p>
-            <a:pPr marL="0" indent="0">
-              <a:buNone/>
-            </a:pPr>
-            <a:endParaRPr lang="en-US" dirty="0"/>
-          </a:p>
-          <a:p>
-            <a:pPr marL="0" indent="0">
-              <a:buNone/>
-            </a:pPr>
-            <a:endParaRPr lang="en-US" dirty="0"/>
-          </a:p>
-        </p:txBody>
-      </p:sp>
-      <p:sp>
-        <p:nvSpPr>
-          <p:cNvPr id="4" name="Title 1">
-            <a:extLst>
-              <a:ext uri="{FF2B5EF4-FFF2-40B4-BE49-F238E27FC236}">
-                <a16:creationId xmlns:a16="http://schemas.microsoft.com/office/drawing/2014/main" id="{947BBAF1-5BB5-4AEA-B7A3-6FB72827D605}"/>
-              </a:ext>
-            </a:extLst>
-          </p:cNvPr>
-          <p:cNvSpPr>
-            <a:spLocks noGrp="1"/>
-          </p:cNvSpPr>
-          <p:nvPr>
-            <p:ph type="title"/>
-          </p:nvPr>
-        </p:nvSpPr>
-        <p:spPr>
-          <a:xfrm>
-            <a:off x="-752354" y="3795"/>
-            <a:ext cx="12944355" cy="632813"/>
-          </a:xfrm>
-        </p:spPr>
-        <p:txBody>
-          <a:bodyPr>
-            <a:normAutofit/>
-          </a:bodyPr>
-          <a:lstStyle/>
-          <a:p>
-            <a:pPr algn="ctr"/>
-            <a:r>
-              <a:rPr lang="en-US" sz="2000" dirty="0">
-                <a:solidFill>
-                  <a:schemeClr val="accent1">
-                    <a:lumMod val="75000"/>
-                  </a:schemeClr>
-                </a:solidFill>
-              </a:rPr>
-              <a:t>cost calculations according to Egyptian market conditions and the feasibility considerations</a:t>
-            </a:r>
-          </a:p>
-        </p:txBody>
-      </p:sp>
+      </p:pic>
     </p:spTree>
     <p:extLst>
       <p:ext uri="{BB962C8B-B14F-4D97-AF65-F5344CB8AC3E}">
-        <p14:creationId xmlns:p14="http://schemas.microsoft.com/office/powerpoint/2010/main" val="316254262"/>
+        <p14:creationId xmlns:p14="http://schemas.microsoft.com/office/powerpoint/2010/main" val="830733768"/>
       </p:ext>
     </p:extLst>
   </p:cSld>
   <p:clrMapOvr>
     <a:masterClrMapping/>
   </p:clrMapOvr>
-  <mc:AlternateContent xmlns:mc="http://schemas.openxmlformats.org/markup-compatibility/2006" xmlns:p159="http://schemas.microsoft.com/office/powerpoint/2015/09/main">
-    <mc:Choice Requires="p159">
+  <mc:AlternateContent xmlns:mc="http://schemas.openxmlformats.org/markup-compatibility/2006">
+    <mc:Choice xmlns:p159="http://schemas.microsoft.com/office/powerpoint/2015/09/main" xmlns="" Requires="p159">
       <p:transition xmlns:p14="http://schemas.microsoft.com/office/powerpoint/2010/main" spd="slow" p14:dur="2000">
         <p159:morph option="byObject"/>
       </p:transition>
     </mc:Choice>
-    <mc:Fallback xmlns="">
+    <mc:Fallback>
       <p:transition spd="slow">
         <p:fade/>
       </p:transition>
     </mc:Fallback>
   </mc:AlternateContent>
+  <p:timing>
+    <p:tnLst>
+      <p:par>
+        <p:cTn id="1" dur="indefinite" restart="never" nodeType="tmRoot"/>
+      </p:par>
+    </p:tnLst>
+  </p:timing>
 </p:sld>
 </file>
 
@@ -5501,143 +6701,53 @@
           <a:chExt cx="0" cy="0"/>
         </a:xfrm>
       </p:grpSpPr>
-      <p:sp>
-        <p:nvSpPr>
-          <p:cNvPr id="3" name="Content Placeholder 2">
+      <p:pic>
+        <p:nvPicPr>
+          <p:cNvPr id="2" name="Picture 1"/>
+          <p:cNvPicPr>
+            <a:picLocks noChangeAspect="1"/>
+          </p:cNvPicPr>
+          <p:nvPr/>
+        </p:nvPicPr>
+        <p:blipFill>
+          <a:blip r:embed="rId2">
             <a:extLst>
-              <a:ext uri="{FF2B5EF4-FFF2-40B4-BE49-F238E27FC236}">
-                <a16:creationId xmlns:a16="http://schemas.microsoft.com/office/drawing/2014/main" id="{D1AF0E73-7728-6D81-2B2E-37A29129C7E6}"/>
+              <a:ext uri="{28A0092B-C50C-407E-A947-70E740481C1C}">
+                <a14:useLocalDpi xmlns:a14="http://schemas.microsoft.com/office/drawing/2010/main" val="0"/>
               </a:ext>
             </a:extLst>
-          </p:cNvPr>
-          <p:cNvSpPr>
-            <a:spLocks noGrp="1"/>
-          </p:cNvSpPr>
-          <p:nvPr>
-            <p:ph idx="1"/>
-          </p:nvPr>
-        </p:nvSpPr>
+          </a:blip>
+          <a:stretch>
+            <a:fillRect/>
+          </a:stretch>
+        </p:blipFill>
         <p:spPr>
           <a:xfrm>
-            <a:off x="734027" y="636608"/>
-            <a:ext cx="10515600" cy="4245276"/>
+            <a:off x="665765" y="618308"/>
+            <a:ext cx="10925343" cy="5651863"/>
           </a:xfrm>
+          <a:prstGeom prst="rect">
+            <a:avLst/>
+          </a:prstGeom>
         </p:spPr>
-        <p:txBody>
-          <a:bodyPr>
-            <a:normAutofit/>
-          </a:bodyPr>
-          <a:lstStyle/>
-          <a:p>
-            <a:pPr marL="0" indent="0">
-              <a:buNone/>
-            </a:pPr>
-            <a:endParaRPr lang="en-US" b="1" dirty="0"/>
-          </a:p>
-          <a:p>
-            <a:pPr marL="0" indent="0">
-              <a:buNone/>
-            </a:pPr>
-            <a:r>
-              <a:rPr lang="en-US" b="1" dirty="0"/>
-              <a:t>6. Documentation and Infrastructure Management</a:t>
-            </a:r>
-          </a:p>
-          <a:p>
-            <a:pPr>
-              <a:buFont typeface="Arial" panose="020B0604020202020204" pitchFamily="34" charset="0"/>
-              <a:buChar char="•"/>
-            </a:pPr>
-            <a:r>
-              <a:rPr lang="en-US" b="1" dirty="0"/>
-              <a:t>Documentation Tools</a:t>
-            </a:r>
-            <a:r>
-              <a:rPr lang="en-US" dirty="0"/>
-              <a:t>: Software to manage and store documentation, diagrams, and communications.</a:t>
-            </a:r>
-          </a:p>
-          <a:p>
-            <a:pPr marL="742950" lvl="1" indent="-285750">
-              <a:buFont typeface="Arial" panose="020B0604020202020204" pitchFamily="34" charset="0"/>
-              <a:buChar char="•"/>
-            </a:pPr>
-            <a:r>
-              <a:rPr lang="en-US" b="1" dirty="0"/>
-              <a:t>Cost</a:t>
-            </a:r>
-            <a:r>
-              <a:rPr lang="en-US" dirty="0"/>
-              <a:t>: EGP 1,000–3,000 annually for document management solutions.</a:t>
-            </a:r>
-          </a:p>
-          <a:p>
-            <a:pPr marL="0" indent="0">
-              <a:buNone/>
-            </a:pPr>
-            <a:endParaRPr lang="en-US" dirty="0"/>
-          </a:p>
-        </p:txBody>
-      </p:sp>
-      <p:sp>
-        <p:nvSpPr>
-          <p:cNvPr id="6" name="Title 1">
-            <a:extLst>
-              <a:ext uri="{FF2B5EF4-FFF2-40B4-BE49-F238E27FC236}">
-                <a16:creationId xmlns:a16="http://schemas.microsoft.com/office/drawing/2014/main" id="{6F53433D-D703-42C3-8EF1-36D1B2BC6317}"/>
-              </a:ext>
-            </a:extLst>
-          </p:cNvPr>
-          <p:cNvSpPr>
-            <a:spLocks noGrp="1"/>
-          </p:cNvSpPr>
-          <p:nvPr>
-            <p:ph type="title"/>
-          </p:nvPr>
-        </p:nvSpPr>
-        <p:spPr>
-          <a:xfrm>
-            <a:off x="-752354" y="3795"/>
-            <a:ext cx="12944355" cy="632813"/>
-          </a:xfrm>
-        </p:spPr>
-        <p:txBody>
-          <a:bodyPr>
-            <a:normAutofit/>
-          </a:bodyPr>
-          <a:lstStyle/>
-          <a:p>
-            <a:pPr algn="ctr"/>
-            <a:r>
-              <a:rPr lang="en-US" sz="2000" dirty="0">
-                <a:solidFill>
-                  <a:schemeClr val="accent1">
-                    <a:lumMod val="75000"/>
-                  </a:schemeClr>
-                </a:solidFill>
-              </a:rPr>
-              <a:t>cost calculations according to Egyptian market conditions and the feasibility considerations</a:t>
-            </a:r>
-          </a:p>
-        </p:txBody>
-      </p:sp>
+      </p:pic>
     </p:spTree>
     <p:extLst>
       <p:ext uri="{BB962C8B-B14F-4D97-AF65-F5344CB8AC3E}">
-        <p14:creationId xmlns:p14="http://schemas.microsoft.com/office/powerpoint/2010/main" val="1128351593"/>
+        <p14:creationId xmlns:p14="http://schemas.microsoft.com/office/powerpoint/2010/main" val="1265739553"/>
       </p:ext>
     </p:extLst>
   </p:cSld>
   <p:clrMapOvr>
     <a:masterClrMapping/>
   </p:clrMapOvr>
-  <mc:AlternateContent xmlns:mc="http://schemas.openxmlformats.org/markup-compatibility/2006" xmlns:p159="http://schemas.microsoft.com/office/powerpoint/2015/09/main">
-    <mc:Choice Requires="p159">
+  <mc:AlternateContent xmlns:mc="http://schemas.openxmlformats.org/markup-compatibility/2006">
+    <mc:Choice xmlns:p159="http://schemas.microsoft.com/office/powerpoint/2015/09/main" xmlns="" Requires="p159">
       <p:transition xmlns:p14="http://schemas.microsoft.com/office/powerpoint/2010/main" spd="slow" p14:dur="2000">
         <p159:morph option="byObject"/>
       </p:transition>
     </mc:Choice>
-    <mc:Fallback xmlns="">
+    <mc:Fallback>
       <p:transition spd="slow">
         <p:fade/>
       </p:transition>
@@ -5676,10 +6786,10 @@
           <p:cNvPr id="23" name="Rectangle 22">
             <a:extLst>
               <a:ext uri="{FF2B5EF4-FFF2-40B4-BE49-F238E27FC236}">
-                <a16:creationId xmlns:a16="http://schemas.microsoft.com/office/drawing/2014/main" id="{CF10C978-51B5-420C-9A05-C8F194EACAC3}"/>
+                <a16:creationId xmlns:a16="http://schemas.microsoft.com/office/drawing/2014/main" xmlns="" id="{CF10C978-51B5-420C-9A05-C8F194EACAC3}"/>
               </a:ext>
               <a:ext uri="{C183D7F6-B498-43B3-948B-1728B52AA6E4}">
-                <adec:decorative xmlns:adec="http://schemas.microsoft.com/office/drawing/2017/decorative" val="1"/>
+                <adec:decorative xmlns:adec="http://schemas.microsoft.com/office/drawing/2017/decorative" xmlns="" val="1"/>
               </a:ext>
             </a:extLst>
           </p:cNvPr>
@@ -5689,7 +6799,7 @@
           <p:nvPr>
             <p:extLst>
               <p:ext uri="{386F3935-93C4-4BCD-93E2-E3B085C9AB24}">
-                <p16:designElem xmlns:p16="http://schemas.microsoft.com/office/powerpoint/2015/main" val="1"/>
+                <p16:designElem xmlns:p16="http://schemas.microsoft.com/office/powerpoint/2015/main" xmlns="" val="1"/>
               </p:ext>
             </p:extLst>
           </p:nvPr>
@@ -5736,10 +6846,10 @@
           <p:cNvPr id="24" name="Rectangle 23">
             <a:extLst>
               <a:ext uri="{FF2B5EF4-FFF2-40B4-BE49-F238E27FC236}">
-                <a16:creationId xmlns:a16="http://schemas.microsoft.com/office/drawing/2014/main" id="{28D34D1C-4E49-4D32-96F1-E49CEBBF86E0}"/>
+                <a16:creationId xmlns:a16="http://schemas.microsoft.com/office/drawing/2014/main" xmlns="" id="{28D34D1C-4E49-4D32-96F1-E49CEBBF86E0}"/>
               </a:ext>
               <a:ext uri="{C183D7F6-B498-43B3-948B-1728B52AA6E4}">
-                <adec:decorative xmlns:adec="http://schemas.microsoft.com/office/drawing/2017/decorative" val="1"/>
+                <adec:decorative xmlns:adec="http://schemas.microsoft.com/office/drawing/2017/decorative" xmlns="" val="1"/>
               </a:ext>
             </a:extLst>
           </p:cNvPr>
@@ -5749,7 +6859,7 @@
           <p:nvPr>
             <p:extLst>
               <p:ext uri="{386F3935-93C4-4BCD-93E2-E3B085C9AB24}">
-                <p16:designElem xmlns:p16="http://schemas.microsoft.com/office/powerpoint/2015/main" val="1"/>
+                <p16:designElem xmlns:p16="http://schemas.microsoft.com/office/powerpoint/2015/main" xmlns="" val="1"/>
               </p:ext>
             </p:extLst>
           </p:nvPr>
@@ -5802,7 +6912,7 @@
           <p:cNvPr id="2" name="Title 1">
             <a:extLst>
               <a:ext uri="{FF2B5EF4-FFF2-40B4-BE49-F238E27FC236}">
-                <a16:creationId xmlns:a16="http://schemas.microsoft.com/office/drawing/2014/main" id="{1828427D-00E8-7343-23AA-BB7BF9DB6623}"/>
+                <a16:creationId xmlns:a16="http://schemas.microsoft.com/office/drawing/2014/main" xmlns="" id="{1828427D-00E8-7343-23AA-BB7BF9DB6623}"/>
               </a:ext>
             </a:extLst>
           </p:cNvPr>
@@ -5837,7 +6947,7 @@
           <p:cNvPr id="3" name="Content Placeholder 2">
             <a:extLst>
               <a:ext uri="{FF2B5EF4-FFF2-40B4-BE49-F238E27FC236}">
-                <a16:creationId xmlns:a16="http://schemas.microsoft.com/office/drawing/2014/main" id="{19D8C378-CE95-CCB8-7C06-90174EDE3CBD}"/>
+                <a16:creationId xmlns:a16="http://schemas.microsoft.com/office/drawing/2014/main" xmlns="" id="{19D8C378-CE95-CCB8-7C06-90174EDE3CBD}"/>
               </a:ext>
             </a:extLst>
           </p:cNvPr>
@@ -5920,10 +7030,10 @@
           <p:cNvPr id="25" name="Group 24">
             <a:extLst>
               <a:ext uri="{FF2B5EF4-FFF2-40B4-BE49-F238E27FC236}">
-                <a16:creationId xmlns:a16="http://schemas.microsoft.com/office/drawing/2014/main" id="{B3E72256-336B-4C56-A208-D12E28599B6F}"/>
+                <a16:creationId xmlns:a16="http://schemas.microsoft.com/office/drawing/2014/main" xmlns="" id="{B3E72256-336B-4C56-A208-D12E28599B6F}"/>
               </a:ext>
               <a:ext uri="{C183D7F6-B498-43B3-948B-1728B52AA6E4}">
-                <adec:decorative xmlns:adec="http://schemas.microsoft.com/office/drawing/2017/decorative" val="1"/>
+                <adec:decorative xmlns:adec="http://schemas.microsoft.com/office/drawing/2017/decorative" xmlns="" val="1"/>
               </a:ext>
             </a:extLst>
           </p:cNvPr>
@@ -5933,7 +7043,7 @@
           <p:nvPr>
             <p:extLst>
               <p:ext uri="{386F3935-93C4-4BCD-93E2-E3B085C9AB24}">
-                <p16:designElem xmlns:p16="http://schemas.microsoft.com/office/powerpoint/2015/main" val="1"/>
+                <p16:designElem xmlns:p16="http://schemas.microsoft.com/office/powerpoint/2015/main" xmlns="" val="1"/>
               </p:ext>
             </p:extLst>
           </p:nvPr>
@@ -5951,10 +7061,10 @@
             <p:cNvPr id="13" name="Straight Connector 12">
               <a:extLst>
                 <a:ext uri="{FF2B5EF4-FFF2-40B4-BE49-F238E27FC236}">
-                  <a16:creationId xmlns:a16="http://schemas.microsoft.com/office/drawing/2014/main" id="{6D1A7D90-D071-42CE-8999-521FE5EB0C9B}"/>
+                  <a16:creationId xmlns:a16="http://schemas.microsoft.com/office/drawing/2014/main" xmlns="" id="{6D1A7D90-D071-42CE-8999-521FE5EB0C9B}"/>
                 </a:ext>
                 <a:ext uri="{C183D7F6-B498-43B3-948B-1728B52AA6E4}">
-                  <adec:decorative xmlns:adec="http://schemas.microsoft.com/office/drawing/2017/decorative" val="1"/>
+                  <adec:decorative xmlns:adec="http://schemas.microsoft.com/office/drawing/2017/decorative" xmlns="" val="1"/>
                 </a:ext>
               </a:extLst>
             </p:cNvPr>
@@ -5964,7 +7074,7 @@
             <p:nvPr>
               <p:extLst>
                 <p:ext uri="{386F3935-93C4-4BCD-93E2-E3B085C9AB24}">
-                  <p16:designElem xmlns:p16="http://schemas.microsoft.com/office/powerpoint/2015/main" val="1"/>
+                  <p16:designElem xmlns:p16="http://schemas.microsoft.com/office/powerpoint/2015/main" xmlns="" val="1"/>
                 </p:ext>
               </p:extLst>
             </p:nvPr>
@@ -6003,10 +7113,10 @@
             <p:cNvPr id="14" name="Freeform: Shape 13">
               <a:extLst>
                 <a:ext uri="{FF2B5EF4-FFF2-40B4-BE49-F238E27FC236}">
-                  <a16:creationId xmlns:a16="http://schemas.microsoft.com/office/drawing/2014/main" id="{88BA3207-8B24-423E-876F-EED4F64FCB61}"/>
+                  <a16:creationId xmlns:a16="http://schemas.microsoft.com/office/drawing/2014/main" xmlns="" id="{88BA3207-8B24-423E-876F-EED4F64FCB61}"/>
                 </a:ext>
                 <a:ext uri="{C183D7F6-B498-43B3-948B-1728B52AA6E4}">
-                  <adec:decorative xmlns:adec="http://schemas.microsoft.com/office/drawing/2017/decorative" val="1"/>
+                  <adec:decorative xmlns:adec="http://schemas.microsoft.com/office/drawing/2017/decorative" xmlns="" val="1"/>
                 </a:ext>
               </a:extLst>
             </p:cNvPr>
@@ -6014,7 +7124,7 @@
             <p:nvPr>
               <p:extLst>
                 <p:ext uri="{386F3935-93C4-4BCD-93E2-E3B085C9AB24}">
-                  <p16:designElem xmlns:p16="http://schemas.microsoft.com/office/powerpoint/2015/main" val="1"/>
+                  <p16:designElem xmlns:p16="http://schemas.microsoft.com/office/powerpoint/2015/main" xmlns="" val="1"/>
                 </p:ext>
               </p:extLst>
             </p:nvPr>
@@ -6173,10 +7283,10 @@
             <p:cNvPr id="15" name="Straight Connector 14">
               <a:extLst>
                 <a:ext uri="{FF2B5EF4-FFF2-40B4-BE49-F238E27FC236}">
-                  <a16:creationId xmlns:a16="http://schemas.microsoft.com/office/drawing/2014/main" id="{E36E21C5-DC18-4475-9613-1AF97FC0CAB4}"/>
+                  <a16:creationId xmlns:a16="http://schemas.microsoft.com/office/drawing/2014/main" xmlns="" id="{E36E21C5-DC18-4475-9613-1AF97FC0CAB4}"/>
                 </a:ext>
                 <a:ext uri="{C183D7F6-B498-43B3-948B-1728B52AA6E4}">
-                  <adec:decorative xmlns:adec="http://schemas.microsoft.com/office/drawing/2017/decorative" val="1"/>
+                  <adec:decorative xmlns:adec="http://schemas.microsoft.com/office/drawing/2017/decorative" xmlns="" val="1"/>
                 </a:ext>
               </a:extLst>
             </p:cNvPr>
@@ -6186,7 +7296,7 @@
             <p:nvPr>
               <p:extLst>
                 <p:ext uri="{386F3935-93C4-4BCD-93E2-E3B085C9AB24}">
-                  <p16:designElem xmlns:p16="http://schemas.microsoft.com/office/powerpoint/2015/main" val="1"/>
+                  <p16:designElem xmlns:p16="http://schemas.microsoft.com/office/powerpoint/2015/main" xmlns="" val="1"/>
                 </p:ext>
               </p:extLst>
             </p:nvPr>
@@ -6225,10 +7335,10 @@
             <p:cNvPr id="16" name="Straight Connector 15">
               <a:extLst>
                 <a:ext uri="{FF2B5EF4-FFF2-40B4-BE49-F238E27FC236}">
-                  <a16:creationId xmlns:a16="http://schemas.microsoft.com/office/drawing/2014/main" id="{28498F04-5415-4A8B-A069-CF07486ECF69}"/>
+                  <a16:creationId xmlns:a16="http://schemas.microsoft.com/office/drawing/2014/main" xmlns="" id="{28498F04-5415-4A8B-A069-CF07486ECF69}"/>
                 </a:ext>
                 <a:ext uri="{C183D7F6-B498-43B3-948B-1728B52AA6E4}">
-                  <adec:decorative xmlns:adec="http://schemas.microsoft.com/office/drawing/2017/decorative" val="1"/>
+                  <adec:decorative xmlns:adec="http://schemas.microsoft.com/office/drawing/2017/decorative" xmlns="" val="1"/>
                 </a:ext>
               </a:extLst>
             </p:cNvPr>
@@ -6238,7 +7348,7 @@
             <p:nvPr>
               <p:extLst>
                 <p:ext uri="{386F3935-93C4-4BCD-93E2-E3B085C9AB24}">
-                  <p16:designElem xmlns:p16="http://schemas.microsoft.com/office/powerpoint/2015/main" val="1"/>
+                  <p16:designElem xmlns:p16="http://schemas.microsoft.com/office/powerpoint/2015/main" xmlns="" val="1"/>
                 </p:ext>
               </p:extLst>
             </p:nvPr>
@@ -6277,10 +7387,10 @@
             <p:cNvPr id="17" name="Graphic 8">
               <a:extLst>
                 <a:ext uri="{FF2B5EF4-FFF2-40B4-BE49-F238E27FC236}">
-                  <a16:creationId xmlns:a16="http://schemas.microsoft.com/office/drawing/2014/main" id="{7536A5CA-5F9D-44C7-87C6-A12CF740D518}"/>
+                  <a16:creationId xmlns:a16="http://schemas.microsoft.com/office/drawing/2014/main" xmlns="" id="{7536A5CA-5F9D-44C7-87C6-A12CF740D518}"/>
                 </a:ext>
                 <a:ext uri="{C183D7F6-B498-43B3-948B-1728B52AA6E4}">
-                  <adec:decorative xmlns:adec="http://schemas.microsoft.com/office/drawing/2017/decorative" val="1"/>
+                  <adec:decorative xmlns:adec="http://schemas.microsoft.com/office/drawing/2017/decorative" xmlns="" val="1"/>
                 </a:ext>
               </a:extLst>
             </p:cNvPr>
@@ -6288,7 +7398,7 @@
             <p:nvPr>
               <p:extLst>
                 <p:ext uri="{386F3935-93C4-4BCD-93E2-E3B085C9AB24}">
-                  <p16:designElem xmlns:p16="http://schemas.microsoft.com/office/powerpoint/2015/main" val="1"/>
+                  <p16:designElem xmlns:p16="http://schemas.microsoft.com/office/powerpoint/2015/main" xmlns="" val="1"/>
                 </p:ext>
               </p:extLst>
             </p:nvPr>
@@ -6361,10 +7471,10 @@
             <p:cNvPr id="18" name="Graphic 8">
               <a:extLst>
                 <a:ext uri="{FF2B5EF4-FFF2-40B4-BE49-F238E27FC236}">
-                  <a16:creationId xmlns:a16="http://schemas.microsoft.com/office/drawing/2014/main" id="{BE6FB307-61DF-42E4-ACB8-4E47813A8107}"/>
+                  <a16:creationId xmlns:a16="http://schemas.microsoft.com/office/drawing/2014/main" xmlns="" id="{BE6FB307-61DF-42E4-ACB8-4E47813A8107}"/>
                 </a:ext>
                 <a:ext uri="{C183D7F6-B498-43B3-948B-1728B52AA6E4}">
-                  <adec:decorative xmlns:adec="http://schemas.microsoft.com/office/drawing/2017/decorative" val="1"/>
+                  <adec:decorative xmlns:adec="http://schemas.microsoft.com/office/drawing/2017/decorative" xmlns="" val="1"/>
                 </a:ext>
               </a:extLst>
             </p:cNvPr>
@@ -6372,7 +7482,7 @@
             <p:nvPr>
               <p:extLst>
                 <p:ext uri="{386F3935-93C4-4BCD-93E2-E3B085C9AB24}">
-                  <p16:designElem xmlns:p16="http://schemas.microsoft.com/office/powerpoint/2015/main" val="1"/>
+                  <p16:designElem xmlns:p16="http://schemas.microsoft.com/office/powerpoint/2015/main" xmlns="" val="1"/>
                 </p:ext>
               </p:extLst>
             </p:nvPr>
@@ -6445,10 +7555,10 @@
             <p:cNvPr id="19" name="Straight Connector 18">
               <a:extLst>
                 <a:ext uri="{FF2B5EF4-FFF2-40B4-BE49-F238E27FC236}">
-                  <a16:creationId xmlns:a16="http://schemas.microsoft.com/office/drawing/2014/main" id="{E7C9104A-0B2E-42A7-8F27-CCEFDBA9001C}"/>
+                  <a16:creationId xmlns:a16="http://schemas.microsoft.com/office/drawing/2014/main" xmlns="" id="{E7C9104A-0B2E-42A7-8F27-CCEFDBA9001C}"/>
                 </a:ext>
                 <a:ext uri="{C183D7F6-B498-43B3-948B-1728B52AA6E4}">
-                  <adec:decorative xmlns:adec="http://schemas.microsoft.com/office/drawing/2017/decorative" val="1"/>
+                  <adec:decorative xmlns:adec="http://schemas.microsoft.com/office/drawing/2017/decorative" xmlns="" val="1"/>
                 </a:ext>
               </a:extLst>
             </p:cNvPr>
@@ -6458,7 +7568,7 @@
             <p:nvPr>
               <p:extLst>
                 <p:ext uri="{386F3935-93C4-4BCD-93E2-E3B085C9AB24}">
-                  <p16:designElem xmlns:p16="http://schemas.microsoft.com/office/powerpoint/2015/main" val="1"/>
+                  <p16:designElem xmlns:p16="http://schemas.microsoft.com/office/powerpoint/2015/main" xmlns="" val="1"/>
                 </p:ext>
               </p:extLst>
             </p:nvPr>
@@ -6497,10 +7607,10 @@
             <p:cNvPr id="20" name="Straight Connector 19">
               <a:extLst>
                 <a:ext uri="{FF2B5EF4-FFF2-40B4-BE49-F238E27FC236}">
-                  <a16:creationId xmlns:a16="http://schemas.microsoft.com/office/drawing/2014/main" id="{07C0EC34-7095-4362-AA58-F57213137383}"/>
+                  <a16:creationId xmlns:a16="http://schemas.microsoft.com/office/drawing/2014/main" xmlns="" id="{07C0EC34-7095-4362-AA58-F57213137383}"/>
                 </a:ext>
                 <a:ext uri="{C183D7F6-B498-43B3-948B-1728B52AA6E4}">
-                  <adec:decorative xmlns:adec="http://schemas.microsoft.com/office/drawing/2017/decorative" val="1"/>
+                  <adec:decorative xmlns:adec="http://schemas.microsoft.com/office/drawing/2017/decorative" xmlns="" val="1"/>
                 </a:ext>
               </a:extLst>
             </p:cNvPr>
@@ -6510,7 +7620,7 @@
             <p:nvPr>
               <p:extLst>
                 <p:ext uri="{386F3935-93C4-4BCD-93E2-E3B085C9AB24}">
-                  <p16:designElem xmlns:p16="http://schemas.microsoft.com/office/powerpoint/2015/main" val="1"/>
+                  <p16:designElem xmlns:p16="http://schemas.microsoft.com/office/powerpoint/2015/main" xmlns="" val="1"/>
                 </p:ext>
               </p:extLst>
             </p:nvPr>
@@ -6549,10 +7659,10 @@
             <p:cNvPr id="21" name="Straight Connector 20">
               <a:extLst>
                 <a:ext uri="{FF2B5EF4-FFF2-40B4-BE49-F238E27FC236}">
-                  <a16:creationId xmlns:a16="http://schemas.microsoft.com/office/drawing/2014/main" id="{3C19E597-F67B-455A-9D77-8B564DC5DB2C}"/>
+                  <a16:creationId xmlns:a16="http://schemas.microsoft.com/office/drawing/2014/main" xmlns="" id="{3C19E597-F67B-455A-9D77-8B564DC5DB2C}"/>
                 </a:ext>
                 <a:ext uri="{C183D7F6-B498-43B3-948B-1728B52AA6E4}">
-                  <adec:decorative xmlns:adec="http://schemas.microsoft.com/office/drawing/2017/decorative" val="1"/>
+                  <adec:decorative xmlns:adec="http://schemas.microsoft.com/office/drawing/2017/decorative" xmlns="" val="1"/>
                 </a:ext>
               </a:extLst>
             </p:cNvPr>
@@ -6562,7 +7672,7 @@
             <p:nvPr>
               <p:extLst>
                 <p:ext uri="{386F3935-93C4-4BCD-93E2-E3B085C9AB24}">
-                  <p16:designElem xmlns:p16="http://schemas.microsoft.com/office/powerpoint/2015/main" val="1"/>
+                  <p16:designElem xmlns:p16="http://schemas.microsoft.com/office/powerpoint/2015/main" xmlns="" val="1"/>
                 </p:ext>
               </p:extLst>
             </p:nvPr>
@@ -6601,10 +7711,10 @@
             <p:cNvPr id="22" name="Straight Connector 21">
               <a:extLst>
                 <a:ext uri="{FF2B5EF4-FFF2-40B4-BE49-F238E27FC236}">
-                  <a16:creationId xmlns:a16="http://schemas.microsoft.com/office/drawing/2014/main" id="{2CFF4279-F451-4DED-87EB-1899D7E4EBFE}"/>
+                  <a16:creationId xmlns:a16="http://schemas.microsoft.com/office/drawing/2014/main" xmlns="" id="{2CFF4279-F451-4DED-87EB-1899D7E4EBFE}"/>
                 </a:ext>
                 <a:ext uri="{C183D7F6-B498-43B3-948B-1728B52AA6E4}">
-                  <adec:decorative xmlns:adec="http://schemas.microsoft.com/office/drawing/2017/decorative" val="1"/>
+                  <adec:decorative xmlns:adec="http://schemas.microsoft.com/office/drawing/2017/decorative" xmlns="" val="1"/>
                 </a:ext>
               </a:extLst>
             </p:cNvPr>
@@ -6614,7 +7724,7 @@
             <p:nvPr>
               <p:extLst>
                 <p:ext uri="{386F3935-93C4-4BCD-93E2-E3B085C9AB24}">
-                  <p16:designElem xmlns:p16="http://schemas.microsoft.com/office/powerpoint/2015/main" val="1"/>
+                  <p16:designElem xmlns:p16="http://schemas.microsoft.com/office/powerpoint/2015/main" xmlns="" val="1"/>
                 </p:ext>
               </p:extLst>
             </p:nvPr>
@@ -6659,18 +7769,25 @@
   <p:clrMapOvr>
     <a:overrideClrMapping bg1="dk1" tx1="lt1" bg2="dk2" tx2="lt2" accent1="accent1" accent2="accent2" accent3="accent3" accent4="accent4" accent5="accent5" accent6="accent6" hlink="hlink" folHlink="folHlink"/>
   </p:clrMapOvr>
-  <mc:AlternateContent xmlns:mc="http://schemas.openxmlformats.org/markup-compatibility/2006" xmlns:p159="http://schemas.microsoft.com/office/powerpoint/2015/09/main">
-    <mc:Choice Requires="p159">
+  <mc:AlternateContent xmlns:mc="http://schemas.openxmlformats.org/markup-compatibility/2006">
+    <mc:Choice xmlns:p159="http://schemas.microsoft.com/office/powerpoint/2015/09/main" xmlns="" Requires="p159">
       <p:transition xmlns:p14="http://schemas.microsoft.com/office/powerpoint/2010/main" spd="slow" p14:dur="2000">
         <p159:morph option="byObject"/>
       </p:transition>
     </mc:Choice>
-    <mc:Fallback xmlns="">
+    <mc:Fallback>
       <p:transition spd="slow">
         <p:fade/>
       </p:transition>
     </mc:Fallback>
   </mc:AlternateContent>
+  <p:timing>
+    <p:tnLst>
+      <p:par>
+        <p:cTn id="1" dur="indefinite" restart="never" nodeType="tmRoot"/>
+      </p:par>
+    </p:tnLst>
+  </p:timing>
 </p:sld>
 </file>
 
@@ -6704,10 +7821,10 @@
           <p:cNvPr id="26" name="Rectangle 25">
             <a:extLst>
               <a:ext uri="{FF2B5EF4-FFF2-40B4-BE49-F238E27FC236}">
-                <a16:creationId xmlns:a16="http://schemas.microsoft.com/office/drawing/2014/main" id="{AE6FDE22-1F54-452D-A9BA-1BE9FDB53450}"/>
+                <a16:creationId xmlns:a16="http://schemas.microsoft.com/office/drawing/2014/main" xmlns="" id="{AE6FDE22-1F54-452D-A9BA-1BE9FDB53450}"/>
               </a:ext>
               <a:ext uri="{C183D7F6-B498-43B3-948B-1728B52AA6E4}">
-                <adec:decorative xmlns:adec="http://schemas.microsoft.com/office/drawing/2017/decorative" val="1"/>
+                <adec:decorative xmlns:adec="http://schemas.microsoft.com/office/drawing/2017/decorative" xmlns="" val="1"/>
               </a:ext>
             </a:extLst>
           </p:cNvPr>
@@ -6717,7 +7834,7 @@
           <p:nvPr>
             <p:extLst>
               <p:ext uri="{386F3935-93C4-4BCD-93E2-E3B085C9AB24}">
-                <p16:designElem xmlns:p16="http://schemas.microsoft.com/office/powerpoint/2015/main" val="1"/>
+                <p16:designElem xmlns:p16="http://schemas.microsoft.com/office/powerpoint/2015/main" xmlns="" val="1"/>
               </p:ext>
             </p:extLst>
           </p:nvPr>
@@ -6764,10 +7881,10 @@
           <p:cNvPr id="28" name="Rectangle 27">
             <a:extLst>
               <a:ext uri="{FF2B5EF4-FFF2-40B4-BE49-F238E27FC236}">
-                <a16:creationId xmlns:a16="http://schemas.microsoft.com/office/drawing/2014/main" id="{F06127CE-6F15-49AE-9751-398F3AC67163}"/>
+                <a16:creationId xmlns:a16="http://schemas.microsoft.com/office/drawing/2014/main" xmlns="" id="{F06127CE-6F15-49AE-9751-398F3AC67163}"/>
               </a:ext>
               <a:ext uri="{C183D7F6-B498-43B3-948B-1728B52AA6E4}">
-                <adec:decorative xmlns:adec="http://schemas.microsoft.com/office/drawing/2017/decorative" val="1"/>
+                <adec:decorative xmlns:adec="http://schemas.microsoft.com/office/drawing/2017/decorative" xmlns="" val="1"/>
               </a:ext>
             </a:extLst>
           </p:cNvPr>
@@ -6777,7 +7894,7 @@
           <p:nvPr>
             <p:extLst>
               <p:ext uri="{386F3935-93C4-4BCD-93E2-E3B085C9AB24}">
-                <p16:designElem xmlns:p16="http://schemas.microsoft.com/office/powerpoint/2015/main" val="1"/>
+                <p16:designElem xmlns:p16="http://schemas.microsoft.com/office/powerpoint/2015/main" xmlns="" val="1"/>
               </p:ext>
             </p:extLst>
           </p:nvPr>
@@ -6830,7 +7947,7 @@
           <p:cNvPr id="2" name="Title 1">
             <a:extLst>
               <a:ext uri="{FF2B5EF4-FFF2-40B4-BE49-F238E27FC236}">
-                <a16:creationId xmlns:a16="http://schemas.microsoft.com/office/drawing/2014/main" id="{943FFA39-B050-6E01-DA36-C6FB812064E8}"/>
+                <a16:creationId xmlns:a16="http://schemas.microsoft.com/office/drawing/2014/main" xmlns="" id="{943FFA39-B050-6E01-DA36-C6FB812064E8}"/>
               </a:ext>
             </a:extLst>
           </p:cNvPr>
@@ -6865,7 +7982,7 @@
           <p:cNvPr id="3" name="Content Placeholder 2">
             <a:extLst>
               <a:ext uri="{FF2B5EF4-FFF2-40B4-BE49-F238E27FC236}">
-                <a16:creationId xmlns:a16="http://schemas.microsoft.com/office/drawing/2014/main" id="{C759F7E9-A8F8-AC76-E747-37972266B03E}"/>
+                <a16:creationId xmlns:a16="http://schemas.microsoft.com/office/drawing/2014/main" xmlns="" id="{C759F7E9-A8F8-AC76-E747-37972266B03E}"/>
               </a:ext>
             </a:extLst>
           </p:cNvPr>
@@ -7065,10 +8182,10 @@
           <p:cNvPr id="30" name="Group 29">
             <a:extLst>
               <a:ext uri="{FF2B5EF4-FFF2-40B4-BE49-F238E27FC236}">
-                <a16:creationId xmlns:a16="http://schemas.microsoft.com/office/drawing/2014/main" id="{FCAB7548-8099-4066-AA4A-668904679008}"/>
+                <a16:creationId xmlns:a16="http://schemas.microsoft.com/office/drawing/2014/main" xmlns="" id="{FCAB7548-8099-4066-AA4A-668904679008}"/>
               </a:ext>
               <a:ext uri="{C183D7F6-B498-43B3-948B-1728B52AA6E4}">
-                <adec:decorative xmlns:adec="http://schemas.microsoft.com/office/drawing/2017/decorative" val="1"/>
+                <adec:decorative xmlns:adec="http://schemas.microsoft.com/office/drawing/2017/decorative" xmlns="" val="1"/>
               </a:ext>
             </a:extLst>
           </p:cNvPr>
@@ -7078,7 +8195,7 @@
           <p:nvPr>
             <p:extLst>
               <p:ext uri="{386F3935-93C4-4BCD-93E2-E3B085C9AB24}">
-                <p16:designElem xmlns:p16="http://schemas.microsoft.com/office/powerpoint/2015/main" val="1"/>
+                <p16:designElem xmlns:p16="http://schemas.microsoft.com/office/powerpoint/2015/main" xmlns="" val="1"/>
               </p:ext>
             </p:extLst>
           </p:nvPr>
@@ -7096,10 +8213,10 @@
             <p:cNvPr id="31" name="Straight Connector 30">
               <a:extLst>
                 <a:ext uri="{FF2B5EF4-FFF2-40B4-BE49-F238E27FC236}">
-                  <a16:creationId xmlns:a16="http://schemas.microsoft.com/office/drawing/2014/main" id="{0DD6D54C-5C05-40DE-8EAF-FA50D609AE24}"/>
+                  <a16:creationId xmlns:a16="http://schemas.microsoft.com/office/drawing/2014/main" xmlns="" id="{0DD6D54C-5C05-40DE-8EAF-FA50D609AE24}"/>
                 </a:ext>
                 <a:ext uri="{C183D7F6-B498-43B3-948B-1728B52AA6E4}">
-                  <adec:decorative xmlns:adec="http://schemas.microsoft.com/office/drawing/2017/decorative" val="1"/>
+                  <adec:decorative xmlns:adec="http://schemas.microsoft.com/office/drawing/2017/decorative" xmlns="" val="1"/>
                 </a:ext>
               </a:extLst>
             </p:cNvPr>
@@ -7109,7 +8226,7 @@
             <p:nvPr>
               <p:extLst>
                 <p:ext uri="{386F3935-93C4-4BCD-93E2-E3B085C9AB24}">
-                  <p16:designElem xmlns:p16="http://schemas.microsoft.com/office/powerpoint/2015/main" val="1"/>
+                  <p16:designElem xmlns:p16="http://schemas.microsoft.com/office/powerpoint/2015/main" xmlns="" val="1"/>
                 </p:ext>
               </p:extLst>
             </p:nvPr>
@@ -7148,10 +8265,10 @@
             <p:cNvPr id="32" name="Straight Connector 31">
               <a:extLst>
                 <a:ext uri="{FF2B5EF4-FFF2-40B4-BE49-F238E27FC236}">
-                  <a16:creationId xmlns:a16="http://schemas.microsoft.com/office/drawing/2014/main" id="{EB0CFF5B-7CFC-4A1B-811A-262201C04935}"/>
+                  <a16:creationId xmlns:a16="http://schemas.microsoft.com/office/drawing/2014/main" xmlns="" id="{EB0CFF5B-7CFC-4A1B-811A-262201C04935}"/>
                 </a:ext>
                 <a:ext uri="{C183D7F6-B498-43B3-948B-1728B52AA6E4}">
-                  <adec:decorative xmlns:adec="http://schemas.microsoft.com/office/drawing/2017/decorative" val="1"/>
+                  <adec:decorative xmlns:adec="http://schemas.microsoft.com/office/drawing/2017/decorative" xmlns="" val="1"/>
                 </a:ext>
               </a:extLst>
             </p:cNvPr>
@@ -7161,7 +8278,7 @@
             <p:nvPr>
               <p:extLst>
                 <p:ext uri="{386F3935-93C4-4BCD-93E2-E3B085C9AB24}">
-                  <p16:designElem xmlns:p16="http://schemas.microsoft.com/office/powerpoint/2015/main" val="1"/>
+                  <p16:designElem xmlns:p16="http://schemas.microsoft.com/office/powerpoint/2015/main" xmlns="" val="1"/>
                 </p:ext>
               </p:extLst>
             </p:nvPr>
@@ -7200,10 +8317,10 @@
             <p:cNvPr id="33" name="Straight Connector 32">
               <a:extLst>
                 <a:ext uri="{FF2B5EF4-FFF2-40B4-BE49-F238E27FC236}">
-                  <a16:creationId xmlns:a16="http://schemas.microsoft.com/office/drawing/2014/main" id="{3BD7D63C-11FE-48D4-8433-A188CDAB2343}"/>
+                  <a16:creationId xmlns:a16="http://schemas.microsoft.com/office/drawing/2014/main" xmlns="" id="{3BD7D63C-11FE-48D4-8433-A188CDAB2343}"/>
                 </a:ext>
                 <a:ext uri="{C183D7F6-B498-43B3-948B-1728B52AA6E4}">
-                  <adec:decorative xmlns:adec="http://schemas.microsoft.com/office/drawing/2017/decorative" val="1"/>
+                  <adec:decorative xmlns:adec="http://schemas.microsoft.com/office/drawing/2017/decorative" xmlns="" val="1"/>
                 </a:ext>
               </a:extLst>
             </p:cNvPr>
@@ -7213,7 +8330,7 @@
             <p:nvPr>
               <p:extLst>
                 <p:ext uri="{386F3935-93C4-4BCD-93E2-E3B085C9AB24}">
-                  <p16:designElem xmlns:p16="http://schemas.microsoft.com/office/powerpoint/2015/main" val="1"/>
+                  <p16:designElem xmlns:p16="http://schemas.microsoft.com/office/powerpoint/2015/main" xmlns="" val="1"/>
                 </p:ext>
               </p:extLst>
             </p:nvPr>
@@ -7252,10 +8369,10 @@
             <p:cNvPr id="34" name="Straight Connector 33">
               <a:extLst>
                 <a:ext uri="{FF2B5EF4-FFF2-40B4-BE49-F238E27FC236}">
-                  <a16:creationId xmlns:a16="http://schemas.microsoft.com/office/drawing/2014/main" id="{D0EB69FA-9640-4C07-9993-F74D211FB52E}"/>
+                  <a16:creationId xmlns:a16="http://schemas.microsoft.com/office/drawing/2014/main" xmlns="" id="{D0EB69FA-9640-4C07-9993-F74D211FB52E}"/>
                 </a:ext>
                 <a:ext uri="{C183D7F6-B498-43B3-948B-1728B52AA6E4}">
-                  <adec:decorative xmlns:adec="http://schemas.microsoft.com/office/drawing/2017/decorative" val="1"/>
+                  <adec:decorative xmlns:adec="http://schemas.microsoft.com/office/drawing/2017/decorative" xmlns="" val="1"/>
                 </a:ext>
               </a:extLst>
             </p:cNvPr>
@@ -7265,7 +8382,7 @@
             <p:nvPr>
               <p:extLst>
                 <p:ext uri="{386F3935-93C4-4BCD-93E2-E3B085C9AB24}">
-                  <p16:designElem xmlns:p16="http://schemas.microsoft.com/office/powerpoint/2015/main" val="1"/>
+                  <p16:designElem xmlns:p16="http://schemas.microsoft.com/office/powerpoint/2015/main" xmlns="" val="1"/>
                 </p:ext>
               </p:extLst>
             </p:nvPr>
@@ -7304,10 +8421,10 @@
             <p:cNvPr id="35" name="Straight Connector 34">
               <a:extLst>
                 <a:ext uri="{FF2B5EF4-FFF2-40B4-BE49-F238E27FC236}">
-                  <a16:creationId xmlns:a16="http://schemas.microsoft.com/office/drawing/2014/main" id="{B887ECAA-6BDB-4356-A66A-D28C7026B681}"/>
+                  <a16:creationId xmlns:a16="http://schemas.microsoft.com/office/drawing/2014/main" xmlns="" id="{B887ECAA-6BDB-4356-A66A-D28C7026B681}"/>
                 </a:ext>
                 <a:ext uri="{C183D7F6-B498-43B3-948B-1728B52AA6E4}">
-                  <adec:decorative xmlns:adec="http://schemas.microsoft.com/office/drawing/2017/decorative" val="1"/>
+                  <adec:decorative xmlns:adec="http://schemas.microsoft.com/office/drawing/2017/decorative" xmlns="" val="1"/>
                 </a:ext>
               </a:extLst>
             </p:cNvPr>
@@ -7317,7 +8434,7 @@
             <p:nvPr>
               <p:extLst>
                 <p:ext uri="{386F3935-93C4-4BCD-93E2-E3B085C9AB24}">
-                  <p16:designElem xmlns:p16="http://schemas.microsoft.com/office/powerpoint/2015/main" val="1"/>
+                  <p16:designElem xmlns:p16="http://schemas.microsoft.com/office/powerpoint/2015/main" xmlns="" val="1"/>
                 </p:ext>
               </p:extLst>
             </p:nvPr>
@@ -7356,10 +8473,10 @@
             <p:cNvPr id="36" name="Straight Connector 35">
               <a:extLst>
                 <a:ext uri="{FF2B5EF4-FFF2-40B4-BE49-F238E27FC236}">
-                  <a16:creationId xmlns:a16="http://schemas.microsoft.com/office/drawing/2014/main" id="{CFC3365E-17A9-4CC8-BE01-3969BF4C8E3B}"/>
+                  <a16:creationId xmlns:a16="http://schemas.microsoft.com/office/drawing/2014/main" xmlns="" id="{CFC3365E-17A9-4CC8-BE01-3969BF4C8E3B}"/>
                 </a:ext>
                 <a:ext uri="{C183D7F6-B498-43B3-948B-1728B52AA6E4}">
-                  <adec:decorative xmlns:adec="http://schemas.microsoft.com/office/drawing/2017/decorative" val="1"/>
+                  <adec:decorative xmlns:adec="http://schemas.microsoft.com/office/drawing/2017/decorative" xmlns="" val="1"/>
                 </a:ext>
               </a:extLst>
             </p:cNvPr>
@@ -7369,7 +8486,7 @@
             <p:nvPr>
               <p:extLst>
                 <p:ext uri="{386F3935-93C4-4BCD-93E2-E3B085C9AB24}">
-                  <p16:designElem xmlns:p16="http://schemas.microsoft.com/office/powerpoint/2015/main" val="1"/>
+                  <p16:designElem xmlns:p16="http://schemas.microsoft.com/office/powerpoint/2015/main" xmlns="" val="1"/>
                 </p:ext>
               </p:extLst>
             </p:nvPr>
@@ -7409,7 +8526,7 @@
           <p:cNvPr id="5" name="Picture 4" descr="Five bulbs and one of them is glowing">
             <a:extLst>
               <a:ext uri="{FF2B5EF4-FFF2-40B4-BE49-F238E27FC236}">
-                <a16:creationId xmlns:a16="http://schemas.microsoft.com/office/drawing/2014/main" id="{0E3B6F73-5BD1-E881-5FF8-60780B19D87D}"/>
+                <a16:creationId xmlns:a16="http://schemas.microsoft.com/office/drawing/2014/main" xmlns="" id="{0E3B6F73-5BD1-E881-5FF8-60780B19D87D}"/>
               </a:ext>
             </a:extLst>
           </p:cNvPr>
@@ -7499,7 +8616,7 @@
           <p:cNvPr id="4" name="Title 1">
             <a:extLst>
               <a:ext uri="{FF2B5EF4-FFF2-40B4-BE49-F238E27FC236}">
-                <a16:creationId xmlns:a16="http://schemas.microsoft.com/office/drawing/2014/main" id="{F32F67AD-8975-319C-6B65-4592639CE617}"/>
+                <a16:creationId xmlns:a16="http://schemas.microsoft.com/office/drawing/2014/main" xmlns="" id="{F32F67AD-8975-319C-6B65-4592639CE617}"/>
               </a:ext>
             </a:extLst>
           </p:cNvPr>
@@ -7570,18 +8687,25 @@
   <p:clrMapOvr>
     <a:masterClrMapping/>
   </p:clrMapOvr>
-  <mc:AlternateContent xmlns:mc="http://schemas.openxmlformats.org/markup-compatibility/2006" xmlns:p159="http://schemas.microsoft.com/office/powerpoint/2015/09/main">
-    <mc:Choice Requires="p159">
+  <mc:AlternateContent xmlns:mc="http://schemas.openxmlformats.org/markup-compatibility/2006">
+    <mc:Choice xmlns:p159="http://schemas.microsoft.com/office/powerpoint/2015/09/main" xmlns="" Requires="p159">
       <p:transition xmlns:p14="http://schemas.microsoft.com/office/powerpoint/2010/main" spd="slow" p14:dur="2000">
         <p159:morph option="byObject"/>
       </p:transition>
     </mc:Choice>
-    <mc:Fallback xmlns="">
+    <mc:Fallback>
       <p:transition spd="slow">
         <p:fade/>
       </p:transition>
     </mc:Fallback>
   </mc:AlternateContent>
+  <p:timing>
+    <p:tnLst>
+      <p:par>
+        <p:cTn id="1" dur="indefinite" restart="never" nodeType="tmRoot"/>
+      </p:par>
+    </p:tnLst>
+  </p:timing>
 </p:sld>
 </file>
 
@@ -7615,10 +8739,10 @@
           <p:cNvPr id="9" name="Rectangle 8">
             <a:extLst>
               <a:ext uri="{FF2B5EF4-FFF2-40B4-BE49-F238E27FC236}">
-                <a16:creationId xmlns:a16="http://schemas.microsoft.com/office/drawing/2014/main" id="{AE6FDE22-1F54-452D-A9BA-1BE9FDB53450}"/>
+                <a16:creationId xmlns:a16="http://schemas.microsoft.com/office/drawing/2014/main" xmlns="" id="{AE6FDE22-1F54-452D-A9BA-1BE9FDB53450}"/>
               </a:ext>
               <a:ext uri="{C183D7F6-B498-43B3-948B-1728B52AA6E4}">
-                <adec:decorative xmlns:adec="http://schemas.microsoft.com/office/drawing/2017/decorative" val="1"/>
+                <adec:decorative xmlns:adec="http://schemas.microsoft.com/office/drawing/2017/decorative" xmlns="" val="1"/>
               </a:ext>
             </a:extLst>
           </p:cNvPr>
@@ -7628,7 +8752,7 @@
           <p:nvPr>
             <p:extLst>
               <p:ext uri="{386F3935-93C4-4BCD-93E2-E3B085C9AB24}">
-                <p16:designElem xmlns:p16="http://schemas.microsoft.com/office/powerpoint/2015/main" val="1"/>
+                <p16:designElem xmlns:p16="http://schemas.microsoft.com/office/powerpoint/2015/main" xmlns="" val="1"/>
               </p:ext>
             </p:extLst>
           </p:nvPr>
@@ -7675,10 +8799,10 @@
           <p:cNvPr id="11" name="Rectangle 10">
             <a:extLst>
               <a:ext uri="{FF2B5EF4-FFF2-40B4-BE49-F238E27FC236}">
-                <a16:creationId xmlns:a16="http://schemas.microsoft.com/office/drawing/2014/main" id="{E24727BA-2777-4823-88E1-1B4B61968504}"/>
+                <a16:creationId xmlns:a16="http://schemas.microsoft.com/office/drawing/2014/main" xmlns="" id="{E24727BA-2777-4823-88E1-1B4B61968504}"/>
               </a:ext>
               <a:ext uri="{C183D7F6-B498-43B3-948B-1728B52AA6E4}">
-                <adec:decorative xmlns:adec="http://schemas.microsoft.com/office/drawing/2017/decorative" val="1"/>
+                <adec:decorative xmlns:adec="http://schemas.microsoft.com/office/drawing/2017/decorative" xmlns="" val="1"/>
               </a:ext>
             </a:extLst>
           </p:cNvPr>
@@ -7688,7 +8812,7 @@
           <p:nvPr>
             <p:extLst>
               <p:ext uri="{386F3935-93C4-4BCD-93E2-E3B085C9AB24}">
-                <p16:designElem xmlns:p16="http://schemas.microsoft.com/office/powerpoint/2015/main" val="1"/>
+                <p16:designElem xmlns:p16="http://schemas.microsoft.com/office/powerpoint/2015/main" xmlns="" val="1"/>
               </p:ext>
             </p:extLst>
           </p:nvPr>
@@ -7738,10 +8862,10 @@
           <p:cNvPr id="13" name="Rectangle 12">
             <a:extLst>
               <a:ext uri="{FF2B5EF4-FFF2-40B4-BE49-F238E27FC236}">
-                <a16:creationId xmlns:a16="http://schemas.microsoft.com/office/drawing/2014/main" id="{2AB0E0E5-A956-4B80-A317-E670B96CB03B}"/>
+                <a16:creationId xmlns:a16="http://schemas.microsoft.com/office/drawing/2014/main" xmlns="" id="{2AB0E0E5-A956-4B80-A317-E670B96CB03B}"/>
               </a:ext>
               <a:ext uri="{C183D7F6-B498-43B3-948B-1728B52AA6E4}">
-                <adec:decorative xmlns:adec="http://schemas.microsoft.com/office/drawing/2017/decorative" val="1"/>
+                <adec:decorative xmlns:adec="http://schemas.microsoft.com/office/drawing/2017/decorative" xmlns="" val="1"/>
               </a:ext>
             </a:extLst>
           </p:cNvPr>
@@ -7751,7 +8875,7 @@
           <p:nvPr>
             <p:extLst>
               <p:ext uri="{386F3935-93C4-4BCD-93E2-E3B085C9AB24}">
-                <p16:designElem xmlns:p16="http://schemas.microsoft.com/office/powerpoint/2015/main" val="1"/>
+                <p16:designElem xmlns:p16="http://schemas.microsoft.com/office/powerpoint/2015/main" xmlns="" val="1"/>
               </p:ext>
             </p:extLst>
           </p:nvPr>
@@ -7801,7 +8925,7 @@
           <p:cNvPr id="5" name="Picture 4" descr="Person watching empty phone">
             <a:extLst>
               <a:ext uri="{FF2B5EF4-FFF2-40B4-BE49-F238E27FC236}">
-                <a16:creationId xmlns:a16="http://schemas.microsoft.com/office/drawing/2014/main" id="{36BF03C9-7783-2E80-D333-EBEBAB79BB38}"/>
+                <a16:creationId xmlns:a16="http://schemas.microsoft.com/office/drawing/2014/main" xmlns="" id="{36BF03C9-7783-2E80-D333-EBEBAB79BB38}"/>
               </a:ext>
             </a:extLst>
           </p:cNvPr>
@@ -7835,10 +8959,10 @@
           <p:cNvPr id="15" name="Group 14">
             <a:extLst>
               <a:ext uri="{FF2B5EF4-FFF2-40B4-BE49-F238E27FC236}">
-                <a16:creationId xmlns:a16="http://schemas.microsoft.com/office/drawing/2014/main" id="{68142369-1172-4897-98AF-7E16842C4A29}"/>
+                <a16:creationId xmlns:a16="http://schemas.microsoft.com/office/drawing/2014/main" xmlns="" id="{68142369-1172-4897-98AF-7E16842C4A29}"/>
               </a:ext>
               <a:ext uri="{C183D7F6-B498-43B3-948B-1728B52AA6E4}">
-                <adec:decorative xmlns:adec="http://schemas.microsoft.com/office/drawing/2017/decorative" val="1"/>
+                <adec:decorative xmlns:adec="http://schemas.microsoft.com/office/drawing/2017/decorative" xmlns="" val="1"/>
               </a:ext>
             </a:extLst>
           </p:cNvPr>
@@ -7848,7 +8972,7 @@
           <p:nvPr>
             <p:extLst>
               <p:ext uri="{386F3935-93C4-4BCD-93E2-E3B085C9AB24}">
-                <p16:designElem xmlns:p16="http://schemas.microsoft.com/office/powerpoint/2015/main" val="1"/>
+                <p16:designElem xmlns:p16="http://schemas.microsoft.com/office/powerpoint/2015/main" xmlns="" val="1"/>
               </p:ext>
             </p:extLst>
           </p:nvPr>
@@ -7866,10 +8990,10 @@
             <p:cNvPr id="16" name="Straight Connector 15">
               <a:extLst>
                 <a:ext uri="{FF2B5EF4-FFF2-40B4-BE49-F238E27FC236}">
-                  <a16:creationId xmlns:a16="http://schemas.microsoft.com/office/drawing/2014/main" id="{6B4EC643-469D-49F7-B2C7-FA3DA6FFACC7}"/>
+                  <a16:creationId xmlns:a16="http://schemas.microsoft.com/office/drawing/2014/main" xmlns="" id="{6B4EC643-469D-49F7-B2C7-FA3DA6FFACC7}"/>
                 </a:ext>
                 <a:ext uri="{C183D7F6-B498-43B3-948B-1728B52AA6E4}">
-                  <adec:decorative xmlns:adec="http://schemas.microsoft.com/office/drawing/2017/decorative" val="1"/>
+                  <adec:decorative xmlns:adec="http://schemas.microsoft.com/office/drawing/2017/decorative" xmlns="" val="1"/>
                 </a:ext>
               </a:extLst>
             </p:cNvPr>
@@ -7879,7 +9003,7 @@
             <p:nvPr>
               <p:extLst>
                 <p:ext uri="{386F3935-93C4-4BCD-93E2-E3B085C9AB24}">
-                  <p16:designElem xmlns:p16="http://schemas.microsoft.com/office/powerpoint/2015/main" val="1"/>
+                  <p16:designElem xmlns:p16="http://schemas.microsoft.com/office/powerpoint/2015/main" xmlns="" val="1"/>
                 </p:ext>
               </p:extLst>
             </p:nvPr>
@@ -7918,10 +9042,10 @@
             <p:cNvPr id="17" name="Straight Connector 16">
               <a:extLst>
                 <a:ext uri="{FF2B5EF4-FFF2-40B4-BE49-F238E27FC236}">
-                  <a16:creationId xmlns:a16="http://schemas.microsoft.com/office/drawing/2014/main" id="{33C04565-7FC8-416F-9C08-F430D337F817}"/>
+                  <a16:creationId xmlns:a16="http://schemas.microsoft.com/office/drawing/2014/main" xmlns="" id="{33C04565-7FC8-416F-9C08-F430D337F817}"/>
                 </a:ext>
                 <a:ext uri="{C183D7F6-B498-43B3-948B-1728B52AA6E4}">
-                  <adec:decorative xmlns:adec="http://schemas.microsoft.com/office/drawing/2017/decorative" val="1"/>
+                  <adec:decorative xmlns:adec="http://schemas.microsoft.com/office/drawing/2017/decorative" xmlns="" val="1"/>
                 </a:ext>
               </a:extLst>
             </p:cNvPr>
@@ -7931,7 +9055,7 @@
             <p:nvPr>
               <p:extLst>
                 <p:ext uri="{386F3935-93C4-4BCD-93E2-E3B085C9AB24}">
-                  <p16:designElem xmlns:p16="http://schemas.microsoft.com/office/powerpoint/2015/main" val="1"/>
+                  <p16:designElem xmlns:p16="http://schemas.microsoft.com/office/powerpoint/2015/main" xmlns="" val="1"/>
                 </p:ext>
               </p:extLst>
             </p:nvPr>
@@ -7970,10 +9094,10 @@
             <p:cNvPr id="18" name="Straight Connector 17">
               <a:extLst>
                 <a:ext uri="{FF2B5EF4-FFF2-40B4-BE49-F238E27FC236}">
-                  <a16:creationId xmlns:a16="http://schemas.microsoft.com/office/drawing/2014/main" id="{92BD8DCF-6634-460D-AA2E-1357451FBA18}"/>
+                  <a16:creationId xmlns:a16="http://schemas.microsoft.com/office/drawing/2014/main" xmlns="" id="{92BD8DCF-6634-460D-AA2E-1357451FBA18}"/>
                 </a:ext>
                 <a:ext uri="{C183D7F6-B498-43B3-948B-1728B52AA6E4}">
-                  <adec:decorative xmlns:adec="http://schemas.microsoft.com/office/drawing/2017/decorative" val="1"/>
+                  <adec:decorative xmlns:adec="http://schemas.microsoft.com/office/drawing/2017/decorative" xmlns="" val="1"/>
                 </a:ext>
               </a:extLst>
             </p:cNvPr>
@@ -7983,7 +9107,7 @@
             <p:nvPr>
               <p:extLst>
                 <p:ext uri="{386F3935-93C4-4BCD-93E2-E3B085C9AB24}">
-                  <p16:designElem xmlns:p16="http://schemas.microsoft.com/office/powerpoint/2015/main" val="1"/>
+                  <p16:designElem xmlns:p16="http://schemas.microsoft.com/office/powerpoint/2015/main" xmlns="" val="1"/>
                 </p:ext>
               </p:extLst>
             </p:nvPr>
@@ -8022,10 +9146,10 @@
             <p:cNvPr id="19" name="Straight Connector 18">
               <a:extLst>
                 <a:ext uri="{FF2B5EF4-FFF2-40B4-BE49-F238E27FC236}">
-                  <a16:creationId xmlns:a16="http://schemas.microsoft.com/office/drawing/2014/main" id="{8EAC9175-245B-4886-A4F2-EEA53C13F540}"/>
+                  <a16:creationId xmlns:a16="http://schemas.microsoft.com/office/drawing/2014/main" xmlns="" id="{8EAC9175-245B-4886-A4F2-EEA53C13F540}"/>
                 </a:ext>
                 <a:ext uri="{C183D7F6-B498-43B3-948B-1728B52AA6E4}">
-                  <adec:decorative xmlns:adec="http://schemas.microsoft.com/office/drawing/2017/decorative" val="1"/>
+                  <adec:decorative xmlns:adec="http://schemas.microsoft.com/office/drawing/2017/decorative" xmlns="" val="1"/>
                 </a:ext>
               </a:extLst>
             </p:cNvPr>
@@ -8035,7 +9159,7 @@
             <p:nvPr>
               <p:extLst>
                 <p:ext uri="{386F3935-93C4-4BCD-93E2-E3B085C9AB24}">
-                  <p16:designElem xmlns:p16="http://schemas.microsoft.com/office/powerpoint/2015/main" val="1"/>
+                  <p16:designElem xmlns:p16="http://schemas.microsoft.com/office/powerpoint/2015/main" xmlns="" val="1"/>
                 </p:ext>
               </p:extLst>
             </p:nvPr>
@@ -8074,10 +9198,10 @@
             <p:cNvPr id="20" name="Graphic 33">
               <a:extLst>
                 <a:ext uri="{FF2B5EF4-FFF2-40B4-BE49-F238E27FC236}">
-                  <a16:creationId xmlns:a16="http://schemas.microsoft.com/office/drawing/2014/main" id="{BC567658-11B8-4D35-89AE-B7353466914F}"/>
+                  <a16:creationId xmlns:a16="http://schemas.microsoft.com/office/drawing/2014/main" xmlns="" id="{BC567658-11B8-4D35-89AE-B7353466914F}"/>
                 </a:ext>
                 <a:ext uri="{C183D7F6-B498-43B3-948B-1728B52AA6E4}">
-                  <adec:decorative xmlns:adec="http://schemas.microsoft.com/office/drawing/2017/decorative" val="1"/>
+                  <adec:decorative xmlns:adec="http://schemas.microsoft.com/office/drawing/2017/decorative" xmlns="" val="1"/>
                 </a:ext>
               </a:extLst>
             </p:cNvPr>
@@ -8085,7 +9209,7 @@
             <p:nvPr>
               <p:extLst>
                 <p:ext uri="{386F3935-93C4-4BCD-93E2-E3B085C9AB24}">
-                  <p16:designElem xmlns:p16="http://schemas.microsoft.com/office/powerpoint/2015/main" val="1"/>
+                  <p16:designElem xmlns:p16="http://schemas.microsoft.com/office/powerpoint/2015/main" xmlns="" val="1"/>
                 </p:ext>
               </p:extLst>
             </p:nvPr>
@@ -8252,10 +9376,10 @@
             <p:cNvPr id="21" name="Graphic 33">
               <a:extLst>
                 <a:ext uri="{FF2B5EF4-FFF2-40B4-BE49-F238E27FC236}">
-                  <a16:creationId xmlns:a16="http://schemas.microsoft.com/office/drawing/2014/main" id="{B2AAA79A-1602-4193-8170-9C436D9CED8F}"/>
+                  <a16:creationId xmlns:a16="http://schemas.microsoft.com/office/drawing/2014/main" xmlns="" id="{B2AAA79A-1602-4193-8170-9C436D9CED8F}"/>
                 </a:ext>
                 <a:ext uri="{C183D7F6-B498-43B3-948B-1728B52AA6E4}">
-                  <adec:decorative xmlns:adec="http://schemas.microsoft.com/office/drawing/2017/decorative" val="1"/>
+                  <adec:decorative xmlns:adec="http://schemas.microsoft.com/office/drawing/2017/decorative" xmlns="" val="1"/>
                 </a:ext>
               </a:extLst>
             </p:cNvPr>
@@ -8263,7 +9387,7 @@
             <p:nvPr>
               <p:extLst>
                 <p:ext uri="{386F3935-93C4-4BCD-93E2-E3B085C9AB24}">
-                  <p16:designElem xmlns:p16="http://schemas.microsoft.com/office/powerpoint/2015/main" val="1"/>
+                  <p16:designElem xmlns:p16="http://schemas.microsoft.com/office/powerpoint/2015/main" xmlns="" val="1"/>
                 </p:ext>
               </p:extLst>
             </p:nvPr>
@@ -8431,7 +9555,7 @@
           <p:cNvPr id="2" name="Title 1">
             <a:extLst>
               <a:ext uri="{FF2B5EF4-FFF2-40B4-BE49-F238E27FC236}">
-                <a16:creationId xmlns:a16="http://schemas.microsoft.com/office/drawing/2014/main" id="{B523243B-B02A-F4D0-FCD6-F67803657973}"/>
+                <a16:creationId xmlns:a16="http://schemas.microsoft.com/office/drawing/2014/main" xmlns="" id="{B523243B-B02A-F4D0-FCD6-F67803657973}"/>
               </a:ext>
             </a:extLst>
           </p:cNvPr>
@@ -8470,7 +9594,7 @@
           <p:cNvPr id="3" name="Content Placeholder 2">
             <a:extLst>
               <a:ext uri="{FF2B5EF4-FFF2-40B4-BE49-F238E27FC236}">
-                <a16:creationId xmlns:a16="http://schemas.microsoft.com/office/drawing/2014/main" id="{914F2E01-CB12-0A24-CE27-8DD6F821D827}"/>
+                <a16:creationId xmlns:a16="http://schemas.microsoft.com/office/drawing/2014/main" xmlns="" id="{914F2E01-CB12-0A24-CE27-8DD6F821D827}"/>
               </a:ext>
             </a:extLst>
           </p:cNvPr>
@@ -8862,18 +9986,25 @@
   <p:clrMapOvr>
     <a:overrideClrMapping bg1="dk1" tx1="lt1" bg2="dk2" tx2="lt2" accent1="accent1" accent2="accent2" accent3="accent3" accent4="accent4" accent5="accent5" accent6="accent6" hlink="hlink" folHlink="folHlink"/>
   </p:clrMapOvr>
-  <mc:AlternateContent xmlns:mc="http://schemas.openxmlformats.org/markup-compatibility/2006" xmlns:p159="http://schemas.microsoft.com/office/powerpoint/2015/09/main">
-    <mc:Choice Requires="p159">
+  <mc:AlternateContent xmlns:mc="http://schemas.openxmlformats.org/markup-compatibility/2006">
+    <mc:Choice xmlns:p159="http://schemas.microsoft.com/office/powerpoint/2015/09/main" xmlns="" Requires="p159">
       <p:transition xmlns:p14="http://schemas.microsoft.com/office/powerpoint/2010/main" spd="slow" p14:dur="2000">
         <p159:morph option="byObject"/>
       </p:transition>
     </mc:Choice>
-    <mc:Fallback xmlns="">
+    <mc:Fallback>
       <p:transition spd="slow">
         <p:fade/>
       </p:transition>
     </mc:Fallback>
   </mc:AlternateContent>
+  <p:timing>
+    <p:tnLst>
+      <p:par>
+        <p:cTn id="1" dur="indefinite" restart="never" nodeType="tmRoot"/>
+      </p:par>
+    </p:tnLst>
+  </p:timing>
 </p:sld>
 </file>
 
@@ -8907,10 +10038,10 @@
           <p:cNvPr id="9" name="Rectangle 8">
             <a:extLst>
               <a:ext uri="{FF2B5EF4-FFF2-40B4-BE49-F238E27FC236}">
-                <a16:creationId xmlns:a16="http://schemas.microsoft.com/office/drawing/2014/main" id="{AE6FDE22-1F54-452D-A9BA-1BE9FDB53450}"/>
+                <a16:creationId xmlns:a16="http://schemas.microsoft.com/office/drawing/2014/main" xmlns="" id="{AE6FDE22-1F54-452D-A9BA-1BE9FDB53450}"/>
               </a:ext>
               <a:ext uri="{C183D7F6-B498-43B3-948B-1728B52AA6E4}">
-                <adec:decorative xmlns:adec="http://schemas.microsoft.com/office/drawing/2017/decorative" val="1"/>
+                <adec:decorative xmlns:adec="http://schemas.microsoft.com/office/drawing/2017/decorative" xmlns="" val="1"/>
               </a:ext>
             </a:extLst>
           </p:cNvPr>
@@ -8920,7 +10051,7 @@
           <p:nvPr>
             <p:extLst>
               <p:ext uri="{386F3935-93C4-4BCD-93E2-E3B085C9AB24}">
-                <p16:designElem xmlns:p16="http://schemas.microsoft.com/office/powerpoint/2015/main" val="1"/>
+                <p16:designElem xmlns:p16="http://schemas.microsoft.com/office/powerpoint/2015/main" xmlns="" val="1"/>
               </p:ext>
             </p:extLst>
           </p:nvPr>
@@ -8967,10 +10098,10 @@
           <p:cNvPr id="11" name="Rectangle 10">
             <a:extLst>
               <a:ext uri="{FF2B5EF4-FFF2-40B4-BE49-F238E27FC236}">
-                <a16:creationId xmlns:a16="http://schemas.microsoft.com/office/drawing/2014/main" id="{E24727BA-2777-4823-88E1-1B4B61968504}"/>
+                <a16:creationId xmlns:a16="http://schemas.microsoft.com/office/drawing/2014/main" xmlns="" id="{E24727BA-2777-4823-88E1-1B4B61968504}"/>
               </a:ext>
               <a:ext uri="{C183D7F6-B498-43B3-948B-1728B52AA6E4}">
-                <adec:decorative xmlns:adec="http://schemas.microsoft.com/office/drawing/2017/decorative" val="1"/>
+                <adec:decorative xmlns:adec="http://schemas.microsoft.com/office/drawing/2017/decorative" xmlns="" val="1"/>
               </a:ext>
             </a:extLst>
           </p:cNvPr>
@@ -8980,7 +10111,7 @@
           <p:nvPr>
             <p:extLst>
               <p:ext uri="{386F3935-93C4-4BCD-93E2-E3B085C9AB24}">
-                <p16:designElem xmlns:p16="http://schemas.microsoft.com/office/powerpoint/2015/main" val="1"/>
+                <p16:designElem xmlns:p16="http://schemas.microsoft.com/office/powerpoint/2015/main" xmlns="" val="1"/>
               </p:ext>
             </p:extLst>
           </p:nvPr>
@@ -9030,10 +10161,10 @@
           <p:cNvPr id="13" name="Rectangle 12">
             <a:extLst>
               <a:ext uri="{FF2B5EF4-FFF2-40B4-BE49-F238E27FC236}">
-                <a16:creationId xmlns:a16="http://schemas.microsoft.com/office/drawing/2014/main" id="{2AB0E0E5-A956-4B80-A317-E670B96CB03B}"/>
+                <a16:creationId xmlns:a16="http://schemas.microsoft.com/office/drawing/2014/main" xmlns="" id="{2AB0E0E5-A956-4B80-A317-E670B96CB03B}"/>
               </a:ext>
               <a:ext uri="{C183D7F6-B498-43B3-948B-1728B52AA6E4}">
-                <adec:decorative xmlns:adec="http://schemas.microsoft.com/office/drawing/2017/decorative" val="1"/>
+                <adec:decorative xmlns:adec="http://schemas.microsoft.com/office/drawing/2017/decorative" xmlns="" val="1"/>
               </a:ext>
             </a:extLst>
           </p:cNvPr>
@@ -9043,7 +10174,7 @@
           <p:nvPr>
             <p:extLst>
               <p:ext uri="{386F3935-93C4-4BCD-93E2-E3B085C9AB24}">
-                <p16:designElem xmlns:p16="http://schemas.microsoft.com/office/powerpoint/2015/main" val="1"/>
+                <p16:designElem xmlns:p16="http://schemas.microsoft.com/office/powerpoint/2015/main" xmlns="" val="1"/>
               </p:ext>
             </p:extLst>
           </p:nvPr>
@@ -9093,7 +10224,7 @@
           <p:cNvPr id="5" name="Picture 4" descr="Person watching empty phone">
             <a:extLst>
               <a:ext uri="{FF2B5EF4-FFF2-40B4-BE49-F238E27FC236}">
-                <a16:creationId xmlns:a16="http://schemas.microsoft.com/office/drawing/2014/main" id="{36BF03C9-7783-2E80-D333-EBEBAB79BB38}"/>
+                <a16:creationId xmlns:a16="http://schemas.microsoft.com/office/drawing/2014/main" xmlns="" id="{36BF03C9-7783-2E80-D333-EBEBAB79BB38}"/>
               </a:ext>
             </a:extLst>
           </p:cNvPr>
@@ -9127,10 +10258,10 @@
           <p:cNvPr id="15" name="Group 14">
             <a:extLst>
               <a:ext uri="{FF2B5EF4-FFF2-40B4-BE49-F238E27FC236}">
-                <a16:creationId xmlns:a16="http://schemas.microsoft.com/office/drawing/2014/main" id="{68142369-1172-4897-98AF-7E16842C4A29}"/>
+                <a16:creationId xmlns:a16="http://schemas.microsoft.com/office/drawing/2014/main" xmlns="" id="{68142369-1172-4897-98AF-7E16842C4A29}"/>
               </a:ext>
               <a:ext uri="{C183D7F6-B498-43B3-948B-1728B52AA6E4}">
-                <adec:decorative xmlns:adec="http://schemas.microsoft.com/office/drawing/2017/decorative" val="1"/>
+                <adec:decorative xmlns:adec="http://schemas.microsoft.com/office/drawing/2017/decorative" xmlns="" val="1"/>
               </a:ext>
             </a:extLst>
           </p:cNvPr>
@@ -9140,7 +10271,7 @@
           <p:nvPr>
             <p:extLst>
               <p:ext uri="{386F3935-93C4-4BCD-93E2-E3B085C9AB24}">
-                <p16:designElem xmlns:p16="http://schemas.microsoft.com/office/powerpoint/2015/main" val="1"/>
+                <p16:designElem xmlns:p16="http://schemas.microsoft.com/office/powerpoint/2015/main" xmlns="" val="1"/>
               </p:ext>
             </p:extLst>
           </p:nvPr>
@@ -9158,10 +10289,10 @@
             <p:cNvPr id="16" name="Straight Connector 15">
               <a:extLst>
                 <a:ext uri="{FF2B5EF4-FFF2-40B4-BE49-F238E27FC236}">
-                  <a16:creationId xmlns:a16="http://schemas.microsoft.com/office/drawing/2014/main" id="{6B4EC643-469D-49F7-B2C7-FA3DA6FFACC7}"/>
+                  <a16:creationId xmlns:a16="http://schemas.microsoft.com/office/drawing/2014/main" xmlns="" id="{6B4EC643-469D-49F7-B2C7-FA3DA6FFACC7}"/>
                 </a:ext>
                 <a:ext uri="{C183D7F6-B498-43B3-948B-1728B52AA6E4}">
-                  <adec:decorative xmlns:adec="http://schemas.microsoft.com/office/drawing/2017/decorative" val="1"/>
+                  <adec:decorative xmlns:adec="http://schemas.microsoft.com/office/drawing/2017/decorative" xmlns="" val="1"/>
                 </a:ext>
               </a:extLst>
             </p:cNvPr>
@@ -9171,7 +10302,7 @@
             <p:nvPr>
               <p:extLst>
                 <p:ext uri="{386F3935-93C4-4BCD-93E2-E3B085C9AB24}">
-                  <p16:designElem xmlns:p16="http://schemas.microsoft.com/office/powerpoint/2015/main" val="1"/>
+                  <p16:designElem xmlns:p16="http://schemas.microsoft.com/office/powerpoint/2015/main" xmlns="" val="1"/>
                 </p:ext>
               </p:extLst>
             </p:nvPr>
@@ -9210,10 +10341,10 @@
             <p:cNvPr id="17" name="Straight Connector 16">
               <a:extLst>
                 <a:ext uri="{FF2B5EF4-FFF2-40B4-BE49-F238E27FC236}">
-                  <a16:creationId xmlns:a16="http://schemas.microsoft.com/office/drawing/2014/main" id="{33C04565-7FC8-416F-9C08-F430D337F817}"/>
+                  <a16:creationId xmlns:a16="http://schemas.microsoft.com/office/drawing/2014/main" xmlns="" id="{33C04565-7FC8-416F-9C08-F430D337F817}"/>
                 </a:ext>
                 <a:ext uri="{C183D7F6-B498-43B3-948B-1728B52AA6E4}">
-                  <adec:decorative xmlns:adec="http://schemas.microsoft.com/office/drawing/2017/decorative" val="1"/>
+                  <adec:decorative xmlns:adec="http://schemas.microsoft.com/office/drawing/2017/decorative" xmlns="" val="1"/>
                 </a:ext>
               </a:extLst>
             </p:cNvPr>
@@ -9223,7 +10354,7 @@
             <p:nvPr>
               <p:extLst>
                 <p:ext uri="{386F3935-93C4-4BCD-93E2-E3B085C9AB24}">
-                  <p16:designElem xmlns:p16="http://schemas.microsoft.com/office/powerpoint/2015/main" val="1"/>
+                  <p16:designElem xmlns:p16="http://schemas.microsoft.com/office/powerpoint/2015/main" xmlns="" val="1"/>
                 </p:ext>
               </p:extLst>
             </p:nvPr>
@@ -9262,10 +10393,10 @@
             <p:cNvPr id="18" name="Straight Connector 17">
               <a:extLst>
                 <a:ext uri="{FF2B5EF4-FFF2-40B4-BE49-F238E27FC236}">
-                  <a16:creationId xmlns:a16="http://schemas.microsoft.com/office/drawing/2014/main" id="{92BD8DCF-6634-460D-AA2E-1357451FBA18}"/>
+                  <a16:creationId xmlns:a16="http://schemas.microsoft.com/office/drawing/2014/main" xmlns="" id="{92BD8DCF-6634-460D-AA2E-1357451FBA18}"/>
                 </a:ext>
                 <a:ext uri="{C183D7F6-B498-43B3-948B-1728B52AA6E4}">
-                  <adec:decorative xmlns:adec="http://schemas.microsoft.com/office/drawing/2017/decorative" val="1"/>
+                  <adec:decorative xmlns:adec="http://schemas.microsoft.com/office/drawing/2017/decorative" xmlns="" val="1"/>
                 </a:ext>
               </a:extLst>
             </p:cNvPr>
@@ -9275,7 +10406,7 @@
             <p:nvPr>
               <p:extLst>
                 <p:ext uri="{386F3935-93C4-4BCD-93E2-E3B085C9AB24}">
-                  <p16:designElem xmlns:p16="http://schemas.microsoft.com/office/powerpoint/2015/main" val="1"/>
+                  <p16:designElem xmlns:p16="http://schemas.microsoft.com/office/powerpoint/2015/main" xmlns="" val="1"/>
                 </p:ext>
               </p:extLst>
             </p:nvPr>
@@ -9314,10 +10445,10 @@
             <p:cNvPr id="19" name="Straight Connector 18">
               <a:extLst>
                 <a:ext uri="{FF2B5EF4-FFF2-40B4-BE49-F238E27FC236}">
-                  <a16:creationId xmlns:a16="http://schemas.microsoft.com/office/drawing/2014/main" id="{8EAC9175-245B-4886-A4F2-EEA53C13F540}"/>
+                  <a16:creationId xmlns:a16="http://schemas.microsoft.com/office/drawing/2014/main" xmlns="" id="{8EAC9175-245B-4886-A4F2-EEA53C13F540}"/>
                 </a:ext>
                 <a:ext uri="{C183D7F6-B498-43B3-948B-1728B52AA6E4}">
-                  <adec:decorative xmlns:adec="http://schemas.microsoft.com/office/drawing/2017/decorative" val="1"/>
+                  <adec:decorative xmlns:adec="http://schemas.microsoft.com/office/drawing/2017/decorative" xmlns="" val="1"/>
                 </a:ext>
               </a:extLst>
             </p:cNvPr>
@@ -9327,7 +10458,7 @@
             <p:nvPr>
               <p:extLst>
                 <p:ext uri="{386F3935-93C4-4BCD-93E2-E3B085C9AB24}">
-                  <p16:designElem xmlns:p16="http://schemas.microsoft.com/office/powerpoint/2015/main" val="1"/>
+                  <p16:designElem xmlns:p16="http://schemas.microsoft.com/office/powerpoint/2015/main" xmlns="" val="1"/>
                 </p:ext>
               </p:extLst>
             </p:nvPr>
@@ -9366,10 +10497,10 @@
             <p:cNvPr id="20" name="Graphic 33">
               <a:extLst>
                 <a:ext uri="{FF2B5EF4-FFF2-40B4-BE49-F238E27FC236}">
-                  <a16:creationId xmlns:a16="http://schemas.microsoft.com/office/drawing/2014/main" id="{BC567658-11B8-4D35-89AE-B7353466914F}"/>
+                  <a16:creationId xmlns:a16="http://schemas.microsoft.com/office/drawing/2014/main" xmlns="" id="{BC567658-11B8-4D35-89AE-B7353466914F}"/>
                 </a:ext>
                 <a:ext uri="{C183D7F6-B498-43B3-948B-1728B52AA6E4}">
-                  <adec:decorative xmlns:adec="http://schemas.microsoft.com/office/drawing/2017/decorative" val="1"/>
+                  <adec:decorative xmlns:adec="http://schemas.microsoft.com/office/drawing/2017/decorative" xmlns="" val="1"/>
                 </a:ext>
               </a:extLst>
             </p:cNvPr>
@@ -9377,7 +10508,7 @@
             <p:nvPr>
               <p:extLst>
                 <p:ext uri="{386F3935-93C4-4BCD-93E2-E3B085C9AB24}">
-                  <p16:designElem xmlns:p16="http://schemas.microsoft.com/office/powerpoint/2015/main" val="1"/>
+                  <p16:designElem xmlns:p16="http://schemas.microsoft.com/office/powerpoint/2015/main" xmlns="" val="1"/>
                 </p:ext>
               </p:extLst>
             </p:nvPr>
@@ -9544,10 +10675,10 @@
             <p:cNvPr id="21" name="Graphic 33">
               <a:extLst>
                 <a:ext uri="{FF2B5EF4-FFF2-40B4-BE49-F238E27FC236}">
-                  <a16:creationId xmlns:a16="http://schemas.microsoft.com/office/drawing/2014/main" id="{B2AAA79A-1602-4193-8170-9C436D9CED8F}"/>
+                  <a16:creationId xmlns:a16="http://schemas.microsoft.com/office/drawing/2014/main" xmlns="" id="{B2AAA79A-1602-4193-8170-9C436D9CED8F}"/>
                 </a:ext>
                 <a:ext uri="{C183D7F6-B498-43B3-948B-1728B52AA6E4}">
-                  <adec:decorative xmlns:adec="http://schemas.microsoft.com/office/drawing/2017/decorative" val="1"/>
+                  <adec:decorative xmlns:adec="http://schemas.microsoft.com/office/drawing/2017/decorative" xmlns="" val="1"/>
                 </a:ext>
               </a:extLst>
             </p:cNvPr>
@@ -9555,7 +10686,7 @@
             <p:nvPr>
               <p:extLst>
                 <p:ext uri="{386F3935-93C4-4BCD-93E2-E3B085C9AB24}">
-                  <p16:designElem xmlns:p16="http://schemas.microsoft.com/office/powerpoint/2015/main" val="1"/>
+                  <p16:designElem xmlns:p16="http://schemas.microsoft.com/office/powerpoint/2015/main" xmlns="" val="1"/>
                 </p:ext>
               </p:extLst>
             </p:nvPr>
@@ -9723,7 +10854,7 @@
           <p:cNvPr id="3" name="Content Placeholder 2">
             <a:extLst>
               <a:ext uri="{FF2B5EF4-FFF2-40B4-BE49-F238E27FC236}">
-                <a16:creationId xmlns:a16="http://schemas.microsoft.com/office/drawing/2014/main" id="{914F2E01-CB12-0A24-CE27-8DD6F821D827}"/>
+                <a16:creationId xmlns:a16="http://schemas.microsoft.com/office/drawing/2014/main" xmlns="" id="{914F2E01-CB12-0A24-CE27-8DD6F821D827}"/>
               </a:ext>
             </a:extLst>
           </p:cNvPr>
@@ -10061,7 +11192,7 @@
           <p:cNvPr id="7" name="Title 1">
             <a:extLst>
               <a:ext uri="{FF2B5EF4-FFF2-40B4-BE49-F238E27FC236}">
-                <a16:creationId xmlns:a16="http://schemas.microsoft.com/office/drawing/2014/main" id="{D168CBBE-C00E-A79A-326B-E0306D5390D7}"/>
+                <a16:creationId xmlns:a16="http://schemas.microsoft.com/office/drawing/2014/main" xmlns="" id="{D168CBBE-C00E-A79A-326B-E0306D5390D7}"/>
               </a:ext>
             </a:extLst>
           </p:cNvPr>
@@ -10105,18 +11236,25 @@
   <p:clrMapOvr>
     <a:overrideClrMapping bg1="dk1" tx1="lt1" bg2="dk2" tx2="lt2" accent1="accent1" accent2="accent2" accent3="accent3" accent4="accent4" accent5="accent5" accent6="accent6" hlink="hlink" folHlink="folHlink"/>
   </p:clrMapOvr>
-  <mc:AlternateContent xmlns:mc="http://schemas.openxmlformats.org/markup-compatibility/2006" xmlns:p159="http://schemas.microsoft.com/office/powerpoint/2015/09/main">
-    <mc:Choice Requires="p159">
+  <mc:AlternateContent xmlns:mc="http://schemas.openxmlformats.org/markup-compatibility/2006">
+    <mc:Choice xmlns:p159="http://schemas.microsoft.com/office/powerpoint/2015/09/main" xmlns="" Requires="p159">
       <p:transition xmlns:p14="http://schemas.microsoft.com/office/powerpoint/2010/main" spd="slow" p14:dur="2000">
         <p159:morph option="byObject"/>
       </p:transition>
     </mc:Choice>
-    <mc:Fallback xmlns="">
+    <mc:Fallback>
       <p:transition spd="slow">
         <p:fade/>
       </p:transition>
     </mc:Fallback>
   </mc:AlternateContent>
+  <p:timing>
+    <p:tnLst>
+      <p:par>
+        <p:cTn id="1" dur="indefinite" restart="never" nodeType="tmRoot"/>
+      </p:par>
+    </p:tnLst>
+  </p:timing>
 </p:sld>
 </file>
 
@@ -10150,10 +11288,10 @@
           <p:cNvPr id="38" name="Rectangle 6">
             <a:extLst>
               <a:ext uri="{FF2B5EF4-FFF2-40B4-BE49-F238E27FC236}">
-                <a16:creationId xmlns:a16="http://schemas.microsoft.com/office/drawing/2014/main" id="{2293296F-4C3A-4530-98F5-F83646ACE913}"/>
+                <a16:creationId xmlns:a16="http://schemas.microsoft.com/office/drawing/2014/main" xmlns="" id="{2293296F-4C3A-4530-98F5-F83646ACE913}"/>
               </a:ext>
               <a:ext uri="{C183D7F6-B498-43B3-948B-1728B52AA6E4}">
-                <adec:decorative xmlns:adec="http://schemas.microsoft.com/office/drawing/2017/decorative" val="1"/>
+                <adec:decorative xmlns:adec="http://schemas.microsoft.com/office/drawing/2017/decorative" xmlns="" val="1"/>
               </a:ext>
             </a:extLst>
           </p:cNvPr>
@@ -10163,7 +11301,7 @@
           <p:nvPr>
             <p:extLst>
               <p:ext uri="{386F3935-93C4-4BCD-93E2-E3B085C9AB24}">
-                <p16:designElem xmlns:p16="http://schemas.microsoft.com/office/powerpoint/2015/main" val="1"/>
+                <p16:designElem xmlns:p16="http://schemas.microsoft.com/office/powerpoint/2015/main" xmlns="" val="1"/>
               </p:ext>
             </p:extLst>
           </p:nvPr>
@@ -10216,10 +11354,10 @@
           <p:cNvPr id="39" name="Group 8">
             <a:extLst>
               <a:ext uri="{FF2B5EF4-FFF2-40B4-BE49-F238E27FC236}">
-                <a16:creationId xmlns:a16="http://schemas.microsoft.com/office/drawing/2014/main" id="{3914D2BD-3C47-433D-81FE-DC6C39595F0E}"/>
+                <a16:creationId xmlns:a16="http://schemas.microsoft.com/office/drawing/2014/main" xmlns="" id="{3914D2BD-3C47-433D-81FE-DC6C39595F0E}"/>
               </a:ext>
               <a:ext uri="{C183D7F6-B498-43B3-948B-1728B52AA6E4}">
-                <adec:decorative xmlns:adec="http://schemas.microsoft.com/office/drawing/2017/decorative" val="1"/>
+                <adec:decorative xmlns:adec="http://schemas.microsoft.com/office/drawing/2017/decorative" xmlns="" val="1"/>
               </a:ext>
             </a:extLst>
           </p:cNvPr>
@@ -10229,7 +11367,7 @@
           <p:nvPr>
             <p:extLst>
               <p:ext uri="{386F3935-93C4-4BCD-93E2-E3B085C9AB24}">
-                <p16:designElem xmlns:p16="http://schemas.microsoft.com/office/powerpoint/2015/main" val="1"/>
+                <p16:designElem xmlns:p16="http://schemas.microsoft.com/office/powerpoint/2015/main" xmlns="" val="1"/>
               </p:ext>
             </p:extLst>
           </p:nvPr>
@@ -10247,10 +11385,10 @@
             <p:cNvPr id="10" name="Straight Connector 9">
               <a:extLst>
                 <a:ext uri="{FF2B5EF4-FFF2-40B4-BE49-F238E27FC236}">
-                  <a16:creationId xmlns:a16="http://schemas.microsoft.com/office/drawing/2014/main" id="{D3DD55E4-EA4F-4874-8B5B-6E0EAF4BBFC4}"/>
+                  <a16:creationId xmlns:a16="http://schemas.microsoft.com/office/drawing/2014/main" xmlns="" id="{D3DD55E4-EA4F-4874-8B5B-6E0EAF4BBFC4}"/>
                 </a:ext>
                 <a:ext uri="{C183D7F6-B498-43B3-948B-1728B52AA6E4}">
-                  <adec:decorative xmlns:adec="http://schemas.microsoft.com/office/drawing/2017/decorative" val="1"/>
+                  <adec:decorative xmlns:adec="http://schemas.microsoft.com/office/drawing/2017/decorative" xmlns="" val="1"/>
                 </a:ext>
               </a:extLst>
             </p:cNvPr>
@@ -10260,7 +11398,7 @@
             <p:nvPr>
               <p:extLst>
                 <p:ext uri="{386F3935-93C4-4BCD-93E2-E3B085C9AB24}">
-                  <p16:designElem xmlns:p16="http://schemas.microsoft.com/office/powerpoint/2015/main" val="1"/>
+                  <p16:designElem xmlns:p16="http://schemas.microsoft.com/office/powerpoint/2015/main" xmlns="" val="1"/>
                 </p:ext>
               </p:extLst>
             </p:nvPr>
@@ -10299,10 +11437,10 @@
             <p:cNvPr id="11" name="Straight Connector 10">
               <a:extLst>
                 <a:ext uri="{FF2B5EF4-FFF2-40B4-BE49-F238E27FC236}">
-                  <a16:creationId xmlns:a16="http://schemas.microsoft.com/office/drawing/2014/main" id="{32950BAF-7673-4138-AEA2-DE7D368CC357}"/>
+                  <a16:creationId xmlns:a16="http://schemas.microsoft.com/office/drawing/2014/main" xmlns="" id="{32950BAF-7673-4138-AEA2-DE7D368CC357}"/>
                 </a:ext>
                 <a:ext uri="{C183D7F6-B498-43B3-948B-1728B52AA6E4}">
-                  <adec:decorative xmlns:adec="http://schemas.microsoft.com/office/drawing/2017/decorative" val="1"/>
+                  <adec:decorative xmlns:adec="http://schemas.microsoft.com/office/drawing/2017/decorative" xmlns="" val="1"/>
                 </a:ext>
               </a:extLst>
             </p:cNvPr>
@@ -10312,7 +11450,7 @@
             <p:nvPr>
               <p:extLst>
                 <p:ext uri="{386F3935-93C4-4BCD-93E2-E3B085C9AB24}">
-                  <p16:designElem xmlns:p16="http://schemas.microsoft.com/office/powerpoint/2015/main" val="1"/>
+                  <p16:designElem xmlns:p16="http://schemas.microsoft.com/office/powerpoint/2015/main" xmlns="" val="1"/>
                 </p:ext>
               </p:extLst>
             </p:nvPr>
@@ -10351,10 +11489,10 @@
             <p:cNvPr id="12" name="Straight Connector 11">
               <a:extLst>
                 <a:ext uri="{FF2B5EF4-FFF2-40B4-BE49-F238E27FC236}">
-                  <a16:creationId xmlns:a16="http://schemas.microsoft.com/office/drawing/2014/main" id="{6BE3E2B5-EA1C-415A-941A-843C7EA148E1}"/>
+                  <a16:creationId xmlns:a16="http://schemas.microsoft.com/office/drawing/2014/main" xmlns="" id="{6BE3E2B5-EA1C-415A-941A-843C7EA148E1}"/>
                 </a:ext>
                 <a:ext uri="{C183D7F6-B498-43B3-948B-1728B52AA6E4}">
-                  <adec:decorative xmlns:adec="http://schemas.microsoft.com/office/drawing/2017/decorative" val="1"/>
+                  <adec:decorative xmlns:adec="http://schemas.microsoft.com/office/drawing/2017/decorative" xmlns="" val="1"/>
                 </a:ext>
               </a:extLst>
             </p:cNvPr>
@@ -10364,7 +11502,7 @@
             <p:nvPr>
               <p:extLst>
                 <p:ext uri="{386F3935-93C4-4BCD-93E2-E3B085C9AB24}">
-                  <p16:designElem xmlns:p16="http://schemas.microsoft.com/office/powerpoint/2015/main" val="1"/>
+                  <p16:designElem xmlns:p16="http://schemas.microsoft.com/office/powerpoint/2015/main" xmlns="" val="1"/>
                 </p:ext>
               </p:extLst>
             </p:nvPr>
@@ -10403,10 +11541,10 @@
             <p:cNvPr id="13" name="Straight Connector 12">
               <a:extLst>
                 <a:ext uri="{FF2B5EF4-FFF2-40B4-BE49-F238E27FC236}">
-                  <a16:creationId xmlns:a16="http://schemas.microsoft.com/office/drawing/2014/main" id="{087FA3A6-E398-4576-B6B8-3328028D84B2}"/>
+                  <a16:creationId xmlns:a16="http://schemas.microsoft.com/office/drawing/2014/main" xmlns="" id="{087FA3A6-E398-4576-B6B8-3328028D84B2}"/>
                 </a:ext>
                 <a:ext uri="{C183D7F6-B498-43B3-948B-1728B52AA6E4}">
-                  <adec:decorative xmlns:adec="http://schemas.microsoft.com/office/drawing/2017/decorative" val="1"/>
+                  <adec:decorative xmlns:adec="http://schemas.microsoft.com/office/drawing/2017/decorative" xmlns="" val="1"/>
                 </a:ext>
               </a:extLst>
             </p:cNvPr>
@@ -10416,7 +11554,7 @@
             <p:nvPr>
               <p:extLst>
                 <p:ext uri="{386F3935-93C4-4BCD-93E2-E3B085C9AB24}">
-                  <p16:designElem xmlns:p16="http://schemas.microsoft.com/office/powerpoint/2015/main" val="1"/>
+                  <p16:designElem xmlns:p16="http://schemas.microsoft.com/office/powerpoint/2015/main" xmlns="" val="1"/>
                 </p:ext>
               </p:extLst>
             </p:nvPr>
@@ -10455,10 +11593,10 @@
             <p:cNvPr id="14" name="Graphic 33">
               <a:extLst>
                 <a:ext uri="{FF2B5EF4-FFF2-40B4-BE49-F238E27FC236}">
-                  <a16:creationId xmlns:a16="http://schemas.microsoft.com/office/drawing/2014/main" id="{EFB597D7-65E0-476A-B9EB-3AA6ED33884C}"/>
+                  <a16:creationId xmlns:a16="http://schemas.microsoft.com/office/drawing/2014/main" xmlns="" id="{EFB597D7-65E0-476A-B9EB-3AA6ED33884C}"/>
                 </a:ext>
                 <a:ext uri="{C183D7F6-B498-43B3-948B-1728B52AA6E4}">
-                  <adec:decorative xmlns:adec="http://schemas.microsoft.com/office/drawing/2017/decorative" val="1"/>
+                  <adec:decorative xmlns:adec="http://schemas.microsoft.com/office/drawing/2017/decorative" xmlns="" val="1"/>
                 </a:ext>
               </a:extLst>
             </p:cNvPr>
@@ -10466,7 +11604,7 @@
             <p:nvPr>
               <p:extLst>
                 <p:ext uri="{386F3935-93C4-4BCD-93E2-E3B085C9AB24}">
-                  <p16:designElem xmlns:p16="http://schemas.microsoft.com/office/powerpoint/2015/main" val="1"/>
+                  <p16:designElem xmlns:p16="http://schemas.microsoft.com/office/powerpoint/2015/main" xmlns="" val="1"/>
                 </p:ext>
               </p:extLst>
             </p:nvPr>
@@ -10539,10 +11677,10 @@
             <p:cNvPr id="15" name="Graphic 33">
               <a:extLst>
                 <a:ext uri="{FF2B5EF4-FFF2-40B4-BE49-F238E27FC236}">
-                  <a16:creationId xmlns:a16="http://schemas.microsoft.com/office/drawing/2014/main" id="{11AA060A-BE0E-4687-8F9E-0E2955D9796D}"/>
+                  <a16:creationId xmlns:a16="http://schemas.microsoft.com/office/drawing/2014/main" xmlns="" id="{11AA060A-BE0E-4687-8F9E-0E2955D9796D}"/>
                 </a:ext>
                 <a:ext uri="{C183D7F6-B498-43B3-948B-1728B52AA6E4}">
-                  <adec:decorative xmlns:adec="http://schemas.microsoft.com/office/drawing/2017/decorative" val="1"/>
+                  <adec:decorative xmlns:adec="http://schemas.microsoft.com/office/drawing/2017/decorative" xmlns="" val="1"/>
                 </a:ext>
               </a:extLst>
             </p:cNvPr>
@@ -10550,7 +11688,7 @@
             <p:nvPr>
               <p:extLst>
                 <p:ext uri="{386F3935-93C4-4BCD-93E2-E3B085C9AB24}">
-                  <p16:designElem xmlns:p16="http://schemas.microsoft.com/office/powerpoint/2015/main" val="1"/>
+                  <p16:designElem xmlns:p16="http://schemas.microsoft.com/office/powerpoint/2015/main" xmlns="" val="1"/>
                 </p:ext>
               </p:extLst>
             </p:nvPr>
@@ -10624,10 +11762,10 @@
           <p:cNvPr id="40" name="Group 16">
             <a:extLst>
               <a:ext uri="{FF2B5EF4-FFF2-40B4-BE49-F238E27FC236}">
-                <a16:creationId xmlns:a16="http://schemas.microsoft.com/office/drawing/2014/main" id="{65E07BDE-E927-4175-820B-81F985407467}"/>
+                <a16:creationId xmlns:a16="http://schemas.microsoft.com/office/drawing/2014/main" xmlns="" id="{65E07BDE-E927-4175-820B-81F985407467}"/>
               </a:ext>
               <a:ext uri="{C183D7F6-B498-43B3-948B-1728B52AA6E4}">
-                <adec:decorative xmlns:adec="http://schemas.microsoft.com/office/drawing/2017/decorative" val="1"/>
+                <adec:decorative xmlns:adec="http://schemas.microsoft.com/office/drawing/2017/decorative" xmlns="" val="1"/>
               </a:ext>
             </a:extLst>
           </p:cNvPr>
@@ -10637,7 +11775,7 @@
           <p:nvPr>
             <p:extLst>
               <p:ext uri="{386F3935-93C4-4BCD-93E2-E3B085C9AB24}">
-                <p16:designElem xmlns:p16="http://schemas.microsoft.com/office/powerpoint/2015/main" val="1"/>
+                <p16:designElem xmlns:p16="http://schemas.microsoft.com/office/powerpoint/2015/main" xmlns="" val="1"/>
               </p:ext>
             </p:extLst>
           </p:nvPr>
@@ -10655,10 +11793,10 @@
             <p:cNvPr id="18" name="Straight Connector 17">
               <a:extLst>
                 <a:ext uri="{FF2B5EF4-FFF2-40B4-BE49-F238E27FC236}">
-                  <a16:creationId xmlns:a16="http://schemas.microsoft.com/office/drawing/2014/main" id="{F9103D9E-236B-4AD2-A27C-BF2007A2D95B}"/>
+                  <a16:creationId xmlns:a16="http://schemas.microsoft.com/office/drawing/2014/main" xmlns="" id="{F9103D9E-236B-4AD2-A27C-BF2007A2D95B}"/>
                 </a:ext>
                 <a:ext uri="{C183D7F6-B498-43B3-948B-1728B52AA6E4}">
-                  <adec:decorative xmlns:adec="http://schemas.microsoft.com/office/drawing/2017/decorative" val="1"/>
+                  <adec:decorative xmlns:adec="http://schemas.microsoft.com/office/drawing/2017/decorative" xmlns="" val="1"/>
                 </a:ext>
               </a:extLst>
             </p:cNvPr>
@@ -10668,7 +11806,7 @@
             <p:nvPr>
               <p:extLst>
                 <p:ext uri="{386F3935-93C4-4BCD-93E2-E3B085C9AB24}">
-                  <p16:designElem xmlns:p16="http://schemas.microsoft.com/office/powerpoint/2015/main" val="1"/>
+                  <p16:designElem xmlns:p16="http://schemas.microsoft.com/office/powerpoint/2015/main" xmlns="" val="1"/>
                 </p:ext>
               </p:extLst>
             </p:nvPr>
@@ -10707,10 +11845,10 @@
             <p:cNvPr id="19" name="Straight Connector 18">
               <a:extLst>
                 <a:ext uri="{FF2B5EF4-FFF2-40B4-BE49-F238E27FC236}">
-                  <a16:creationId xmlns:a16="http://schemas.microsoft.com/office/drawing/2014/main" id="{86701FBB-07FC-4733-9104-D2EF1D685050}"/>
+                  <a16:creationId xmlns:a16="http://schemas.microsoft.com/office/drawing/2014/main" xmlns="" id="{86701FBB-07FC-4733-9104-D2EF1D685050}"/>
                 </a:ext>
                 <a:ext uri="{C183D7F6-B498-43B3-948B-1728B52AA6E4}">
-                  <adec:decorative xmlns:adec="http://schemas.microsoft.com/office/drawing/2017/decorative" val="1"/>
+                  <adec:decorative xmlns:adec="http://schemas.microsoft.com/office/drawing/2017/decorative" xmlns="" val="1"/>
                 </a:ext>
               </a:extLst>
             </p:cNvPr>
@@ -10720,7 +11858,7 @@
             <p:nvPr>
               <p:extLst>
                 <p:ext uri="{386F3935-93C4-4BCD-93E2-E3B085C9AB24}">
-                  <p16:designElem xmlns:p16="http://schemas.microsoft.com/office/powerpoint/2015/main" val="1"/>
+                  <p16:designElem xmlns:p16="http://schemas.microsoft.com/office/powerpoint/2015/main" xmlns="" val="1"/>
                 </p:ext>
               </p:extLst>
             </p:nvPr>
@@ -10759,10 +11897,10 @@
             <p:cNvPr id="20" name="Straight Connector 19">
               <a:extLst>
                 <a:ext uri="{FF2B5EF4-FFF2-40B4-BE49-F238E27FC236}">
-                  <a16:creationId xmlns:a16="http://schemas.microsoft.com/office/drawing/2014/main" id="{F0024222-CC64-47B0-A4BF-B40233E43B4C}"/>
+                  <a16:creationId xmlns:a16="http://schemas.microsoft.com/office/drawing/2014/main" xmlns="" id="{F0024222-CC64-47B0-A4BF-B40233E43B4C}"/>
                 </a:ext>
                 <a:ext uri="{C183D7F6-B498-43B3-948B-1728B52AA6E4}">
-                  <adec:decorative xmlns:adec="http://schemas.microsoft.com/office/drawing/2017/decorative" val="1"/>
+                  <adec:decorative xmlns:adec="http://schemas.microsoft.com/office/drawing/2017/decorative" xmlns="" val="1"/>
                 </a:ext>
               </a:extLst>
             </p:cNvPr>
@@ -10772,7 +11910,7 @@
             <p:nvPr>
               <p:extLst>
                 <p:ext uri="{386F3935-93C4-4BCD-93E2-E3B085C9AB24}">
-                  <p16:designElem xmlns:p16="http://schemas.microsoft.com/office/powerpoint/2015/main" val="1"/>
+                  <p16:designElem xmlns:p16="http://schemas.microsoft.com/office/powerpoint/2015/main" xmlns="" val="1"/>
                 </p:ext>
               </p:extLst>
             </p:nvPr>
@@ -10811,10 +11949,10 @@
             <p:cNvPr id="21" name="Straight Connector 20">
               <a:extLst>
                 <a:ext uri="{FF2B5EF4-FFF2-40B4-BE49-F238E27FC236}">
-                  <a16:creationId xmlns:a16="http://schemas.microsoft.com/office/drawing/2014/main" id="{C8B03883-6F44-4FEE-BFBE-4D73F19E72AC}"/>
+                  <a16:creationId xmlns:a16="http://schemas.microsoft.com/office/drawing/2014/main" xmlns="" id="{C8B03883-6F44-4FEE-BFBE-4D73F19E72AC}"/>
                 </a:ext>
                 <a:ext uri="{C183D7F6-B498-43B3-948B-1728B52AA6E4}">
-                  <adec:decorative xmlns:adec="http://schemas.microsoft.com/office/drawing/2017/decorative" val="1"/>
+                  <adec:decorative xmlns:adec="http://schemas.microsoft.com/office/drawing/2017/decorative" xmlns="" val="1"/>
                 </a:ext>
               </a:extLst>
             </p:cNvPr>
@@ -10824,7 +11962,7 @@
             <p:nvPr>
               <p:extLst>
                 <p:ext uri="{386F3935-93C4-4BCD-93E2-E3B085C9AB24}">
-                  <p16:designElem xmlns:p16="http://schemas.microsoft.com/office/powerpoint/2015/main" val="1"/>
+                  <p16:designElem xmlns:p16="http://schemas.microsoft.com/office/powerpoint/2015/main" xmlns="" val="1"/>
                 </p:ext>
               </p:extLst>
             </p:nvPr>
@@ -10863,10 +12001,10 @@
             <p:cNvPr id="22" name="Graphic 33">
               <a:extLst>
                 <a:ext uri="{FF2B5EF4-FFF2-40B4-BE49-F238E27FC236}">
-                  <a16:creationId xmlns:a16="http://schemas.microsoft.com/office/drawing/2014/main" id="{5A26ABB5-559E-45EC-8DBC-364F029DD723}"/>
+                  <a16:creationId xmlns:a16="http://schemas.microsoft.com/office/drawing/2014/main" xmlns="" id="{5A26ABB5-559E-45EC-8DBC-364F029DD723}"/>
                 </a:ext>
                 <a:ext uri="{C183D7F6-B498-43B3-948B-1728B52AA6E4}">
-                  <adec:decorative xmlns:adec="http://schemas.microsoft.com/office/drawing/2017/decorative" val="1"/>
+                  <adec:decorative xmlns:adec="http://schemas.microsoft.com/office/drawing/2017/decorative" xmlns="" val="1"/>
                 </a:ext>
               </a:extLst>
             </p:cNvPr>
@@ -10874,7 +12012,7 @@
             <p:nvPr>
               <p:extLst>
                 <p:ext uri="{386F3935-93C4-4BCD-93E2-E3B085C9AB24}">
-                  <p16:designElem xmlns:p16="http://schemas.microsoft.com/office/powerpoint/2015/main" val="1"/>
+                  <p16:designElem xmlns:p16="http://schemas.microsoft.com/office/powerpoint/2015/main" xmlns="" val="1"/>
                 </p:ext>
               </p:extLst>
             </p:nvPr>
@@ -10947,10 +12085,10 @@
             <p:cNvPr id="23" name="Graphic 33">
               <a:extLst>
                 <a:ext uri="{FF2B5EF4-FFF2-40B4-BE49-F238E27FC236}">
-                  <a16:creationId xmlns:a16="http://schemas.microsoft.com/office/drawing/2014/main" id="{339DC07F-79A6-42D3-BDD6-5A262FFC53A2}"/>
+                  <a16:creationId xmlns:a16="http://schemas.microsoft.com/office/drawing/2014/main" xmlns="" id="{339DC07F-79A6-42D3-BDD6-5A262FFC53A2}"/>
                 </a:ext>
                 <a:ext uri="{C183D7F6-B498-43B3-948B-1728B52AA6E4}">
-                  <adec:decorative xmlns:adec="http://schemas.microsoft.com/office/drawing/2017/decorative" val="1"/>
+                  <adec:decorative xmlns:adec="http://schemas.microsoft.com/office/drawing/2017/decorative" xmlns="" val="1"/>
                 </a:ext>
               </a:extLst>
             </p:cNvPr>
@@ -10958,7 +12096,7 @@
             <p:nvPr>
               <p:extLst>
                 <p:ext uri="{386F3935-93C4-4BCD-93E2-E3B085C9AB24}">
-                  <p16:designElem xmlns:p16="http://schemas.microsoft.com/office/powerpoint/2015/main" val="1"/>
+                  <p16:designElem xmlns:p16="http://schemas.microsoft.com/office/powerpoint/2015/main" xmlns="" val="1"/>
                 </p:ext>
               </p:extLst>
             </p:nvPr>
@@ -11032,10 +12170,10 @@
           <p:cNvPr id="41" name="Rectangle 24">
             <a:extLst>
               <a:ext uri="{FF2B5EF4-FFF2-40B4-BE49-F238E27FC236}">
-                <a16:creationId xmlns:a16="http://schemas.microsoft.com/office/drawing/2014/main" id="{BD2D4D3D-0943-4A9D-AE30-EEEAF707A340}"/>
+                <a16:creationId xmlns:a16="http://schemas.microsoft.com/office/drawing/2014/main" xmlns="" id="{BD2D4D3D-0943-4A9D-AE30-EEEAF707A340}"/>
               </a:ext>
               <a:ext uri="{C183D7F6-B498-43B3-948B-1728B52AA6E4}">
-                <adec:decorative xmlns:adec="http://schemas.microsoft.com/office/drawing/2017/decorative" val="1"/>
+                <adec:decorative xmlns:adec="http://schemas.microsoft.com/office/drawing/2017/decorative" xmlns="" val="1"/>
               </a:ext>
             </a:extLst>
           </p:cNvPr>
@@ -11045,7 +12183,7 @@
           <p:nvPr>
             <p:extLst>
               <p:ext uri="{386F3935-93C4-4BCD-93E2-E3B085C9AB24}">
-                <p16:designElem xmlns:p16="http://schemas.microsoft.com/office/powerpoint/2015/main" val="1"/>
+                <p16:designElem xmlns:p16="http://schemas.microsoft.com/office/powerpoint/2015/main" xmlns="" val="1"/>
               </p:ext>
             </p:extLst>
           </p:nvPr>
@@ -11092,10 +12230,10 @@
           <p:cNvPr id="42" name="Rectangle 26">
             <a:extLst>
               <a:ext uri="{FF2B5EF4-FFF2-40B4-BE49-F238E27FC236}">
-                <a16:creationId xmlns:a16="http://schemas.microsoft.com/office/drawing/2014/main" id="{96402F50-78D0-4C40-8FB9-47AF6DD06DC9}"/>
+                <a16:creationId xmlns:a16="http://schemas.microsoft.com/office/drawing/2014/main" xmlns="" id="{96402F50-78D0-4C40-8FB9-47AF6DD06DC9}"/>
               </a:ext>
               <a:ext uri="{C183D7F6-B498-43B3-948B-1728B52AA6E4}">
-                <adec:decorative xmlns:adec="http://schemas.microsoft.com/office/drawing/2017/decorative" val="1"/>
+                <adec:decorative xmlns:adec="http://schemas.microsoft.com/office/drawing/2017/decorative" xmlns="" val="1"/>
               </a:ext>
             </a:extLst>
           </p:cNvPr>
@@ -11105,7 +12243,7 @@
           <p:nvPr>
             <p:extLst>
               <p:ext uri="{386F3935-93C4-4BCD-93E2-E3B085C9AB24}">
-                <p16:designElem xmlns:p16="http://schemas.microsoft.com/office/powerpoint/2015/main" val="1"/>
+                <p16:designElem xmlns:p16="http://schemas.microsoft.com/office/powerpoint/2015/main" xmlns="" val="1"/>
               </p:ext>
             </p:extLst>
           </p:nvPr>
@@ -11158,10 +12296,10 @@
           <p:cNvPr id="43" name="Group 28">
             <a:extLst>
               <a:ext uri="{FF2B5EF4-FFF2-40B4-BE49-F238E27FC236}">
-                <a16:creationId xmlns:a16="http://schemas.microsoft.com/office/drawing/2014/main" id="{905FD742-A584-4C24-981D-4BE96AC5618C}"/>
+                <a16:creationId xmlns:a16="http://schemas.microsoft.com/office/drawing/2014/main" xmlns="" id="{905FD742-A584-4C24-981D-4BE96AC5618C}"/>
               </a:ext>
               <a:ext uri="{C183D7F6-B498-43B3-948B-1728B52AA6E4}">
-                <adec:decorative xmlns:adec="http://schemas.microsoft.com/office/drawing/2017/decorative" val="1"/>
+                <adec:decorative xmlns:adec="http://schemas.microsoft.com/office/drawing/2017/decorative" xmlns="" val="1"/>
               </a:ext>
             </a:extLst>
           </p:cNvPr>
@@ -11171,7 +12309,7 @@
           <p:nvPr>
             <p:extLst>
               <p:ext uri="{386F3935-93C4-4BCD-93E2-E3B085C9AB24}">
-                <p16:designElem xmlns:p16="http://schemas.microsoft.com/office/powerpoint/2015/main" val="1"/>
+                <p16:designElem xmlns:p16="http://schemas.microsoft.com/office/powerpoint/2015/main" xmlns="" val="1"/>
               </p:ext>
             </p:extLst>
           </p:nvPr>
@@ -11189,10 +12327,10 @@
             <p:cNvPr id="30" name="Group 29">
               <a:extLst>
                 <a:ext uri="{FF2B5EF4-FFF2-40B4-BE49-F238E27FC236}">
-                  <a16:creationId xmlns:a16="http://schemas.microsoft.com/office/drawing/2014/main" id="{7258DE11-AA0C-48D2-8F00-9B8DC1093A47}"/>
+                  <a16:creationId xmlns:a16="http://schemas.microsoft.com/office/drawing/2014/main" xmlns="" id="{7258DE11-AA0C-48D2-8F00-9B8DC1093A47}"/>
                 </a:ext>
                 <a:ext uri="{C183D7F6-B498-43B3-948B-1728B52AA6E4}">
-                  <adec:decorative xmlns:adec="http://schemas.microsoft.com/office/drawing/2017/decorative" val="1"/>
+                  <adec:decorative xmlns:adec="http://schemas.microsoft.com/office/drawing/2017/decorative" xmlns="" val="1"/>
                 </a:ext>
               </a:extLst>
             </p:cNvPr>
@@ -11200,7 +12338,7 @@
             <p:nvPr>
               <p:extLst>
                 <p:ext uri="{386F3935-93C4-4BCD-93E2-E3B085C9AB24}">
-                  <p16:designElem xmlns:p16="http://schemas.microsoft.com/office/powerpoint/2015/main" val="1"/>
+                  <p16:designElem xmlns:p16="http://schemas.microsoft.com/office/powerpoint/2015/main" xmlns="" val="1"/>
                 </p:ext>
               </p:extLst>
             </p:nvPr>
@@ -11218,10 +12356,10 @@
               <p:cNvPr id="32" name="Straight Connector 31">
                 <a:extLst>
                   <a:ext uri="{FF2B5EF4-FFF2-40B4-BE49-F238E27FC236}">
-                    <a16:creationId xmlns:a16="http://schemas.microsoft.com/office/drawing/2014/main" id="{62A6129B-5E41-4111-BA49-D6E73631A7F0}"/>
+                    <a16:creationId xmlns:a16="http://schemas.microsoft.com/office/drawing/2014/main" xmlns="" id="{62A6129B-5E41-4111-BA49-D6E73631A7F0}"/>
                   </a:ext>
                   <a:ext uri="{C183D7F6-B498-43B3-948B-1728B52AA6E4}">
-                    <adec:decorative xmlns:adec="http://schemas.microsoft.com/office/drawing/2017/decorative" val="1"/>
+                    <adec:decorative xmlns:adec="http://schemas.microsoft.com/office/drawing/2017/decorative" xmlns="" val="1"/>
                   </a:ext>
                 </a:extLst>
               </p:cNvPr>
@@ -11231,7 +12369,7 @@
               <p:nvPr>
                 <p:extLst>
                   <p:ext uri="{386F3935-93C4-4BCD-93E2-E3B085C9AB24}">
-                    <p16:designElem xmlns:p16="http://schemas.microsoft.com/office/powerpoint/2015/main" val="1"/>
+                    <p16:designElem xmlns:p16="http://schemas.microsoft.com/office/powerpoint/2015/main" xmlns="" val="1"/>
                   </p:ext>
                 </p:extLst>
               </p:nvPr>
@@ -11270,10 +12408,10 @@
               <p:cNvPr id="33" name="Straight Connector 32">
                 <a:extLst>
                   <a:ext uri="{FF2B5EF4-FFF2-40B4-BE49-F238E27FC236}">
-                    <a16:creationId xmlns:a16="http://schemas.microsoft.com/office/drawing/2014/main" id="{42ACD671-2209-4876-A99B-0D185B70D1EA}"/>
+                    <a16:creationId xmlns:a16="http://schemas.microsoft.com/office/drawing/2014/main" xmlns="" id="{42ACD671-2209-4876-A99B-0D185B70D1EA}"/>
                   </a:ext>
                   <a:ext uri="{C183D7F6-B498-43B3-948B-1728B52AA6E4}">
-                    <adec:decorative xmlns:adec="http://schemas.microsoft.com/office/drawing/2017/decorative" val="1"/>
+                    <adec:decorative xmlns:adec="http://schemas.microsoft.com/office/drawing/2017/decorative" xmlns="" val="1"/>
                   </a:ext>
                 </a:extLst>
               </p:cNvPr>
@@ -11283,7 +12421,7 @@
               <p:nvPr>
                 <p:extLst>
                   <p:ext uri="{386F3935-93C4-4BCD-93E2-E3B085C9AB24}">
-                    <p16:designElem xmlns:p16="http://schemas.microsoft.com/office/powerpoint/2015/main" val="1"/>
+                    <p16:designElem xmlns:p16="http://schemas.microsoft.com/office/powerpoint/2015/main" xmlns="" val="1"/>
                   </p:ext>
                 </p:extLst>
               </p:nvPr>
@@ -11322,10 +12460,10 @@
               <p:cNvPr id="34" name="Straight Connector 33">
                 <a:extLst>
                   <a:ext uri="{FF2B5EF4-FFF2-40B4-BE49-F238E27FC236}">
-                    <a16:creationId xmlns:a16="http://schemas.microsoft.com/office/drawing/2014/main" id="{5ACF9EAE-7FB1-4C87-B3F1-9129699CB1B6}"/>
+                    <a16:creationId xmlns:a16="http://schemas.microsoft.com/office/drawing/2014/main" xmlns="" id="{5ACF9EAE-7FB1-4C87-B3F1-9129699CB1B6}"/>
                   </a:ext>
                   <a:ext uri="{C183D7F6-B498-43B3-948B-1728B52AA6E4}">
-                    <adec:decorative xmlns:adec="http://schemas.microsoft.com/office/drawing/2017/decorative" val="1"/>
+                    <adec:decorative xmlns:adec="http://schemas.microsoft.com/office/drawing/2017/decorative" xmlns="" val="1"/>
                   </a:ext>
                 </a:extLst>
               </p:cNvPr>
@@ -11335,7 +12473,7 @@
               <p:nvPr>
                 <p:extLst>
                   <p:ext uri="{386F3935-93C4-4BCD-93E2-E3B085C9AB24}">
-                    <p16:designElem xmlns:p16="http://schemas.microsoft.com/office/powerpoint/2015/main" val="1"/>
+                    <p16:designElem xmlns:p16="http://schemas.microsoft.com/office/powerpoint/2015/main" xmlns="" val="1"/>
                   </p:ext>
                 </p:extLst>
               </p:nvPr>
@@ -11374,10 +12512,10 @@
               <p:cNvPr id="35" name="Straight Connector 34">
                 <a:extLst>
                   <a:ext uri="{FF2B5EF4-FFF2-40B4-BE49-F238E27FC236}">
-                    <a16:creationId xmlns:a16="http://schemas.microsoft.com/office/drawing/2014/main" id="{774E1729-16FC-4A78-A1FC-1B4B0D30C803}"/>
+                    <a16:creationId xmlns:a16="http://schemas.microsoft.com/office/drawing/2014/main" xmlns="" id="{774E1729-16FC-4A78-A1FC-1B4B0D30C803}"/>
                   </a:ext>
                   <a:ext uri="{C183D7F6-B498-43B3-948B-1728B52AA6E4}">
-                    <adec:decorative xmlns:adec="http://schemas.microsoft.com/office/drawing/2017/decorative" val="1"/>
+                    <adec:decorative xmlns:adec="http://schemas.microsoft.com/office/drawing/2017/decorative" xmlns="" val="1"/>
                   </a:ext>
                 </a:extLst>
               </p:cNvPr>
@@ -11387,7 +12525,7 @@
               <p:nvPr>
                 <p:extLst>
                   <p:ext uri="{386F3935-93C4-4BCD-93E2-E3B085C9AB24}">
-                    <p16:designElem xmlns:p16="http://schemas.microsoft.com/office/powerpoint/2015/main" val="1"/>
+                    <p16:designElem xmlns:p16="http://schemas.microsoft.com/office/powerpoint/2015/main" xmlns="" val="1"/>
                   </p:ext>
                 </p:extLst>
               </p:nvPr>
@@ -11426,10 +12564,10 @@
               <p:cNvPr id="36" name="Straight Connector 35">
                 <a:extLst>
                   <a:ext uri="{FF2B5EF4-FFF2-40B4-BE49-F238E27FC236}">
-                    <a16:creationId xmlns:a16="http://schemas.microsoft.com/office/drawing/2014/main" id="{3E4DB013-2DB1-4155-8355-AE8EDE75CC7E}"/>
+                    <a16:creationId xmlns:a16="http://schemas.microsoft.com/office/drawing/2014/main" xmlns="" id="{3E4DB013-2DB1-4155-8355-AE8EDE75CC7E}"/>
                   </a:ext>
                   <a:ext uri="{C183D7F6-B498-43B3-948B-1728B52AA6E4}">
-                    <adec:decorative xmlns:adec="http://schemas.microsoft.com/office/drawing/2017/decorative" val="1"/>
+                    <adec:decorative xmlns:adec="http://schemas.microsoft.com/office/drawing/2017/decorative" xmlns="" val="1"/>
                   </a:ext>
                 </a:extLst>
               </p:cNvPr>
@@ -11439,7 +12577,7 @@
               <p:nvPr>
                 <p:extLst>
                   <p:ext uri="{386F3935-93C4-4BCD-93E2-E3B085C9AB24}">
-                    <p16:designElem xmlns:p16="http://schemas.microsoft.com/office/powerpoint/2015/main" val="1"/>
+                    <p16:designElem xmlns:p16="http://schemas.microsoft.com/office/powerpoint/2015/main" xmlns="" val="1"/>
                   </p:ext>
                 </p:extLst>
               </p:nvPr>
@@ -11478,10 +12616,10 @@
               <p:cNvPr id="37" name="Straight Connector 36">
                 <a:extLst>
                   <a:ext uri="{FF2B5EF4-FFF2-40B4-BE49-F238E27FC236}">
-                    <a16:creationId xmlns:a16="http://schemas.microsoft.com/office/drawing/2014/main" id="{77AED547-EF0A-4CE6-87B9-059D7C6375D3}"/>
+                    <a16:creationId xmlns:a16="http://schemas.microsoft.com/office/drawing/2014/main" xmlns="" id="{77AED547-EF0A-4CE6-87B9-059D7C6375D3}"/>
                   </a:ext>
                   <a:ext uri="{C183D7F6-B498-43B3-948B-1728B52AA6E4}">
-                    <adec:decorative xmlns:adec="http://schemas.microsoft.com/office/drawing/2017/decorative" val="1"/>
+                    <adec:decorative xmlns:adec="http://schemas.microsoft.com/office/drawing/2017/decorative" xmlns="" val="1"/>
                   </a:ext>
                 </a:extLst>
               </p:cNvPr>
@@ -11491,7 +12629,7 @@
               <p:nvPr>
                 <p:extLst>
                   <p:ext uri="{386F3935-93C4-4BCD-93E2-E3B085C9AB24}">
-                    <p16:designElem xmlns:p16="http://schemas.microsoft.com/office/powerpoint/2015/main" val="1"/>
+                    <p16:designElem xmlns:p16="http://schemas.microsoft.com/office/powerpoint/2015/main" xmlns="" val="1"/>
                   </p:ext>
                 </p:extLst>
               </p:nvPr>
@@ -11531,10 +12669,10 @@
             <p:cNvPr id="31" name="Graphic 11">
               <a:extLst>
                 <a:ext uri="{FF2B5EF4-FFF2-40B4-BE49-F238E27FC236}">
-                  <a16:creationId xmlns:a16="http://schemas.microsoft.com/office/drawing/2014/main" id="{61ABD7CE-E0CE-4FE7-AEA1-F7DB71799BF5}"/>
+                  <a16:creationId xmlns:a16="http://schemas.microsoft.com/office/drawing/2014/main" xmlns="" id="{61ABD7CE-E0CE-4FE7-AEA1-F7DB71799BF5}"/>
                 </a:ext>
                 <a:ext uri="{C183D7F6-B498-43B3-948B-1728B52AA6E4}">
-                  <adec:decorative xmlns:adec="http://schemas.microsoft.com/office/drawing/2017/decorative" val="1"/>
+                  <adec:decorative xmlns:adec="http://schemas.microsoft.com/office/drawing/2017/decorative" xmlns="" val="1"/>
                 </a:ext>
               </a:extLst>
             </p:cNvPr>
@@ -11542,7 +12680,7 @@
             <p:nvPr>
               <p:extLst>
                 <p:ext uri="{386F3935-93C4-4BCD-93E2-E3B085C9AB24}">
-                  <p16:designElem xmlns:p16="http://schemas.microsoft.com/office/powerpoint/2015/main" val="1"/>
+                  <p16:designElem xmlns:p16="http://schemas.microsoft.com/office/powerpoint/2015/main" xmlns="" val="1"/>
                 </p:ext>
               </p:extLst>
             </p:nvPr>
@@ -11656,7 +12794,7 @@
           <p:cNvPr id="44" name="Title 1">
             <a:extLst>
               <a:ext uri="{FF2B5EF4-FFF2-40B4-BE49-F238E27FC236}">
-                <a16:creationId xmlns:a16="http://schemas.microsoft.com/office/drawing/2014/main" id="{A4875C88-8791-496D-852A-47B73B6FFF5A}"/>
+                <a16:creationId xmlns:a16="http://schemas.microsoft.com/office/drawing/2014/main" xmlns="" id="{A4875C88-8791-496D-852A-47B73B6FFF5A}"/>
               </a:ext>
             </a:extLst>
           </p:cNvPr>
@@ -11720,7 +12858,7 @@
     <a:masterClrMapping/>
   </p:clrMapOvr>
   <mc:AlternateContent xmlns:mc="http://schemas.openxmlformats.org/markup-compatibility/2006">
-    <mc:Choice xmlns:p159="http://schemas.microsoft.com/office/powerpoint/2015/09/main" Requires="p159">
+    <mc:Choice xmlns:p159="http://schemas.microsoft.com/office/powerpoint/2015/09/main" xmlns="" Requires="p159">
       <p:transition xmlns:p14="http://schemas.microsoft.com/office/powerpoint/2010/main" spd="slow" p14:dur="2000">
         <p159:morph option="byObject"/>
       </p:transition>
@@ -11731,6 +12869,13 @@
       </p:transition>
     </mc:Fallback>
   </mc:AlternateContent>
+  <p:timing>
+    <p:tnLst>
+      <p:par>
+        <p:cTn id="1" dur="indefinite" restart="never" nodeType="tmRoot"/>
+      </p:par>
+    </p:tnLst>
+  </p:timing>
 </p:sld>
 </file>
 
@@ -11819,7 +12964,7 @@
           <p:cNvPr id="5" name="Content Placeholder 10">
             <a:extLst>
               <a:ext uri="{FF2B5EF4-FFF2-40B4-BE49-F238E27FC236}">
-                <a16:creationId xmlns:a16="http://schemas.microsoft.com/office/drawing/2014/main" id="{E1161351-9729-4ADA-AEA8-7105404763DF}"/>
+                <a16:creationId xmlns:a16="http://schemas.microsoft.com/office/drawing/2014/main" xmlns="" id="{E1161351-9729-4ADA-AEA8-7105404763DF}"/>
               </a:ext>
             </a:extLst>
           </p:cNvPr>
@@ -11855,7 +13000,7 @@
           <p:cNvPr id="7" name="Title 1">
             <a:extLst>
               <a:ext uri="{FF2B5EF4-FFF2-40B4-BE49-F238E27FC236}">
-                <a16:creationId xmlns:a16="http://schemas.microsoft.com/office/drawing/2014/main" id="{555E2E06-4399-44D0-8217-14B8D250EF62}"/>
+                <a16:creationId xmlns:a16="http://schemas.microsoft.com/office/drawing/2014/main" xmlns="" id="{555E2E06-4399-44D0-8217-14B8D250EF62}"/>
               </a:ext>
             </a:extLst>
           </p:cNvPr>
@@ -11919,7 +13064,7 @@
     <a:masterClrMapping/>
   </p:clrMapOvr>
   <mc:AlternateContent xmlns:mc="http://schemas.openxmlformats.org/markup-compatibility/2006">
-    <mc:Choice xmlns:p159="http://schemas.microsoft.com/office/powerpoint/2015/09/main" Requires="p159">
+    <mc:Choice xmlns:p159="http://schemas.microsoft.com/office/powerpoint/2015/09/main" xmlns="" Requires="p159">
       <p:transition xmlns:p14="http://schemas.microsoft.com/office/powerpoint/2010/main" spd="slow" p14:dur="2000">
         <p159:morph option="byObject"/>
       </p:transition>
@@ -11930,6 +13075,13 @@
       </p:transition>
     </mc:Fallback>
   </mc:AlternateContent>
+  <p:timing>
+    <p:tnLst>
+      <p:par>
+        <p:cTn id="1" dur="indefinite" restart="never" nodeType="tmRoot"/>
+      </p:par>
+    </p:tnLst>
+  </p:timing>
 </p:sld>
 </file>
 
@@ -11963,10 +13115,10 @@
           <p:cNvPr id="17" name="Rectangle 16">
             <a:extLst>
               <a:ext uri="{FF2B5EF4-FFF2-40B4-BE49-F238E27FC236}">
-                <a16:creationId xmlns:a16="http://schemas.microsoft.com/office/drawing/2014/main" id="{2293296F-4C3A-4530-98F5-F83646ACE913}"/>
+                <a16:creationId xmlns:a16="http://schemas.microsoft.com/office/drawing/2014/main" xmlns="" id="{2293296F-4C3A-4530-98F5-F83646ACE913}"/>
               </a:ext>
               <a:ext uri="{C183D7F6-B498-43B3-948B-1728B52AA6E4}">
-                <adec:decorative xmlns:adec="http://schemas.microsoft.com/office/drawing/2017/decorative" val="1"/>
+                <adec:decorative xmlns:adec="http://schemas.microsoft.com/office/drawing/2017/decorative" xmlns="" val="1"/>
               </a:ext>
             </a:extLst>
           </p:cNvPr>
@@ -11976,7 +13128,7 @@
           <p:nvPr>
             <p:extLst>
               <p:ext uri="{386F3935-93C4-4BCD-93E2-E3B085C9AB24}">
-                <p16:designElem xmlns:p16="http://schemas.microsoft.com/office/powerpoint/2015/main" val="1"/>
+                <p16:designElem xmlns:p16="http://schemas.microsoft.com/office/powerpoint/2015/main" xmlns="" val="1"/>
               </p:ext>
             </p:extLst>
           </p:nvPr>
@@ -12029,10 +13181,10 @@
           <p:cNvPr id="19" name="Group 18">
             <a:extLst>
               <a:ext uri="{FF2B5EF4-FFF2-40B4-BE49-F238E27FC236}">
-                <a16:creationId xmlns:a16="http://schemas.microsoft.com/office/drawing/2014/main" id="{3914D2BD-3C47-433D-81FE-DC6C39595F0E}"/>
+                <a16:creationId xmlns:a16="http://schemas.microsoft.com/office/drawing/2014/main" xmlns="" id="{3914D2BD-3C47-433D-81FE-DC6C39595F0E}"/>
               </a:ext>
               <a:ext uri="{C183D7F6-B498-43B3-948B-1728B52AA6E4}">
-                <adec:decorative xmlns:adec="http://schemas.microsoft.com/office/drawing/2017/decorative" val="1"/>
+                <adec:decorative xmlns:adec="http://schemas.microsoft.com/office/drawing/2017/decorative" xmlns="" val="1"/>
               </a:ext>
             </a:extLst>
           </p:cNvPr>
@@ -12042,7 +13194,7 @@
           <p:nvPr>
             <p:extLst>
               <p:ext uri="{386F3935-93C4-4BCD-93E2-E3B085C9AB24}">
-                <p16:designElem xmlns:p16="http://schemas.microsoft.com/office/powerpoint/2015/main" val="1"/>
+                <p16:designElem xmlns:p16="http://schemas.microsoft.com/office/powerpoint/2015/main" xmlns="" val="1"/>
               </p:ext>
             </p:extLst>
           </p:nvPr>
@@ -12060,10 +13212,10 @@
             <p:cNvPr id="20" name="Straight Connector 19">
               <a:extLst>
                 <a:ext uri="{FF2B5EF4-FFF2-40B4-BE49-F238E27FC236}">
-                  <a16:creationId xmlns:a16="http://schemas.microsoft.com/office/drawing/2014/main" id="{D3DD55E4-EA4F-4874-8B5B-6E0EAF4BBFC4}"/>
+                  <a16:creationId xmlns:a16="http://schemas.microsoft.com/office/drawing/2014/main" xmlns="" id="{D3DD55E4-EA4F-4874-8B5B-6E0EAF4BBFC4}"/>
                 </a:ext>
                 <a:ext uri="{C183D7F6-B498-43B3-948B-1728B52AA6E4}">
-                  <adec:decorative xmlns:adec="http://schemas.microsoft.com/office/drawing/2017/decorative" val="1"/>
+                  <adec:decorative xmlns:adec="http://schemas.microsoft.com/office/drawing/2017/decorative" xmlns="" val="1"/>
                 </a:ext>
               </a:extLst>
             </p:cNvPr>
@@ -12073,7 +13225,7 @@
             <p:nvPr>
               <p:extLst>
                 <p:ext uri="{386F3935-93C4-4BCD-93E2-E3B085C9AB24}">
-                  <p16:designElem xmlns:p16="http://schemas.microsoft.com/office/powerpoint/2015/main" val="1"/>
+                  <p16:designElem xmlns:p16="http://schemas.microsoft.com/office/powerpoint/2015/main" xmlns="" val="1"/>
                 </p:ext>
               </p:extLst>
             </p:nvPr>
@@ -12112,10 +13264,10 @@
             <p:cNvPr id="21" name="Straight Connector 20">
               <a:extLst>
                 <a:ext uri="{FF2B5EF4-FFF2-40B4-BE49-F238E27FC236}">
-                  <a16:creationId xmlns:a16="http://schemas.microsoft.com/office/drawing/2014/main" id="{32950BAF-7673-4138-AEA2-DE7D368CC357}"/>
+                  <a16:creationId xmlns:a16="http://schemas.microsoft.com/office/drawing/2014/main" xmlns="" id="{32950BAF-7673-4138-AEA2-DE7D368CC357}"/>
                 </a:ext>
                 <a:ext uri="{C183D7F6-B498-43B3-948B-1728B52AA6E4}">
-                  <adec:decorative xmlns:adec="http://schemas.microsoft.com/office/drawing/2017/decorative" val="1"/>
+                  <adec:decorative xmlns:adec="http://schemas.microsoft.com/office/drawing/2017/decorative" xmlns="" val="1"/>
                 </a:ext>
               </a:extLst>
             </p:cNvPr>
@@ -12125,7 +13277,7 @@
             <p:nvPr>
               <p:extLst>
                 <p:ext uri="{386F3935-93C4-4BCD-93E2-E3B085C9AB24}">
-                  <p16:designElem xmlns:p16="http://schemas.microsoft.com/office/powerpoint/2015/main" val="1"/>
+                  <p16:designElem xmlns:p16="http://schemas.microsoft.com/office/powerpoint/2015/main" xmlns="" val="1"/>
                 </p:ext>
               </p:extLst>
             </p:nvPr>
@@ -12164,10 +13316,10 @@
             <p:cNvPr id="22" name="Straight Connector 21">
               <a:extLst>
                 <a:ext uri="{FF2B5EF4-FFF2-40B4-BE49-F238E27FC236}">
-                  <a16:creationId xmlns:a16="http://schemas.microsoft.com/office/drawing/2014/main" id="{6BE3E2B5-EA1C-415A-941A-843C7EA148E1}"/>
+                  <a16:creationId xmlns:a16="http://schemas.microsoft.com/office/drawing/2014/main" xmlns="" id="{6BE3E2B5-EA1C-415A-941A-843C7EA148E1}"/>
                 </a:ext>
                 <a:ext uri="{C183D7F6-B498-43B3-948B-1728B52AA6E4}">
-                  <adec:decorative xmlns:adec="http://schemas.microsoft.com/office/drawing/2017/decorative" val="1"/>
+                  <adec:decorative xmlns:adec="http://schemas.microsoft.com/office/drawing/2017/decorative" xmlns="" val="1"/>
                 </a:ext>
               </a:extLst>
             </p:cNvPr>
@@ -12177,7 +13329,7 @@
             <p:nvPr>
               <p:extLst>
                 <p:ext uri="{386F3935-93C4-4BCD-93E2-E3B085C9AB24}">
-                  <p16:designElem xmlns:p16="http://schemas.microsoft.com/office/powerpoint/2015/main" val="1"/>
+                  <p16:designElem xmlns:p16="http://schemas.microsoft.com/office/powerpoint/2015/main" xmlns="" val="1"/>
                 </p:ext>
               </p:extLst>
             </p:nvPr>
@@ -12216,10 +13368,10 @@
             <p:cNvPr id="23" name="Straight Connector 22">
               <a:extLst>
                 <a:ext uri="{FF2B5EF4-FFF2-40B4-BE49-F238E27FC236}">
-                  <a16:creationId xmlns:a16="http://schemas.microsoft.com/office/drawing/2014/main" id="{087FA3A6-E398-4576-B6B8-3328028D84B2}"/>
+                  <a16:creationId xmlns:a16="http://schemas.microsoft.com/office/drawing/2014/main" xmlns="" id="{087FA3A6-E398-4576-B6B8-3328028D84B2}"/>
                 </a:ext>
                 <a:ext uri="{C183D7F6-B498-43B3-948B-1728B52AA6E4}">
-                  <adec:decorative xmlns:adec="http://schemas.microsoft.com/office/drawing/2017/decorative" val="1"/>
+                  <adec:decorative xmlns:adec="http://schemas.microsoft.com/office/drawing/2017/decorative" xmlns="" val="1"/>
                 </a:ext>
               </a:extLst>
             </p:cNvPr>
@@ -12229,7 +13381,7 @@
             <p:nvPr>
               <p:extLst>
                 <p:ext uri="{386F3935-93C4-4BCD-93E2-E3B085C9AB24}">
-                  <p16:designElem xmlns:p16="http://schemas.microsoft.com/office/powerpoint/2015/main" val="1"/>
+                  <p16:designElem xmlns:p16="http://schemas.microsoft.com/office/powerpoint/2015/main" xmlns="" val="1"/>
                 </p:ext>
               </p:extLst>
             </p:nvPr>
@@ -12268,10 +13420,10 @@
             <p:cNvPr id="24" name="Graphic 33">
               <a:extLst>
                 <a:ext uri="{FF2B5EF4-FFF2-40B4-BE49-F238E27FC236}">
-                  <a16:creationId xmlns:a16="http://schemas.microsoft.com/office/drawing/2014/main" id="{EFB597D7-65E0-476A-B9EB-3AA6ED33884C}"/>
+                  <a16:creationId xmlns:a16="http://schemas.microsoft.com/office/drawing/2014/main" xmlns="" id="{EFB597D7-65E0-476A-B9EB-3AA6ED33884C}"/>
                 </a:ext>
                 <a:ext uri="{C183D7F6-B498-43B3-948B-1728B52AA6E4}">
-                  <adec:decorative xmlns:adec="http://schemas.microsoft.com/office/drawing/2017/decorative" val="1"/>
+                  <adec:decorative xmlns:adec="http://schemas.microsoft.com/office/drawing/2017/decorative" xmlns="" val="1"/>
                 </a:ext>
               </a:extLst>
             </p:cNvPr>
@@ -12279,7 +13431,7 @@
             <p:nvPr>
               <p:extLst>
                 <p:ext uri="{386F3935-93C4-4BCD-93E2-E3B085C9AB24}">
-                  <p16:designElem xmlns:p16="http://schemas.microsoft.com/office/powerpoint/2015/main" val="1"/>
+                  <p16:designElem xmlns:p16="http://schemas.microsoft.com/office/powerpoint/2015/main" xmlns="" val="1"/>
                 </p:ext>
               </p:extLst>
             </p:nvPr>
@@ -12352,10 +13504,10 @@
             <p:cNvPr id="25" name="Graphic 33">
               <a:extLst>
                 <a:ext uri="{FF2B5EF4-FFF2-40B4-BE49-F238E27FC236}">
-                  <a16:creationId xmlns:a16="http://schemas.microsoft.com/office/drawing/2014/main" id="{11AA060A-BE0E-4687-8F9E-0E2955D9796D}"/>
+                  <a16:creationId xmlns:a16="http://schemas.microsoft.com/office/drawing/2014/main" xmlns="" id="{11AA060A-BE0E-4687-8F9E-0E2955D9796D}"/>
                 </a:ext>
                 <a:ext uri="{C183D7F6-B498-43B3-948B-1728B52AA6E4}">
-                  <adec:decorative xmlns:adec="http://schemas.microsoft.com/office/drawing/2017/decorative" val="1"/>
+                  <adec:decorative xmlns:adec="http://schemas.microsoft.com/office/drawing/2017/decorative" xmlns="" val="1"/>
                 </a:ext>
               </a:extLst>
             </p:cNvPr>
@@ -12363,7 +13515,7 @@
             <p:nvPr>
               <p:extLst>
                 <p:ext uri="{386F3935-93C4-4BCD-93E2-E3B085C9AB24}">
-                  <p16:designElem xmlns:p16="http://schemas.microsoft.com/office/powerpoint/2015/main" val="1"/>
+                  <p16:designElem xmlns:p16="http://schemas.microsoft.com/office/powerpoint/2015/main" xmlns="" val="1"/>
                 </p:ext>
               </p:extLst>
             </p:nvPr>
@@ -12437,10 +13589,10 @@
           <p:cNvPr id="27" name="Rectangle 26">
             <a:extLst>
               <a:ext uri="{FF2B5EF4-FFF2-40B4-BE49-F238E27FC236}">
-                <a16:creationId xmlns:a16="http://schemas.microsoft.com/office/drawing/2014/main" id="{916F6374-2300-41FF-BA7E-22FADCD95D3B}"/>
+                <a16:creationId xmlns:a16="http://schemas.microsoft.com/office/drawing/2014/main" xmlns="" id="{916F6374-2300-41FF-BA7E-22FADCD95D3B}"/>
               </a:ext>
               <a:ext uri="{C183D7F6-B498-43B3-948B-1728B52AA6E4}">
-                <adec:decorative xmlns:adec="http://schemas.microsoft.com/office/drawing/2017/decorative" val="1"/>
+                <adec:decorative xmlns:adec="http://schemas.microsoft.com/office/drawing/2017/decorative" xmlns="" val="1"/>
               </a:ext>
             </a:extLst>
           </p:cNvPr>
@@ -12450,7 +13602,7 @@
           <p:nvPr>
             <p:extLst>
               <p:ext uri="{386F3935-93C4-4BCD-93E2-E3B085C9AB24}">
-                <p16:designElem xmlns:p16="http://schemas.microsoft.com/office/powerpoint/2015/main" val="1"/>
+                <p16:designElem xmlns:p16="http://schemas.microsoft.com/office/powerpoint/2015/main" xmlns="" val="1"/>
               </p:ext>
             </p:extLst>
           </p:nvPr>
@@ -12497,10 +13649,10 @@
           <p:cNvPr id="29" name="Rectangle 28">
             <a:extLst>
               <a:ext uri="{FF2B5EF4-FFF2-40B4-BE49-F238E27FC236}">
-                <a16:creationId xmlns:a16="http://schemas.microsoft.com/office/drawing/2014/main" id="{7D522F64-6B4B-409B-B1CF-F152D3BE5C14}"/>
+                <a16:creationId xmlns:a16="http://schemas.microsoft.com/office/drawing/2014/main" xmlns="" id="{7D522F64-6B4B-409B-B1CF-F152D3BE5C14}"/>
               </a:ext>
               <a:ext uri="{C183D7F6-B498-43B3-948B-1728B52AA6E4}">
-                <adec:decorative xmlns:adec="http://schemas.microsoft.com/office/drawing/2017/decorative" val="1"/>
+                <adec:decorative xmlns:adec="http://schemas.microsoft.com/office/drawing/2017/decorative" xmlns="" val="1"/>
               </a:ext>
             </a:extLst>
           </p:cNvPr>
@@ -12510,7 +13662,7 @@
           <p:nvPr>
             <p:extLst>
               <p:ext uri="{386F3935-93C4-4BCD-93E2-E3B085C9AB24}">
-                <p16:designElem xmlns:p16="http://schemas.microsoft.com/office/powerpoint/2015/main" val="1"/>
+                <p16:designElem xmlns:p16="http://schemas.microsoft.com/office/powerpoint/2015/main" xmlns="" val="1"/>
               </p:ext>
             </p:extLst>
           </p:nvPr>
@@ -12563,7 +13715,7 @@
           <p:cNvPr id="12" name="TextBox 11">
             <a:extLst>
               <a:ext uri="{FF2B5EF4-FFF2-40B4-BE49-F238E27FC236}">
-                <a16:creationId xmlns:a16="http://schemas.microsoft.com/office/drawing/2014/main" id="{9CD083D0-A701-4D5F-8E84-A8CE689EED8B}"/>
+                <a16:creationId xmlns:a16="http://schemas.microsoft.com/office/drawing/2014/main" xmlns="" id="{9CD083D0-A701-4D5F-8E84-A8CE689EED8B}"/>
               </a:ext>
             </a:extLst>
           </p:cNvPr>
@@ -12615,10 +13767,10 @@
           <p:cNvPr id="31" name="Group 30">
             <a:extLst>
               <a:ext uri="{FF2B5EF4-FFF2-40B4-BE49-F238E27FC236}">
-                <a16:creationId xmlns:a16="http://schemas.microsoft.com/office/drawing/2014/main" id="{138D3BF6-8A70-4CC6-BFDD-708FEB418577}"/>
+                <a16:creationId xmlns:a16="http://schemas.microsoft.com/office/drawing/2014/main" xmlns="" id="{138D3BF6-8A70-4CC6-BFDD-708FEB418577}"/>
               </a:ext>
               <a:ext uri="{C183D7F6-B498-43B3-948B-1728B52AA6E4}">
-                <adec:decorative xmlns:adec="http://schemas.microsoft.com/office/drawing/2017/decorative" val="1"/>
+                <adec:decorative xmlns:adec="http://schemas.microsoft.com/office/drawing/2017/decorative" xmlns="" val="1"/>
               </a:ext>
             </a:extLst>
           </p:cNvPr>
@@ -12628,7 +13780,7 @@
           <p:nvPr>
             <p:extLst>
               <p:ext uri="{386F3935-93C4-4BCD-93E2-E3B085C9AB24}">
-                <p16:designElem xmlns:p16="http://schemas.microsoft.com/office/powerpoint/2015/main" val="1"/>
+                <p16:designElem xmlns:p16="http://schemas.microsoft.com/office/powerpoint/2015/main" xmlns="" val="1"/>
               </p:ext>
             </p:extLst>
           </p:nvPr>
@@ -12646,10 +13798,10 @@
             <p:cNvPr id="32" name="Straight Connector 31">
               <a:extLst>
                 <a:ext uri="{FF2B5EF4-FFF2-40B4-BE49-F238E27FC236}">
-                  <a16:creationId xmlns:a16="http://schemas.microsoft.com/office/drawing/2014/main" id="{940F10A6-9982-431C-AFE2-C8B02A7820AE}"/>
+                  <a16:creationId xmlns:a16="http://schemas.microsoft.com/office/drawing/2014/main" xmlns="" id="{940F10A6-9982-431C-AFE2-C8B02A7820AE}"/>
                 </a:ext>
                 <a:ext uri="{C183D7F6-B498-43B3-948B-1728B52AA6E4}">
-                  <adec:decorative xmlns:adec="http://schemas.microsoft.com/office/drawing/2017/decorative" val="1"/>
+                  <adec:decorative xmlns:adec="http://schemas.microsoft.com/office/drawing/2017/decorative" xmlns="" val="1"/>
                 </a:ext>
               </a:extLst>
             </p:cNvPr>
@@ -12659,7 +13811,7 @@
             <p:nvPr>
               <p:extLst>
                 <p:ext uri="{386F3935-93C4-4BCD-93E2-E3B085C9AB24}">
-                  <p16:designElem xmlns:p16="http://schemas.microsoft.com/office/powerpoint/2015/main" val="1"/>
+                  <p16:designElem xmlns:p16="http://schemas.microsoft.com/office/powerpoint/2015/main" xmlns="" val="1"/>
                 </p:ext>
               </p:extLst>
             </p:nvPr>
@@ -12698,10 +13850,10 @@
             <p:cNvPr id="33" name="Straight Connector 32">
               <a:extLst>
                 <a:ext uri="{FF2B5EF4-FFF2-40B4-BE49-F238E27FC236}">
-                  <a16:creationId xmlns:a16="http://schemas.microsoft.com/office/drawing/2014/main" id="{663B161F-B113-45E7-A15E-75219A9348F1}"/>
+                  <a16:creationId xmlns:a16="http://schemas.microsoft.com/office/drawing/2014/main" xmlns="" id="{663B161F-B113-45E7-A15E-75219A9348F1}"/>
                 </a:ext>
                 <a:ext uri="{C183D7F6-B498-43B3-948B-1728B52AA6E4}">
-                  <adec:decorative xmlns:adec="http://schemas.microsoft.com/office/drawing/2017/decorative" val="1"/>
+                  <adec:decorative xmlns:adec="http://schemas.microsoft.com/office/drawing/2017/decorative" xmlns="" val="1"/>
                 </a:ext>
               </a:extLst>
             </p:cNvPr>
@@ -12711,7 +13863,7 @@
             <p:nvPr>
               <p:extLst>
                 <p:ext uri="{386F3935-93C4-4BCD-93E2-E3B085C9AB24}">
-                  <p16:designElem xmlns:p16="http://schemas.microsoft.com/office/powerpoint/2015/main" val="1"/>
+                  <p16:designElem xmlns:p16="http://schemas.microsoft.com/office/powerpoint/2015/main" xmlns="" val="1"/>
                 </p:ext>
               </p:extLst>
             </p:nvPr>
@@ -12750,10 +13902,10 @@
             <p:cNvPr id="34" name="Straight Connector 33">
               <a:extLst>
                 <a:ext uri="{FF2B5EF4-FFF2-40B4-BE49-F238E27FC236}">
-                  <a16:creationId xmlns:a16="http://schemas.microsoft.com/office/drawing/2014/main" id="{71204C2C-DB1B-4391-92E9-5F6AE97E36E0}"/>
+                  <a16:creationId xmlns:a16="http://schemas.microsoft.com/office/drawing/2014/main" xmlns="" id="{71204C2C-DB1B-4391-92E9-5F6AE97E36E0}"/>
                 </a:ext>
                 <a:ext uri="{C183D7F6-B498-43B3-948B-1728B52AA6E4}">
-                  <adec:decorative xmlns:adec="http://schemas.microsoft.com/office/drawing/2017/decorative" val="1"/>
+                  <adec:decorative xmlns:adec="http://schemas.microsoft.com/office/drawing/2017/decorative" xmlns="" val="1"/>
                 </a:ext>
               </a:extLst>
             </p:cNvPr>
@@ -12763,7 +13915,7 @@
             <p:nvPr>
               <p:extLst>
                 <p:ext uri="{386F3935-93C4-4BCD-93E2-E3B085C9AB24}">
-                  <p16:designElem xmlns:p16="http://schemas.microsoft.com/office/powerpoint/2015/main" val="1"/>
+                  <p16:designElem xmlns:p16="http://schemas.microsoft.com/office/powerpoint/2015/main" xmlns="" val="1"/>
                 </p:ext>
               </p:extLst>
             </p:nvPr>
@@ -12802,10 +13954,10 @@
             <p:cNvPr id="35" name="Straight Connector 34">
               <a:extLst>
                 <a:ext uri="{FF2B5EF4-FFF2-40B4-BE49-F238E27FC236}">
-                  <a16:creationId xmlns:a16="http://schemas.microsoft.com/office/drawing/2014/main" id="{E64D1424-7E38-4B8A-A277-F9A0DA9B97DE}"/>
+                  <a16:creationId xmlns:a16="http://schemas.microsoft.com/office/drawing/2014/main" xmlns="" id="{E64D1424-7E38-4B8A-A277-F9A0DA9B97DE}"/>
                 </a:ext>
                 <a:ext uri="{C183D7F6-B498-43B3-948B-1728B52AA6E4}">
-                  <adec:decorative xmlns:adec="http://schemas.microsoft.com/office/drawing/2017/decorative" val="1"/>
+                  <adec:decorative xmlns:adec="http://schemas.microsoft.com/office/drawing/2017/decorative" xmlns="" val="1"/>
                 </a:ext>
               </a:extLst>
             </p:cNvPr>
@@ -12815,7 +13967,7 @@
             <p:nvPr>
               <p:extLst>
                 <p:ext uri="{386F3935-93C4-4BCD-93E2-E3B085C9AB24}">
-                  <p16:designElem xmlns:p16="http://schemas.microsoft.com/office/powerpoint/2015/main" val="1"/>
+                  <p16:designElem xmlns:p16="http://schemas.microsoft.com/office/powerpoint/2015/main" xmlns="" val="1"/>
                 </p:ext>
               </p:extLst>
             </p:nvPr>
@@ -12855,7 +14007,7 @@
           <p:cNvPr id="11" name="Content Placeholder 10">
             <a:extLst>
               <a:ext uri="{FF2B5EF4-FFF2-40B4-BE49-F238E27FC236}">
-                <a16:creationId xmlns:a16="http://schemas.microsoft.com/office/drawing/2014/main" id="{1EDB150C-EF66-484D-9AF5-38A4D63FB7EB}"/>
+                <a16:creationId xmlns:a16="http://schemas.microsoft.com/office/drawing/2014/main" xmlns="" id="{1EDB150C-EF66-484D-9AF5-38A4D63FB7EB}"/>
               </a:ext>
             </a:extLst>
           </p:cNvPr>
@@ -12893,7 +14045,7 @@
           <p:cNvPr id="36" name="Title 1">
             <a:extLst>
               <a:ext uri="{FF2B5EF4-FFF2-40B4-BE49-F238E27FC236}">
-                <a16:creationId xmlns:a16="http://schemas.microsoft.com/office/drawing/2014/main" id="{CC21A9E6-8CB4-4D9B-B82B-02FCE1A6331C}"/>
+                <a16:creationId xmlns:a16="http://schemas.microsoft.com/office/drawing/2014/main" xmlns="" id="{CC21A9E6-8CB4-4D9B-B82B-02FCE1A6331C}"/>
               </a:ext>
             </a:extLst>
           </p:cNvPr>
@@ -12956,18 +14108,25 @@
   <p:clrMapOvr>
     <a:masterClrMapping/>
   </p:clrMapOvr>
-  <mc:AlternateContent xmlns:mc="http://schemas.openxmlformats.org/markup-compatibility/2006" xmlns:p159="http://schemas.microsoft.com/office/powerpoint/2015/09/main">
-    <mc:Choice Requires="p159">
+  <mc:AlternateContent xmlns:mc="http://schemas.openxmlformats.org/markup-compatibility/2006">
+    <mc:Choice xmlns:p159="http://schemas.microsoft.com/office/powerpoint/2015/09/main" xmlns="" Requires="p159">
       <p:transition xmlns:p14="http://schemas.microsoft.com/office/powerpoint/2010/main" spd="slow" p14:dur="2000">
         <p159:morph option="byObject"/>
       </p:transition>
     </mc:Choice>
-    <mc:Fallback xmlns="">
+    <mc:Fallback>
       <p:transition spd="slow">
         <p:fade/>
       </p:transition>
     </mc:Fallback>
   </mc:AlternateContent>
+  <p:timing>
+    <p:tnLst>
+      <p:par>
+        <p:cTn id="1" dur="indefinite" restart="never" nodeType="tmRoot"/>
+      </p:par>
+    </p:tnLst>
+  </p:timing>
 </p:sld>
 </file>
 
@@ -13001,10 +14160,10 @@
           <p:cNvPr id="7" name="Rectangle 6">
             <a:extLst>
               <a:ext uri="{FF2B5EF4-FFF2-40B4-BE49-F238E27FC236}">
-                <a16:creationId xmlns:a16="http://schemas.microsoft.com/office/drawing/2014/main" id="{2293296F-4C3A-4530-98F5-F83646ACE913}"/>
+                <a16:creationId xmlns:a16="http://schemas.microsoft.com/office/drawing/2014/main" xmlns="" id="{2293296F-4C3A-4530-98F5-F83646ACE913}"/>
               </a:ext>
               <a:ext uri="{C183D7F6-B498-43B3-948B-1728B52AA6E4}">
-                <adec:decorative xmlns:adec="http://schemas.microsoft.com/office/drawing/2017/decorative" val="1"/>
+                <adec:decorative xmlns:adec="http://schemas.microsoft.com/office/drawing/2017/decorative" xmlns="" val="1"/>
               </a:ext>
             </a:extLst>
           </p:cNvPr>
@@ -13014,7 +14173,7 @@
           <p:nvPr>
             <p:extLst>
               <p:ext uri="{386F3935-93C4-4BCD-93E2-E3B085C9AB24}">
-                <p16:designElem xmlns:p16="http://schemas.microsoft.com/office/powerpoint/2015/main" val="1"/>
+                <p16:designElem xmlns:p16="http://schemas.microsoft.com/office/powerpoint/2015/main" xmlns="" val="1"/>
               </p:ext>
             </p:extLst>
           </p:nvPr>
@@ -13067,10 +14226,10 @@
           <p:cNvPr id="9" name="Group 8">
             <a:extLst>
               <a:ext uri="{FF2B5EF4-FFF2-40B4-BE49-F238E27FC236}">
-                <a16:creationId xmlns:a16="http://schemas.microsoft.com/office/drawing/2014/main" id="{3914D2BD-3C47-433D-81FE-DC6C39595F0E}"/>
+                <a16:creationId xmlns:a16="http://schemas.microsoft.com/office/drawing/2014/main" xmlns="" id="{3914D2BD-3C47-433D-81FE-DC6C39595F0E}"/>
               </a:ext>
               <a:ext uri="{C183D7F6-B498-43B3-948B-1728B52AA6E4}">
-                <adec:decorative xmlns:adec="http://schemas.microsoft.com/office/drawing/2017/decorative" val="1"/>
+                <adec:decorative xmlns:adec="http://schemas.microsoft.com/office/drawing/2017/decorative" xmlns="" val="1"/>
               </a:ext>
             </a:extLst>
           </p:cNvPr>
@@ -13080,7 +14239,7 @@
           <p:nvPr>
             <p:extLst>
               <p:ext uri="{386F3935-93C4-4BCD-93E2-E3B085C9AB24}">
-                <p16:designElem xmlns:p16="http://schemas.microsoft.com/office/powerpoint/2015/main" val="1"/>
+                <p16:designElem xmlns:p16="http://schemas.microsoft.com/office/powerpoint/2015/main" xmlns="" val="1"/>
               </p:ext>
             </p:extLst>
           </p:nvPr>
@@ -13098,10 +14257,10 @@
             <p:cNvPr id="10" name="Straight Connector 9">
               <a:extLst>
                 <a:ext uri="{FF2B5EF4-FFF2-40B4-BE49-F238E27FC236}">
-                  <a16:creationId xmlns:a16="http://schemas.microsoft.com/office/drawing/2014/main" id="{D3DD55E4-EA4F-4874-8B5B-6E0EAF4BBFC4}"/>
+                  <a16:creationId xmlns:a16="http://schemas.microsoft.com/office/drawing/2014/main" xmlns="" id="{D3DD55E4-EA4F-4874-8B5B-6E0EAF4BBFC4}"/>
                 </a:ext>
                 <a:ext uri="{C183D7F6-B498-43B3-948B-1728B52AA6E4}">
-                  <adec:decorative xmlns:adec="http://schemas.microsoft.com/office/drawing/2017/decorative" val="1"/>
+                  <adec:decorative xmlns:adec="http://schemas.microsoft.com/office/drawing/2017/decorative" xmlns="" val="1"/>
                 </a:ext>
               </a:extLst>
             </p:cNvPr>
@@ -13111,7 +14270,7 @@
             <p:nvPr>
               <p:extLst>
                 <p:ext uri="{386F3935-93C4-4BCD-93E2-E3B085C9AB24}">
-                  <p16:designElem xmlns:p16="http://schemas.microsoft.com/office/powerpoint/2015/main" val="1"/>
+                  <p16:designElem xmlns:p16="http://schemas.microsoft.com/office/powerpoint/2015/main" xmlns="" val="1"/>
                 </p:ext>
               </p:extLst>
             </p:nvPr>
@@ -13150,10 +14309,10 @@
             <p:cNvPr id="11" name="Straight Connector 10">
               <a:extLst>
                 <a:ext uri="{FF2B5EF4-FFF2-40B4-BE49-F238E27FC236}">
-                  <a16:creationId xmlns:a16="http://schemas.microsoft.com/office/drawing/2014/main" id="{32950BAF-7673-4138-AEA2-DE7D368CC357}"/>
+                  <a16:creationId xmlns:a16="http://schemas.microsoft.com/office/drawing/2014/main" xmlns="" id="{32950BAF-7673-4138-AEA2-DE7D368CC357}"/>
                 </a:ext>
                 <a:ext uri="{C183D7F6-B498-43B3-948B-1728B52AA6E4}">
-                  <adec:decorative xmlns:adec="http://schemas.microsoft.com/office/drawing/2017/decorative" val="1"/>
+                  <adec:decorative xmlns:adec="http://schemas.microsoft.com/office/drawing/2017/decorative" xmlns="" val="1"/>
                 </a:ext>
               </a:extLst>
             </p:cNvPr>
@@ -13163,7 +14322,7 @@
             <p:nvPr>
               <p:extLst>
                 <p:ext uri="{386F3935-93C4-4BCD-93E2-E3B085C9AB24}">
-                  <p16:designElem xmlns:p16="http://schemas.microsoft.com/office/powerpoint/2015/main" val="1"/>
+                  <p16:designElem xmlns:p16="http://schemas.microsoft.com/office/powerpoint/2015/main" xmlns="" val="1"/>
                 </p:ext>
               </p:extLst>
             </p:nvPr>
@@ -13202,10 +14361,10 @@
             <p:cNvPr id="12" name="Straight Connector 11">
               <a:extLst>
                 <a:ext uri="{FF2B5EF4-FFF2-40B4-BE49-F238E27FC236}">
-                  <a16:creationId xmlns:a16="http://schemas.microsoft.com/office/drawing/2014/main" id="{6BE3E2B5-EA1C-415A-941A-843C7EA148E1}"/>
+                  <a16:creationId xmlns:a16="http://schemas.microsoft.com/office/drawing/2014/main" xmlns="" id="{6BE3E2B5-EA1C-415A-941A-843C7EA148E1}"/>
                 </a:ext>
                 <a:ext uri="{C183D7F6-B498-43B3-948B-1728B52AA6E4}">
-                  <adec:decorative xmlns:adec="http://schemas.microsoft.com/office/drawing/2017/decorative" val="1"/>
+                  <adec:decorative xmlns:adec="http://schemas.microsoft.com/office/drawing/2017/decorative" xmlns="" val="1"/>
                 </a:ext>
               </a:extLst>
             </p:cNvPr>
@@ -13215,7 +14374,7 @@
             <p:nvPr>
               <p:extLst>
                 <p:ext uri="{386F3935-93C4-4BCD-93E2-E3B085C9AB24}">
-                  <p16:designElem xmlns:p16="http://schemas.microsoft.com/office/powerpoint/2015/main" val="1"/>
+                  <p16:designElem xmlns:p16="http://schemas.microsoft.com/office/powerpoint/2015/main" xmlns="" val="1"/>
                 </p:ext>
               </p:extLst>
             </p:nvPr>
@@ -13254,10 +14413,10 @@
             <p:cNvPr id="13" name="Straight Connector 12">
               <a:extLst>
                 <a:ext uri="{FF2B5EF4-FFF2-40B4-BE49-F238E27FC236}">
-                  <a16:creationId xmlns:a16="http://schemas.microsoft.com/office/drawing/2014/main" id="{087FA3A6-E398-4576-B6B8-3328028D84B2}"/>
+                  <a16:creationId xmlns:a16="http://schemas.microsoft.com/office/drawing/2014/main" xmlns="" id="{087FA3A6-E398-4576-B6B8-3328028D84B2}"/>
                 </a:ext>
                 <a:ext uri="{C183D7F6-B498-43B3-948B-1728B52AA6E4}">
-                  <adec:decorative xmlns:adec="http://schemas.microsoft.com/office/drawing/2017/decorative" val="1"/>
+                  <adec:decorative xmlns:adec="http://schemas.microsoft.com/office/drawing/2017/decorative" xmlns="" val="1"/>
                 </a:ext>
               </a:extLst>
             </p:cNvPr>
@@ -13267,7 +14426,7 @@
             <p:nvPr>
               <p:extLst>
                 <p:ext uri="{386F3935-93C4-4BCD-93E2-E3B085C9AB24}">
-                  <p16:designElem xmlns:p16="http://schemas.microsoft.com/office/powerpoint/2015/main" val="1"/>
+                  <p16:designElem xmlns:p16="http://schemas.microsoft.com/office/powerpoint/2015/main" xmlns="" val="1"/>
                 </p:ext>
               </p:extLst>
             </p:nvPr>
@@ -13306,10 +14465,10 @@
             <p:cNvPr id="14" name="Graphic 33">
               <a:extLst>
                 <a:ext uri="{FF2B5EF4-FFF2-40B4-BE49-F238E27FC236}">
-                  <a16:creationId xmlns:a16="http://schemas.microsoft.com/office/drawing/2014/main" id="{EFB597D7-65E0-476A-B9EB-3AA6ED33884C}"/>
+                  <a16:creationId xmlns:a16="http://schemas.microsoft.com/office/drawing/2014/main" xmlns="" id="{EFB597D7-65E0-476A-B9EB-3AA6ED33884C}"/>
                 </a:ext>
                 <a:ext uri="{C183D7F6-B498-43B3-948B-1728B52AA6E4}">
-                  <adec:decorative xmlns:adec="http://schemas.microsoft.com/office/drawing/2017/decorative" val="1"/>
+                  <adec:decorative xmlns:adec="http://schemas.microsoft.com/office/drawing/2017/decorative" xmlns="" val="1"/>
                 </a:ext>
               </a:extLst>
             </p:cNvPr>
@@ -13317,7 +14476,7 @@
             <p:nvPr>
               <p:extLst>
                 <p:ext uri="{386F3935-93C4-4BCD-93E2-E3B085C9AB24}">
-                  <p16:designElem xmlns:p16="http://schemas.microsoft.com/office/powerpoint/2015/main" val="1"/>
+                  <p16:designElem xmlns:p16="http://schemas.microsoft.com/office/powerpoint/2015/main" xmlns="" val="1"/>
                 </p:ext>
               </p:extLst>
             </p:nvPr>
@@ -13390,10 +14549,10 @@
             <p:cNvPr id="15" name="Graphic 33">
               <a:extLst>
                 <a:ext uri="{FF2B5EF4-FFF2-40B4-BE49-F238E27FC236}">
-                  <a16:creationId xmlns:a16="http://schemas.microsoft.com/office/drawing/2014/main" id="{11AA060A-BE0E-4687-8F9E-0E2955D9796D}"/>
+                  <a16:creationId xmlns:a16="http://schemas.microsoft.com/office/drawing/2014/main" xmlns="" id="{11AA060A-BE0E-4687-8F9E-0E2955D9796D}"/>
                 </a:ext>
                 <a:ext uri="{C183D7F6-B498-43B3-948B-1728B52AA6E4}">
-                  <adec:decorative xmlns:adec="http://schemas.microsoft.com/office/drawing/2017/decorative" val="1"/>
+                  <adec:decorative xmlns:adec="http://schemas.microsoft.com/office/drawing/2017/decorative" xmlns="" val="1"/>
                 </a:ext>
               </a:extLst>
             </p:cNvPr>
@@ -13401,7 +14560,7 @@
             <p:nvPr>
               <p:extLst>
                 <p:ext uri="{386F3935-93C4-4BCD-93E2-E3B085C9AB24}">
-                  <p16:designElem xmlns:p16="http://schemas.microsoft.com/office/powerpoint/2015/main" val="1"/>
+                  <p16:designElem xmlns:p16="http://schemas.microsoft.com/office/powerpoint/2015/main" xmlns="" val="1"/>
                 </p:ext>
               </p:extLst>
             </p:nvPr>
@@ -13475,10 +14634,10 @@
           <p:cNvPr id="17" name="Group 16">
             <a:extLst>
               <a:ext uri="{FF2B5EF4-FFF2-40B4-BE49-F238E27FC236}">
-                <a16:creationId xmlns:a16="http://schemas.microsoft.com/office/drawing/2014/main" id="{65E07BDE-E927-4175-820B-81F985407467}"/>
+                <a16:creationId xmlns:a16="http://schemas.microsoft.com/office/drawing/2014/main" xmlns="" id="{65E07BDE-E927-4175-820B-81F985407467}"/>
               </a:ext>
               <a:ext uri="{C183D7F6-B498-43B3-948B-1728B52AA6E4}">
-                <adec:decorative xmlns:adec="http://schemas.microsoft.com/office/drawing/2017/decorative" val="1"/>
+                <adec:decorative xmlns:adec="http://schemas.microsoft.com/office/drawing/2017/decorative" xmlns="" val="1"/>
               </a:ext>
             </a:extLst>
           </p:cNvPr>
@@ -13488,7 +14647,7 @@
           <p:nvPr>
             <p:extLst>
               <p:ext uri="{386F3935-93C4-4BCD-93E2-E3B085C9AB24}">
-                <p16:designElem xmlns:p16="http://schemas.microsoft.com/office/powerpoint/2015/main" val="1"/>
+                <p16:designElem xmlns:p16="http://schemas.microsoft.com/office/powerpoint/2015/main" xmlns="" val="1"/>
               </p:ext>
             </p:extLst>
           </p:nvPr>
@@ -13506,10 +14665,10 @@
             <p:cNvPr id="18" name="Straight Connector 17">
               <a:extLst>
                 <a:ext uri="{FF2B5EF4-FFF2-40B4-BE49-F238E27FC236}">
-                  <a16:creationId xmlns:a16="http://schemas.microsoft.com/office/drawing/2014/main" id="{F9103D9E-236B-4AD2-A27C-BF2007A2D95B}"/>
+                  <a16:creationId xmlns:a16="http://schemas.microsoft.com/office/drawing/2014/main" xmlns="" id="{F9103D9E-236B-4AD2-A27C-BF2007A2D95B}"/>
                 </a:ext>
                 <a:ext uri="{C183D7F6-B498-43B3-948B-1728B52AA6E4}">
-                  <adec:decorative xmlns:adec="http://schemas.microsoft.com/office/drawing/2017/decorative" val="1"/>
+                  <adec:decorative xmlns:adec="http://schemas.microsoft.com/office/drawing/2017/decorative" xmlns="" val="1"/>
                 </a:ext>
               </a:extLst>
             </p:cNvPr>
@@ -13519,7 +14678,7 @@
             <p:nvPr>
               <p:extLst>
                 <p:ext uri="{386F3935-93C4-4BCD-93E2-E3B085C9AB24}">
-                  <p16:designElem xmlns:p16="http://schemas.microsoft.com/office/powerpoint/2015/main" val="1"/>
+                  <p16:designElem xmlns:p16="http://schemas.microsoft.com/office/powerpoint/2015/main" xmlns="" val="1"/>
                 </p:ext>
               </p:extLst>
             </p:nvPr>
@@ -13558,10 +14717,10 @@
             <p:cNvPr id="19" name="Straight Connector 18">
               <a:extLst>
                 <a:ext uri="{FF2B5EF4-FFF2-40B4-BE49-F238E27FC236}">
-                  <a16:creationId xmlns:a16="http://schemas.microsoft.com/office/drawing/2014/main" id="{86701FBB-07FC-4733-9104-D2EF1D685050}"/>
+                  <a16:creationId xmlns:a16="http://schemas.microsoft.com/office/drawing/2014/main" xmlns="" id="{86701FBB-07FC-4733-9104-D2EF1D685050}"/>
                 </a:ext>
                 <a:ext uri="{C183D7F6-B498-43B3-948B-1728B52AA6E4}">
-                  <adec:decorative xmlns:adec="http://schemas.microsoft.com/office/drawing/2017/decorative" val="1"/>
+                  <adec:decorative xmlns:adec="http://schemas.microsoft.com/office/drawing/2017/decorative" xmlns="" val="1"/>
                 </a:ext>
               </a:extLst>
             </p:cNvPr>
@@ -13571,7 +14730,7 @@
             <p:nvPr>
               <p:extLst>
                 <p:ext uri="{386F3935-93C4-4BCD-93E2-E3B085C9AB24}">
-                  <p16:designElem xmlns:p16="http://schemas.microsoft.com/office/powerpoint/2015/main" val="1"/>
+                  <p16:designElem xmlns:p16="http://schemas.microsoft.com/office/powerpoint/2015/main" xmlns="" val="1"/>
                 </p:ext>
               </p:extLst>
             </p:nvPr>
@@ -13610,10 +14769,10 @@
             <p:cNvPr id="20" name="Straight Connector 19">
               <a:extLst>
                 <a:ext uri="{FF2B5EF4-FFF2-40B4-BE49-F238E27FC236}">
-                  <a16:creationId xmlns:a16="http://schemas.microsoft.com/office/drawing/2014/main" id="{F0024222-CC64-47B0-A4BF-B40233E43B4C}"/>
+                  <a16:creationId xmlns:a16="http://schemas.microsoft.com/office/drawing/2014/main" xmlns="" id="{F0024222-CC64-47B0-A4BF-B40233E43B4C}"/>
                 </a:ext>
                 <a:ext uri="{C183D7F6-B498-43B3-948B-1728B52AA6E4}">
-                  <adec:decorative xmlns:adec="http://schemas.microsoft.com/office/drawing/2017/decorative" val="1"/>
+                  <adec:decorative xmlns:adec="http://schemas.microsoft.com/office/drawing/2017/decorative" xmlns="" val="1"/>
                 </a:ext>
               </a:extLst>
             </p:cNvPr>
@@ -13623,7 +14782,7 @@
             <p:nvPr>
               <p:extLst>
                 <p:ext uri="{386F3935-93C4-4BCD-93E2-E3B085C9AB24}">
-                  <p16:designElem xmlns:p16="http://schemas.microsoft.com/office/powerpoint/2015/main" val="1"/>
+                  <p16:designElem xmlns:p16="http://schemas.microsoft.com/office/powerpoint/2015/main" xmlns="" val="1"/>
                 </p:ext>
               </p:extLst>
             </p:nvPr>
@@ -13662,10 +14821,10 @@
             <p:cNvPr id="21" name="Straight Connector 20">
               <a:extLst>
                 <a:ext uri="{FF2B5EF4-FFF2-40B4-BE49-F238E27FC236}">
-                  <a16:creationId xmlns:a16="http://schemas.microsoft.com/office/drawing/2014/main" id="{C8B03883-6F44-4FEE-BFBE-4D73F19E72AC}"/>
+                  <a16:creationId xmlns:a16="http://schemas.microsoft.com/office/drawing/2014/main" xmlns="" id="{C8B03883-6F44-4FEE-BFBE-4D73F19E72AC}"/>
                 </a:ext>
                 <a:ext uri="{C183D7F6-B498-43B3-948B-1728B52AA6E4}">
-                  <adec:decorative xmlns:adec="http://schemas.microsoft.com/office/drawing/2017/decorative" val="1"/>
+                  <adec:decorative xmlns:adec="http://schemas.microsoft.com/office/drawing/2017/decorative" xmlns="" val="1"/>
                 </a:ext>
               </a:extLst>
             </p:cNvPr>
@@ -13675,7 +14834,7 @@
             <p:nvPr>
               <p:extLst>
                 <p:ext uri="{386F3935-93C4-4BCD-93E2-E3B085C9AB24}">
-                  <p16:designElem xmlns:p16="http://schemas.microsoft.com/office/powerpoint/2015/main" val="1"/>
+                  <p16:designElem xmlns:p16="http://schemas.microsoft.com/office/powerpoint/2015/main" xmlns="" val="1"/>
                 </p:ext>
               </p:extLst>
             </p:nvPr>
@@ -13714,10 +14873,10 @@
             <p:cNvPr id="22" name="Graphic 33">
               <a:extLst>
                 <a:ext uri="{FF2B5EF4-FFF2-40B4-BE49-F238E27FC236}">
-                  <a16:creationId xmlns:a16="http://schemas.microsoft.com/office/drawing/2014/main" id="{5A26ABB5-559E-45EC-8DBC-364F029DD723}"/>
+                  <a16:creationId xmlns:a16="http://schemas.microsoft.com/office/drawing/2014/main" xmlns="" id="{5A26ABB5-559E-45EC-8DBC-364F029DD723}"/>
                 </a:ext>
                 <a:ext uri="{C183D7F6-B498-43B3-948B-1728B52AA6E4}">
-                  <adec:decorative xmlns:adec="http://schemas.microsoft.com/office/drawing/2017/decorative" val="1"/>
+                  <adec:decorative xmlns:adec="http://schemas.microsoft.com/office/drawing/2017/decorative" xmlns="" val="1"/>
                 </a:ext>
               </a:extLst>
             </p:cNvPr>
@@ -13725,7 +14884,7 @@
             <p:nvPr>
               <p:extLst>
                 <p:ext uri="{386F3935-93C4-4BCD-93E2-E3B085C9AB24}">
-                  <p16:designElem xmlns:p16="http://schemas.microsoft.com/office/powerpoint/2015/main" val="1"/>
+                  <p16:designElem xmlns:p16="http://schemas.microsoft.com/office/powerpoint/2015/main" xmlns="" val="1"/>
                 </p:ext>
               </p:extLst>
             </p:nvPr>
@@ -13798,10 +14957,10 @@
             <p:cNvPr id="23" name="Graphic 33">
               <a:extLst>
                 <a:ext uri="{FF2B5EF4-FFF2-40B4-BE49-F238E27FC236}">
-                  <a16:creationId xmlns:a16="http://schemas.microsoft.com/office/drawing/2014/main" id="{339DC07F-79A6-42D3-BDD6-5A262FFC53A2}"/>
+                  <a16:creationId xmlns:a16="http://schemas.microsoft.com/office/drawing/2014/main" xmlns="" id="{339DC07F-79A6-42D3-BDD6-5A262FFC53A2}"/>
                 </a:ext>
                 <a:ext uri="{C183D7F6-B498-43B3-948B-1728B52AA6E4}">
-                  <adec:decorative xmlns:adec="http://schemas.microsoft.com/office/drawing/2017/decorative" val="1"/>
+                  <adec:decorative xmlns:adec="http://schemas.microsoft.com/office/drawing/2017/decorative" xmlns="" val="1"/>
                 </a:ext>
               </a:extLst>
             </p:cNvPr>
@@ -13809,7 +14968,7 @@
             <p:nvPr>
               <p:extLst>
                 <p:ext uri="{386F3935-93C4-4BCD-93E2-E3B085C9AB24}">
-                  <p16:designElem xmlns:p16="http://schemas.microsoft.com/office/powerpoint/2015/main" val="1"/>
+                  <p16:designElem xmlns:p16="http://schemas.microsoft.com/office/powerpoint/2015/main" xmlns="" val="1"/>
                 </p:ext>
               </p:extLst>
             </p:nvPr>
@@ -13883,10 +15042,10 @@
           <p:cNvPr id="25" name="Rectangle 24">
             <a:extLst>
               <a:ext uri="{FF2B5EF4-FFF2-40B4-BE49-F238E27FC236}">
-                <a16:creationId xmlns:a16="http://schemas.microsoft.com/office/drawing/2014/main" id="{BD2D4D3D-0943-4A9D-AE30-EEEAF707A340}"/>
+                <a16:creationId xmlns:a16="http://schemas.microsoft.com/office/drawing/2014/main" xmlns="" id="{BD2D4D3D-0943-4A9D-AE30-EEEAF707A340}"/>
               </a:ext>
               <a:ext uri="{C183D7F6-B498-43B3-948B-1728B52AA6E4}">
-                <adec:decorative xmlns:adec="http://schemas.microsoft.com/office/drawing/2017/decorative" val="1"/>
+                <adec:decorative xmlns:adec="http://schemas.microsoft.com/office/drawing/2017/decorative" xmlns="" val="1"/>
               </a:ext>
             </a:extLst>
           </p:cNvPr>
@@ -13896,7 +15055,7 @@
           <p:nvPr>
             <p:extLst>
               <p:ext uri="{386F3935-93C4-4BCD-93E2-E3B085C9AB24}">
-                <p16:designElem xmlns:p16="http://schemas.microsoft.com/office/powerpoint/2015/main" val="1"/>
+                <p16:designElem xmlns:p16="http://schemas.microsoft.com/office/powerpoint/2015/main" xmlns="" val="1"/>
               </p:ext>
             </p:extLst>
           </p:nvPr>
@@ -13943,10 +15102,10 @@
           <p:cNvPr id="27" name="Rectangle 26">
             <a:extLst>
               <a:ext uri="{FF2B5EF4-FFF2-40B4-BE49-F238E27FC236}">
-                <a16:creationId xmlns:a16="http://schemas.microsoft.com/office/drawing/2014/main" id="{96402F50-78D0-4C40-8FB9-47AF6DD06DC9}"/>
+                <a16:creationId xmlns:a16="http://schemas.microsoft.com/office/drawing/2014/main" xmlns="" id="{96402F50-78D0-4C40-8FB9-47AF6DD06DC9}"/>
               </a:ext>
               <a:ext uri="{C183D7F6-B498-43B3-948B-1728B52AA6E4}">
-                <adec:decorative xmlns:adec="http://schemas.microsoft.com/office/drawing/2017/decorative" val="1"/>
+                <adec:decorative xmlns:adec="http://schemas.microsoft.com/office/drawing/2017/decorative" xmlns="" val="1"/>
               </a:ext>
             </a:extLst>
           </p:cNvPr>
@@ -13956,7 +15115,7 @@
           <p:nvPr>
             <p:extLst>
               <p:ext uri="{386F3935-93C4-4BCD-93E2-E3B085C9AB24}">
-                <p16:designElem xmlns:p16="http://schemas.microsoft.com/office/powerpoint/2015/main" val="1"/>
+                <p16:designElem xmlns:p16="http://schemas.microsoft.com/office/powerpoint/2015/main" xmlns="" val="1"/>
               </p:ext>
             </p:extLst>
           </p:nvPr>
@@ -14009,10 +15168,10 @@
           <p:cNvPr id="29" name="Group 28">
             <a:extLst>
               <a:ext uri="{FF2B5EF4-FFF2-40B4-BE49-F238E27FC236}">
-                <a16:creationId xmlns:a16="http://schemas.microsoft.com/office/drawing/2014/main" id="{905FD742-A584-4C24-981D-4BE96AC5618C}"/>
+                <a16:creationId xmlns:a16="http://schemas.microsoft.com/office/drawing/2014/main" xmlns="" id="{905FD742-A584-4C24-981D-4BE96AC5618C}"/>
               </a:ext>
               <a:ext uri="{C183D7F6-B498-43B3-948B-1728B52AA6E4}">
-                <adec:decorative xmlns:adec="http://schemas.microsoft.com/office/drawing/2017/decorative" val="1"/>
+                <adec:decorative xmlns:adec="http://schemas.microsoft.com/office/drawing/2017/decorative" xmlns="" val="1"/>
               </a:ext>
             </a:extLst>
           </p:cNvPr>
@@ -14022,7 +15181,7 @@
           <p:nvPr>
             <p:extLst>
               <p:ext uri="{386F3935-93C4-4BCD-93E2-E3B085C9AB24}">
-                <p16:designElem xmlns:p16="http://schemas.microsoft.com/office/powerpoint/2015/main" val="1"/>
+                <p16:designElem xmlns:p16="http://schemas.microsoft.com/office/powerpoint/2015/main" xmlns="" val="1"/>
               </p:ext>
             </p:extLst>
           </p:nvPr>
@@ -14040,10 +15199,10 @@
             <p:cNvPr id="30" name="Group 29">
               <a:extLst>
                 <a:ext uri="{FF2B5EF4-FFF2-40B4-BE49-F238E27FC236}">
-                  <a16:creationId xmlns:a16="http://schemas.microsoft.com/office/drawing/2014/main" id="{7258DE11-AA0C-48D2-8F00-9B8DC1093A47}"/>
+                  <a16:creationId xmlns:a16="http://schemas.microsoft.com/office/drawing/2014/main" xmlns="" id="{7258DE11-AA0C-48D2-8F00-9B8DC1093A47}"/>
                 </a:ext>
                 <a:ext uri="{C183D7F6-B498-43B3-948B-1728B52AA6E4}">
-                  <adec:decorative xmlns:adec="http://schemas.microsoft.com/office/drawing/2017/decorative" val="1"/>
+                  <adec:decorative xmlns:adec="http://schemas.microsoft.com/office/drawing/2017/decorative" xmlns="" val="1"/>
                 </a:ext>
               </a:extLst>
             </p:cNvPr>
@@ -14051,7 +15210,7 @@
             <p:nvPr>
               <p:extLst>
                 <p:ext uri="{386F3935-93C4-4BCD-93E2-E3B085C9AB24}">
-                  <p16:designElem xmlns:p16="http://schemas.microsoft.com/office/powerpoint/2015/main" val="1"/>
+                  <p16:designElem xmlns:p16="http://schemas.microsoft.com/office/powerpoint/2015/main" xmlns="" val="1"/>
                 </p:ext>
               </p:extLst>
             </p:nvPr>
@@ -14069,10 +15228,10 @@
               <p:cNvPr id="32" name="Straight Connector 31">
                 <a:extLst>
                   <a:ext uri="{FF2B5EF4-FFF2-40B4-BE49-F238E27FC236}">
-                    <a16:creationId xmlns:a16="http://schemas.microsoft.com/office/drawing/2014/main" id="{62A6129B-5E41-4111-BA49-D6E73631A7F0}"/>
+                    <a16:creationId xmlns:a16="http://schemas.microsoft.com/office/drawing/2014/main" xmlns="" id="{62A6129B-5E41-4111-BA49-D6E73631A7F0}"/>
                   </a:ext>
                   <a:ext uri="{C183D7F6-B498-43B3-948B-1728B52AA6E4}">
-                    <adec:decorative xmlns:adec="http://schemas.microsoft.com/office/drawing/2017/decorative" val="1"/>
+                    <adec:decorative xmlns:adec="http://schemas.microsoft.com/office/drawing/2017/decorative" xmlns="" val="1"/>
                   </a:ext>
                 </a:extLst>
               </p:cNvPr>
@@ -14082,7 +15241,7 @@
               <p:nvPr>
                 <p:extLst>
                   <p:ext uri="{386F3935-93C4-4BCD-93E2-E3B085C9AB24}">
-                    <p16:designElem xmlns:p16="http://schemas.microsoft.com/office/powerpoint/2015/main" val="1"/>
+                    <p16:designElem xmlns:p16="http://schemas.microsoft.com/office/powerpoint/2015/main" xmlns="" val="1"/>
                   </p:ext>
                 </p:extLst>
               </p:nvPr>
@@ -14121,10 +15280,10 @@
               <p:cNvPr id="33" name="Straight Connector 32">
                 <a:extLst>
                   <a:ext uri="{FF2B5EF4-FFF2-40B4-BE49-F238E27FC236}">
-                    <a16:creationId xmlns:a16="http://schemas.microsoft.com/office/drawing/2014/main" id="{42ACD671-2209-4876-A99B-0D185B70D1EA}"/>
+                    <a16:creationId xmlns:a16="http://schemas.microsoft.com/office/drawing/2014/main" xmlns="" id="{42ACD671-2209-4876-A99B-0D185B70D1EA}"/>
                   </a:ext>
                   <a:ext uri="{C183D7F6-B498-43B3-948B-1728B52AA6E4}">
-                    <adec:decorative xmlns:adec="http://schemas.microsoft.com/office/drawing/2017/decorative" val="1"/>
+                    <adec:decorative xmlns:adec="http://schemas.microsoft.com/office/drawing/2017/decorative" xmlns="" val="1"/>
                   </a:ext>
                 </a:extLst>
               </p:cNvPr>
@@ -14134,7 +15293,7 @@
               <p:nvPr>
                 <p:extLst>
                   <p:ext uri="{386F3935-93C4-4BCD-93E2-E3B085C9AB24}">
-                    <p16:designElem xmlns:p16="http://schemas.microsoft.com/office/powerpoint/2015/main" val="1"/>
+                    <p16:designElem xmlns:p16="http://schemas.microsoft.com/office/powerpoint/2015/main" xmlns="" val="1"/>
                   </p:ext>
                 </p:extLst>
               </p:nvPr>
@@ -14173,10 +15332,10 @@
               <p:cNvPr id="34" name="Straight Connector 33">
                 <a:extLst>
                   <a:ext uri="{FF2B5EF4-FFF2-40B4-BE49-F238E27FC236}">
-                    <a16:creationId xmlns:a16="http://schemas.microsoft.com/office/drawing/2014/main" id="{5ACF9EAE-7FB1-4C87-B3F1-9129699CB1B6}"/>
+                    <a16:creationId xmlns:a16="http://schemas.microsoft.com/office/drawing/2014/main" xmlns="" id="{5ACF9EAE-7FB1-4C87-B3F1-9129699CB1B6}"/>
                   </a:ext>
                   <a:ext uri="{C183D7F6-B498-43B3-948B-1728B52AA6E4}">
-                    <adec:decorative xmlns:adec="http://schemas.microsoft.com/office/drawing/2017/decorative" val="1"/>
+                    <adec:decorative xmlns:adec="http://schemas.microsoft.com/office/drawing/2017/decorative" xmlns="" val="1"/>
                   </a:ext>
                 </a:extLst>
               </p:cNvPr>
@@ -14186,7 +15345,7 @@
               <p:nvPr>
                 <p:extLst>
                   <p:ext uri="{386F3935-93C4-4BCD-93E2-E3B085C9AB24}">
-                    <p16:designElem xmlns:p16="http://schemas.microsoft.com/office/powerpoint/2015/main" val="1"/>
+                    <p16:designElem xmlns:p16="http://schemas.microsoft.com/office/powerpoint/2015/main" xmlns="" val="1"/>
                   </p:ext>
                 </p:extLst>
               </p:nvPr>
@@ -14225,10 +15384,10 @@
               <p:cNvPr id="35" name="Straight Connector 34">
                 <a:extLst>
                   <a:ext uri="{FF2B5EF4-FFF2-40B4-BE49-F238E27FC236}">
-                    <a16:creationId xmlns:a16="http://schemas.microsoft.com/office/drawing/2014/main" id="{774E1729-16FC-4A78-A1FC-1B4B0D30C803}"/>
+                    <a16:creationId xmlns:a16="http://schemas.microsoft.com/office/drawing/2014/main" xmlns="" id="{774E1729-16FC-4A78-A1FC-1B4B0D30C803}"/>
                   </a:ext>
                   <a:ext uri="{C183D7F6-B498-43B3-948B-1728B52AA6E4}">
-                    <adec:decorative xmlns:adec="http://schemas.microsoft.com/office/drawing/2017/decorative" val="1"/>
+                    <adec:decorative xmlns:adec="http://schemas.microsoft.com/office/drawing/2017/decorative" xmlns="" val="1"/>
                   </a:ext>
                 </a:extLst>
               </p:cNvPr>
@@ -14238,7 +15397,7 @@
               <p:nvPr>
                 <p:extLst>
                   <p:ext uri="{386F3935-93C4-4BCD-93E2-E3B085C9AB24}">
-                    <p16:designElem xmlns:p16="http://schemas.microsoft.com/office/powerpoint/2015/main" val="1"/>
+                    <p16:designElem xmlns:p16="http://schemas.microsoft.com/office/powerpoint/2015/main" xmlns="" val="1"/>
                   </p:ext>
                 </p:extLst>
               </p:nvPr>
@@ -14277,10 +15436,10 @@
               <p:cNvPr id="36" name="Straight Connector 35">
                 <a:extLst>
                   <a:ext uri="{FF2B5EF4-FFF2-40B4-BE49-F238E27FC236}">
-                    <a16:creationId xmlns:a16="http://schemas.microsoft.com/office/drawing/2014/main" id="{3E4DB013-2DB1-4155-8355-AE8EDE75CC7E}"/>
+                    <a16:creationId xmlns:a16="http://schemas.microsoft.com/office/drawing/2014/main" xmlns="" id="{3E4DB013-2DB1-4155-8355-AE8EDE75CC7E}"/>
                   </a:ext>
                   <a:ext uri="{C183D7F6-B498-43B3-948B-1728B52AA6E4}">
-                    <adec:decorative xmlns:adec="http://schemas.microsoft.com/office/drawing/2017/decorative" val="1"/>
+                    <adec:decorative xmlns:adec="http://schemas.microsoft.com/office/drawing/2017/decorative" xmlns="" val="1"/>
                   </a:ext>
                 </a:extLst>
               </p:cNvPr>
@@ -14290,7 +15449,7 @@
               <p:nvPr>
                 <p:extLst>
                   <p:ext uri="{386F3935-93C4-4BCD-93E2-E3B085C9AB24}">
-                    <p16:designElem xmlns:p16="http://schemas.microsoft.com/office/powerpoint/2015/main" val="1"/>
+                    <p16:designElem xmlns:p16="http://schemas.microsoft.com/office/powerpoint/2015/main" xmlns="" val="1"/>
                   </p:ext>
                 </p:extLst>
               </p:nvPr>
@@ -14329,10 +15488,10 @@
               <p:cNvPr id="37" name="Straight Connector 36">
                 <a:extLst>
                   <a:ext uri="{FF2B5EF4-FFF2-40B4-BE49-F238E27FC236}">
-                    <a16:creationId xmlns:a16="http://schemas.microsoft.com/office/drawing/2014/main" id="{77AED547-EF0A-4CE6-87B9-059D7C6375D3}"/>
+                    <a16:creationId xmlns:a16="http://schemas.microsoft.com/office/drawing/2014/main" xmlns="" id="{77AED547-EF0A-4CE6-87B9-059D7C6375D3}"/>
                   </a:ext>
                   <a:ext uri="{C183D7F6-B498-43B3-948B-1728B52AA6E4}">
-                    <adec:decorative xmlns:adec="http://schemas.microsoft.com/office/drawing/2017/decorative" val="1"/>
+                    <adec:decorative xmlns:adec="http://schemas.microsoft.com/office/drawing/2017/decorative" xmlns="" val="1"/>
                   </a:ext>
                 </a:extLst>
               </p:cNvPr>
@@ -14342,7 +15501,7 @@
               <p:nvPr>
                 <p:extLst>
                   <p:ext uri="{386F3935-93C4-4BCD-93E2-E3B085C9AB24}">
-                    <p16:designElem xmlns:p16="http://schemas.microsoft.com/office/powerpoint/2015/main" val="1"/>
+                    <p16:designElem xmlns:p16="http://schemas.microsoft.com/office/powerpoint/2015/main" xmlns="" val="1"/>
                   </p:ext>
                 </p:extLst>
               </p:nvPr>
@@ -14382,10 +15541,10 @@
             <p:cNvPr id="31" name="Graphic 11">
               <a:extLst>
                 <a:ext uri="{FF2B5EF4-FFF2-40B4-BE49-F238E27FC236}">
-                  <a16:creationId xmlns:a16="http://schemas.microsoft.com/office/drawing/2014/main" id="{61ABD7CE-E0CE-4FE7-AEA1-F7DB71799BF5}"/>
+                  <a16:creationId xmlns:a16="http://schemas.microsoft.com/office/drawing/2014/main" xmlns="" id="{61ABD7CE-E0CE-4FE7-AEA1-F7DB71799BF5}"/>
                 </a:ext>
                 <a:ext uri="{C183D7F6-B498-43B3-948B-1728B52AA6E4}">
-                  <adec:decorative xmlns:adec="http://schemas.microsoft.com/office/drawing/2017/decorative" val="1"/>
+                  <adec:decorative xmlns:adec="http://schemas.microsoft.com/office/drawing/2017/decorative" xmlns="" val="1"/>
                 </a:ext>
               </a:extLst>
             </p:cNvPr>
@@ -14393,7 +15552,7 @@
             <p:nvPr>
               <p:extLst>
                 <p:ext uri="{386F3935-93C4-4BCD-93E2-E3B085C9AB24}">
-                  <p16:designElem xmlns:p16="http://schemas.microsoft.com/office/powerpoint/2015/main" val="1"/>
+                  <p16:designElem xmlns:p16="http://schemas.microsoft.com/office/powerpoint/2015/main" xmlns="" val="1"/>
                 </p:ext>
               </p:extLst>
             </p:nvPr>
@@ -14507,7 +15666,7 @@
           <p:cNvPr id="2" name="Title 1">
             <a:extLst>
               <a:ext uri="{FF2B5EF4-FFF2-40B4-BE49-F238E27FC236}">
-                <a16:creationId xmlns:a16="http://schemas.microsoft.com/office/drawing/2014/main" id="{A893A620-9F63-4170-BB98-6D4325E35B0D}"/>
+                <a16:creationId xmlns:a16="http://schemas.microsoft.com/office/drawing/2014/main" xmlns="" id="{A893A620-9F63-4170-BB98-6D4325E35B0D}"/>
               </a:ext>
             </a:extLst>
           </p:cNvPr>
@@ -14543,7 +15702,7 @@
           <p:cNvPr id="38" name="Picture 37">
             <a:extLst>
               <a:ext uri="{FF2B5EF4-FFF2-40B4-BE49-F238E27FC236}">
-                <a16:creationId xmlns:a16="http://schemas.microsoft.com/office/drawing/2014/main" id="{54DACFB0-4652-4751-B70D-959AAA5BC3FA}"/>
+                <a16:creationId xmlns:a16="http://schemas.microsoft.com/office/drawing/2014/main" xmlns="" id="{54DACFB0-4652-4751-B70D-959AAA5BC3FA}"/>
               </a:ext>
             </a:extLst>
           </p:cNvPr>
@@ -14579,7 +15738,7 @@
           <p:cNvPr id="39" name="Picture 38">
             <a:extLst>
               <a:ext uri="{FF2B5EF4-FFF2-40B4-BE49-F238E27FC236}">
-                <a16:creationId xmlns:a16="http://schemas.microsoft.com/office/drawing/2014/main" id="{4CC1C64D-E722-43DE-ADC1-B6AF649FC98F}"/>
+                <a16:creationId xmlns:a16="http://schemas.microsoft.com/office/drawing/2014/main" xmlns="" id="{4CC1C64D-E722-43DE-ADC1-B6AF649FC98F}"/>
               </a:ext>
             </a:extLst>
           </p:cNvPr>
@@ -14620,18 +15779,25 @@
   <p:clrMapOvr>
     <a:masterClrMapping/>
   </p:clrMapOvr>
-  <mc:AlternateContent xmlns:mc="http://schemas.openxmlformats.org/markup-compatibility/2006" xmlns:p159="http://schemas.microsoft.com/office/powerpoint/2015/09/main">
-    <mc:Choice Requires="p159">
+  <mc:AlternateContent xmlns:mc="http://schemas.openxmlformats.org/markup-compatibility/2006">
+    <mc:Choice xmlns:p159="http://schemas.microsoft.com/office/powerpoint/2015/09/main" xmlns="" Requires="p159">
       <p:transition xmlns:p14="http://schemas.microsoft.com/office/powerpoint/2010/main" spd="slow" p14:dur="2000">
         <p159:morph option="byObject"/>
       </p:transition>
     </mc:Choice>
-    <mc:Fallback xmlns="">
+    <mc:Fallback>
       <p:transition spd="slow">
         <p:fade/>
       </p:transition>
     </mc:Fallback>
   </mc:AlternateContent>
+  <p:timing>
+    <p:tnLst>
+      <p:par>
+        <p:cTn id="1" dur="indefinite" restart="never" nodeType="tmRoot"/>
+      </p:par>
+    </p:tnLst>
+  </p:timing>
 </p:sld>
 </file>
 

--- a/FinalPresentation2.pptx
+++ b/FinalPresentation2.pptx
@@ -18,6 +18,12 @@
     <p:sldId id="274" r:id="rId12"/>
     <p:sldId id="275" r:id="rId13"/>
     <p:sldId id="276" r:id="rId14"/>
+    <p:sldId id="278" r:id="rId15"/>
+    <p:sldId id="277" r:id="rId16"/>
+    <p:sldId id="281" r:id="rId17"/>
+    <p:sldId id="280" r:id="rId18"/>
+    <p:sldId id="282" r:id="rId19"/>
+    <p:sldId id="279" r:id="rId20"/>
   </p:sldIdLst>
   <p:sldSz cx="12192000" cy="6858000"/>
   <p:notesSz cx="6858000" cy="9144000"/>
@@ -138,6 +144,12 @@
             <p14:sldId id="274"/>
             <p14:sldId id="275"/>
             <p14:sldId id="276"/>
+            <p14:sldId id="278"/>
+            <p14:sldId id="277"/>
+            <p14:sldId id="281"/>
+            <p14:sldId id="280"/>
+            <p14:sldId id="282"/>
+            <p14:sldId id="279"/>
           </p14:sldIdLst>
         </p14:section>
       </p14:sectionLst>
@@ -179,7 +191,7 @@
           <p:cNvPr id="2" name="Title 1">
             <a:extLst>
               <a:ext uri="{FF2B5EF4-FFF2-40B4-BE49-F238E27FC236}">
-                <a16:creationId xmlns:a16="http://schemas.microsoft.com/office/drawing/2014/main" xmlns="" id="{BB722F66-727D-4150-ADA5-49CF3A0F6873}"/>
+                <a16:creationId xmlns:a16="http://schemas.microsoft.com/office/drawing/2014/main" id="{BB722F66-727D-4150-ADA5-49CF3A0F6873}"/>
               </a:ext>
             </a:extLst>
           </p:cNvPr>
@@ -219,7 +231,7 @@
           <p:cNvPr id="3" name="Subtitle 2">
             <a:extLst>
               <a:ext uri="{FF2B5EF4-FFF2-40B4-BE49-F238E27FC236}">
-                <a16:creationId xmlns:a16="http://schemas.microsoft.com/office/drawing/2014/main" xmlns="" id="{CDD9A1FE-C39F-4D7C-B93D-F8C203A1D69C}"/>
+                <a16:creationId xmlns:a16="http://schemas.microsoft.com/office/drawing/2014/main" id="{CDD9A1FE-C39F-4D7C-B93D-F8C203A1D69C}"/>
               </a:ext>
             </a:extLst>
           </p:cNvPr>
@@ -292,7 +304,7 @@
           <p:cNvPr id="4" name="Date Placeholder 3">
             <a:extLst>
               <a:ext uri="{FF2B5EF4-FFF2-40B4-BE49-F238E27FC236}">
-                <a16:creationId xmlns:a16="http://schemas.microsoft.com/office/drawing/2014/main" xmlns="" id="{BC008AAC-7D41-4304-8D59-EF34B232682C}"/>
+                <a16:creationId xmlns:a16="http://schemas.microsoft.com/office/drawing/2014/main" id="{BC008AAC-7D41-4304-8D59-EF34B232682C}"/>
               </a:ext>
             </a:extLst>
           </p:cNvPr>
@@ -319,7 +331,7 @@
           <a:p>
             <a:fld id="{9549D6DC-E1CB-4874-BF52-C3407230D20E}" type="datetime1">
               <a:rPr lang="en-US" smtClean="0"/>
-              <a:t>11/6/2024</a:t>
+              <a:t>11/12/2024</a:t>
             </a:fld>
             <a:endParaRPr lang="en-US"/>
           </a:p>
@@ -330,7 +342,7 @@
           <p:cNvPr id="5" name="Footer Placeholder 4">
             <a:extLst>
               <a:ext uri="{FF2B5EF4-FFF2-40B4-BE49-F238E27FC236}">
-                <a16:creationId xmlns:a16="http://schemas.microsoft.com/office/drawing/2014/main" xmlns="" id="{4724D078-DE22-4F23-8B48-21FB1415C3E3}"/>
+                <a16:creationId xmlns:a16="http://schemas.microsoft.com/office/drawing/2014/main" id="{4724D078-DE22-4F23-8B48-21FB1415C3E3}"/>
               </a:ext>
             </a:extLst>
           </p:cNvPr>
@@ -364,7 +376,7 @@
           <p:cNvPr id="6" name="Slide Number Placeholder 5">
             <a:extLst>
               <a:ext uri="{FF2B5EF4-FFF2-40B4-BE49-F238E27FC236}">
-                <a16:creationId xmlns:a16="http://schemas.microsoft.com/office/drawing/2014/main" xmlns="" id="{BB64C1F5-608B-4335-9F2A-17F63D5FAF0D}"/>
+                <a16:creationId xmlns:a16="http://schemas.microsoft.com/office/drawing/2014/main" id="{BB64C1F5-608B-4335-9F2A-17F63D5FAF0D}"/>
               </a:ext>
             </a:extLst>
           </p:cNvPr>
@@ -382,7 +394,7 @@
           <a:p>
             <a:fld id="{273BAE12-D270-459D-897B-6833652BB167}" type="slidenum">
               <a:rPr lang="en-US" smtClean="0"/>
-              <a:t>‹#›</a:t>
+              <a:t>‹N›</a:t>
             </a:fld>
             <a:endParaRPr lang="en-US"/>
           </a:p>
@@ -398,13 +410,13 @@
   <p:clrMapOvr>
     <a:masterClrMapping/>
   </p:clrMapOvr>
-  <mc:AlternateContent xmlns:mc="http://schemas.openxmlformats.org/markup-compatibility/2006">
-    <mc:Choice xmlns:p159="http://schemas.microsoft.com/office/powerpoint/2015/09/main" xmlns="" Requires="p159">
+  <mc:AlternateContent xmlns:mc="http://schemas.openxmlformats.org/markup-compatibility/2006" xmlns:p159="http://schemas.microsoft.com/office/powerpoint/2015/09/main">
+    <mc:Choice Requires="p159">
       <p:transition xmlns:p14="http://schemas.microsoft.com/office/powerpoint/2010/main" spd="slow" p14:dur="2000">
         <p159:morph option="byObject"/>
       </p:transition>
     </mc:Choice>
-    <mc:Fallback>
+    <mc:Fallback xmlns="">
       <p:transition spd="slow">
         <p:fade/>
       </p:transition>
@@ -435,7 +447,7 @@
           <p:cNvPr id="2" name="Title 1">
             <a:extLst>
               <a:ext uri="{FF2B5EF4-FFF2-40B4-BE49-F238E27FC236}">
-                <a16:creationId xmlns:a16="http://schemas.microsoft.com/office/drawing/2014/main" xmlns="" id="{E929F2C5-A3FC-44EF-BA15-CEC83C83D67C}"/>
+                <a16:creationId xmlns:a16="http://schemas.microsoft.com/office/drawing/2014/main" id="{E929F2C5-A3FC-44EF-BA15-CEC83C83D67C}"/>
               </a:ext>
             </a:extLst>
           </p:cNvPr>
@@ -464,7 +476,7 @@
           <p:cNvPr id="3" name="Vertical Text Placeholder 2">
             <a:extLst>
               <a:ext uri="{FF2B5EF4-FFF2-40B4-BE49-F238E27FC236}">
-                <a16:creationId xmlns:a16="http://schemas.microsoft.com/office/drawing/2014/main" xmlns="" id="{D45040D3-67DB-455C-AD79-49E185DB63C7}"/>
+                <a16:creationId xmlns:a16="http://schemas.microsoft.com/office/drawing/2014/main" id="{D45040D3-67DB-455C-AD79-49E185DB63C7}"/>
               </a:ext>
             </a:extLst>
           </p:cNvPr>
@@ -522,7 +534,7 @@
           <p:cNvPr id="4" name="Date Placeholder 3">
             <a:extLst>
               <a:ext uri="{FF2B5EF4-FFF2-40B4-BE49-F238E27FC236}">
-                <a16:creationId xmlns:a16="http://schemas.microsoft.com/office/drawing/2014/main" xmlns="" id="{D0B2B07A-258E-42DD-9A68-2C76F7D54040}"/>
+                <a16:creationId xmlns:a16="http://schemas.microsoft.com/office/drawing/2014/main" id="{D0B2B07A-258E-42DD-9A68-2C76F7D54040}"/>
               </a:ext>
             </a:extLst>
           </p:cNvPr>
@@ -540,7 +552,7 @@
           <a:p>
             <a:fld id="{F7701D81-C4B9-4A87-89A7-22E29E6C9200}" type="datetime1">
               <a:rPr lang="en-US" smtClean="0"/>
-              <a:t>11/6/2024</a:t>
+              <a:t>11/12/2024</a:t>
             </a:fld>
             <a:endParaRPr lang="en-US"/>
           </a:p>
@@ -551,7 +563,7 @@
           <p:cNvPr id="5" name="Footer Placeholder 4">
             <a:extLst>
               <a:ext uri="{FF2B5EF4-FFF2-40B4-BE49-F238E27FC236}">
-                <a16:creationId xmlns:a16="http://schemas.microsoft.com/office/drawing/2014/main" xmlns="" id="{7C01E9BC-3BB8-40CD-9294-59A2E59E1BE6}"/>
+                <a16:creationId xmlns:a16="http://schemas.microsoft.com/office/drawing/2014/main" id="{7C01E9BC-3BB8-40CD-9294-59A2E59E1BE6}"/>
               </a:ext>
             </a:extLst>
           </p:cNvPr>
@@ -576,7 +588,7 @@
           <p:cNvPr id="6" name="Slide Number Placeholder 5">
             <a:extLst>
               <a:ext uri="{FF2B5EF4-FFF2-40B4-BE49-F238E27FC236}">
-                <a16:creationId xmlns:a16="http://schemas.microsoft.com/office/drawing/2014/main" xmlns="" id="{5413979D-5589-4770-9D29-046F2B506C33}"/>
+                <a16:creationId xmlns:a16="http://schemas.microsoft.com/office/drawing/2014/main" id="{5413979D-5589-4770-9D29-046F2B506C33}"/>
               </a:ext>
             </a:extLst>
           </p:cNvPr>
@@ -594,7 +606,7 @@
           <a:p>
             <a:fld id="{273BAE12-D270-459D-897B-6833652BB167}" type="slidenum">
               <a:rPr lang="en-US" smtClean="0"/>
-              <a:t>‹#›</a:t>
+              <a:t>‹N›</a:t>
             </a:fld>
             <a:endParaRPr lang="en-US"/>
           </a:p>
@@ -610,13 +622,13 @@
   <p:clrMapOvr>
     <a:masterClrMapping/>
   </p:clrMapOvr>
-  <mc:AlternateContent xmlns:mc="http://schemas.openxmlformats.org/markup-compatibility/2006">
-    <mc:Choice xmlns:p159="http://schemas.microsoft.com/office/powerpoint/2015/09/main" xmlns="" Requires="p159">
+  <mc:AlternateContent xmlns:mc="http://schemas.openxmlformats.org/markup-compatibility/2006" xmlns:p159="http://schemas.microsoft.com/office/powerpoint/2015/09/main">
+    <mc:Choice Requires="p159">
       <p:transition xmlns:p14="http://schemas.microsoft.com/office/powerpoint/2010/main" spd="slow" p14:dur="2000">
         <p159:morph option="byObject"/>
       </p:transition>
     </mc:Choice>
-    <mc:Fallback>
+    <mc:Fallback xmlns="">
       <p:transition spd="slow">
         <p:fade/>
       </p:transition>
@@ -647,7 +659,7 @@
           <p:cNvPr id="2" name="Vertical Title 1">
             <a:extLst>
               <a:ext uri="{FF2B5EF4-FFF2-40B4-BE49-F238E27FC236}">
-                <a16:creationId xmlns:a16="http://schemas.microsoft.com/office/drawing/2014/main" xmlns="" id="{DC6693CD-CB65-4F37-A6DA-F300B93C14D9}"/>
+                <a16:creationId xmlns:a16="http://schemas.microsoft.com/office/drawing/2014/main" id="{DC6693CD-CB65-4F37-A6DA-F300B93C14D9}"/>
               </a:ext>
             </a:extLst>
           </p:cNvPr>
@@ -681,7 +693,7 @@
           <p:cNvPr id="3" name="Vertical Text Placeholder 2">
             <a:extLst>
               <a:ext uri="{FF2B5EF4-FFF2-40B4-BE49-F238E27FC236}">
-                <a16:creationId xmlns:a16="http://schemas.microsoft.com/office/drawing/2014/main" xmlns="" id="{7448D117-7AE6-4831-9867-5145F64A0C24}"/>
+                <a16:creationId xmlns:a16="http://schemas.microsoft.com/office/drawing/2014/main" id="{7448D117-7AE6-4831-9867-5145F64A0C24}"/>
               </a:ext>
             </a:extLst>
           </p:cNvPr>
@@ -744,7 +756,7 @@
           <p:cNvPr id="4" name="Date Placeholder 3">
             <a:extLst>
               <a:ext uri="{FF2B5EF4-FFF2-40B4-BE49-F238E27FC236}">
-                <a16:creationId xmlns:a16="http://schemas.microsoft.com/office/drawing/2014/main" xmlns="" id="{E4988CF8-397F-485E-8081-AFA4DADD440C}"/>
+                <a16:creationId xmlns:a16="http://schemas.microsoft.com/office/drawing/2014/main" id="{E4988CF8-397F-485E-8081-AFA4DADD440C}"/>
               </a:ext>
             </a:extLst>
           </p:cNvPr>
@@ -762,7 +774,7 @@
           <a:p>
             <a:fld id="{EE307718-69F7-427E-95A3-C1246AF46913}" type="datetime1">
               <a:rPr lang="en-US" smtClean="0"/>
-              <a:t>11/6/2024</a:t>
+              <a:t>11/12/2024</a:t>
             </a:fld>
             <a:endParaRPr lang="en-US"/>
           </a:p>
@@ -773,7 +785,7 @@
           <p:cNvPr id="5" name="Footer Placeholder 4">
             <a:extLst>
               <a:ext uri="{FF2B5EF4-FFF2-40B4-BE49-F238E27FC236}">
-                <a16:creationId xmlns:a16="http://schemas.microsoft.com/office/drawing/2014/main" xmlns="" id="{83CE4773-4660-4F21-83CF-1A449395BB9D}"/>
+                <a16:creationId xmlns:a16="http://schemas.microsoft.com/office/drawing/2014/main" id="{83CE4773-4660-4F21-83CF-1A449395BB9D}"/>
               </a:ext>
             </a:extLst>
           </p:cNvPr>
@@ -798,7 +810,7 @@
           <p:cNvPr id="6" name="Slide Number Placeholder 5">
             <a:extLst>
               <a:ext uri="{FF2B5EF4-FFF2-40B4-BE49-F238E27FC236}">
-                <a16:creationId xmlns:a16="http://schemas.microsoft.com/office/drawing/2014/main" xmlns="" id="{D5B59537-EB47-40FA-893E-785D6FE00A5C}"/>
+                <a16:creationId xmlns:a16="http://schemas.microsoft.com/office/drawing/2014/main" id="{D5B59537-EB47-40FA-893E-785D6FE00A5C}"/>
               </a:ext>
             </a:extLst>
           </p:cNvPr>
@@ -816,7 +828,7 @@
           <a:p>
             <a:fld id="{273BAE12-D270-459D-897B-6833652BB167}" type="slidenum">
               <a:rPr lang="en-US" smtClean="0"/>
-              <a:t>‹#›</a:t>
+              <a:t>‹N›</a:t>
             </a:fld>
             <a:endParaRPr lang="en-US"/>
           </a:p>
@@ -832,13 +844,13 @@
   <p:clrMapOvr>
     <a:masterClrMapping/>
   </p:clrMapOvr>
-  <mc:AlternateContent xmlns:mc="http://schemas.openxmlformats.org/markup-compatibility/2006">
-    <mc:Choice xmlns:p159="http://schemas.microsoft.com/office/powerpoint/2015/09/main" xmlns="" Requires="p159">
+  <mc:AlternateContent xmlns:mc="http://schemas.openxmlformats.org/markup-compatibility/2006" xmlns:p159="http://schemas.microsoft.com/office/powerpoint/2015/09/main">
+    <mc:Choice Requires="p159">
       <p:transition xmlns:p14="http://schemas.microsoft.com/office/powerpoint/2010/main" spd="slow" p14:dur="2000">
         <p159:morph option="byObject"/>
       </p:transition>
     </mc:Choice>
-    <mc:Fallback>
+    <mc:Fallback xmlns="">
       <p:transition spd="slow">
         <p:fade/>
       </p:transition>
@@ -869,7 +881,7 @@
           <p:cNvPr id="2" name="Title 1">
             <a:extLst>
               <a:ext uri="{FF2B5EF4-FFF2-40B4-BE49-F238E27FC236}">
-                <a16:creationId xmlns:a16="http://schemas.microsoft.com/office/drawing/2014/main" xmlns="" id="{D0E7B4A7-C566-48F4-B4B8-3A5E7B6C5C3A}"/>
+                <a16:creationId xmlns:a16="http://schemas.microsoft.com/office/drawing/2014/main" id="{D0E7B4A7-C566-48F4-B4B8-3A5E7B6C5C3A}"/>
               </a:ext>
             </a:extLst>
           </p:cNvPr>
@@ -898,7 +910,7 @@
           <p:cNvPr id="3" name="Content Placeholder 2">
             <a:extLst>
               <a:ext uri="{FF2B5EF4-FFF2-40B4-BE49-F238E27FC236}">
-                <a16:creationId xmlns:a16="http://schemas.microsoft.com/office/drawing/2014/main" xmlns="" id="{AD3B93F5-BC8B-452C-ACE2-C7E01D1B80FD}"/>
+                <a16:creationId xmlns:a16="http://schemas.microsoft.com/office/drawing/2014/main" id="{AD3B93F5-BC8B-452C-ACE2-C7E01D1B80FD}"/>
               </a:ext>
             </a:extLst>
           </p:cNvPr>
@@ -956,7 +968,7 @@
           <p:cNvPr id="4" name="Date Placeholder 3">
             <a:extLst>
               <a:ext uri="{FF2B5EF4-FFF2-40B4-BE49-F238E27FC236}">
-                <a16:creationId xmlns:a16="http://schemas.microsoft.com/office/drawing/2014/main" xmlns="" id="{239A49B3-A57D-46C5-8462-0C52509F8FCA}"/>
+                <a16:creationId xmlns:a16="http://schemas.microsoft.com/office/drawing/2014/main" id="{239A49B3-A57D-46C5-8462-0C52509F8FCA}"/>
               </a:ext>
             </a:extLst>
           </p:cNvPr>
@@ -974,7 +986,7 @@
           <a:p>
             <a:fld id="{48913E51-B7F7-4C24-B8E3-5471755DC0E0}" type="datetime1">
               <a:rPr lang="en-US" smtClean="0"/>
-              <a:t>11/6/2024</a:t>
+              <a:t>11/12/2024</a:t>
             </a:fld>
             <a:endParaRPr lang="en-US"/>
           </a:p>
@@ -985,7 +997,7 @@
           <p:cNvPr id="5" name="Footer Placeholder 4">
             <a:extLst>
               <a:ext uri="{FF2B5EF4-FFF2-40B4-BE49-F238E27FC236}">
-                <a16:creationId xmlns:a16="http://schemas.microsoft.com/office/drawing/2014/main" xmlns="" id="{9EC8C810-EAF4-4D86-84DD-2E574122DD84}"/>
+                <a16:creationId xmlns:a16="http://schemas.microsoft.com/office/drawing/2014/main" id="{9EC8C810-EAF4-4D86-84DD-2E574122DD84}"/>
               </a:ext>
             </a:extLst>
           </p:cNvPr>
@@ -1010,7 +1022,7 @@
           <p:cNvPr id="6" name="Slide Number Placeholder 5">
             <a:extLst>
               <a:ext uri="{FF2B5EF4-FFF2-40B4-BE49-F238E27FC236}">
-                <a16:creationId xmlns:a16="http://schemas.microsoft.com/office/drawing/2014/main" xmlns="" id="{9587E738-8574-490B-974B-9AD3B2AAE521}"/>
+                <a16:creationId xmlns:a16="http://schemas.microsoft.com/office/drawing/2014/main" id="{9587E738-8574-490B-974B-9AD3B2AAE521}"/>
               </a:ext>
             </a:extLst>
           </p:cNvPr>
@@ -1028,7 +1040,7 @@
           <a:p>
             <a:fld id="{273BAE12-D270-459D-897B-6833652BB167}" type="slidenum">
               <a:rPr lang="en-US" smtClean="0"/>
-              <a:t>‹#›</a:t>
+              <a:t>‹N›</a:t>
             </a:fld>
             <a:endParaRPr lang="en-US"/>
           </a:p>
@@ -1044,13 +1056,13 @@
   <p:clrMapOvr>
     <a:masterClrMapping/>
   </p:clrMapOvr>
-  <mc:AlternateContent xmlns:mc="http://schemas.openxmlformats.org/markup-compatibility/2006">
-    <mc:Choice xmlns:p159="http://schemas.microsoft.com/office/powerpoint/2015/09/main" xmlns="" Requires="p159">
+  <mc:AlternateContent xmlns:mc="http://schemas.openxmlformats.org/markup-compatibility/2006" xmlns:p159="http://schemas.microsoft.com/office/powerpoint/2015/09/main">
+    <mc:Choice Requires="p159">
       <p:transition xmlns:p14="http://schemas.microsoft.com/office/powerpoint/2010/main" spd="slow" p14:dur="2000">
         <p159:morph option="byObject"/>
       </p:transition>
     </mc:Choice>
-    <mc:Fallback>
+    <mc:Fallback xmlns="">
       <p:transition spd="slow">
         <p:fade/>
       </p:transition>
@@ -1081,7 +1093,7 @@
           <p:cNvPr id="2" name="Title 1">
             <a:extLst>
               <a:ext uri="{FF2B5EF4-FFF2-40B4-BE49-F238E27FC236}">
-                <a16:creationId xmlns:a16="http://schemas.microsoft.com/office/drawing/2014/main" xmlns="" id="{D839764E-4B3D-4B6A-A210-B50E4F60E246}"/>
+                <a16:creationId xmlns:a16="http://schemas.microsoft.com/office/drawing/2014/main" id="{D839764E-4B3D-4B6A-A210-B50E4F60E246}"/>
               </a:ext>
             </a:extLst>
           </p:cNvPr>
@@ -1121,7 +1133,7 @@
           <p:cNvPr id="3" name="Text Placeholder 2">
             <a:extLst>
               <a:ext uri="{FF2B5EF4-FFF2-40B4-BE49-F238E27FC236}">
-                <a16:creationId xmlns:a16="http://schemas.microsoft.com/office/drawing/2014/main" xmlns="" id="{8A30AEC2-B6E6-4C09-A16F-5E2A1C9A0D0E}"/>
+                <a16:creationId xmlns:a16="http://schemas.microsoft.com/office/drawing/2014/main" id="{8A30AEC2-B6E6-4C09-A16F-5E2A1C9A0D0E}"/>
               </a:ext>
             </a:extLst>
           </p:cNvPr>
@@ -1249,7 +1261,7 @@
           <p:cNvPr id="4" name="Date Placeholder 3">
             <a:extLst>
               <a:ext uri="{FF2B5EF4-FFF2-40B4-BE49-F238E27FC236}">
-                <a16:creationId xmlns:a16="http://schemas.microsoft.com/office/drawing/2014/main" xmlns="" id="{42A37CAB-B545-4E42-BB5A-F1DAA9335033}"/>
+                <a16:creationId xmlns:a16="http://schemas.microsoft.com/office/drawing/2014/main" id="{42A37CAB-B545-4E42-BB5A-F1DAA9335033}"/>
               </a:ext>
             </a:extLst>
           </p:cNvPr>
@@ -1267,7 +1279,7 @@
           <a:p>
             <a:fld id="{DA91A59F-D956-4598-A3C1-AE72A5387751}" type="datetime1">
               <a:rPr lang="en-US" smtClean="0"/>
-              <a:t>11/6/2024</a:t>
+              <a:t>11/12/2024</a:t>
             </a:fld>
             <a:endParaRPr lang="en-US" dirty="0"/>
           </a:p>
@@ -1278,7 +1290,7 @@
           <p:cNvPr id="5" name="Footer Placeholder 4">
             <a:extLst>
               <a:ext uri="{FF2B5EF4-FFF2-40B4-BE49-F238E27FC236}">
-                <a16:creationId xmlns:a16="http://schemas.microsoft.com/office/drawing/2014/main" xmlns="" id="{AF6D720B-7E58-43F4-9659-ADB2403A50BB}"/>
+                <a16:creationId xmlns:a16="http://schemas.microsoft.com/office/drawing/2014/main" id="{AF6D720B-7E58-43F4-9659-ADB2403A50BB}"/>
               </a:ext>
             </a:extLst>
           </p:cNvPr>
@@ -1303,7 +1315,7 @@
           <p:cNvPr id="6" name="Slide Number Placeholder 5">
             <a:extLst>
               <a:ext uri="{FF2B5EF4-FFF2-40B4-BE49-F238E27FC236}">
-                <a16:creationId xmlns:a16="http://schemas.microsoft.com/office/drawing/2014/main" xmlns="" id="{A895F53F-2FA5-4B5C-A151-F07BBC002B29}"/>
+                <a16:creationId xmlns:a16="http://schemas.microsoft.com/office/drawing/2014/main" id="{A895F53F-2FA5-4B5C-A151-F07BBC002B29}"/>
               </a:ext>
             </a:extLst>
           </p:cNvPr>
@@ -1321,7 +1333,7 @@
           <a:p>
             <a:fld id="{273BAE12-D270-459D-897B-6833652BB167}" type="slidenum">
               <a:rPr lang="en-US" smtClean="0"/>
-              <a:t>‹#›</a:t>
+              <a:t>‹N›</a:t>
             </a:fld>
             <a:endParaRPr lang="en-US" dirty="0"/>
           </a:p>
@@ -1337,13 +1349,13 @@
   <p:clrMapOvr>
     <a:masterClrMapping/>
   </p:clrMapOvr>
-  <mc:AlternateContent xmlns:mc="http://schemas.openxmlformats.org/markup-compatibility/2006">
-    <mc:Choice xmlns:p159="http://schemas.microsoft.com/office/powerpoint/2015/09/main" xmlns="" Requires="p159">
+  <mc:AlternateContent xmlns:mc="http://schemas.openxmlformats.org/markup-compatibility/2006" xmlns:p159="http://schemas.microsoft.com/office/powerpoint/2015/09/main">
+    <mc:Choice Requires="p159">
       <p:transition xmlns:p14="http://schemas.microsoft.com/office/powerpoint/2010/main" spd="slow" p14:dur="2000">
         <p159:morph option="byObject"/>
       </p:transition>
     </mc:Choice>
-    <mc:Fallback>
+    <mc:Fallback xmlns="">
       <p:transition spd="slow">
         <p:fade/>
       </p:transition>
@@ -1374,7 +1386,7 @@
           <p:cNvPr id="2" name="Title 1">
             <a:extLst>
               <a:ext uri="{FF2B5EF4-FFF2-40B4-BE49-F238E27FC236}">
-                <a16:creationId xmlns:a16="http://schemas.microsoft.com/office/drawing/2014/main" xmlns="" id="{EAD473D3-0F03-4BF4-831F-34E80BAC5513}"/>
+                <a16:creationId xmlns:a16="http://schemas.microsoft.com/office/drawing/2014/main" id="{EAD473D3-0F03-4BF4-831F-34E80BAC5513}"/>
               </a:ext>
             </a:extLst>
           </p:cNvPr>
@@ -1403,7 +1415,7 @@
           <p:cNvPr id="3" name="Content Placeholder 2">
             <a:extLst>
               <a:ext uri="{FF2B5EF4-FFF2-40B4-BE49-F238E27FC236}">
-                <a16:creationId xmlns:a16="http://schemas.microsoft.com/office/drawing/2014/main" xmlns="" id="{74C09409-59F2-486F-A6D0-FAEE8FFF25B2}"/>
+                <a16:creationId xmlns:a16="http://schemas.microsoft.com/office/drawing/2014/main" id="{74C09409-59F2-486F-A6D0-FAEE8FFF25B2}"/>
               </a:ext>
             </a:extLst>
           </p:cNvPr>
@@ -1466,7 +1478,7 @@
           <p:cNvPr id="4" name="Content Placeholder 3">
             <a:extLst>
               <a:ext uri="{FF2B5EF4-FFF2-40B4-BE49-F238E27FC236}">
-                <a16:creationId xmlns:a16="http://schemas.microsoft.com/office/drawing/2014/main" xmlns="" id="{03087241-B390-47A6-8070-C3D4652F887B}"/>
+                <a16:creationId xmlns:a16="http://schemas.microsoft.com/office/drawing/2014/main" id="{03087241-B390-47A6-8070-C3D4652F887B}"/>
               </a:ext>
             </a:extLst>
           </p:cNvPr>
@@ -1529,7 +1541,7 @@
           <p:cNvPr id="5" name="Date Placeholder 4">
             <a:extLst>
               <a:ext uri="{FF2B5EF4-FFF2-40B4-BE49-F238E27FC236}">
-                <a16:creationId xmlns:a16="http://schemas.microsoft.com/office/drawing/2014/main" xmlns="" id="{5080B360-2ACA-4B93-9439-591B6D3FBC3F}"/>
+                <a16:creationId xmlns:a16="http://schemas.microsoft.com/office/drawing/2014/main" id="{5080B360-2ACA-4B93-9439-591B6D3FBC3F}"/>
               </a:ext>
             </a:extLst>
           </p:cNvPr>
@@ -1547,7 +1559,7 @@
           <a:p>
             <a:fld id="{D70BBD69-7BD3-4731-8064-242619E92CBE}" type="datetime1">
               <a:rPr lang="en-US" smtClean="0"/>
-              <a:t>11/6/2024</a:t>
+              <a:t>11/12/2024</a:t>
             </a:fld>
             <a:endParaRPr lang="en-US"/>
           </a:p>
@@ -1558,7 +1570,7 @@
           <p:cNvPr id="6" name="Footer Placeholder 5">
             <a:extLst>
               <a:ext uri="{FF2B5EF4-FFF2-40B4-BE49-F238E27FC236}">
-                <a16:creationId xmlns:a16="http://schemas.microsoft.com/office/drawing/2014/main" xmlns="" id="{684A73E2-CF78-404C-A86F-E70A284AE99E}"/>
+                <a16:creationId xmlns:a16="http://schemas.microsoft.com/office/drawing/2014/main" id="{684A73E2-CF78-404C-A86F-E70A284AE99E}"/>
               </a:ext>
             </a:extLst>
           </p:cNvPr>
@@ -1583,7 +1595,7 @@
           <p:cNvPr id="7" name="Slide Number Placeholder 6">
             <a:extLst>
               <a:ext uri="{FF2B5EF4-FFF2-40B4-BE49-F238E27FC236}">
-                <a16:creationId xmlns:a16="http://schemas.microsoft.com/office/drawing/2014/main" xmlns="" id="{B6A8F42A-11E1-42A0-8ECF-A5BBA3B8CA56}"/>
+                <a16:creationId xmlns:a16="http://schemas.microsoft.com/office/drawing/2014/main" id="{B6A8F42A-11E1-42A0-8ECF-A5BBA3B8CA56}"/>
               </a:ext>
             </a:extLst>
           </p:cNvPr>
@@ -1601,7 +1613,7 @@
           <a:p>
             <a:fld id="{273BAE12-D270-459D-897B-6833652BB167}" type="slidenum">
               <a:rPr lang="en-US" smtClean="0"/>
-              <a:t>‹#›</a:t>
+              <a:t>‹N›</a:t>
             </a:fld>
             <a:endParaRPr lang="en-US"/>
           </a:p>
@@ -1617,13 +1629,13 @@
   <p:clrMapOvr>
     <a:masterClrMapping/>
   </p:clrMapOvr>
-  <mc:AlternateContent xmlns:mc="http://schemas.openxmlformats.org/markup-compatibility/2006">
-    <mc:Choice xmlns:p159="http://schemas.microsoft.com/office/powerpoint/2015/09/main" xmlns="" Requires="p159">
+  <mc:AlternateContent xmlns:mc="http://schemas.openxmlformats.org/markup-compatibility/2006" xmlns:p159="http://schemas.microsoft.com/office/powerpoint/2015/09/main">
+    <mc:Choice Requires="p159">
       <p:transition xmlns:p14="http://schemas.microsoft.com/office/powerpoint/2010/main" spd="slow" p14:dur="2000">
         <p159:morph option="byObject"/>
       </p:transition>
     </mc:Choice>
-    <mc:Fallback>
+    <mc:Fallback xmlns="">
       <p:transition spd="slow">
         <p:fade/>
       </p:transition>
@@ -1654,7 +1666,7 @@
           <p:cNvPr id="2" name="Title 1">
             <a:extLst>
               <a:ext uri="{FF2B5EF4-FFF2-40B4-BE49-F238E27FC236}">
-                <a16:creationId xmlns:a16="http://schemas.microsoft.com/office/drawing/2014/main" xmlns="" id="{D1BECA31-EE14-41DD-9914-DA7138220460}"/>
+                <a16:creationId xmlns:a16="http://schemas.microsoft.com/office/drawing/2014/main" id="{D1BECA31-EE14-41DD-9914-DA7138220460}"/>
               </a:ext>
             </a:extLst>
           </p:cNvPr>
@@ -1688,7 +1700,7 @@
           <p:cNvPr id="3" name="Text Placeholder 2">
             <a:extLst>
               <a:ext uri="{FF2B5EF4-FFF2-40B4-BE49-F238E27FC236}">
-                <a16:creationId xmlns:a16="http://schemas.microsoft.com/office/drawing/2014/main" xmlns="" id="{6CB22AB6-1657-4AE2-8607-2C77A25D79D9}"/>
+                <a16:creationId xmlns:a16="http://schemas.microsoft.com/office/drawing/2014/main" id="{6CB22AB6-1657-4AE2-8607-2C77A25D79D9}"/>
               </a:ext>
             </a:extLst>
           </p:cNvPr>
@@ -1761,7 +1773,7 @@
           <p:cNvPr id="4" name="Content Placeholder 3">
             <a:extLst>
               <a:ext uri="{FF2B5EF4-FFF2-40B4-BE49-F238E27FC236}">
-                <a16:creationId xmlns:a16="http://schemas.microsoft.com/office/drawing/2014/main" xmlns="" id="{4BAA6DC0-D4D5-4164-A3FD-6BB5CBB2BBAD}"/>
+                <a16:creationId xmlns:a16="http://schemas.microsoft.com/office/drawing/2014/main" id="{4BAA6DC0-D4D5-4164-A3FD-6BB5CBB2BBAD}"/>
               </a:ext>
             </a:extLst>
           </p:cNvPr>
@@ -1842,7 +1854,7 @@
           <p:cNvPr id="5" name="Text Placeholder 4">
             <a:extLst>
               <a:ext uri="{FF2B5EF4-FFF2-40B4-BE49-F238E27FC236}">
-                <a16:creationId xmlns:a16="http://schemas.microsoft.com/office/drawing/2014/main" xmlns="" id="{129B35F8-95F3-43D1-8917-5836BAA90490}"/>
+                <a16:creationId xmlns:a16="http://schemas.microsoft.com/office/drawing/2014/main" id="{129B35F8-95F3-43D1-8917-5836BAA90490}"/>
               </a:ext>
             </a:extLst>
           </p:cNvPr>
@@ -1915,7 +1927,7 @@
           <p:cNvPr id="6" name="Content Placeholder 5">
             <a:extLst>
               <a:ext uri="{FF2B5EF4-FFF2-40B4-BE49-F238E27FC236}">
-                <a16:creationId xmlns:a16="http://schemas.microsoft.com/office/drawing/2014/main" xmlns="" id="{12B639E7-F4A3-4ADE-B290-0A4F9761B977}"/>
+                <a16:creationId xmlns:a16="http://schemas.microsoft.com/office/drawing/2014/main" id="{12B639E7-F4A3-4ADE-B290-0A4F9761B977}"/>
               </a:ext>
             </a:extLst>
           </p:cNvPr>
@@ -1996,7 +2008,7 @@
           <p:cNvPr id="7" name="Date Placeholder 6">
             <a:extLst>
               <a:ext uri="{FF2B5EF4-FFF2-40B4-BE49-F238E27FC236}">
-                <a16:creationId xmlns:a16="http://schemas.microsoft.com/office/drawing/2014/main" xmlns="" id="{CD6F296B-429F-4DFC-ABC3-0A078EA99425}"/>
+                <a16:creationId xmlns:a16="http://schemas.microsoft.com/office/drawing/2014/main" id="{CD6F296B-429F-4DFC-ABC3-0A078EA99425}"/>
               </a:ext>
             </a:extLst>
           </p:cNvPr>
@@ -2014,7 +2026,7 @@
           <a:p>
             <a:fld id="{38BD77D9-239F-488B-9358-023C46BC7084}" type="datetime1">
               <a:rPr lang="en-US" smtClean="0"/>
-              <a:t>11/6/2024</a:t>
+              <a:t>11/12/2024</a:t>
             </a:fld>
             <a:endParaRPr lang="en-US"/>
           </a:p>
@@ -2025,7 +2037,7 @@
           <p:cNvPr id="8" name="Footer Placeholder 7">
             <a:extLst>
               <a:ext uri="{FF2B5EF4-FFF2-40B4-BE49-F238E27FC236}">
-                <a16:creationId xmlns:a16="http://schemas.microsoft.com/office/drawing/2014/main" xmlns="" id="{0B7103B9-D521-4910-AC15-F12F25CB9524}"/>
+                <a16:creationId xmlns:a16="http://schemas.microsoft.com/office/drawing/2014/main" id="{0B7103B9-D521-4910-AC15-F12F25CB9524}"/>
               </a:ext>
             </a:extLst>
           </p:cNvPr>
@@ -2050,7 +2062,7 @@
           <p:cNvPr id="9" name="Slide Number Placeholder 8">
             <a:extLst>
               <a:ext uri="{FF2B5EF4-FFF2-40B4-BE49-F238E27FC236}">
-                <a16:creationId xmlns:a16="http://schemas.microsoft.com/office/drawing/2014/main" xmlns="" id="{9F73A6D9-123D-492C-B5CE-294EF2559FAB}"/>
+                <a16:creationId xmlns:a16="http://schemas.microsoft.com/office/drawing/2014/main" id="{9F73A6D9-123D-492C-B5CE-294EF2559FAB}"/>
               </a:ext>
             </a:extLst>
           </p:cNvPr>
@@ -2068,7 +2080,7 @@
           <a:p>
             <a:fld id="{273BAE12-D270-459D-897B-6833652BB167}" type="slidenum">
               <a:rPr lang="en-US" smtClean="0"/>
-              <a:t>‹#›</a:t>
+              <a:t>‹N›</a:t>
             </a:fld>
             <a:endParaRPr lang="en-US"/>
           </a:p>
@@ -2084,13 +2096,13 @@
   <p:clrMapOvr>
     <a:masterClrMapping/>
   </p:clrMapOvr>
-  <mc:AlternateContent xmlns:mc="http://schemas.openxmlformats.org/markup-compatibility/2006">
-    <mc:Choice xmlns:p159="http://schemas.microsoft.com/office/powerpoint/2015/09/main" xmlns="" Requires="p159">
+  <mc:AlternateContent xmlns:mc="http://schemas.openxmlformats.org/markup-compatibility/2006" xmlns:p159="http://schemas.microsoft.com/office/powerpoint/2015/09/main">
+    <mc:Choice Requires="p159">
       <p:transition xmlns:p14="http://schemas.microsoft.com/office/powerpoint/2010/main" spd="slow" p14:dur="2000">
         <p159:morph option="byObject"/>
       </p:transition>
     </mc:Choice>
-    <mc:Fallback>
+    <mc:Fallback xmlns="">
       <p:transition spd="slow">
         <p:fade/>
       </p:transition>
@@ -2121,7 +2133,7 @@
           <p:cNvPr id="2" name="Title 1">
             <a:extLst>
               <a:ext uri="{FF2B5EF4-FFF2-40B4-BE49-F238E27FC236}">
-                <a16:creationId xmlns:a16="http://schemas.microsoft.com/office/drawing/2014/main" xmlns="" id="{4C592A22-4B4D-4F58-9783-A0469DA4D233}"/>
+                <a16:creationId xmlns:a16="http://schemas.microsoft.com/office/drawing/2014/main" id="{4C592A22-4B4D-4F58-9783-A0469DA4D233}"/>
               </a:ext>
             </a:extLst>
           </p:cNvPr>
@@ -2155,7 +2167,7 @@
           <p:cNvPr id="3" name="Date Placeholder 2">
             <a:extLst>
               <a:ext uri="{FF2B5EF4-FFF2-40B4-BE49-F238E27FC236}">
-                <a16:creationId xmlns:a16="http://schemas.microsoft.com/office/drawing/2014/main" xmlns="" id="{3B5EE610-5457-4E8C-B568-B8D560773B5C}"/>
+                <a16:creationId xmlns:a16="http://schemas.microsoft.com/office/drawing/2014/main" id="{3B5EE610-5457-4E8C-B568-B8D560773B5C}"/>
               </a:ext>
             </a:extLst>
           </p:cNvPr>
@@ -2173,7 +2185,7 @@
           <a:p>
             <a:fld id="{1EE61C24-7140-4FDE-92F3-654C6E2D3C1C}" type="datetime1">
               <a:rPr lang="en-US" smtClean="0"/>
-              <a:t>11/6/2024</a:t>
+              <a:t>11/12/2024</a:t>
             </a:fld>
             <a:endParaRPr lang="en-US"/>
           </a:p>
@@ -2184,7 +2196,7 @@
           <p:cNvPr id="4" name="Footer Placeholder 3">
             <a:extLst>
               <a:ext uri="{FF2B5EF4-FFF2-40B4-BE49-F238E27FC236}">
-                <a16:creationId xmlns:a16="http://schemas.microsoft.com/office/drawing/2014/main" xmlns="" id="{A0BA57BB-288A-4A30-A4EC-FF0537BC2603}"/>
+                <a16:creationId xmlns:a16="http://schemas.microsoft.com/office/drawing/2014/main" id="{A0BA57BB-288A-4A30-A4EC-FF0537BC2603}"/>
               </a:ext>
             </a:extLst>
           </p:cNvPr>
@@ -2209,7 +2221,7 @@
           <p:cNvPr id="5" name="Slide Number Placeholder 4">
             <a:extLst>
               <a:ext uri="{FF2B5EF4-FFF2-40B4-BE49-F238E27FC236}">
-                <a16:creationId xmlns:a16="http://schemas.microsoft.com/office/drawing/2014/main" xmlns="" id="{D0414C89-B968-4A85-A035-E2997A5F8498}"/>
+                <a16:creationId xmlns:a16="http://schemas.microsoft.com/office/drawing/2014/main" id="{D0414C89-B968-4A85-A035-E2997A5F8498}"/>
               </a:ext>
             </a:extLst>
           </p:cNvPr>
@@ -2227,7 +2239,7 @@
           <a:p>
             <a:fld id="{273BAE12-D270-459D-897B-6833652BB167}" type="slidenum">
               <a:rPr lang="en-US" smtClean="0"/>
-              <a:t>‹#›</a:t>
+              <a:t>‹N›</a:t>
             </a:fld>
             <a:endParaRPr lang="en-US"/>
           </a:p>
@@ -2243,13 +2255,13 @@
   <p:clrMapOvr>
     <a:masterClrMapping/>
   </p:clrMapOvr>
-  <mc:AlternateContent xmlns:mc="http://schemas.openxmlformats.org/markup-compatibility/2006">
-    <mc:Choice xmlns:p159="http://schemas.microsoft.com/office/powerpoint/2015/09/main" xmlns="" Requires="p159">
+  <mc:AlternateContent xmlns:mc="http://schemas.openxmlformats.org/markup-compatibility/2006" xmlns:p159="http://schemas.microsoft.com/office/powerpoint/2015/09/main">
+    <mc:Choice Requires="p159">
       <p:transition xmlns:p14="http://schemas.microsoft.com/office/powerpoint/2010/main" spd="slow" p14:dur="2000">
         <p159:morph option="byObject"/>
       </p:transition>
     </mc:Choice>
-    <mc:Fallback>
+    <mc:Fallback xmlns="">
       <p:transition spd="slow">
         <p:fade/>
       </p:transition>
@@ -2280,7 +2292,7 @@
           <p:cNvPr id="2" name="Date Placeholder 1">
             <a:extLst>
               <a:ext uri="{FF2B5EF4-FFF2-40B4-BE49-F238E27FC236}">
-                <a16:creationId xmlns:a16="http://schemas.microsoft.com/office/drawing/2014/main" xmlns="" id="{1B7A339C-4093-4B40-8C90-52F005CA9A0E}"/>
+                <a16:creationId xmlns:a16="http://schemas.microsoft.com/office/drawing/2014/main" id="{1B7A339C-4093-4B40-8C90-52F005CA9A0E}"/>
               </a:ext>
             </a:extLst>
           </p:cNvPr>
@@ -2298,7 +2310,7 @@
           <a:p>
             <a:fld id="{DC4D6ACF-ECB9-4B5F-A429-08B8AC75E8EF}" type="datetime1">
               <a:rPr lang="en-US" smtClean="0"/>
-              <a:t>11/6/2024</a:t>
+              <a:t>11/12/2024</a:t>
             </a:fld>
             <a:endParaRPr lang="en-US"/>
           </a:p>
@@ -2309,7 +2321,7 @@
           <p:cNvPr id="3" name="Footer Placeholder 2">
             <a:extLst>
               <a:ext uri="{FF2B5EF4-FFF2-40B4-BE49-F238E27FC236}">
-                <a16:creationId xmlns:a16="http://schemas.microsoft.com/office/drawing/2014/main" xmlns="" id="{DFA33F04-8E0A-4165-930C-527D781A7D0C}"/>
+                <a16:creationId xmlns:a16="http://schemas.microsoft.com/office/drawing/2014/main" id="{DFA33F04-8E0A-4165-930C-527D781A7D0C}"/>
               </a:ext>
             </a:extLst>
           </p:cNvPr>
@@ -2334,7 +2346,7 @@
           <p:cNvPr id="4" name="Slide Number Placeholder 3">
             <a:extLst>
               <a:ext uri="{FF2B5EF4-FFF2-40B4-BE49-F238E27FC236}">
-                <a16:creationId xmlns:a16="http://schemas.microsoft.com/office/drawing/2014/main" xmlns="" id="{9062F57B-BEB6-4973-A362-38F638E0D05C}"/>
+                <a16:creationId xmlns:a16="http://schemas.microsoft.com/office/drawing/2014/main" id="{9062F57B-BEB6-4973-A362-38F638E0D05C}"/>
               </a:ext>
             </a:extLst>
           </p:cNvPr>
@@ -2352,7 +2364,7 @@
           <a:p>
             <a:fld id="{273BAE12-D270-459D-897B-6833652BB167}" type="slidenum">
               <a:rPr lang="en-US" smtClean="0"/>
-              <a:t>‹#›</a:t>
+              <a:t>‹N›</a:t>
             </a:fld>
             <a:endParaRPr lang="en-US"/>
           </a:p>
@@ -2368,13 +2380,13 @@
   <p:clrMapOvr>
     <a:masterClrMapping/>
   </p:clrMapOvr>
-  <mc:AlternateContent xmlns:mc="http://schemas.openxmlformats.org/markup-compatibility/2006">
-    <mc:Choice xmlns:p159="http://schemas.microsoft.com/office/powerpoint/2015/09/main" xmlns="" Requires="p159">
+  <mc:AlternateContent xmlns:mc="http://schemas.openxmlformats.org/markup-compatibility/2006" xmlns:p159="http://schemas.microsoft.com/office/powerpoint/2015/09/main">
+    <mc:Choice Requires="p159">
       <p:transition xmlns:p14="http://schemas.microsoft.com/office/powerpoint/2010/main" spd="slow" p14:dur="2000">
         <p159:morph option="byObject"/>
       </p:transition>
     </mc:Choice>
-    <mc:Fallback>
+    <mc:Fallback xmlns="">
       <p:transition spd="slow">
         <p:fade/>
       </p:transition>
@@ -2405,7 +2417,7 @@
           <p:cNvPr id="2" name="Title 1">
             <a:extLst>
               <a:ext uri="{FF2B5EF4-FFF2-40B4-BE49-F238E27FC236}">
-                <a16:creationId xmlns:a16="http://schemas.microsoft.com/office/drawing/2014/main" xmlns="" id="{4A8FAC90-C2CA-44DD-8EF8-20BDD6724247}"/>
+                <a16:creationId xmlns:a16="http://schemas.microsoft.com/office/drawing/2014/main" id="{4A8FAC90-C2CA-44DD-8EF8-20BDD6724247}"/>
               </a:ext>
             </a:extLst>
           </p:cNvPr>
@@ -2445,7 +2457,7 @@
           <p:cNvPr id="3" name="Content Placeholder 2">
             <a:extLst>
               <a:ext uri="{FF2B5EF4-FFF2-40B4-BE49-F238E27FC236}">
-                <a16:creationId xmlns:a16="http://schemas.microsoft.com/office/drawing/2014/main" xmlns="" id="{5EE915FB-D5F4-4CAD-AE70-3644E81802E6}"/>
+                <a16:creationId xmlns:a16="http://schemas.microsoft.com/office/drawing/2014/main" id="{5EE915FB-D5F4-4CAD-AE70-3644E81802E6}"/>
               </a:ext>
             </a:extLst>
           </p:cNvPr>
@@ -2538,7 +2550,7 @@
           <p:cNvPr id="4" name="Text Placeholder 3">
             <a:extLst>
               <a:ext uri="{FF2B5EF4-FFF2-40B4-BE49-F238E27FC236}">
-                <a16:creationId xmlns:a16="http://schemas.microsoft.com/office/drawing/2014/main" xmlns="" id="{E7374DA3-3BAC-4045-825F-B3C27B89736B}"/>
+                <a16:creationId xmlns:a16="http://schemas.microsoft.com/office/drawing/2014/main" id="{E7374DA3-3BAC-4045-825F-B3C27B89736B}"/>
               </a:ext>
             </a:extLst>
           </p:cNvPr>
@@ -2611,7 +2623,7 @@
           <p:cNvPr id="5" name="Date Placeholder 4">
             <a:extLst>
               <a:ext uri="{FF2B5EF4-FFF2-40B4-BE49-F238E27FC236}">
-                <a16:creationId xmlns:a16="http://schemas.microsoft.com/office/drawing/2014/main" xmlns="" id="{D45A0D65-0423-4E45-947A-E08C8569F15F}"/>
+                <a16:creationId xmlns:a16="http://schemas.microsoft.com/office/drawing/2014/main" id="{D45A0D65-0423-4E45-947A-E08C8569F15F}"/>
               </a:ext>
             </a:extLst>
           </p:cNvPr>
@@ -2629,7 +2641,7 @@
           <a:p>
             <a:fld id="{788B429B-EE2A-486A-BDB9-0C848B4FAFDD}" type="datetime1">
               <a:rPr lang="en-US" smtClean="0"/>
-              <a:t>11/6/2024</a:t>
+              <a:t>11/12/2024</a:t>
             </a:fld>
             <a:endParaRPr lang="en-US"/>
           </a:p>
@@ -2640,7 +2652,7 @@
           <p:cNvPr id="6" name="Footer Placeholder 5">
             <a:extLst>
               <a:ext uri="{FF2B5EF4-FFF2-40B4-BE49-F238E27FC236}">
-                <a16:creationId xmlns:a16="http://schemas.microsoft.com/office/drawing/2014/main" xmlns="" id="{27E6FBD0-E49F-4DE6-9264-CEDB9BAA01C6}"/>
+                <a16:creationId xmlns:a16="http://schemas.microsoft.com/office/drawing/2014/main" id="{27E6FBD0-E49F-4DE6-9264-CEDB9BAA01C6}"/>
               </a:ext>
             </a:extLst>
           </p:cNvPr>
@@ -2665,7 +2677,7 @@
           <p:cNvPr id="7" name="Slide Number Placeholder 6">
             <a:extLst>
               <a:ext uri="{FF2B5EF4-FFF2-40B4-BE49-F238E27FC236}">
-                <a16:creationId xmlns:a16="http://schemas.microsoft.com/office/drawing/2014/main" xmlns="" id="{A816B246-A768-4B2D-96C6-9F417852636C}"/>
+                <a16:creationId xmlns:a16="http://schemas.microsoft.com/office/drawing/2014/main" id="{A816B246-A768-4B2D-96C6-9F417852636C}"/>
               </a:ext>
             </a:extLst>
           </p:cNvPr>
@@ -2683,7 +2695,7 @@
           <a:p>
             <a:fld id="{273BAE12-D270-459D-897B-6833652BB167}" type="slidenum">
               <a:rPr lang="en-US" smtClean="0"/>
-              <a:t>‹#›</a:t>
+              <a:t>‹N›</a:t>
             </a:fld>
             <a:endParaRPr lang="en-US"/>
           </a:p>
@@ -2699,13 +2711,13 @@
   <p:clrMapOvr>
     <a:masterClrMapping/>
   </p:clrMapOvr>
-  <mc:AlternateContent xmlns:mc="http://schemas.openxmlformats.org/markup-compatibility/2006">
-    <mc:Choice xmlns:p159="http://schemas.microsoft.com/office/powerpoint/2015/09/main" xmlns="" Requires="p159">
+  <mc:AlternateContent xmlns:mc="http://schemas.openxmlformats.org/markup-compatibility/2006" xmlns:p159="http://schemas.microsoft.com/office/powerpoint/2015/09/main">
+    <mc:Choice Requires="p159">
       <p:transition xmlns:p14="http://schemas.microsoft.com/office/powerpoint/2010/main" spd="slow" p14:dur="2000">
         <p159:morph option="byObject"/>
       </p:transition>
     </mc:Choice>
-    <mc:Fallback>
+    <mc:Fallback xmlns="">
       <p:transition spd="slow">
         <p:fade/>
       </p:transition>
@@ -2736,7 +2748,7 @@
           <p:cNvPr id="2" name="Title 1">
             <a:extLst>
               <a:ext uri="{FF2B5EF4-FFF2-40B4-BE49-F238E27FC236}">
-                <a16:creationId xmlns:a16="http://schemas.microsoft.com/office/drawing/2014/main" xmlns="" id="{060CB0C8-915E-4BF2-976E-B8D7EDC591F9}"/>
+                <a16:creationId xmlns:a16="http://schemas.microsoft.com/office/drawing/2014/main" id="{060CB0C8-915E-4BF2-976E-B8D7EDC591F9}"/>
               </a:ext>
             </a:extLst>
           </p:cNvPr>
@@ -2776,7 +2788,7 @@
           <p:cNvPr id="3" name="Picture Placeholder 2">
             <a:extLst>
               <a:ext uri="{FF2B5EF4-FFF2-40B4-BE49-F238E27FC236}">
-                <a16:creationId xmlns:a16="http://schemas.microsoft.com/office/drawing/2014/main" xmlns="" id="{710714E6-8E50-4B50-A2E0-F9D20155EB9B}"/>
+                <a16:creationId xmlns:a16="http://schemas.microsoft.com/office/drawing/2014/main" id="{710714E6-8E50-4B50-A2E0-F9D20155EB9B}"/>
               </a:ext>
             </a:extLst>
           </p:cNvPr>
@@ -2847,7 +2859,7 @@
           <p:cNvPr id="4" name="Text Placeholder 3">
             <a:extLst>
               <a:ext uri="{FF2B5EF4-FFF2-40B4-BE49-F238E27FC236}">
-                <a16:creationId xmlns:a16="http://schemas.microsoft.com/office/drawing/2014/main" xmlns="" id="{E0D67A6C-5CA5-4EF0-B1C4-ED85FF255AE3}"/>
+                <a16:creationId xmlns:a16="http://schemas.microsoft.com/office/drawing/2014/main" id="{E0D67A6C-5CA5-4EF0-B1C4-ED85FF255AE3}"/>
               </a:ext>
             </a:extLst>
           </p:cNvPr>
@@ -2920,7 +2932,7 @@
           <p:cNvPr id="5" name="Date Placeholder 4">
             <a:extLst>
               <a:ext uri="{FF2B5EF4-FFF2-40B4-BE49-F238E27FC236}">
-                <a16:creationId xmlns:a16="http://schemas.microsoft.com/office/drawing/2014/main" xmlns="" id="{31C76474-31D4-4567-B4EC-B6AF24488AE7}"/>
+                <a16:creationId xmlns:a16="http://schemas.microsoft.com/office/drawing/2014/main" id="{31C76474-31D4-4567-B4EC-B6AF24488AE7}"/>
               </a:ext>
             </a:extLst>
           </p:cNvPr>
@@ -2938,7 +2950,7 @@
           <a:p>
             <a:fld id="{8DA5FE4A-CB8D-40AB-BFFC-AAF37EA071CB}" type="datetime1">
               <a:rPr lang="en-US" smtClean="0"/>
-              <a:t>11/6/2024</a:t>
+              <a:t>11/12/2024</a:t>
             </a:fld>
             <a:endParaRPr lang="en-US"/>
           </a:p>
@@ -2949,7 +2961,7 @@
           <p:cNvPr id="6" name="Footer Placeholder 5">
             <a:extLst>
               <a:ext uri="{FF2B5EF4-FFF2-40B4-BE49-F238E27FC236}">
-                <a16:creationId xmlns:a16="http://schemas.microsoft.com/office/drawing/2014/main" xmlns="" id="{5C902DE0-33F5-4372-8EB5-F5746D344A59}"/>
+                <a16:creationId xmlns:a16="http://schemas.microsoft.com/office/drawing/2014/main" id="{5C902DE0-33F5-4372-8EB5-F5746D344A59}"/>
               </a:ext>
             </a:extLst>
           </p:cNvPr>
@@ -2974,7 +2986,7 @@
           <p:cNvPr id="7" name="Slide Number Placeholder 6">
             <a:extLst>
               <a:ext uri="{FF2B5EF4-FFF2-40B4-BE49-F238E27FC236}">
-                <a16:creationId xmlns:a16="http://schemas.microsoft.com/office/drawing/2014/main" xmlns="" id="{25C5C2EF-849D-4B2C-8ED6-D26553657DBA}"/>
+                <a16:creationId xmlns:a16="http://schemas.microsoft.com/office/drawing/2014/main" id="{25C5C2EF-849D-4B2C-8ED6-D26553657DBA}"/>
               </a:ext>
             </a:extLst>
           </p:cNvPr>
@@ -2992,7 +3004,7 @@
           <a:p>
             <a:fld id="{273BAE12-D270-459D-897B-6833652BB167}" type="slidenum">
               <a:rPr lang="en-US" smtClean="0"/>
-              <a:t>‹#›</a:t>
+              <a:t>‹N›</a:t>
             </a:fld>
             <a:endParaRPr lang="en-US"/>
           </a:p>
@@ -3008,13 +3020,13 @@
   <p:clrMapOvr>
     <a:masterClrMapping/>
   </p:clrMapOvr>
-  <mc:AlternateContent xmlns:mc="http://schemas.openxmlformats.org/markup-compatibility/2006">
-    <mc:Choice xmlns:p159="http://schemas.microsoft.com/office/powerpoint/2015/09/main" xmlns="" Requires="p159">
+  <mc:AlternateContent xmlns:mc="http://schemas.openxmlformats.org/markup-compatibility/2006" xmlns:p159="http://schemas.microsoft.com/office/powerpoint/2015/09/main">
+    <mc:Choice Requires="p159">
       <p:transition xmlns:p14="http://schemas.microsoft.com/office/powerpoint/2010/main" spd="slow" p14:dur="2000">
         <p159:morph option="byObject"/>
       </p:transition>
     </mc:Choice>
-    <mc:Fallback>
+    <mc:Fallback xmlns="">
       <p:transition spd="slow">
         <p:fade/>
       </p:transition>
@@ -3050,10 +3062,10 @@
           <p:cNvPr id="7" name="Rectangle 6">
             <a:extLst>
               <a:ext uri="{FF2B5EF4-FFF2-40B4-BE49-F238E27FC236}">
-                <a16:creationId xmlns:a16="http://schemas.microsoft.com/office/drawing/2014/main" xmlns="" id="{2293296F-4C3A-4530-98F5-F83646ACE913}"/>
+                <a16:creationId xmlns:a16="http://schemas.microsoft.com/office/drawing/2014/main" id="{2293296F-4C3A-4530-98F5-F83646ACE913}"/>
               </a:ext>
               <a:ext uri="{C183D7F6-B498-43B3-948B-1728B52AA6E4}">
-                <adec:decorative xmlns:adec="http://schemas.microsoft.com/office/drawing/2017/decorative" xmlns="" val="1"/>
+                <adec:decorative xmlns:adec="http://schemas.microsoft.com/office/drawing/2017/decorative" val="1"/>
               </a:ext>
             </a:extLst>
           </p:cNvPr>
@@ -3108,10 +3120,10 @@
           <p:cNvPr id="8" name="Group 7">
             <a:extLst>
               <a:ext uri="{FF2B5EF4-FFF2-40B4-BE49-F238E27FC236}">
-                <a16:creationId xmlns:a16="http://schemas.microsoft.com/office/drawing/2014/main" xmlns="" id="{3914D2BD-3C47-433D-81FE-DC6C39595F0E}"/>
+                <a16:creationId xmlns:a16="http://schemas.microsoft.com/office/drawing/2014/main" id="{3914D2BD-3C47-433D-81FE-DC6C39595F0E}"/>
               </a:ext>
               <a:ext uri="{C183D7F6-B498-43B3-948B-1728B52AA6E4}">
-                <adec:decorative xmlns:adec="http://schemas.microsoft.com/office/drawing/2017/decorative" xmlns="" val="1"/>
+                <adec:decorative xmlns:adec="http://schemas.microsoft.com/office/drawing/2017/decorative" val="1"/>
               </a:ext>
             </a:extLst>
           </p:cNvPr>
@@ -3131,7 +3143,7 @@
             <p:cNvPr id="9" name="Straight Connector 8">
               <a:extLst>
                 <a:ext uri="{FF2B5EF4-FFF2-40B4-BE49-F238E27FC236}">
-                  <a16:creationId xmlns:a16="http://schemas.microsoft.com/office/drawing/2014/main" xmlns="" id="{D3DD55E4-EA4F-4874-8B5B-6E0EAF4BBFC4}"/>
+                  <a16:creationId xmlns:a16="http://schemas.microsoft.com/office/drawing/2014/main" id="{D3DD55E4-EA4F-4874-8B5B-6E0EAF4BBFC4}"/>
                 </a:ext>
               </a:extLst>
             </p:cNvPr>
@@ -3174,7 +3186,7 @@
             <p:cNvPr id="10" name="Straight Connector 9">
               <a:extLst>
                 <a:ext uri="{FF2B5EF4-FFF2-40B4-BE49-F238E27FC236}">
-                  <a16:creationId xmlns:a16="http://schemas.microsoft.com/office/drawing/2014/main" xmlns="" id="{32950BAF-7673-4138-AEA2-DE7D368CC357}"/>
+                  <a16:creationId xmlns:a16="http://schemas.microsoft.com/office/drawing/2014/main" id="{32950BAF-7673-4138-AEA2-DE7D368CC357}"/>
                 </a:ext>
               </a:extLst>
             </p:cNvPr>
@@ -3217,7 +3229,7 @@
             <p:cNvPr id="11" name="Straight Connector 10">
               <a:extLst>
                 <a:ext uri="{FF2B5EF4-FFF2-40B4-BE49-F238E27FC236}">
-                  <a16:creationId xmlns:a16="http://schemas.microsoft.com/office/drawing/2014/main" xmlns="" id="{6BE3E2B5-EA1C-415A-941A-843C7EA148E1}"/>
+                  <a16:creationId xmlns:a16="http://schemas.microsoft.com/office/drawing/2014/main" id="{6BE3E2B5-EA1C-415A-941A-843C7EA148E1}"/>
                 </a:ext>
               </a:extLst>
             </p:cNvPr>
@@ -3260,7 +3272,7 @@
             <p:cNvPr id="12" name="Straight Connector 11">
               <a:extLst>
                 <a:ext uri="{FF2B5EF4-FFF2-40B4-BE49-F238E27FC236}">
-                  <a16:creationId xmlns:a16="http://schemas.microsoft.com/office/drawing/2014/main" xmlns="" id="{087FA3A6-E398-4576-B6B8-3328028D84B2}"/>
+                  <a16:creationId xmlns:a16="http://schemas.microsoft.com/office/drawing/2014/main" id="{087FA3A6-E398-4576-B6B8-3328028D84B2}"/>
                 </a:ext>
               </a:extLst>
             </p:cNvPr>
@@ -3303,7 +3315,7 @@
             <p:cNvPr id="13" name="Graphic 33">
               <a:extLst>
                 <a:ext uri="{FF2B5EF4-FFF2-40B4-BE49-F238E27FC236}">
-                  <a16:creationId xmlns:a16="http://schemas.microsoft.com/office/drawing/2014/main" xmlns="" id="{EFB597D7-65E0-476A-B9EB-3AA6ED33884C}"/>
+                  <a16:creationId xmlns:a16="http://schemas.microsoft.com/office/drawing/2014/main" id="{EFB597D7-65E0-476A-B9EB-3AA6ED33884C}"/>
                 </a:ext>
               </a:extLst>
             </p:cNvPr>
@@ -3378,7 +3390,7 @@
             <p:cNvPr id="14" name="Graphic 33">
               <a:extLst>
                 <a:ext uri="{FF2B5EF4-FFF2-40B4-BE49-F238E27FC236}">
-                  <a16:creationId xmlns:a16="http://schemas.microsoft.com/office/drawing/2014/main" xmlns="" id="{11AA060A-BE0E-4687-8F9E-0E2955D9796D}"/>
+                  <a16:creationId xmlns:a16="http://schemas.microsoft.com/office/drawing/2014/main" id="{11AA060A-BE0E-4687-8F9E-0E2955D9796D}"/>
                 </a:ext>
               </a:extLst>
             </p:cNvPr>
@@ -3454,7 +3466,7 @@
           <p:cNvPr id="2" name="Title Placeholder 1">
             <a:extLst>
               <a:ext uri="{FF2B5EF4-FFF2-40B4-BE49-F238E27FC236}">
-                <a16:creationId xmlns:a16="http://schemas.microsoft.com/office/drawing/2014/main" xmlns="" id="{2D78318D-FE3E-41D7-9A8C-2065A2C46AF3}"/>
+                <a16:creationId xmlns:a16="http://schemas.microsoft.com/office/drawing/2014/main" id="{2D78318D-FE3E-41D7-9A8C-2065A2C46AF3}"/>
               </a:ext>
             </a:extLst>
           </p:cNvPr>
@@ -3493,7 +3505,7 @@
           <p:cNvPr id="3" name="Text Placeholder 2">
             <a:extLst>
               <a:ext uri="{FF2B5EF4-FFF2-40B4-BE49-F238E27FC236}">
-                <a16:creationId xmlns:a16="http://schemas.microsoft.com/office/drawing/2014/main" xmlns="" id="{FDB06718-79E7-4159-A003-F86FE7B3D829}"/>
+                <a16:creationId xmlns:a16="http://schemas.microsoft.com/office/drawing/2014/main" id="{FDB06718-79E7-4159-A003-F86FE7B3D829}"/>
               </a:ext>
             </a:extLst>
           </p:cNvPr>
@@ -3561,7 +3573,7 @@
           <p:cNvPr id="4" name="Date Placeholder 3">
             <a:extLst>
               <a:ext uri="{FF2B5EF4-FFF2-40B4-BE49-F238E27FC236}">
-                <a16:creationId xmlns:a16="http://schemas.microsoft.com/office/drawing/2014/main" xmlns="" id="{5B1F99FF-FFE2-431D-A0C8-A46C21712A20}"/>
+                <a16:creationId xmlns:a16="http://schemas.microsoft.com/office/drawing/2014/main" id="{5B1F99FF-FFE2-431D-A0C8-A46C21712A20}"/>
               </a:ext>
             </a:extLst>
           </p:cNvPr>
@@ -3598,7 +3610,7 @@
           <a:p>
             <a:fld id="{C0517C94-3B1E-4991-BED3-41F8B0158A00}" type="datetime1">
               <a:rPr lang="en-US" smtClean="0"/>
-              <a:t>11/6/2024</a:t>
+              <a:t>11/12/2024</a:t>
             </a:fld>
             <a:endParaRPr lang="en-US" dirty="0"/>
           </a:p>
@@ -3609,7 +3621,7 @@
           <p:cNvPr id="5" name="Footer Placeholder 4">
             <a:extLst>
               <a:ext uri="{FF2B5EF4-FFF2-40B4-BE49-F238E27FC236}">
-                <a16:creationId xmlns:a16="http://schemas.microsoft.com/office/drawing/2014/main" xmlns="" id="{51C3547E-668D-4191-847C-7424F75496E6}"/>
+                <a16:creationId xmlns:a16="http://schemas.microsoft.com/office/drawing/2014/main" id="{51C3547E-668D-4191-847C-7424F75496E6}"/>
               </a:ext>
             </a:extLst>
           </p:cNvPr>
@@ -3653,7 +3665,7 @@
           <p:cNvPr id="6" name="Slide Number Placeholder 5">
             <a:extLst>
               <a:ext uri="{FF2B5EF4-FFF2-40B4-BE49-F238E27FC236}">
-                <a16:creationId xmlns:a16="http://schemas.microsoft.com/office/drawing/2014/main" xmlns="" id="{8CBB6E6E-8527-4F63-A0C7-84CD44A2B00D}"/>
+                <a16:creationId xmlns:a16="http://schemas.microsoft.com/office/drawing/2014/main" id="{8CBB6E6E-8527-4F63-A0C7-84CD44A2B00D}"/>
               </a:ext>
             </a:extLst>
           </p:cNvPr>
@@ -3691,7 +3703,7 @@
             <a:fld id="{273BAE12-D270-459D-897B-6833652BB167}" type="slidenum">
               <a:rPr lang="en-US" smtClean="0"/>
               <a:pPr/>
-              <a:t>‹#›</a:t>
+              <a:t>‹N›</a:t>
             </a:fld>
             <a:endParaRPr lang="en-US" dirty="0"/>
           </a:p>
@@ -3718,13 +3730,13 @@
     <p:sldLayoutId id="2147483683" r:id="rId10"/>
     <p:sldLayoutId id="2147483684" r:id="rId11"/>
   </p:sldLayoutIdLst>
-  <mc:AlternateContent xmlns:mc="http://schemas.openxmlformats.org/markup-compatibility/2006">
-    <mc:Choice xmlns:p159="http://schemas.microsoft.com/office/powerpoint/2015/09/main" xmlns="" Requires="p159">
+  <mc:AlternateContent xmlns:mc="http://schemas.openxmlformats.org/markup-compatibility/2006" xmlns:p159="http://schemas.microsoft.com/office/powerpoint/2015/09/main">
+    <mc:Choice Requires="p159">
       <p:transition xmlns:p14="http://schemas.microsoft.com/office/powerpoint/2010/main" spd="slow" p14:dur="2000">
         <p159:morph option="byObject"/>
       </p:transition>
     </mc:Choice>
-    <mc:Fallback>
+    <mc:Fallback xmlns="">
       <p:transition spd="slow">
         <p:fade/>
       </p:transition>
@@ -4062,10 +4074,10 @@
           <p:cNvPr id="9" name="Rectangle 8">
             <a:extLst>
               <a:ext uri="{FF2B5EF4-FFF2-40B4-BE49-F238E27FC236}">
-                <a16:creationId xmlns:a16="http://schemas.microsoft.com/office/drawing/2014/main" xmlns="" id="{A38827F1-3359-44F6-9009-43AE2B17FEAD}"/>
+                <a16:creationId xmlns:a16="http://schemas.microsoft.com/office/drawing/2014/main" id="{A38827F1-3359-44F6-9009-43AE2B17FEAD}"/>
               </a:ext>
               <a:ext uri="{C183D7F6-B498-43B3-948B-1728B52AA6E4}">
-                <adec:decorative xmlns:adec="http://schemas.microsoft.com/office/drawing/2017/decorative" xmlns="" val="1"/>
+                <adec:decorative xmlns:adec="http://schemas.microsoft.com/office/drawing/2017/decorative" val="1"/>
               </a:ext>
             </a:extLst>
           </p:cNvPr>
@@ -4075,7 +4087,7 @@
           <p:nvPr>
             <p:extLst>
               <p:ext uri="{386F3935-93C4-4BCD-93E2-E3B085C9AB24}">
-                <p16:designElem xmlns:p16="http://schemas.microsoft.com/office/powerpoint/2015/main" xmlns="" val="1"/>
+                <p16:designElem xmlns:p16="http://schemas.microsoft.com/office/powerpoint/2015/main" val="1"/>
               </p:ext>
             </p:extLst>
           </p:nvPr>
@@ -4122,10 +4134,10 @@
           <p:cNvPr id="11" name="Rectangle 10">
             <a:extLst>
               <a:ext uri="{FF2B5EF4-FFF2-40B4-BE49-F238E27FC236}">
-                <a16:creationId xmlns:a16="http://schemas.microsoft.com/office/drawing/2014/main" xmlns="" id="{17AFAD67-5350-4773-886F-D6DD7E66DB04}"/>
+                <a16:creationId xmlns:a16="http://schemas.microsoft.com/office/drawing/2014/main" id="{17AFAD67-5350-4773-886F-D6DD7E66DB04}"/>
               </a:ext>
               <a:ext uri="{C183D7F6-B498-43B3-948B-1728B52AA6E4}">
-                <adec:decorative xmlns:adec="http://schemas.microsoft.com/office/drawing/2017/decorative" xmlns="" val="1"/>
+                <adec:decorative xmlns:adec="http://schemas.microsoft.com/office/drawing/2017/decorative" val="1"/>
               </a:ext>
             </a:extLst>
           </p:cNvPr>
@@ -4135,7 +4147,7 @@
           <p:nvPr>
             <p:extLst>
               <p:ext uri="{386F3935-93C4-4BCD-93E2-E3B085C9AB24}">
-                <p16:designElem xmlns:p16="http://schemas.microsoft.com/office/powerpoint/2015/main" xmlns="" val="1"/>
+                <p16:designElem xmlns:p16="http://schemas.microsoft.com/office/powerpoint/2015/main" val="1"/>
               </p:ext>
             </p:extLst>
           </p:nvPr>
@@ -4185,7 +4197,7 @@
           <p:cNvPr id="4" name="Picture 3" descr="Volume indicators">
             <a:extLst>
               <a:ext uri="{FF2B5EF4-FFF2-40B4-BE49-F238E27FC236}">
-                <a16:creationId xmlns:a16="http://schemas.microsoft.com/office/drawing/2014/main" xmlns="" id="{44B9E4ED-C411-A81C-54E8-50F55C6C5676}"/>
+                <a16:creationId xmlns:a16="http://schemas.microsoft.com/office/drawing/2014/main" id="{44B9E4ED-C411-A81C-54E8-50F55C6C5676}"/>
               </a:ext>
             </a:extLst>
           </p:cNvPr>
@@ -4219,10 +4231,10 @@
           <p:cNvPr id="13" name="Group 12">
             <a:extLst>
               <a:ext uri="{FF2B5EF4-FFF2-40B4-BE49-F238E27FC236}">
-                <a16:creationId xmlns:a16="http://schemas.microsoft.com/office/drawing/2014/main" xmlns="" id="{654AC0FE-C43D-49AC-9730-284354DEC86E}"/>
+                <a16:creationId xmlns:a16="http://schemas.microsoft.com/office/drawing/2014/main" id="{654AC0FE-C43D-49AC-9730-284354DEC86E}"/>
               </a:ext>
               <a:ext uri="{C183D7F6-B498-43B3-948B-1728B52AA6E4}">
-                <adec:decorative xmlns:adec="http://schemas.microsoft.com/office/drawing/2017/decorative" xmlns="" val="1"/>
+                <adec:decorative xmlns:adec="http://schemas.microsoft.com/office/drawing/2017/decorative" val="1"/>
               </a:ext>
             </a:extLst>
           </p:cNvPr>
@@ -4232,7 +4244,7 @@
           <p:nvPr>
             <p:extLst>
               <p:ext uri="{386F3935-93C4-4BCD-93E2-E3B085C9AB24}">
-                <p16:designElem xmlns:p16="http://schemas.microsoft.com/office/powerpoint/2015/main" xmlns="" val="1"/>
+                <p16:designElem xmlns:p16="http://schemas.microsoft.com/office/powerpoint/2015/main" val="1"/>
               </p:ext>
             </p:extLst>
           </p:nvPr>
@@ -4250,10 +4262,10 @@
             <p:cNvPr id="14" name="Straight Connector 13">
               <a:extLst>
                 <a:ext uri="{FF2B5EF4-FFF2-40B4-BE49-F238E27FC236}">
-                  <a16:creationId xmlns:a16="http://schemas.microsoft.com/office/drawing/2014/main" xmlns="" id="{246F6FE9-8F24-4E96-8FA6-DABE61A20CF5}"/>
+                  <a16:creationId xmlns:a16="http://schemas.microsoft.com/office/drawing/2014/main" id="{246F6FE9-8F24-4E96-8FA6-DABE61A20CF5}"/>
                 </a:ext>
                 <a:ext uri="{C183D7F6-B498-43B3-948B-1728B52AA6E4}">
-                  <adec:decorative xmlns:adec="http://schemas.microsoft.com/office/drawing/2017/decorative" xmlns="" val="1"/>
+                  <adec:decorative xmlns:adec="http://schemas.microsoft.com/office/drawing/2017/decorative" val="1"/>
                 </a:ext>
               </a:extLst>
             </p:cNvPr>
@@ -4263,7 +4275,7 @@
             <p:nvPr>
               <p:extLst>
                 <p:ext uri="{386F3935-93C4-4BCD-93E2-E3B085C9AB24}">
-                  <p16:designElem xmlns:p16="http://schemas.microsoft.com/office/powerpoint/2015/main" xmlns="" val="1"/>
+                  <p16:designElem xmlns:p16="http://schemas.microsoft.com/office/powerpoint/2015/main" val="1"/>
                 </p:ext>
               </p:extLst>
             </p:nvPr>
@@ -4302,10 +4314,10 @@
             <p:cNvPr id="15" name="Straight Connector 14">
               <a:extLst>
                 <a:ext uri="{FF2B5EF4-FFF2-40B4-BE49-F238E27FC236}">
-                  <a16:creationId xmlns:a16="http://schemas.microsoft.com/office/drawing/2014/main" xmlns="" id="{40C5E755-8FD9-4EBF-978B-015F9339F30F}"/>
+                  <a16:creationId xmlns:a16="http://schemas.microsoft.com/office/drawing/2014/main" id="{40C5E755-8FD9-4EBF-978B-015F9339F30F}"/>
                 </a:ext>
                 <a:ext uri="{C183D7F6-B498-43B3-948B-1728B52AA6E4}">
-                  <adec:decorative xmlns:adec="http://schemas.microsoft.com/office/drawing/2017/decorative" xmlns="" val="1"/>
+                  <adec:decorative xmlns:adec="http://schemas.microsoft.com/office/drawing/2017/decorative" val="1"/>
                 </a:ext>
               </a:extLst>
             </p:cNvPr>
@@ -4315,7 +4327,7 @@
             <p:nvPr>
               <p:extLst>
                 <p:ext uri="{386F3935-93C4-4BCD-93E2-E3B085C9AB24}">
-                  <p16:designElem xmlns:p16="http://schemas.microsoft.com/office/powerpoint/2015/main" xmlns="" val="1"/>
+                  <p16:designElem xmlns:p16="http://schemas.microsoft.com/office/powerpoint/2015/main" val="1"/>
                 </p:ext>
               </p:extLst>
             </p:nvPr>
@@ -4354,10 +4366,10 @@
             <p:cNvPr id="16" name="Straight Connector 15">
               <a:extLst>
                 <a:ext uri="{FF2B5EF4-FFF2-40B4-BE49-F238E27FC236}">
-                  <a16:creationId xmlns:a16="http://schemas.microsoft.com/office/drawing/2014/main" xmlns="" id="{9C7F63B7-3E85-42EC-8447-F6699247ECB5}"/>
+                  <a16:creationId xmlns:a16="http://schemas.microsoft.com/office/drawing/2014/main" id="{9C7F63B7-3E85-42EC-8447-F6699247ECB5}"/>
                 </a:ext>
                 <a:ext uri="{C183D7F6-B498-43B3-948B-1728B52AA6E4}">
-                  <adec:decorative xmlns:adec="http://schemas.microsoft.com/office/drawing/2017/decorative" xmlns="" val="1"/>
+                  <adec:decorative xmlns:adec="http://schemas.microsoft.com/office/drawing/2017/decorative" val="1"/>
                 </a:ext>
               </a:extLst>
             </p:cNvPr>
@@ -4367,7 +4379,7 @@
             <p:nvPr>
               <p:extLst>
                 <p:ext uri="{386F3935-93C4-4BCD-93E2-E3B085C9AB24}">
-                  <p16:designElem xmlns:p16="http://schemas.microsoft.com/office/powerpoint/2015/main" xmlns="" val="1"/>
+                  <p16:designElem xmlns:p16="http://schemas.microsoft.com/office/powerpoint/2015/main" val="1"/>
                 </p:ext>
               </p:extLst>
             </p:nvPr>
@@ -4406,10 +4418,10 @@
             <p:cNvPr id="17" name="Graphic 11">
               <a:extLst>
                 <a:ext uri="{FF2B5EF4-FFF2-40B4-BE49-F238E27FC236}">
-                  <a16:creationId xmlns:a16="http://schemas.microsoft.com/office/drawing/2014/main" xmlns="" id="{AFDFA9EA-AAC0-416F-A0E9-ACD410E9DA59}"/>
+                  <a16:creationId xmlns:a16="http://schemas.microsoft.com/office/drawing/2014/main" id="{AFDFA9EA-AAC0-416F-A0E9-ACD410E9DA59}"/>
                 </a:ext>
                 <a:ext uri="{C183D7F6-B498-43B3-948B-1728B52AA6E4}">
-                  <adec:decorative xmlns:adec="http://schemas.microsoft.com/office/drawing/2017/decorative" xmlns="" val="1"/>
+                  <adec:decorative xmlns:adec="http://schemas.microsoft.com/office/drawing/2017/decorative" val="1"/>
                 </a:ext>
               </a:extLst>
             </p:cNvPr>
@@ -4417,7 +4429,7 @@
             <p:nvPr>
               <p:extLst>
                 <p:ext uri="{386F3935-93C4-4BCD-93E2-E3B085C9AB24}">
-                  <p16:designElem xmlns:p16="http://schemas.microsoft.com/office/powerpoint/2015/main" xmlns="" val="1"/>
+                  <p16:designElem xmlns:p16="http://schemas.microsoft.com/office/powerpoint/2015/main" val="1"/>
                 </p:ext>
               </p:extLst>
             </p:nvPr>
@@ -4530,10 +4542,10 @@
             <p:cNvPr id="18" name="Straight Connector 17">
               <a:extLst>
                 <a:ext uri="{FF2B5EF4-FFF2-40B4-BE49-F238E27FC236}">
-                  <a16:creationId xmlns:a16="http://schemas.microsoft.com/office/drawing/2014/main" xmlns="" id="{C4EF7E7E-9948-4D78-BE70-F624A62D8532}"/>
+                  <a16:creationId xmlns:a16="http://schemas.microsoft.com/office/drawing/2014/main" id="{C4EF7E7E-9948-4D78-BE70-F624A62D8532}"/>
                 </a:ext>
                 <a:ext uri="{C183D7F6-B498-43B3-948B-1728B52AA6E4}">
-                  <adec:decorative xmlns:adec="http://schemas.microsoft.com/office/drawing/2017/decorative" xmlns="" val="1"/>
+                  <adec:decorative xmlns:adec="http://schemas.microsoft.com/office/drawing/2017/decorative" val="1"/>
                 </a:ext>
               </a:extLst>
             </p:cNvPr>
@@ -4543,7 +4555,7 @@
             <p:nvPr>
               <p:extLst>
                 <p:ext uri="{386F3935-93C4-4BCD-93E2-E3B085C9AB24}">
-                  <p16:designElem xmlns:p16="http://schemas.microsoft.com/office/powerpoint/2015/main" xmlns="" val="1"/>
+                  <p16:designElem xmlns:p16="http://schemas.microsoft.com/office/powerpoint/2015/main" val="1"/>
                 </p:ext>
               </p:extLst>
             </p:nvPr>
@@ -4582,10 +4594,10 @@
             <p:cNvPr id="19" name="Straight Connector 18">
               <a:extLst>
                 <a:ext uri="{FF2B5EF4-FFF2-40B4-BE49-F238E27FC236}">
-                  <a16:creationId xmlns:a16="http://schemas.microsoft.com/office/drawing/2014/main" xmlns="" id="{6975AAAB-9AEC-496F-94E4-CE5330CB49FA}"/>
+                  <a16:creationId xmlns:a16="http://schemas.microsoft.com/office/drawing/2014/main" id="{6975AAAB-9AEC-496F-94E4-CE5330CB49FA}"/>
                 </a:ext>
                 <a:ext uri="{C183D7F6-B498-43B3-948B-1728B52AA6E4}">
-                  <adec:decorative xmlns:adec="http://schemas.microsoft.com/office/drawing/2017/decorative" xmlns="" val="1"/>
+                  <adec:decorative xmlns:adec="http://schemas.microsoft.com/office/drawing/2017/decorative" val="1"/>
                 </a:ext>
               </a:extLst>
             </p:cNvPr>
@@ -4595,7 +4607,7 @@
             <p:nvPr>
               <p:extLst>
                 <p:ext uri="{386F3935-93C4-4BCD-93E2-E3B085C9AB24}">
-                  <p16:designElem xmlns:p16="http://schemas.microsoft.com/office/powerpoint/2015/main" xmlns="" val="1"/>
+                  <p16:designElem xmlns:p16="http://schemas.microsoft.com/office/powerpoint/2015/main" val="1"/>
                 </p:ext>
               </p:extLst>
             </p:nvPr>
@@ -4634,10 +4646,10 @@
             <p:cNvPr id="20" name="Straight Connector 19">
               <a:extLst>
                 <a:ext uri="{FF2B5EF4-FFF2-40B4-BE49-F238E27FC236}">
-                  <a16:creationId xmlns:a16="http://schemas.microsoft.com/office/drawing/2014/main" xmlns="" id="{EB5BF383-42C5-4FE4-894A-17B84AF224FE}"/>
+                  <a16:creationId xmlns:a16="http://schemas.microsoft.com/office/drawing/2014/main" id="{EB5BF383-42C5-4FE4-894A-17B84AF224FE}"/>
                 </a:ext>
                 <a:ext uri="{C183D7F6-B498-43B3-948B-1728B52AA6E4}">
-                  <adec:decorative xmlns:adec="http://schemas.microsoft.com/office/drawing/2017/decorative" xmlns="" val="1"/>
+                  <adec:decorative xmlns:adec="http://schemas.microsoft.com/office/drawing/2017/decorative" val="1"/>
                 </a:ext>
               </a:extLst>
             </p:cNvPr>
@@ -4647,7 +4659,7 @@
             <p:nvPr>
               <p:extLst>
                 <p:ext uri="{386F3935-93C4-4BCD-93E2-E3B085C9AB24}">
-                  <p16:designElem xmlns:p16="http://schemas.microsoft.com/office/powerpoint/2015/main" xmlns="" val="1"/>
+                  <p16:designElem xmlns:p16="http://schemas.microsoft.com/office/powerpoint/2015/main" val="1"/>
                 </p:ext>
               </p:extLst>
             </p:nvPr>
@@ -4730,25 +4742,18 @@
   <p:clrMapOvr>
     <a:overrideClrMapping bg1="dk1" tx1="lt1" bg2="dk2" tx2="lt2" accent1="accent1" accent2="accent2" accent3="accent3" accent4="accent4" accent5="accent5" accent6="accent6" hlink="hlink" folHlink="folHlink"/>
   </p:clrMapOvr>
-  <mc:AlternateContent xmlns:mc="http://schemas.openxmlformats.org/markup-compatibility/2006">
-    <mc:Choice xmlns:p159="http://schemas.microsoft.com/office/powerpoint/2015/09/main" xmlns="" Requires="p159">
+  <mc:AlternateContent xmlns:mc="http://schemas.openxmlformats.org/markup-compatibility/2006" xmlns:p159="http://schemas.microsoft.com/office/powerpoint/2015/09/main">
+    <mc:Choice Requires="p159">
       <p:transition xmlns:p14="http://schemas.microsoft.com/office/powerpoint/2010/main" spd="slow" p14:dur="2000">
         <p159:morph option="byObject"/>
       </p:transition>
     </mc:Choice>
-    <mc:Fallback>
+    <mc:Fallback xmlns="">
       <p:transition spd="slow">
         <p:fade/>
       </p:transition>
     </mc:Fallback>
   </mc:AlternateContent>
-  <p:timing>
-    <p:tnLst>
-      <p:par>
-        <p:cTn id="1" dur="indefinite" restart="never" nodeType="tmRoot"/>
-      </p:par>
-    </p:tnLst>
-  </p:timing>
 </p:sld>
 </file>
 
@@ -4774,7 +4779,7 @@
           <p:cNvPr id="15" name="Content Placeholder 14">
             <a:extLst>
               <a:ext uri="{FF2B5EF4-FFF2-40B4-BE49-F238E27FC236}">
-                <a16:creationId xmlns:a16="http://schemas.microsoft.com/office/drawing/2014/main" xmlns="" id="{D090E16E-A951-4315-AAFC-AAC6D3918528}"/>
+                <a16:creationId xmlns:a16="http://schemas.microsoft.com/office/drawing/2014/main" id="{D090E16E-A951-4315-AAFC-AAC6D3918528}"/>
               </a:ext>
             </a:extLst>
           </p:cNvPr>
@@ -4809,7 +4814,7 @@
           <p:cNvPr id="19" name="Picture 18">
             <a:extLst>
               <a:ext uri="{FF2B5EF4-FFF2-40B4-BE49-F238E27FC236}">
-                <a16:creationId xmlns:a16="http://schemas.microsoft.com/office/drawing/2014/main" xmlns="" id="{75FACC1E-DCAB-46BC-9B36-FFBF6A7E8347}"/>
+                <a16:creationId xmlns:a16="http://schemas.microsoft.com/office/drawing/2014/main" id="{75FACC1E-DCAB-46BC-9B36-FFBF6A7E8347}"/>
               </a:ext>
             </a:extLst>
           </p:cNvPr>
@@ -4845,7 +4850,7 @@
           <p:cNvPr id="21" name="Picture 20">
             <a:extLst>
               <a:ext uri="{FF2B5EF4-FFF2-40B4-BE49-F238E27FC236}">
-                <a16:creationId xmlns:a16="http://schemas.microsoft.com/office/drawing/2014/main" xmlns="" id="{D9B7A3FC-1E3C-4F83-984A-0EAD7BD896CF}"/>
+                <a16:creationId xmlns:a16="http://schemas.microsoft.com/office/drawing/2014/main" id="{D9B7A3FC-1E3C-4F83-984A-0EAD7BD896CF}"/>
               </a:ext>
             </a:extLst>
           </p:cNvPr>
@@ -4881,7 +4886,7 @@
           <p:cNvPr id="23" name="Picture 22">
             <a:extLst>
               <a:ext uri="{FF2B5EF4-FFF2-40B4-BE49-F238E27FC236}">
-                <a16:creationId xmlns:a16="http://schemas.microsoft.com/office/drawing/2014/main" xmlns="" id="{1AF7F1A6-19AB-43C0-ADDC-ECF17C9A203F}"/>
+                <a16:creationId xmlns:a16="http://schemas.microsoft.com/office/drawing/2014/main" id="{1AF7F1A6-19AB-43C0-ADDC-ECF17C9A203F}"/>
               </a:ext>
             </a:extLst>
           </p:cNvPr>
@@ -4917,7 +4922,7 @@
           <p:cNvPr id="6" name="Title 1">
             <a:extLst>
               <a:ext uri="{FF2B5EF4-FFF2-40B4-BE49-F238E27FC236}">
-                <a16:creationId xmlns:a16="http://schemas.microsoft.com/office/drawing/2014/main" xmlns="" id="{B0FFD169-9772-48D6-A11E-645ED2D5D4F4}"/>
+                <a16:creationId xmlns:a16="http://schemas.microsoft.com/office/drawing/2014/main" id="{B0FFD169-9772-48D6-A11E-645ED2D5D4F4}"/>
               </a:ext>
             </a:extLst>
           </p:cNvPr>
@@ -4958,25 +4963,18 @@
   <p:clrMapOvr>
     <a:masterClrMapping/>
   </p:clrMapOvr>
-  <mc:AlternateContent xmlns:mc="http://schemas.openxmlformats.org/markup-compatibility/2006">
-    <mc:Choice xmlns:p159="http://schemas.microsoft.com/office/powerpoint/2015/09/main" xmlns="" Requires="p159">
+  <mc:AlternateContent xmlns:mc="http://schemas.openxmlformats.org/markup-compatibility/2006" xmlns:p159="http://schemas.microsoft.com/office/powerpoint/2015/09/main">
+    <mc:Choice Requires="p159">
       <p:transition xmlns:p14="http://schemas.microsoft.com/office/powerpoint/2010/main" spd="slow" p14:dur="2000">
         <p159:morph option="byObject"/>
       </p:transition>
     </mc:Choice>
-    <mc:Fallback>
+    <mc:Fallback xmlns="">
       <p:transition spd="slow">
         <p:fade/>
       </p:transition>
     </mc:Fallback>
   </mc:AlternateContent>
-  <p:timing>
-    <p:tnLst>
-      <p:par>
-        <p:cTn id="1" dur="indefinite" restart="never" nodeType="tmRoot"/>
-      </p:par>
-    </p:tnLst>
-  </p:timing>
 </p:sld>
 </file>
 
@@ -5010,10 +5008,10 @@
           <p:cNvPr id="38" name="Rectangle 6">
             <a:extLst>
               <a:ext uri="{FF2B5EF4-FFF2-40B4-BE49-F238E27FC236}">
-                <a16:creationId xmlns:a16="http://schemas.microsoft.com/office/drawing/2014/main" xmlns="" id="{2293296F-4C3A-4530-98F5-F83646ACE913}"/>
+                <a16:creationId xmlns:a16="http://schemas.microsoft.com/office/drawing/2014/main" id="{2293296F-4C3A-4530-98F5-F83646ACE913}"/>
               </a:ext>
               <a:ext uri="{C183D7F6-B498-43B3-948B-1728B52AA6E4}">
-                <adec:decorative xmlns:adec="http://schemas.microsoft.com/office/drawing/2017/decorative" xmlns="" val="1"/>
+                <adec:decorative xmlns:adec="http://schemas.microsoft.com/office/drawing/2017/decorative" val="1"/>
               </a:ext>
             </a:extLst>
           </p:cNvPr>
@@ -5023,7 +5021,7 @@
           <p:nvPr>
             <p:extLst>
               <p:ext uri="{386F3935-93C4-4BCD-93E2-E3B085C9AB24}">
-                <p16:designElem xmlns:p16="http://schemas.microsoft.com/office/powerpoint/2015/main" xmlns="" val="1"/>
+                <p16:designElem xmlns:p16="http://schemas.microsoft.com/office/powerpoint/2015/main" val="1"/>
               </p:ext>
             </p:extLst>
           </p:nvPr>
@@ -5076,10 +5074,10 @@
           <p:cNvPr id="39" name="Group 8">
             <a:extLst>
               <a:ext uri="{FF2B5EF4-FFF2-40B4-BE49-F238E27FC236}">
-                <a16:creationId xmlns:a16="http://schemas.microsoft.com/office/drawing/2014/main" xmlns="" id="{3914D2BD-3C47-433D-81FE-DC6C39595F0E}"/>
+                <a16:creationId xmlns:a16="http://schemas.microsoft.com/office/drawing/2014/main" id="{3914D2BD-3C47-433D-81FE-DC6C39595F0E}"/>
               </a:ext>
               <a:ext uri="{C183D7F6-B498-43B3-948B-1728B52AA6E4}">
-                <adec:decorative xmlns:adec="http://schemas.microsoft.com/office/drawing/2017/decorative" xmlns="" val="1"/>
+                <adec:decorative xmlns:adec="http://schemas.microsoft.com/office/drawing/2017/decorative" val="1"/>
               </a:ext>
             </a:extLst>
           </p:cNvPr>
@@ -5089,7 +5087,7 @@
           <p:nvPr>
             <p:extLst>
               <p:ext uri="{386F3935-93C4-4BCD-93E2-E3B085C9AB24}">
-                <p16:designElem xmlns:p16="http://schemas.microsoft.com/office/powerpoint/2015/main" xmlns="" val="1"/>
+                <p16:designElem xmlns:p16="http://schemas.microsoft.com/office/powerpoint/2015/main" val="1"/>
               </p:ext>
             </p:extLst>
           </p:nvPr>
@@ -5107,10 +5105,10 @@
             <p:cNvPr id="10" name="Straight Connector 9">
               <a:extLst>
                 <a:ext uri="{FF2B5EF4-FFF2-40B4-BE49-F238E27FC236}">
-                  <a16:creationId xmlns:a16="http://schemas.microsoft.com/office/drawing/2014/main" xmlns="" id="{D3DD55E4-EA4F-4874-8B5B-6E0EAF4BBFC4}"/>
+                  <a16:creationId xmlns:a16="http://schemas.microsoft.com/office/drawing/2014/main" id="{D3DD55E4-EA4F-4874-8B5B-6E0EAF4BBFC4}"/>
                 </a:ext>
                 <a:ext uri="{C183D7F6-B498-43B3-948B-1728B52AA6E4}">
-                  <adec:decorative xmlns:adec="http://schemas.microsoft.com/office/drawing/2017/decorative" xmlns="" val="1"/>
+                  <adec:decorative xmlns:adec="http://schemas.microsoft.com/office/drawing/2017/decorative" val="1"/>
                 </a:ext>
               </a:extLst>
             </p:cNvPr>
@@ -5120,7 +5118,7 @@
             <p:nvPr>
               <p:extLst>
                 <p:ext uri="{386F3935-93C4-4BCD-93E2-E3B085C9AB24}">
-                  <p16:designElem xmlns:p16="http://schemas.microsoft.com/office/powerpoint/2015/main" xmlns="" val="1"/>
+                  <p16:designElem xmlns:p16="http://schemas.microsoft.com/office/powerpoint/2015/main" val="1"/>
                 </p:ext>
               </p:extLst>
             </p:nvPr>
@@ -5159,10 +5157,10 @@
             <p:cNvPr id="11" name="Straight Connector 10">
               <a:extLst>
                 <a:ext uri="{FF2B5EF4-FFF2-40B4-BE49-F238E27FC236}">
-                  <a16:creationId xmlns:a16="http://schemas.microsoft.com/office/drawing/2014/main" xmlns="" id="{32950BAF-7673-4138-AEA2-DE7D368CC357}"/>
+                  <a16:creationId xmlns:a16="http://schemas.microsoft.com/office/drawing/2014/main" id="{32950BAF-7673-4138-AEA2-DE7D368CC357}"/>
                 </a:ext>
                 <a:ext uri="{C183D7F6-B498-43B3-948B-1728B52AA6E4}">
-                  <adec:decorative xmlns:adec="http://schemas.microsoft.com/office/drawing/2017/decorative" xmlns="" val="1"/>
+                  <adec:decorative xmlns:adec="http://schemas.microsoft.com/office/drawing/2017/decorative" val="1"/>
                 </a:ext>
               </a:extLst>
             </p:cNvPr>
@@ -5172,7 +5170,7 @@
             <p:nvPr>
               <p:extLst>
                 <p:ext uri="{386F3935-93C4-4BCD-93E2-E3B085C9AB24}">
-                  <p16:designElem xmlns:p16="http://schemas.microsoft.com/office/powerpoint/2015/main" xmlns="" val="1"/>
+                  <p16:designElem xmlns:p16="http://schemas.microsoft.com/office/powerpoint/2015/main" val="1"/>
                 </p:ext>
               </p:extLst>
             </p:nvPr>
@@ -5211,10 +5209,10 @@
             <p:cNvPr id="12" name="Straight Connector 11">
               <a:extLst>
                 <a:ext uri="{FF2B5EF4-FFF2-40B4-BE49-F238E27FC236}">
-                  <a16:creationId xmlns:a16="http://schemas.microsoft.com/office/drawing/2014/main" xmlns="" id="{6BE3E2B5-EA1C-415A-941A-843C7EA148E1}"/>
+                  <a16:creationId xmlns:a16="http://schemas.microsoft.com/office/drawing/2014/main" id="{6BE3E2B5-EA1C-415A-941A-843C7EA148E1}"/>
                 </a:ext>
                 <a:ext uri="{C183D7F6-B498-43B3-948B-1728B52AA6E4}">
-                  <adec:decorative xmlns:adec="http://schemas.microsoft.com/office/drawing/2017/decorative" xmlns="" val="1"/>
+                  <adec:decorative xmlns:adec="http://schemas.microsoft.com/office/drawing/2017/decorative" val="1"/>
                 </a:ext>
               </a:extLst>
             </p:cNvPr>
@@ -5224,7 +5222,7 @@
             <p:nvPr>
               <p:extLst>
                 <p:ext uri="{386F3935-93C4-4BCD-93E2-E3B085C9AB24}">
-                  <p16:designElem xmlns:p16="http://schemas.microsoft.com/office/powerpoint/2015/main" xmlns="" val="1"/>
+                  <p16:designElem xmlns:p16="http://schemas.microsoft.com/office/powerpoint/2015/main" val="1"/>
                 </p:ext>
               </p:extLst>
             </p:nvPr>
@@ -5263,10 +5261,10 @@
             <p:cNvPr id="13" name="Straight Connector 12">
               <a:extLst>
                 <a:ext uri="{FF2B5EF4-FFF2-40B4-BE49-F238E27FC236}">
-                  <a16:creationId xmlns:a16="http://schemas.microsoft.com/office/drawing/2014/main" xmlns="" id="{087FA3A6-E398-4576-B6B8-3328028D84B2}"/>
+                  <a16:creationId xmlns:a16="http://schemas.microsoft.com/office/drawing/2014/main" id="{087FA3A6-E398-4576-B6B8-3328028D84B2}"/>
                 </a:ext>
                 <a:ext uri="{C183D7F6-B498-43B3-948B-1728B52AA6E4}">
-                  <adec:decorative xmlns:adec="http://schemas.microsoft.com/office/drawing/2017/decorative" xmlns="" val="1"/>
+                  <adec:decorative xmlns:adec="http://schemas.microsoft.com/office/drawing/2017/decorative" val="1"/>
                 </a:ext>
               </a:extLst>
             </p:cNvPr>
@@ -5276,7 +5274,7 @@
             <p:nvPr>
               <p:extLst>
                 <p:ext uri="{386F3935-93C4-4BCD-93E2-E3B085C9AB24}">
-                  <p16:designElem xmlns:p16="http://schemas.microsoft.com/office/powerpoint/2015/main" xmlns="" val="1"/>
+                  <p16:designElem xmlns:p16="http://schemas.microsoft.com/office/powerpoint/2015/main" val="1"/>
                 </p:ext>
               </p:extLst>
             </p:nvPr>
@@ -5315,10 +5313,10 @@
             <p:cNvPr id="14" name="Graphic 33">
               <a:extLst>
                 <a:ext uri="{FF2B5EF4-FFF2-40B4-BE49-F238E27FC236}">
-                  <a16:creationId xmlns:a16="http://schemas.microsoft.com/office/drawing/2014/main" xmlns="" id="{EFB597D7-65E0-476A-B9EB-3AA6ED33884C}"/>
+                  <a16:creationId xmlns:a16="http://schemas.microsoft.com/office/drawing/2014/main" id="{EFB597D7-65E0-476A-B9EB-3AA6ED33884C}"/>
                 </a:ext>
                 <a:ext uri="{C183D7F6-B498-43B3-948B-1728B52AA6E4}">
-                  <adec:decorative xmlns:adec="http://schemas.microsoft.com/office/drawing/2017/decorative" xmlns="" val="1"/>
+                  <adec:decorative xmlns:adec="http://schemas.microsoft.com/office/drawing/2017/decorative" val="1"/>
                 </a:ext>
               </a:extLst>
             </p:cNvPr>
@@ -5326,7 +5324,7 @@
             <p:nvPr>
               <p:extLst>
                 <p:ext uri="{386F3935-93C4-4BCD-93E2-E3B085C9AB24}">
-                  <p16:designElem xmlns:p16="http://schemas.microsoft.com/office/powerpoint/2015/main" xmlns="" val="1"/>
+                  <p16:designElem xmlns:p16="http://schemas.microsoft.com/office/powerpoint/2015/main" val="1"/>
                 </p:ext>
               </p:extLst>
             </p:nvPr>
@@ -5399,10 +5397,10 @@
             <p:cNvPr id="15" name="Graphic 33">
               <a:extLst>
                 <a:ext uri="{FF2B5EF4-FFF2-40B4-BE49-F238E27FC236}">
-                  <a16:creationId xmlns:a16="http://schemas.microsoft.com/office/drawing/2014/main" xmlns="" id="{11AA060A-BE0E-4687-8F9E-0E2955D9796D}"/>
+                  <a16:creationId xmlns:a16="http://schemas.microsoft.com/office/drawing/2014/main" id="{11AA060A-BE0E-4687-8F9E-0E2955D9796D}"/>
                 </a:ext>
                 <a:ext uri="{C183D7F6-B498-43B3-948B-1728B52AA6E4}">
-                  <adec:decorative xmlns:adec="http://schemas.microsoft.com/office/drawing/2017/decorative" xmlns="" val="1"/>
+                  <adec:decorative xmlns:adec="http://schemas.microsoft.com/office/drawing/2017/decorative" val="1"/>
                 </a:ext>
               </a:extLst>
             </p:cNvPr>
@@ -5410,7 +5408,7 @@
             <p:nvPr>
               <p:extLst>
                 <p:ext uri="{386F3935-93C4-4BCD-93E2-E3B085C9AB24}">
-                  <p16:designElem xmlns:p16="http://schemas.microsoft.com/office/powerpoint/2015/main" xmlns="" val="1"/>
+                  <p16:designElem xmlns:p16="http://schemas.microsoft.com/office/powerpoint/2015/main" val="1"/>
                 </p:ext>
               </p:extLst>
             </p:nvPr>
@@ -5484,10 +5482,10 @@
           <p:cNvPr id="40" name="Group 16">
             <a:extLst>
               <a:ext uri="{FF2B5EF4-FFF2-40B4-BE49-F238E27FC236}">
-                <a16:creationId xmlns:a16="http://schemas.microsoft.com/office/drawing/2014/main" xmlns="" id="{65E07BDE-E927-4175-820B-81F985407467}"/>
+                <a16:creationId xmlns:a16="http://schemas.microsoft.com/office/drawing/2014/main" id="{65E07BDE-E927-4175-820B-81F985407467}"/>
               </a:ext>
               <a:ext uri="{C183D7F6-B498-43B3-948B-1728B52AA6E4}">
-                <adec:decorative xmlns:adec="http://schemas.microsoft.com/office/drawing/2017/decorative" xmlns="" val="1"/>
+                <adec:decorative xmlns:adec="http://schemas.microsoft.com/office/drawing/2017/decorative" val="1"/>
               </a:ext>
             </a:extLst>
           </p:cNvPr>
@@ -5497,7 +5495,7 @@
           <p:nvPr>
             <p:extLst>
               <p:ext uri="{386F3935-93C4-4BCD-93E2-E3B085C9AB24}">
-                <p16:designElem xmlns:p16="http://schemas.microsoft.com/office/powerpoint/2015/main" xmlns="" val="1"/>
+                <p16:designElem xmlns:p16="http://schemas.microsoft.com/office/powerpoint/2015/main" val="1"/>
               </p:ext>
             </p:extLst>
           </p:nvPr>
@@ -5515,10 +5513,10 @@
             <p:cNvPr id="18" name="Straight Connector 17">
               <a:extLst>
                 <a:ext uri="{FF2B5EF4-FFF2-40B4-BE49-F238E27FC236}">
-                  <a16:creationId xmlns:a16="http://schemas.microsoft.com/office/drawing/2014/main" xmlns="" id="{F9103D9E-236B-4AD2-A27C-BF2007A2D95B}"/>
+                  <a16:creationId xmlns:a16="http://schemas.microsoft.com/office/drawing/2014/main" id="{F9103D9E-236B-4AD2-A27C-BF2007A2D95B}"/>
                 </a:ext>
                 <a:ext uri="{C183D7F6-B498-43B3-948B-1728B52AA6E4}">
-                  <adec:decorative xmlns:adec="http://schemas.microsoft.com/office/drawing/2017/decorative" xmlns="" val="1"/>
+                  <adec:decorative xmlns:adec="http://schemas.microsoft.com/office/drawing/2017/decorative" val="1"/>
                 </a:ext>
               </a:extLst>
             </p:cNvPr>
@@ -5528,7 +5526,7 @@
             <p:nvPr>
               <p:extLst>
                 <p:ext uri="{386F3935-93C4-4BCD-93E2-E3B085C9AB24}">
-                  <p16:designElem xmlns:p16="http://schemas.microsoft.com/office/powerpoint/2015/main" xmlns="" val="1"/>
+                  <p16:designElem xmlns:p16="http://schemas.microsoft.com/office/powerpoint/2015/main" val="1"/>
                 </p:ext>
               </p:extLst>
             </p:nvPr>
@@ -5567,10 +5565,10 @@
             <p:cNvPr id="19" name="Straight Connector 18">
               <a:extLst>
                 <a:ext uri="{FF2B5EF4-FFF2-40B4-BE49-F238E27FC236}">
-                  <a16:creationId xmlns:a16="http://schemas.microsoft.com/office/drawing/2014/main" xmlns="" id="{86701FBB-07FC-4733-9104-D2EF1D685050}"/>
+                  <a16:creationId xmlns:a16="http://schemas.microsoft.com/office/drawing/2014/main" id="{86701FBB-07FC-4733-9104-D2EF1D685050}"/>
                 </a:ext>
                 <a:ext uri="{C183D7F6-B498-43B3-948B-1728B52AA6E4}">
-                  <adec:decorative xmlns:adec="http://schemas.microsoft.com/office/drawing/2017/decorative" xmlns="" val="1"/>
+                  <adec:decorative xmlns:adec="http://schemas.microsoft.com/office/drawing/2017/decorative" val="1"/>
                 </a:ext>
               </a:extLst>
             </p:cNvPr>
@@ -5580,7 +5578,7 @@
             <p:nvPr>
               <p:extLst>
                 <p:ext uri="{386F3935-93C4-4BCD-93E2-E3B085C9AB24}">
-                  <p16:designElem xmlns:p16="http://schemas.microsoft.com/office/powerpoint/2015/main" xmlns="" val="1"/>
+                  <p16:designElem xmlns:p16="http://schemas.microsoft.com/office/powerpoint/2015/main" val="1"/>
                 </p:ext>
               </p:extLst>
             </p:nvPr>
@@ -5619,10 +5617,10 @@
             <p:cNvPr id="20" name="Straight Connector 19">
               <a:extLst>
                 <a:ext uri="{FF2B5EF4-FFF2-40B4-BE49-F238E27FC236}">
-                  <a16:creationId xmlns:a16="http://schemas.microsoft.com/office/drawing/2014/main" xmlns="" id="{F0024222-CC64-47B0-A4BF-B40233E43B4C}"/>
+                  <a16:creationId xmlns:a16="http://schemas.microsoft.com/office/drawing/2014/main" id="{F0024222-CC64-47B0-A4BF-B40233E43B4C}"/>
                 </a:ext>
                 <a:ext uri="{C183D7F6-B498-43B3-948B-1728B52AA6E4}">
-                  <adec:decorative xmlns:adec="http://schemas.microsoft.com/office/drawing/2017/decorative" xmlns="" val="1"/>
+                  <adec:decorative xmlns:adec="http://schemas.microsoft.com/office/drawing/2017/decorative" val="1"/>
                 </a:ext>
               </a:extLst>
             </p:cNvPr>
@@ -5632,7 +5630,7 @@
             <p:nvPr>
               <p:extLst>
                 <p:ext uri="{386F3935-93C4-4BCD-93E2-E3B085C9AB24}">
-                  <p16:designElem xmlns:p16="http://schemas.microsoft.com/office/powerpoint/2015/main" xmlns="" val="1"/>
+                  <p16:designElem xmlns:p16="http://schemas.microsoft.com/office/powerpoint/2015/main" val="1"/>
                 </p:ext>
               </p:extLst>
             </p:nvPr>
@@ -5671,10 +5669,10 @@
             <p:cNvPr id="21" name="Straight Connector 20">
               <a:extLst>
                 <a:ext uri="{FF2B5EF4-FFF2-40B4-BE49-F238E27FC236}">
-                  <a16:creationId xmlns:a16="http://schemas.microsoft.com/office/drawing/2014/main" xmlns="" id="{C8B03883-6F44-4FEE-BFBE-4D73F19E72AC}"/>
+                  <a16:creationId xmlns:a16="http://schemas.microsoft.com/office/drawing/2014/main" id="{C8B03883-6F44-4FEE-BFBE-4D73F19E72AC}"/>
                 </a:ext>
                 <a:ext uri="{C183D7F6-B498-43B3-948B-1728B52AA6E4}">
-                  <adec:decorative xmlns:adec="http://schemas.microsoft.com/office/drawing/2017/decorative" xmlns="" val="1"/>
+                  <adec:decorative xmlns:adec="http://schemas.microsoft.com/office/drawing/2017/decorative" val="1"/>
                 </a:ext>
               </a:extLst>
             </p:cNvPr>
@@ -5684,7 +5682,7 @@
             <p:nvPr>
               <p:extLst>
                 <p:ext uri="{386F3935-93C4-4BCD-93E2-E3B085C9AB24}">
-                  <p16:designElem xmlns:p16="http://schemas.microsoft.com/office/powerpoint/2015/main" xmlns="" val="1"/>
+                  <p16:designElem xmlns:p16="http://schemas.microsoft.com/office/powerpoint/2015/main" val="1"/>
                 </p:ext>
               </p:extLst>
             </p:nvPr>
@@ -5723,10 +5721,10 @@
             <p:cNvPr id="22" name="Graphic 33">
               <a:extLst>
                 <a:ext uri="{FF2B5EF4-FFF2-40B4-BE49-F238E27FC236}">
-                  <a16:creationId xmlns:a16="http://schemas.microsoft.com/office/drawing/2014/main" xmlns="" id="{5A26ABB5-559E-45EC-8DBC-364F029DD723}"/>
+                  <a16:creationId xmlns:a16="http://schemas.microsoft.com/office/drawing/2014/main" id="{5A26ABB5-559E-45EC-8DBC-364F029DD723}"/>
                 </a:ext>
                 <a:ext uri="{C183D7F6-B498-43B3-948B-1728B52AA6E4}">
-                  <adec:decorative xmlns:adec="http://schemas.microsoft.com/office/drawing/2017/decorative" xmlns="" val="1"/>
+                  <adec:decorative xmlns:adec="http://schemas.microsoft.com/office/drawing/2017/decorative" val="1"/>
                 </a:ext>
               </a:extLst>
             </p:cNvPr>
@@ -5734,7 +5732,7 @@
             <p:nvPr>
               <p:extLst>
                 <p:ext uri="{386F3935-93C4-4BCD-93E2-E3B085C9AB24}">
-                  <p16:designElem xmlns:p16="http://schemas.microsoft.com/office/powerpoint/2015/main" xmlns="" val="1"/>
+                  <p16:designElem xmlns:p16="http://schemas.microsoft.com/office/powerpoint/2015/main" val="1"/>
                 </p:ext>
               </p:extLst>
             </p:nvPr>
@@ -5807,10 +5805,10 @@
             <p:cNvPr id="23" name="Graphic 33">
               <a:extLst>
                 <a:ext uri="{FF2B5EF4-FFF2-40B4-BE49-F238E27FC236}">
-                  <a16:creationId xmlns:a16="http://schemas.microsoft.com/office/drawing/2014/main" xmlns="" id="{339DC07F-79A6-42D3-BDD6-5A262FFC53A2}"/>
+                  <a16:creationId xmlns:a16="http://schemas.microsoft.com/office/drawing/2014/main" id="{339DC07F-79A6-42D3-BDD6-5A262FFC53A2}"/>
                 </a:ext>
                 <a:ext uri="{C183D7F6-B498-43B3-948B-1728B52AA6E4}">
-                  <adec:decorative xmlns:adec="http://schemas.microsoft.com/office/drawing/2017/decorative" xmlns="" val="1"/>
+                  <adec:decorative xmlns:adec="http://schemas.microsoft.com/office/drawing/2017/decorative" val="1"/>
                 </a:ext>
               </a:extLst>
             </p:cNvPr>
@@ -5818,7 +5816,7 @@
             <p:nvPr>
               <p:extLst>
                 <p:ext uri="{386F3935-93C4-4BCD-93E2-E3B085C9AB24}">
-                  <p16:designElem xmlns:p16="http://schemas.microsoft.com/office/powerpoint/2015/main" xmlns="" val="1"/>
+                  <p16:designElem xmlns:p16="http://schemas.microsoft.com/office/powerpoint/2015/main" val="1"/>
                 </p:ext>
               </p:extLst>
             </p:nvPr>
@@ -5892,10 +5890,10 @@
           <p:cNvPr id="41" name="Rectangle 24">
             <a:extLst>
               <a:ext uri="{FF2B5EF4-FFF2-40B4-BE49-F238E27FC236}">
-                <a16:creationId xmlns:a16="http://schemas.microsoft.com/office/drawing/2014/main" xmlns="" id="{BD2D4D3D-0943-4A9D-AE30-EEEAF707A340}"/>
+                <a16:creationId xmlns:a16="http://schemas.microsoft.com/office/drawing/2014/main" id="{BD2D4D3D-0943-4A9D-AE30-EEEAF707A340}"/>
               </a:ext>
               <a:ext uri="{C183D7F6-B498-43B3-948B-1728B52AA6E4}">
-                <adec:decorative xmlns:adec="http://schemas.microsoft.com/office/drawing/2017/decorative" xmlns="" val="1"/>
+                <adec:decorative xmlns:adec="http://schemas.microsoft.com/office/drawing/2017/decorative" val="1"/>
               </a:ext>
             </a:extLst>
           </p:cNvPr>
@@ -5905,7 +5903,7 @@
           <p:nvPr>
             <p:extLst>
               <p:ext uri="{386F3935-93C4-4BCD-93E2-E3B085C9AB24}">
-                <p16:designElem xmlns:p16="http://schemas.microsoft.com/office/powerpoint/2015/main" xmlns="" val="1"/>
+                <p16:designElem xmlns:p16="http://schemas.microsoft.com/office/powerpoint/2015/main" val="1"/>
               </p:ext>
             </p:extLst>
           </p:nvPr>
@@ -5952,10 +5950,10 @@
           <p:cNvPr id="42" name="Rectangle 26">
             <a:extLst>
               <a:ext uri="{FF2B5EF4-FFF2-40B4-BE49-F238E27FC236}">
-                <a16:creationId xmlns:a16="http://schemas.microsoft.com/office/drawing/2014/main" xmlns="" id="{96402F50-78D0-4C40-8FB9-47AF6DD06DC9}"/>
+                <a16:creationId xmlns:a16="http://schemas.microsoft.com/office/drawing/2014/main" id="{96402F50-78D0-4C40-8FB9-47AF6DD06DC9}"/>
               </a:ext>
               <a:ext uri="{C183D7F6-B498-43B3-948B-1728B52AA6E4}">
-                <adec:decorative xmlns:adec="http://schemas.microsoft.com/office/drawing/2017/decorative" xmlns="" val="1"/>
+                <adec:decorative xmlns:adec="http://schemas.microsoft.com/office/drawing/2017/decorative" val="1"/>
               </a:ext>
             </a:extLst>
           </p:cNvPr>
@@ -5965,7 +5963,7 @@
           <p:nvPr>
             <p:extLst>
               <p:ext uri="{386F3935-93C4-4BCD-93E2-E3B085C9AB24}">
-                <p16:designElem xmlns:p16="http://schemas.microsoft.com/office/powerpoint/2015/main" xmlns="" val="1"/>
+                <p16:designElem xmlns:p16="http://schemas.microsoft.com/office/powerpoint/2015/main" val="1"/>
               </p:ext>
             </p:extLst>
           </p:nvPr>
@@ -6018,10 +6016,10 @@
           <p:cNvPr id="43" name="Group 28">
             <a:extLst>
               <a:ext uri="{FF2B5EF4-FFF2-40B4-BE49-F238E27FC236}">
-                <a16:creationId xmlns:a16="http://schemas.microsoft.com/office/drawing/2014/main" xmlns="" id="{905FD742-A584-4C24-981D-4BE96AC5618C}"/>
+                <a16:creationId xmlns:a16="http://schemas.microsoft.com/office/drawing/2014/main" id="{905FD742-A584-4C24-981D-4BE96AC5618C}"/>
               </a:ext>
               <a:ext uri="{C183D7F6-B498-43B3-948B-1728B52AA6E4}">
-                <adec:decorative xmlns:adec="http://schemas.microsoft.com/office/drawing/2017/decorative" xmlns="" val="1"/>
+                <adec:decorative xmlns:adec="http://schemas.microsoft.com/office/drawing/2017/decorative" val="1"/>
               </a:ext>
             </a:extLst>
           </p:cNvPr>
@@ -6031,7 +6029,7 @@
           <p:nvPr>
             <p:extLst>
               <p:ext uri="{386F3935-93C4-4BCD-93E2-E3B085C9AB24}">
-                <p16:designElem xmlns:p16="http://schemas.microsoft.com/office/powerpoint/2015/main" xmlns="" val="1"/>
+                <p16:designElem xmlns:p16="http://schemas.microsoft.com/office/powerpoint/2015/main" val="1"/>
               </p:ext>
             </p:extLst>
           </p:nvPr>
@@ -6049,10 +6047,10 @@
             <p:cNvPr id="30" name="Group 29">
               <a:extLst>
                 <a:ext uri="{FF2B5EF4-FFF2-40B4-BE49-F238E27FC236}">
-                  <a16:creationId xmlns:a16="http://schemas.microsoft.com/office/drawing/2014/main" xmlns="" id="{7258DE11-AA0C-48D2-8F00-9B8DC1093A47}"/>
+                  <a16:creationId xmlns:a16="http://schemas.microsoft.com/office/drawing/2014/main" id="{7258DE11-AA0C-48D2-8F00-9B8DC1093A47}"/>
                 </a:ext>
                 <a:ext uri="{C183D7F6-B498-43B3-948B-1728B52AA6E4}">
-                  <adec:decorative xmlns:adec="http://schemas.microsoft.com/office/drawing/2017/decorative" xmlns="" val="1"/>
+                  <adec:decorative xmlns:adec="http://schemas.microsoft.com/office/drawing/2017/decorative" val="1"/>
                 </a:ext>
               </a:extLst>
             </p:cNvPr>
@@ -6060,7 +6058,7 @@
             <p:nvPr>
               <p:extLst>
                 <p:ext uri="{386F3935-93C4-4BCD-93E2-E3B085C9AB24}">
-                  <p16:designElem xmlns:p16="http://schemas.microsoft.com/office/powerpoint/2015/main" xmlns="" val="1"/>
+                  <p16:designElem xmlns:p16="http://schemas.microsoft.com/office/powerpoint/2015/main" val="1"/>
                 </p:ext>
               </p:extLst>
             </p:nvPr>
@@ -6078,10 +6076,10 @@
               <p:cNvPr id="32" name="Straight Connector 31">
                 <a:extLst>
                   <a:ext uri="{FF2B5EF4-FFF2-40B4-BE49-F238E27FC236}">
-                    <a16:creationId xmlns:a16="http://schemas.microsoft.com/office/drawing/2014/main" xmlns="" id="{62A6129B-5E41-4111-BA49-D6E73631A7F0}"/>
+                    <a16:creationId xmlns:a16="http://schemas.microsoft.com/office/drawing/2014/main" id="{62A6129B-5E41-4111-BA49-D6E73631A7F0}"/>
                   </a:ext>
                   <a:ext uri="{C183D7F6-B498-43B3-948B-1728B52AA6E4}">
-                    <adec:decorative xmlns:adec="http://schemas.microsoft.com/office/drawing/2017/decorative" xmlns="" val="1"/>
+                    <adec:decorative xmlns:adec="http://schemas.microsoft.com/office/drawing/2017/decorative" val="1"/>
                   </a:ext>
                 </a:extLst>
               </p:cNvPr>
@@ -6091,7 +6089,7 @@
               <p:nvPr>
                 <p:extLst>
                   <p:ext uri="{386F3935-93C4-4BCD-93E2-E3B085C9AB24}">
-                    <p16:designElem xmlns:p16="http://schemas.microsoft.com/office/powerpoint/2015/main" xmlns="" val="1"/>
+                    <p16:designElem xmlns:p16="http://schemas.microsoft.com/office/powerpoint/2015/main" val="1"/>
                   </p:ext>
                 </p:extLst>
               </p:nvPr>
@@ -6130,10 +6128,10 @@
               <p:cNvPr id="33" name="Straight Connector 32">
                 <a:extLst>
                   <a:ext uri="{FF2B5EF4-FFF2-40B4-BE49-F238E27FC236}">
-                    <a16:creationId xmlns:a16="http://schemas.microsoft.com/office/drawing/2014/main" xmlns="" id="{42ACD671-2209-4876-A99B-0D185B70D1EA}"/>
+                    <a16:creationId xmlns:a16="http://schemas.microsoft.com/office/drawing/2014/main" id="{42ACD671-2209-4876-A99B-0D185B70D1EA}"/>
                   </a:ext>
                   <a:ext uri="{C183D7F6-B498-43B3-948B-1728B52AA6E4}">
-                    <adec:decorative xmlns:adec="http://schemas.microsoft.com/office/drawing/2017/decorative" xmlns="" val="1"/>
+                    <adec:decorative xmlns:adec="http://schemas.microsoft.com/office/drawing/2017/decorative" val="1"/>
                   </a:ext>
                 </a:extLst>
               </p:cNvPr>
@@ -6143,7 +6141,7 @@
               <p:nvPr>
                 <p:extLst>
                   <p:ext uri="{386F3935-93C4-4BCD-93E2-E3B085C9AB24}">
-                    <p16:designElem xmlns:p16="http://schemas.microsoft.com/office/powerpoint/2015/main" xmlns="" val="1"/>
+                    <p16:designElem xmlns:p16="http://schemas.microsoft.com/office/powerpoint/2015/main" val="1"/>
                   </p:ext>
                 </p:extLst>
               </p:nvPr>
@@ -6182,10 +6180,10 @@
               <p:cNvPr id="34" name="Straight Connector 33">
                 <a:extLst>
                   <a:ext uri="{FF2B5EF4-FFF2-40B4-BE49-F238E27FC236}">
-                    <a16:creationId xmlns:a16="http://schemas.microsoft.com/office/drawing/2014/main" xmlns="" id="{5ACF9EAE-7FB1-4C87-B3F1-9129699CB1B6}"/>
+                    <a16:creationId xmlns:a16="http://schemas.microsoft.com/office/drawing/2014/main" id="{5ACF9EAE-7FB1-4C87-B3F1-9129699CB1B6}"/>
                   </a:ext>
                   <a:ext uri="{C183D7F6-B498-43B3-948B-1728B52AA6E4}">
-                    <adec:decorative xmlns:adec="http://schemas.microsoft.com/office/drawing/2017/decorative" xmlns="" val="1"/>
+                    <adec:decorative xmlns:adec="http://schemas.microsoft.com/office/drawing/2017/decorative" val="1"/>
                   </a:ext>
                 </a:extLst>
               </p:cNvPr>
@@ -6195,7 +6193,7 @@
               <p:nvPr>
                 <p:extLst>
                   <p:ext uri="{386F3935-93C4-4BCD-93E2-E3B085C9AB24}">
-                    <p16:designElem xmlns:p16="http://schemas.microsoft.com/office/powerpoint/2015/main" xmlns="" val="1"/>
+                    <p16:designElem xmlns:p16="http://schemas.microsoft.com/office/powerpoint/2015/main" val="1"/>
                   </p:ext>
                 </p:extLst>
               </p:nvPr>
@@ -6234,10 +6232,10 @@
               <p:cNvPr id="35" name="Straight Connector 34">
                 <a:extLst>
                   <a:ext uri="{FF2B5EF4-FFF2-40B4-BE49-F238E27FC236}">
-                    <a16:creationId xmlns:a16="http://schemas.microsoft.com/office/drawing/2014/main" xmlns="" id="{774E1729-16FC-4A78-A1FC-1B4B0D30C803}"/>
+                    <a16:creationId xmlns:a16="http://schemas.microsoft.com/office/drawing/2014/main" id="{774E1729-16FC-4A78-A1FC-1B4B0D30C803}"/>
                   </a:ext>
                   <a:ext uri="{C183D7F6-B498-43B3-948B-1728B52AA6E4}">
-                    <adec:decorative xmlns:adec="http://schemas.microsoft.com/office/drawing/2017/decorative" xmlns="" val="1"/>
+                    <adec:decorative xmlns:adec="http://schemas.microsoft.com/office/drawing/2017/decorative" val="1"/>
                   </a:ext>
                 </a:extLst>
               </p:cNvPr>
@@ -6247,7 +6245,7 @@
               <p:nvPr>
                 <p:extLst>
                   <p:ext uri="{386F3935-93C4-4BCD-93E2-E3B085C9AB24}">
-                    <p16:designElem xmlns:p16="http://schemas.microsoft.com/office/powerpoint/2015/main" xmlns="" val="1"/>
+                    <p16:designElem xmlns:p16="http://schemas.microsoft.com/office/powerpoint/2015/main" val="1"/>
                   </p:ext>
                 </p:extLst>
               </p:nvPr>
@@ -6286,10 +6284,10 @@
               <p:cNvPr id="36" name="Straight Connector 35">
                 <a:extLst>
                   <a:ext uri="{FF2B5EF4-FFF2-40B4-BE49-F238E27FC236}">
-                    <a16:creationId xmlns:a16="http://schemas.microsoft.com/office/drawing/2014/main" xmlns="" id="{3E4DB013-2DB1-4155-8355-AE8EDE75CC7E}"/>
+                    <a16:creationId xmlns:a16="http://schemas.microsoft.com/office/drawing/2014/main" id="{3E4DB013-2DB1-4155-8355-AE8EDE75CC7E}"/>
                   </a:ext>
                   <a:ext uri="{C183D7F6-B498-43B3-948B-1728B52AA6E4}">
-                    <adec:decorative xmlns:adec="http://schemas.microsoft.com/office/drawing/2017/decorative" xmlns="" val="1"/>
+                    <adec:decorative xmlns:adec="http://schemas.microsoft.com/office/drawing/2017/decorative" val="1"/>
                   </a:ext>
                 </a:extLst>
               </p:cNvPr>
@@ -6299,7 +6297,7 @@
               <p:nvPr>
                 <p:extLst>
                   <p:ext uri="{386F3935-93C4-4BCD-93E2-E3B085C9AB24}">
-                    <p16:designElem xmlns:p16="http://schemas.microsoft.com/office/powerpoint/2015/main" xmlns="" val="1"/>
+                    <p16:designElem xmlns:p16="http://schemas.microsoft.com/office/powerpoint/2015/main" val="1"/>
                   </p:ext>
                 </p:extLst>
               </p:nvPr>
@@ -6338,10 +6336,10 @@
               <p:cNvPr id="37" name="Straight Connector 36">
                 <a:extLst>
                   <a:ext uri="{FF2B5EF4-FFF2-40B4-BE49-F238E27FC236}">
-                    <a16:creationId xmlns:a16="http://schemas.microsoft.com/office/drawing/2014/main" xmlns="" id="{77AED547-EF0A-4CE6-87B9-059D7C6375D3}"/>
+                    <a16:creationId xmlns:a16="http://schemas.microsoft.com/office/drawing/2014/main" id="{77AED547-EF0A-4CE6-87B9-059D7C6375D3}"/>
                   </a:ext>
                   <a:ext uri="{C183D7F6-B498-43B3-948B-1728B52AA6E4}">
-                    <adec:decorative xmlns:adec="http://schemas.microsoft.com/office/drawing/2017/decorative" xmlns="" val="1"/>
+                    <adec:decorative xmlns:adec="http://schemas.microsoft.com/office/drawing/2017/decorative" val="1"/>
                   </a:ext>
                 </a:extLst>
               </p:cNvPr>
@@ -6351,7 +6349,7 @@
               <p:nvPr>
                 <p:extLst>
                   <p:ext uri="{386F3935-93C4-4BCD-93E2-E3B085C9AB24}">
-                    <p16:designElem xmlns:p16="http://schemas.microsoft.com/office/powerpoint/2015/main" xmlns="" val="1"/>
+                    <p16:designElem xmlns:p16="http://schemas.microsoft.com/office/powerpoint/2015/main" val="1"/>
                   </p:ext>
                 </p:extLst>
               </p:nvPr>
@@ -6391,10 +6389,10 @@
             <p:cNvPr id="31" name="Graphic 11">
               <a:extLst>
                 <a:ext uri="{FF2B5EF4-FFF2-40B4-BE49-F238E27FC236}">
-                  <a16:creationId xmlns:a16="http://schemas.microsoft.com/office/drawing/2014/main" xmlns="" id="{61ABD7CE-E0CE-4FE7-AEA1-F7DB71799BF5}"/>
+                  <a16:creationId xmlns:a16="http://schemas.microsoft.com/office/drawing/2014/main" id="{61ABD7CE-E0CE-4FE7-AEA1-F7DB71799BF5}"/>
                 </a:ext>
                 <a:ext uri="{C183D7F6-B498-43B3-948B-1728B52AA6E4}">
-                  <adec:decorative xmlns:adec="http://schemas.microsoft.com/office/drawing/2017/decorative" xmlns="" val="1"/>
+                  <adec:decorative xmlns:adec="http://schemas.microsoft.com/office/drawing/2017/decorative" val="1"/>
                 </a:ext>
               </a:extLst>
             </p:cNvPr>
@@ -6402,7 +6400,7 @@
             <p:nvPr>
               <p:extLst>
                 <p:ext uri="{386F3935-93C4-4BCD-93E2-E3B085C9AB24}">
-                  <p16:designElem xmlns:p16="http://schemas.microsoft.com/office/powerpoint/2015/main" xmlns="" val="1"/>
+                  <p16:designElem xmlns:p16="http://schemas.microsoft.com/office/powerpoint/2015/main" val="1"/>
                 </p:ext>
               </p:extLst>
             </p:nvPr>
@@ -6516,7 +6514,7 @@
           <p:cNvPr id="44" name="Title 1">
             <a:extLst>
               <a:ext uri="{FF2B5EF4-FFF2-40B4-BE49-F238E27FC236}">
-                <a16:creationId xmlns:a16="http://schemas.microsoft.com/office/drawing/2014/main" xmlns="" id="{A4875C88-8791-496D-852A-47B73B6FFF5A}"/>
+                <a16:creationId xmlns:a16="http://schemas.microsoft.com/office/drawing/2014/main" id="{A4875C88-8791-496D-852A-47B73B6FFF5A}"/>
               </a:ext>
             </a:extLst>
           </p:cNvPr>
@@ -6563,7 +6561,7 @@
           <a:p>
             <a:pPr algn="ctr"/>
             <a:r>
-              <a:rPr lang="en-US" sz="5200" dirty="0" smtClean="0"/>
+              <a:rPr lang="en-US" sz="5200" dirty="0"/>
               <a:t>Cost</a:t>
             </a:r>
           </a:p>
@@ -6583,25 +6581,18 @@
   <p:clrMapOvr>
     <a:masterClrMapping/>
   </p:clrMapOvr>
-  <mc:AlternateContent xmlns:mc="http://schemas.openxmlformats.org/markup-compatibility/2006">
-    <mc:Choice xmlns:p159="http://schemas.microsoft.com/office/powerpoint/2015/09/main" xmlns="" Requires="p159">
+  <mc:AlternateContent xmlns:mc="http://schemas.openxmlformats.org/markup-compatibility/2006" xmlns:p159="http://schemas.microsoft.com/office/powerpoint/2015/09/main">
+    <mc:Choice Requires="p159">
       <p:transition xmlns:p14="http://schemas.microsoft.com/office/powerpoint/2010/main" spd="slow" p14:dur="2000">
         <p159:morph option="byObject"/>
       </p:transition>
     </mc:Choice>
-    <mc:Fallback>
+    <mc:Fallback xmlns="">
       <p:transition spd="slow">
         <p:fade/>
       </p:transition>
     </mc:Fallback>
   </mc:AlternateContent>
-  <p:timing>
-    <p:tnLst>
-      <p:par>
-        <p:cTn id="1" dur="indefinite" restart="never" nodeType="tmRoot"/>
-      </p:par>
-    </p:tnLst>
-  </p:timing>
 </p:sld>
 </file>
 
@@ -6662,25 +6653,18 @@
   <p:clrMapOvr>
     <a:masterClrMapping/>
   </p:clrMapOvr>
-  <mc:AlternateContent xmlns:mc="http://schemas.openxmlformats.org/markup-compatibility/2006">
-    <mc:Choice xmlns:p159="http://schemas.microsoft.com/office/powerpoint/2015/09/main" xmlns="" Requires="p159">
+  <mc:AlternateContent xmlns:mc="http://schemas.openxmlformats.org/markup-compatibility/2006" xmlns:p159="http://schemas.microsoft.com/office/powerpoint/2015/09/main">
+    <mc:Choice Requires="p159">
       <p:transition xmlns:p14="http://schemas.microsoft.com/office/powerpoint/2010/main" spd="slow" p14:dur="2000">
         <p159:morph option="byObject"/>
       </p:transition>
     </mc:Choice>
-    <mc:Fallback>
+    <mc:Fallback xmlns="">
       <p:transition spd="slow">
         <p:fade/>
       </p:transition>
     </mc:Fallback>
   </mc:AlternateContent>
-  <p:timing>
-    <p:tnLst>
-      <p:par>
-        <p:cTn id="1" dur="indefinite" restart="never" nodeType="tmRoot"/>
-      </p:par>
-    </p:tnLst>
-  </p:timing>
 </p:sld>
 </file>
 
@@ -6741,8 +6725,1329 @@
   <p:clrMapOvr>
     <a:masterClrMapping/>
   </p:clrMapOvr>
+  <mc:AlternateContent xmlns:mc="http://schemas.openxmlformats.org/markup-compatibility/2006" xmlns:p159="http://schemas.microsoft.com/office/powerpoint/2015/09/main">
+    <mc:Choice Requires="p159">
+      <p:transition xmlns:p14="http://schemas.microsoft.com/office/powerpoint/2010/main" spd="slow" p14:dur="2000">
+        <p159:morph option="byObject"/>
+      </p:transition>
+    </mc:Choice>
+    <mc:Fallback xmlns="">
+      <p:transition spd="slow">
+        <p:fade/>
+      </p:transition>
+    </mc:Fallback>
+  </mc:AlternateContent>
+</p:sld>
+</file>
+
+<file path=ppt/slides/slide14.xml><?xml version="1.0" encoding="utf-8"?>
+<p:sld xmlns:a="http://schemas.openxmlformats.org/drawingml/2006/main" xmlns:r="http://schemas.openxmlformats.org/officeDocument/2006/relationships" xmlns:p="http://schemas.openxmlformats.org/presentationml/2006/main">
+  <p:cSld>
+    <p:spTree>
+      <p:nvGrpSpPr>
+        <p:cNvPr id="1" name="">
+          <a:extLst>
+            <a:ext uri="{FF2B5EF4-FFF2-40B4-BE49-F238E27FC236}">
+              <a16:creationId xmlns:a16="http://schemas.microsoft.com/office/drawing/2014/main" id="{ACA80AA8-E555-89F1-7FA6-C013C3CFDE60}"/>
+            </a:ext>
+          </a:extLst>
+        </p:cNvPr>
+        <p:cNvGrpSpPr/>
+        <p:nvPr/>
+      </p:nvGrpSpPr>
+      <p:grpSpPr>
+        <a:xfrm>
+          <a:off x="0" y="0"/>
+          <a:ext cx="0" cy="0"/>
+          <a:chOff x="0" y="0"/>
+          <a:chExt cx="0" cy="0"/>
+        </a:xfrm>
+      </p:grpSpPr>
+      <p:sp>
+        <p:nvSpPr>
+          <p:cNvPr id="3" name="CasellaDiTesto 2">
+            <a:extLst>
+              <a:ext uri="{FF2B5EF4-FFF2-40B4-BE49-F238E27FC236}">
+                <a16:creationId xmlns:a16="http://schemas.microsoft.com/office/drawing/2014/main" id="{EE8FC96E-AE53-7CED-6C81-0F6C2E76F531}"/>
+              </a:ext>
+            </a:extLst>
+          </p:cNvPr>
+          <p:cNvSpPr txBox="1"/>
+          <p:nvPr/>
+        </p:nvSpPr>
+        <p:spPr>
+          <a:xfrm>
+            <a:off x="1893337" y="382555"/>
+            <a:ext cx="8405326" cy="877163"/>
+          </a:xfrm>
+          <a:prstGeom prst="rect">
+            <a:avLst/>
+          </a:prstGeom>
+          <a:noFill/>
+        </p:spPr>
+        <p:txBody>
+          <a:bodyPr wrap="square" rtlCol="0">
+            <a:spAutoFit/>
+          </a:bodyPr>
+          <a:lstStyle/>
+          <a:p>
+            <a:pPr algn="ctr"/>
+            <a:r>
+              <a:rPr lang="en-US" sz="5100" dirty="0">
+                <a:solidFill>
+                  <a:srgbClr val="607899"/>
+                </a:solidFill>
+                <a:latin typeface="+mj-lt"/>
+              </a:rPr>
+              <a:t>Requirements Determination</a:t>
+            </a:r>
+          </a:p>
+        </p:txBody>
+      </p:sp>
+      <p:sp>
+        <p:nvSpPr>
+          <p:cNvPr id="5" name="CasellaDiTesto 4">
+            <a:extLst>
+              <a:ext uri="{FF2B5EF4-FFF2-40B4-BE49-F238E27FC236}">
+                <a16:creationId xmlns:a16="http://schemas.microsoft.com/office/drawing/2014/main" id="{039B280D-9A42-6912-210F-ADE2CE64A362}"/>
+              </a:ext>
+            </a:extLst>
+          </p:cNvPr>
+          <p:cNvSpPr txBox="1"/>
+          <p:nvPr/>
+        </p:nvSpPr>
+        <p:spPr>
+          <a:xfrm>
+            <a:off x="688132" y="1576873"/>
+            <a:ext cx="9610531" cy="5324535"/>
+          </a:xfrm>
+          <a:prstGeom prst="rect">
+            <a:avLst/>
+          </a:prstGeom>
+          <a:noFill/>
+        </p:spPr>
+        <p:txBody>
+          <a:bodyPr wrap="square" rtlCol="0">
+            <a:spAutoFit/>
+          </a:bodyPr>
+          <a:lstStyle/>
+          <a:p>
+            <a:r>
+              <a:rPr lang="en-US" sz="3000" dirty="0">
+                <a:latin typeface="+mj-lt"/>
+              </a:rPr>
+              <a:t>1/Functional Requirements</a:t>
+            </a:r>
+          </a:p>
+          <a:p>
+            <a:r>
+              <a:rPr lang="en-US" sz="2500" dirty="0">
+                <a:latin typeface="+mj-lt"/>
+              </a:rPr>
+              <a:t>Actions the system must perform, such as tracking and analyzing electricity consumption. </a:t>
+            </a:r>
+          </a:p>
+          <a:p>
+            <a:r>
+              <a:rPr lang="en-US" sz="3000" dirty="0">
+                <a:latin typeface="+mj-lt"/>
+              </a:rPr>
+              <a:t>2/Non-functional Requirements</a:t>
+            </a:r>
+          </a:p>
+          <a:p>
+            <a:r>
+              <a:rPr lang="en-US" sz="2500" dirty="0">
+                <a:latin typeface="+mj-lt"/>
+              </a:rPr>
+              <a:t>Characteristics like system performance, usability, and data security. </a:t>
+            </a:r>
+          </a:p>
+          <a:p>
+            <a:r>
+              <a:rPr lang="en-US" sz="3000" dirty="0">
+                <a:latin typeface="+mj-lt"/>
+              </a:rPr>
+              <a:t>3/Goal</a:t>
+            </a:r>
+          </a:p>
+          <a:p>
+            <a:r>
+              <a:rPr lang="en-US" sz="2500" dirty="0">
+                <a:latin typeface="+mj-lt"/>
+              </a:rPr>
+              <a:t>To establish clear, accurate requirements that fully address user needs while aligning with business objectives.</a:t>
+            </a:r>
+          </a:p>
+          <a:p>
+            <a:endParaRPr lang="en-US" sz="2500" dirty="0">
+              <a:latin typeface="+mj-lt"/>
+            </a:endParaRPr>
+          </a:p>
+          <a:p>
+            <a:endParaRPr lang="en-US" sz="2500" dirty="0">
+              <a:latin typeface="+mj-lt"/>
+            </a:endParaRPr>
+          </a:p>
+          <a:p>
+            <a:endParaRPr lang="en-US" sz="2500" dirty="0">
+              <a:latin typeface="+mj-lt"/>
+            </a:endParaRPr>
+          </a:p>
+          <a:p>
+            <a:endParaRPr lang="en-US" sz="2500" dirty="0">
+              <a:latin typeface="+mj-lt"/>
+            </a:endParaRPr>
+          </a:p>
+          <a:p>
+            <a:endParaRPr lang="en-US" sz="2500" dirty="0">
+              <a:latin typeface="+mj-lt"/>
+            </a:endParaRPr>
+          </a:p>
+        </p:txBody>
+      </p:sp>
+    </p:spTree>
+    <p:extLst>
+      <p:ext uri="{BB962C8B-B14F-4D97-AF65-F5344CB8AC3E}">
+        <p14:creationId xmlns:p14="http://schemas.microsoft.com/office/powerpoint/2010/main" val="3762888987"/>
+      </p:ext>
+    </p:extLst>
+  </p:cSld>
+  <p:clrMapOvr>
+    <a:masterClrMapping/>
+  </p:clrMapOvr>
   <mc:AlternateContent xmlns:mc="http://schemas.openxmlformats.org/markup-compatibility/2006">
-    <mc:Choice xmlns:p159="http://schemas.microsoft.com/office/powerpoint/2015/09/main" xmlns="" Requires="p159">
+    <mc:Choice xmlns:p159="http://schemas.microsoft.com/office/powerpoint/2015/09/main" Requires="p159">
+      <p:transition xmlns:p14="http://schemas.microsoft.com/office/powerpoint/2010/main" spd="slow" p14:dur="2000">
+        <p159:morph option="byObject"/>
+      </p:transition>
+    </mc:Choice>
+    <mc:Fallback>
+      <p:transition spd="slow">
+        <p:fade/>
+      </p:transition>
+    </mc:Fallback>
+  </mc:AlternateContent>
+</p:sld>
+</file>
+
+<file path=ppt/slides/slide15.xml><?xml version="1.0" encoding="utf-8"?>
+<p:sld xmlns:a="http://schemas.openxmlformats.org/drawingml/2006/main" xmlns:r="http://schemas.openxmlformats.org/officeDocument/2006/relationships" xmlns:p="http://schemas.openxmlformats.org/presentationml/2006/main">
+  <p:cSld>
+    <p:spTree>
+      <p:nvGrpSpPr>
+        <p:cNvPr id="1" name="">
+          <a:extLst>
+            <a:ext uri="{FF2B5EF4-FFF2-40B4-BE49-F238E27FC236}">
+              <a16:creationId xmlns:a16="http://schemas.microsoft.com/office/drawing/2014/main" id="{D586D759-3709-9C68-23FD-7B4D5A6F4547}"/>
+            </a:ext>
+          </a:extLst>
+        </p:cNvPr>
+        <p:cNvGrpSpPr/>
+        <p:nvPr/>
+      </p:nvGrpSpPr>
+      <p:grpSpPr>
+        <a:xfrm>
+          <a:off x="0" y="0"/>
+          <a:ext cx="0" cy="0"/>
+          <a:chOff x="0" y="0"/>
+          <a:chExt cx="0" cy="0"/>
+        </a:xfrm>
+      </p:grpSpPr>
+      <p:sp>
+        <p:nvSpPr>
+          <p:cNvPr id="3" name="CasellaDiTesto 2">
+            <a:extLst>
+              <a:ext uri="{FF2B5EF4-FFF2-40B4-BE49-F238E27FC236}">
+                <a16:creationId xmlns:a16="http://schemas.microsoft.com/office/drawing/2014/main" id="{11395726-2180-4C01-69DD-C060BC88BFE9}"/>
+              </a:ext>
+            </a:extLst>
+          </p:cNvPr>
+          <p:cNvSpPr txBox="1"/>
+          <p:nvPr/>
+        </p:nvSpPr>
+        <p:spPr>
+          <a:xfrm>
+            <a:off x="1066800" y="382555"/>
+            <a:ext cx="10058400" cy="861774"/>
+          </a:xfrm>
+          <a:prstGeom prst="rect">
+            <a:avLst/>
+          </a:prstGeom>
+          <a:noFill/>
+        </p:spPr>
+        <p:txBody>
+          <a:bodyPr wrap="square" rtlCol="0">
+            <a:spAutoFit/>
+          </a:bodyPr>
+          <a:lstStyle/>
+          <a:p>
+            <a:pPr algn="ctr"/>
+            <a:r>
+              <a:rPr lang="en-US" sz="5000" dirty="0">
+                <a:solidFill>
+                  <a:srgbClr val="607899"/>
+                </a:solidFill>
+                <a:latin typeface="+mj-lt"/>
+              </a:rPr>
+              <a:t>Creating a Requirements Definition</a:t>
+            </a:r>
+          </a:p>
+        </p:txBody>
+      </p:sp>
+      <p:sp>
+        <p:nvSpPr>
+          <p:cNvPr id="4" name="CasellaDiTesto 3">
+            <a:extLst>
+              <a:ext uri="{FF2B5EF4-FFF2-40B4-BE49-F238E27FC236}">
+                <a16:creationId xmlns:a16="http://schemas.microsoft.com/office/drawing/2014/main" id="{9B85290E-0F4C-6FCC-1D25-53A26E670811}"/>
+              </a:ext>
+            </a:extLst>
+          </p:cNvPr>
+          <p:cNvSpPr txBox="1"/>
+          <p:nvPr/>
+        </p:nvSpPr>
+        <p:spPr>
+          <a:xfrm>
+            <a:off x="681135" y="1244329"/>
+            <a:ext cx="10692881" cy="5078313"/>
+          </a:xfrm>
+          <a:prstGeom prst="rect">
+            <a:avLst/>
+          </a:prstGeom>
+          <a:noFill/>
+        </p:spPr>
+        <p:txBody>
+          <a:bodyPr wrap="square" rtlCol="0">
+            <a:spAutoFit/>
+          </a:bodyPr>
+          <a:lstStyle/>
+          <a:p>
+            <a:r>
+              <a:rPr lang="en-US" sz="3000" dirty="0">
+                <a:latin typeface="+mj-lt"/>
+              </a:rPr>
+              <a:t>1/Components</a:t>
+            </a:r>
+            <a:r>
+              <a:rPr lang="en-US" dirty="0"/>
+              <a:t>:</a:t>
+            </a:r>
+          </a:p>
+          <a:p>
+            <a:r>
+              <a:rPr lang="en-US" sz="2100" dirty="0">
+                <a:latin typeface="+mj-lt"/>
+              </a:rPr>
+              <a:t>*Functional Requirements*: Define specific actions, such as: </a:t>
+            </a:r>
+          </a:p>
+          <a:p>
+            <a:r>
+              <a:rPr lang="en-US" sz="2100" dirty="0">
+                <a:latin typeface="+mj-lt"/>
+              </a:rPr>
+              <a:t>1/Tracking real-time electricity consumption.   </a:t>
+            </a:r>
+          </a:p>
+          <a:p>
+            <a:r>
+              <a:rPr lang="en-US" sz="2100" dirty="0">
+                <a:latin typeface="+mj-lt"/>
+              </a:rPr>
+              <a:t>2/Storing usage history per device.    </a:t>
+            </a:r>
+          </a:p>
+          <a:p>
+            <a:r>
+              <a:rPr lang="en-US" sz="2100" dirty="0">
+                <a:latin typeface="+mj-lt"/>
+              </a:rPr>
+              <a:t>3/Generating and displaying AI-based recommendations to reduce usage.  </a:t>
+            </a:r>
+          </a:p>
+          <a:p>
+            <a:endParaRPr lang="en-US" sz="2100" dirty="0">
+              <a:latin typeface="+mj-lt"/>
+            </a:endParaRPr>
+          </a:p>
+          <a:p>
+            <a:r>
+              <a:rPr lang="en-US" sz="2100" dirty="0">
+                <a:latin typeface="+mj-lt"/>
+              </a:rPr>
+              <a:t>*Non-functional Requirements*: Outline performance and quality expectations, including:     1/Performance: System should handle multiple users with minimal delay in updating usage data.   </a:t>
+            </a:r>
+          </a:p>
+          <a:p>
+            <a:r>
+              <a:rPr lang="en-US" sz="2100" dirty="0">
+                <a:latin typeface="+mj-lt"/>
+              </a:rPr>
+              <a:t>2/Usability: Easy-to-navigate interface, especially for non-technical users.     </a:t>
+            </a:r>
+          </a:p>
+          <a:p>
+            <a:r>
+              <a:rPr lang="en-US" sz="2100" dirty="0">
+                <a:latin typeface="+mj-lt"/>
+              </a:rPr>
+              <a:t>3/Reliability: Accurate and timely consumption analysis.   </a:t>
+            </a:r>
+          </a:p>
+          <a:p>
+            <a:r>
+              <a:rPr lang="en-US" sz="2100" dirty="0">
+                <a:latin typeface="+mj-lt"/>
+              </a:rPr>
+              <a:t>4/Security: Data encryption to protect user privacy.</a:t>
+            </a:r>
+          </a:p>
+          <a:p>
+            <a:endParaRPr lang="en-US" sz="2100" dirty="0">
+              <a:latin typeface="+mj-lt"/>
+            </a:endParaRPr>
+          </a:p>
+          <a:p>
+            <a:r>
+              <a:rPr lang="en-US" sz="2100" dirty="0">
+                <a:latin typeface="+mj-lt"/>
+              </a:rPr>
+              <a:t>*Scope*: Determines what the system will and won’t do, avoiding scope creep and unnecessary features that could increase costs or complexity.</a:t>
+            </a:r>
+          </a:p>
+        </p:txBody>
+      </p:sp>
+    </p:spTree>
+    <p:extLst>
+      <p:ext uri="{BB962C8B-B14F-4D97-AF65-F5344CB8AC3E}">
+        <p14:creationId xmlns:p14="http://schemas.microsoft.com/office/powerpoint/2010/main" val="741665056"/>
+      </p:ext>
+    </p:extLst>
+  </p:cSld>
+  <p:clrMapOvr>
+    <a:masterClrMapping/>
+  </p:clrMapOvr>
+  <mc:AlternateContent xmlns:mc="http://schemas.openxmlformats.org/markup-compatibility/2006">
+    <mc:Choice xmlns:p159="http://schemas.microsoft.com/office/powerpoint/2015/09/main" Requires="p159">
+      <p:transition xmlns:p14="http://schemas.microsoft.com/office/powerpoint/2010/main" spd="slow" p14:dur="2000">
+        <p159:morph option="byObject"/>
+      </p:transition>
+    </mc:Choice>
+    <mc:Fallback>
+      <p:transition spd="slow">
+        <p:fade/>
+      </p:transition>
+    </mc:Fallback>
+  </mc:AlternateContent>
+</p:sld>
+</file>
+
+<file path=ppt/slides/slide16.xml><?xml version="1.0" encoding="utf-8"?>
+<p:sld xmlns:a="http://schemas.openxmlformats.org/drawingml/2006/main" xmlns:r="http://schemas.openxmlformats.org/officeDocument/2006/relationships" xmlns:p="http://schemas.openxmlformats.org/presentationml/2006/main">
+  <p:cSld>
+    <p:spTree>
+      <p:nvGrpSpPr>
+        <p:cNvPr id="1" name="">
+          <a:extLst>
+            <a:ext uri="{FF2B5EF4-FFF2-40B4-BE49-F238E27FC236}">
+              <a16:creationId xmlns:a16="http://schemas.microsoft.com/office/drawing/2014/main" id="{A60FD7E1-6630-673A-E0FB-E68C4973D201}"/>
+            </a:ext>
+          </a:extLst>
+        </p:cNvPr>
+        <p:cNvGrpSpPr/>
+        <p:nvPr/>
+      </p:nvGrpSpPr>
+      <p:grpSpPr>
+        <a:xfrm>
+          <a:off x="0" y="0"/>
+          <a:ext cx="0" cy="0"/>
+          <a:chOff x="0" y="0"/>
+          <a:chExt cx="0" cy="0"/>
+        </a:xfrm>
+      </p:grpSpPr>
+      <p:sp>
+        <p:nvSpPr>
+          <p:cNvPr id="2" name="CasellaDiTesto 1">
+            <a:extLst>
+              <a:ext uri="{FF2B5EF4-FFF2-40B4-BE49-F238E27FC236}">
+                <a16:creationId xmlns:a16="http://schemas.microsoft.com/office/drawing/2014/main" id="{4A069E5A-FD59-9C59-8724-FCD560588591}"/>
+              </a:ext>
+            </a:extLst>
+          </p:cNvPr>
+          <p:cNvSpPr txBox="1"/>
+          <p:nvPr/>
+        </p:nvSpPr>
+        <p:spPr>
+          <a:xfrm>
+            <a:off x="2130490" y="481299"/>
+            <a:ext cx="9330612" cy="800219"/>
+          </a:xfrm>
+          <a:prstGeom prst="rect">
+            <a:avLst/>
+          </a:prstGeom>
+          <a:noFill/>
+        </p:spPr>
+        <p:txBody>
+          <a:bodyPr wrap="square" rtlCol="0">
+            <a:spAutoFit/>
+          </a:bodyPr>
+          <a:lstStyle/>
+          <a:p>
+            <a:r>
+              <a:rPr lang="en-US" sz="4600" dirty="0">
+                <a:solidFill>
+                  <a:srgbClr val="607899"/>
+                </a:solidFill>
+                <a:latin typeface="+mj-lt"/>
+              </a:rPr>
+              <a:t>Requirements Analysis Strategies</a:t>
+            </a:r>
+          </a:p>
+        </p:txBody>
+      </p:sp>
+      <p:sp>
+        <p:nvSpPr>
+          <p:cNvPr id="3" name="CasellaDiTesto 2">
+            <a:extLst>
+              <a:ext uri="{FF2B5EF4-FFF2-40B4-BE49-F238E27FC236}">
+                <a16:creationId xmlns:a16="http://schemas.microsoft.com/office/drawing/2014/main" id="{CED9BEFD-858D-0BAA-DC07-C9B87C6CA27E}"/>
+              </a:ext>
+            </a:extLst>
+          </p:cNvPr>
+          <p:cNvSpPr txBox="1"/>
+          <p:nvPr/>
+        </p:nvSpPr>
+        <p:spPr>
+          <a:xfrm>
+            <a:off x="1007706" y="1492898"/>
+            <a:ext cx="9965094" cy="4801314"/>
+          </a:xfrm>
+          <a:prstGeom prst="rect">
+            <a:avLst/>
+          </a:prstGeom>
+          <a:noFill/>
+        </p:spPr>
+        <p:txBody>
+          <a:bodyPr wrap="square" rtlCol="0">
+            <a:spAutoFit/>
+          </a:bodyPr>
+          <a:lstStyle/>
+          <a:p>
+            <a:pPr marL="342900" indent="-342900">
+              <a:buAutoNum type="arabicPeriod"/>
+            </a:pPr>
+            <a:r>
+              <a:rPr lang="en-US" dirty="0">
+                <a:latin typeface="+mj-lt"/>
+              </a:rPr>
+              <a:t>*Problem Analysis*:   - *Objective*: Identify issues with current energy management and determine how the system can provide solutions. </a:t>
+            </a:r>
+          </a:p>
+          <a:p>
+            <a:pPr marL="342900" indent="-342900">
+              <a:buAutoNum type="arabicPeriod"/>
+            </a:pPr>
+            <a:r>
+              <a:rPr lang="en-US" dirty="0">
+                <a:latin typeface="+mj-lt"/>
+              </a:rPr>
+              <a:t>*Root Cause Analysis*:   - *Focus*: Investigate underlying reasons for high electricity consumption.   - *Method*: Work with users to list issues (e.g., overuse of certain appliances) and analyze their causes to inform system solutions.</a:t>
+            </a:r>
+          </a:p>
+          <a:p>
+            <a:pPr marL="342900" indent="-342900">
+              <a:buAutoNum type="arabicPeriod"/>
+            </a:pPr>
+            <a:r>
+              <a:rPr lang="en-US" dirty="0">
+                <a:latin typeface="+mj-lt"/>
+              </a:rPr>
+              <a:t>*Duration Analysis*:   - *Purpose*: Break down the time taken for each step in managing energy usage.   - *Insight*: Identify areas where reducing or combining steps could enhance efficiency, such as scheduling device usage times.</a:t>
+            </a:r>
+          </a:p>
+          <a:p>
+            <a:pPr marL="342900" indent="-342900">
+              <a:buAutoNum type="arabicPeriod"/>
+            </a:pPr>
+            <a:r>
+              <a:rPr lang="en-US" dirty="0">
+                <a:latin typeface="+mj-lt"/>
+              </a:rPr>
+              <a:t>*Activity-Based Costing*:   - *Purpose*: Assess the costs tied to each electricity-using activity.   - *Application*: Helps identify cost-saving opportunities through automated alerts or AI recommendations.</a:t>
+            </a:r>
+          </a:p>
+          <a:p>
+            <a:pPr marL="342900" indent="-342900">
+              <a:buAutoNum type="arabicPeriod"/>
+            </a:pPr>
+            <a:r>
+              <a:rPr lang="en-US" dirty="0">
+                <a:latin typeface="+mj-lt"/>
+              </a:rPr>
+              <a:t>*Informal Benchmarking*:   - *Objective*: Study similar energy-saving apps or platforms to identify best practices.</a:t>
+            </a:r>
+          </a:p>
+          <a:p>
+            <a:pPr marL="342900" indent="-342900">
+              <a:buAutoNum type="arabicPeriod"/>
+            </a:pPr>
+            <a:r>
+              <a:rPr lang="en-US" dirty="0">
+                <a:latin typeface="+mj-lt"/>
+              </a:rPr>
+              <a:t>*Technology Analysis*:   - *Focus*: Explore AI and data analysis technologies that could optimize the system’s advice on reducing usage.</a:t>
+            </a:r>
+          </a:p>
+          <a:p>
+            <a:pPr marL="342900" indent="-342900">
+              <a:buAutoNum type="arabicPeriod"/>
+            </a:pPr>
+            <a:r>
+              <a:rPr lang="en-US" dirty="0">
+                <a:latin typeface="+mj-lt"/>
+              </a:rPr>
+              <a:t>*Outcome Analysis*:   - *Objective*: Define the desired outcome, which is lower electricity bills and improved energy efficiency, and align system capabilities to achieve these results.</a:t>
+            </a:r>
+          </a:p>
+        </p:txBody>
+      </p:sp>
+    </p:spTree>
+    <p:extLst>
+      <p:ext uri="{BB962C8B-B14F-4D97-AF65-F5344CB8AC3E}">
+        <p14:creationId xmlns:p14="http://schemas.microsoft.com/office/powerpoint/2010/main" val="1201799630"/>
+      </p:ext>
+    </p:extLst>
+  </p:cSld>
+  <p:clrMapOvr>
+    <a:masterClrMapping/>
+  </p:clrMapOvr>
+  <mc:AlternateContent xmlns:mc="http://schemas.openxmlformats.org/markup-compatibility/2006">
+    <mc:Choice xmlns:p159="http://schemas.microsoft.com/office/powerpoint/2015/09/main" Requires="p159">
+      <p:transition xmlns:p14="http://schemas.microsoft.com/office/powerpoint/2010/main" spd="slow" p14:dur="2000">
+        <p159:morph option="byObject"/>
+      </p:transition>
+    </mc:Choice>
+    <mc:Fallback>
+      <p:transition spd="slow">
+        <p:fade/>
+      </p:transition>
+    </mc:Fallback>
+  </mc:AlternateContent>
+</p:sld>
+</file>
+
+<file path=ppt/slides/slide17.xml><?xml version="1.0" encoding="utf-8"?>
+<p:sld xmlns:a="http://schemas.openxmlformats.org/drawingml/2006/main" xmlns:r="http://schemas.openxmlformats.org/officeDocument/2006/relationships" xmlns:p="http://schemas.openxmlformats.org/presentationml/2006/main">
+  <p:cSld>
+    <p:spTree>
+      <p:nvGrpSpPr>
+        <p:cNvPr id="1" name="">
+          <a:extLst>
+            <a:ext uri="{FF2B5EF4-FFF2-40B4-BE49-F238E27FC236}">
+              <a16:creationId xmlns:a16="http://schemas.microsoft.com/office/drawing/2014/main" id="{18609C1E-5787-BEBB-D855-CA70DEFBA89D}"/>
+            </a:ext>
+          </a:extLst>
+        </p:cNvPr>
+        <p:cNvGrpSpPr/>
+        <p:nvPr/>
+      </p:nvGrpSpPr>
+      <p:grpSpPr>
+        <a:xfrm>
+          <a:off x="0" y="0"/>
+          <a:ext cx="0" cy="0"/>
+          <a:chOff x="0" y="0"/>
+          <a:chExt cx="0" cy="0"/>
+        </a:xfrm>
+      </p:grpSpPr>
+      <p:sp>
+        <p:nvSpPr>
+          <p:cNvPr id="3" name="CasellaDiTesto 2">
+            <a:extLst>
+              <a:ext uri="{FF2B5EF4-FFF2-40B4-BE49-F238E27FC236}">
+                <a16:creationId xmlns:a16="http://schemas.microsoft.com/office/drawing/2014/main" id="{100EFA5E-0EE4-9D83-397F-18E31ED42BAD}"/>
+              </a:ext>
+            </a:extLst>
+          </p:cNvPr>
+          <p:cNvSpPr txBox="1"/>
+          <p:nvPr/>
+        </p:nvSpPr>
+        <p:spPr>
+          <a:xfrm>
+            <a:off x="427653" y="401216"/>
+            <a:ext cx="11336694" cy="861774"/>
+          </a:xfrm>
+          <a:prstGeom prst="rect">
+            <a:avLst/>
+          </a:prstGeom>
+          <a:noFill/>
+        </p:spPr>
+        <p:txBody>
+          <a:bodyPr wrap="square" rtlCol="0">
+            <a:spAutoFit/>
+          </a:bodyPr>
+          <a:lstStyle/>
+          <a:p>
+            <a:pPr algn="ctr"/>
+            <a:r>
+              <a:rPr lang="en-US" sz="5000" dirty="0">
+                <a:solidFill>
+                  <a:srgbClr val="607899"/>
+                </a:solidFill>
+                <a:latin typeface="+mj-lt"/>
+              </a:rPr>
+              <a:t>Requirements Gathering Techniques</a:t>
+            </a:r>
+          </a:p>
+        </p:txBody>
+      </p:sp>
+      <p:sp>
+        <p:nvSpPr>
+          <p:cNvPr id="4" name="CasellaDiTesto 3">
+            <a:extLst>
+              <a:ext uri="{FF2B5EF4-FFF2-40B4-BE49-F238E27FC236}">
+                <a16:creationId xmlns:a16="http://schemas.microsoft.com/office/drawing/2014/main" id="{425C8A94-5F25-715A-1FCA-3626654D5068}"/>
+              </a:ext>
+            </a:extLst>
+          </p:cNvPr>
+          <p:cNvSpPr txBox="1"/>
+          <p:nvPr/>
+        </p:nvSpPr>
+        <p:spPr>
+          <a:xfrm>
+            <a:off x="681135" y="1558212"/>
+            <a:ext cx="10655559" cy="4708981"/>
+          </a:xfrm>
+          <a:prstGeom prst="rect">
+            <a:avLst/>
+          </a:prstGeom>
+          <a:noFill/>
+        </p:spPr>
+        <p:txBody>
+          <a:bodyPr wrap="square" rtlCol="0">
+            <a:spAutoFit/>
+          </a:bodyPr>
+          <a:lstStyle/>
+          <a:p>
+            <a:r>
+              <a:rPr lang="en-US" sz="2000" dirty="0">
+                <a:latin typeface="+mj-lt"/>
+              </a:rPr>
+              <a:t>1/Goal: Collect comprehensive user requirements, ensuring alignment between system functionality and user expectations.- </a:t>
+            </a:r>
+          </a:p>
+          <a:p>
+            <a:r>
+              <a:rPr lang="en-US" sz="2000" dirty="0">
+                <a:latin typeface="+mj-lt"/>
+              </a:rPr>
+              <a:t>2/Techniques:  </a:t>
+            </a:r>
+          </a:p>
+          <a:p>
+            <a:r>
+              <a:rPr lang="en-US" sz="2000" dirty="0">
+                <a:latin typeface="+mj-lt"/>
+              </a:rPr>
+              <a:t> </a:t>
+            </a:r>
+          </a:p>
+          <a:p>
+            <a:r>
+              <a:rPr lang="en-US" sz="2000" dirty="0">
+                <a:latin typeface="+mj-lt"/>
+              </a:rPr>
+              <a:t>*Interviews*: In-depth conversations to uncover specific needs and pain points.  - </a:t>
+            </a:r>
+          </a:p>
+          <a:p>
+            <a:endParaRPr lang="en-US" sz="2000" dirty="0">
+              <a:latin typeface="+mj-lt"/>
+            </a:endParaRPr>
+          </a:p>
+          <a:p>
+            <a:r>
+              <a:rPr lang="en-US" sz="2000" dirty="0">
+                <a:latin typeface="+mj-lt"/>
+              </a:rPr>
+              <a:t>*Joint Application Development (JAD)*: Collaborative sessions involving users and analysts to define key requirements.  - </a:t>
+            </a:r>
+          </a:p>
+          <a:p>
+            <a:endParaRPr lang="en-US" sz="2000" dirty="0">
+              <a:latin typeface="+mj-lt"/>
+            </a:endParaRPr>
+          </a:p>
+          <a:p>
+            <a:r>
+              <a:rPr lang="en-US" sz="2000" dirty="0">
+                <a:latin typeface="+mj-lt"/>
+              </a:rPr>
+              <a:t>*Questionnaires*: Distribute surveys to collect broader user feedback.  - </a:t>
+            </a:r>
+          </a:p>
+          <a:p>
+            <a:endParaRPr lang="en-US" sz="2000" dirty="0">
+              <a:latin typeface="+mj-lt"/>
+            </a:endParaRPr>
+          </a:p>
+          <a:p>
+            <a:r>
+              <a:rPr lang="en-US" sz="2000" dirty="0">
+                <a:latin typeface="+mj-lt"/>
+              </a:rPr>
+              <a:t>*Document Analysis*: Review existing energy management methods and relevant policies.  - </a:t>
+            </a:r>
+          </a:p>
+          <a:p>
+            <a:endParaRPr lang="en-US" sz="2000" dirty="0">
+              <a:latin typeface="+mj-lt"/>
+            </a:endParaRPr>
+          </a:p>
+          <a:p>
+            <a:r>
+              <a:rPr lang="en-US" sz="2000" dirty="0">
+                <a:latin typeface="+mj-lt"/>
+              </a:rPr>
+              <a:t>*Observation*: Watch how users interact with current energy tracking systems to identify areas for improvement.</a:t>
+            </a:r>
+          </a:p>
+        </p:txBody>
+      </p:sp>
+    </p:spTree>
+    <p:extLst>
+      <p:ext uri="{BB962C8B-B14F-4D97-AF65-F5344CB8AC3E}">
+        <p14:creationId xmlns:p14="http://schemas.microsoft.com/office/powerpoint/2010/main" val="690260846"/>
+      </p:ext>
+    </p:extLst>
+  </p:cSld>
+  <p:clrMapOvr>
+    <a:masterClrMapping/>
+  </p:clrMapOvr>
+  <mc:AlternateContent xmlns:mc="http://schemas.openxmlformats.org/markup-compatibility/2006">
+    <mc:Choice xmlns:p159="http://schemas.microsoft.com/office/powerpoint/2015/09/main" Requires="p159">
+      <p:transition xmlns:p14="http://schemas.microsoft.com/office/powerpoint/2010/main" spd="slow" p14:dur="2000">
+        <p159:morph option="byObject"/>
+      </p:transition>
+    </mc:Choice>
+    <mc:Fallback>
+      <p:transition spd="slow">
+        <p:fade/>
+      </p:transition>
+    </mc:Fallback>
+  </mc:AlternateContent>
+</p:sld>
+</file>
+
+<file path=ppt/slides/slide18.xml><?xml version="1.0" encoding="utf-8"?>
+<p:sld xmlns:a="http://schemas.openxmlformats.org/drawingml/2006/main" xmlns:r="http://schemas.openxmlformats.org/officeDocument/2006/relationships" xmlns:p="http://schemas.openxmlformats.org/presentationml/2006/main">
+  <p:cSld>
+    <p:spTree>
+      <p:nvGrpSpPr>
+        <p:cNvPr id="1" name="">
+          <a:extLst>
+            <a:ext uri="{FF2B5EF4-FFF2-40B4-BE49-F238E27FC236}">
+              <a16:creationId xmlns:a16="http://schemas.microsoft.com/office/drawing/2014/main" id="{DE0C461B-9369-3189-2A90-F6BB13638CD0}"/>
+            </a:ext>
+          </a:extLst>
+        </p:cNvPr>
+        <p:cNvGrpSpPr/>
+        <p:nvPr/>
+      </p:nvGrpSpPr>
+      <p:grpSpPr>
+        <a:xfrm>
+          <a:off x="0" y="0"/>
+          <a:ext cx="0" cy="0"/>
+          <a:chOff x="0" y="0"/>
+          <a:chExt cx="0" cy="0"/>
+        </a:xfrm>
+      </p:grpSpPr>
+      <p:sp>
+        <p:nvSpPr>
+          <p:cNvPr id="3" name="CasellaDiTesto 2">
+            <a:extLst>
+              <a:ext uri="{FF2B5EF4-FFF2-40B4-BE49-F238E27FC236}">
+                <a16:creationId xmlns:a16="http://schemas.microsoft.com/office/drawing/2014/main" id="{B065A6E5-6FF2-7E1D-B0E6-6B27692B1997}"/>
+              </a:ext>
+            </a:extLst>
+          </p:cNvPr>
+          <p:cNvSpPr txBox="1"/>
+          <p:nvPr/>
+        </p:nvSpPr>
+        <p:spPr>
+          <a:xfrm>
+            <a:off x="2247122" y="363894"/>
+            <a:ext cx="7697755" cy="877163"/>
+          </a:xfrm>
+          <a:prstGeom prst="rect">
+            <a:avLst/>
+          </a:prstGeom>
+          <a:noFill/>
+        </p:spPr>
+        <p:txBody>
+          <a:bodyPr wrap="square" rtlCol="0">
+            <a:spAutoFit/>
+          </a:bodyPr>
+          <a:lstStyle/>
+          <a:p>
+            <a:pPr algn="ctr"/>
+            <a:r>
+              <a:rPr lang="en-US" sz="5100" dirty="0">
+                <a:solidFill>
+                  <a:srgbClr val="607899"/>
+                </a:solidFill>
+                <a:latin typeface="+mj-lt"/>
+              </a:rPr>
+              <a:t>Interviews</a:t>
+            </a:r>
+          </a:p>
+        </p:txBody>
+      </p:sp>
+      <p:sp>
+        <p:nvSpPr>
+          <p:cNvPr id="4" name="CasellaDiTesto 3">
+            <a:extLst>
+              <a:ext uri="{FF2B5EF4-FFF2-40B4-BE49-F238E27FC236}">
+                <a16:creationId xmlns:a16="http://schemas.microsoft.com/office/drawing/2014/main" id="{EC222258-FCD8-3488-A438-D65841A5A308}"/>
+              </a:ext>
+            </a:extLst>
+          </p:cNvPr>
+          <p:cNvSpPr txBox="1"/>
+          <p:nvPr/>
+        </p:nvSpPr>
+        <p:spPr>
+          <a:xfrm>
+            <a:off x="709127" y="1241057"/>
+            <a:ext cx="10842171" cy="3139321"/>
+          </a:xfrm>
+          <a:prstGeom prst="rect">
+            <a:avLst/>
+          </a:prstGeom>
+        </p:spPr>
+        <p:txBody>
+          <a:bodyPr wrap="square" rtlCol="0">
+            <a:spAutoFit/>
+          </a:bodyPr>
+          <a:lstStyle/>
+          <a:p>
+            <a:endParaRPr lang="en-US" dirty="0"/>
+          </a:p>
+          <a:p>
+            <a:endParaRPr lang="en-US" dirty="0"/>
+          </a:p>
+          <a:p>
+            <a:endParaRPr lang="en-US" dirty="0"/>
+          </a:p>
+          <a:p>
+            <a:endParaRPr lang="en-US" dirty="0"/>
+          </a:p>
+          <a:p>
+            <a:endParaRPr lang="en-US" dirty="0"/>
+          </a:p>
+          <a:p>
+            <a:endParaRPr lang="en-US" dirty="0"/>
+          </a:p>
+          <a:p>
+            <a:endParaRPr lang="en-US" dirty="0"/>
+          </a:p>
+          <a:p>
+            <a:endParaRPr lang="en-US" dirty="0"/>
+          </a:p>
+          <a:p>
+            <a:endParaRPr lang="en-US" dirty="0"/>
+          </a:p>
+          <a:p>
+            <a:endParaRPr lang="en-US" dirty="0"/>
+          </a:p>
+          <a:p>
+            <a:endParaRPr lang="en-US" dirty="0"/>
+          </a:p>
+        </p:txBody>
+      </p:sp>
+      <p:sp>
+        <p:nvSpPr>
+          <p:cNvPr id="5" name="CasellaDiTesto 4">
+            <a:extLst>
+              <a:ext uri="{FF2B5EF4-FFF2-40B4-BE49-F238E27FC236}">
+                <a16:creationId xmlns:a16="http://schemas.microsoft.com/office/drawing/2014/main" id="{1FE3054E-580B-7ECC-A254-75A76783BBBE}"/>
+              </a:ext>
+            </a:extLst>
+          </p:cNvPr>
+          <p:cNvSpPr txBox="1"/>
+          <p:nvPr/>
+        </p:nvSpPr>
+        <p:spPr>
+          <a:xfrm>
+            <a:off x="709127" y="1241057"/>
+            <a:ext cx="10842171" cy="4893647"/>
+          </a:xfrm>
+          <a:prstGeom prst="rect">
+            <a:avLst/>
+          </a:prstGeom>
+          <a:noFill/>
+        </p:spPr>
+        <p:txBody>
+          <a:bodyPr wrap="square" rtlCol="0">
+            <a:spAutoFit/>
+          </a:bodyPr>
+          <a:lstStyle/>
+          <a:p>
+            <a:r>
+              <a:rPr lang="en-US" sz="2400" dirty="0">
+                <a:latin typeface="+mj-lt"/>
+              </a:rPr>
+              <a:t>*Objective: Collect detailed, qualitative data directly from users and stakeholders.</a:t>
+            </a:r>
+          </a:p>
+          <a:p>
+            <a:endParaRPr lang="en-US" sz="2400" dirty="0">
+              <a:latin typeface="+mj-lt"/>
+            </a:endParaRPr>
+          </a:p>
+          <a:p>
+            <a:r>
+              <a:rPr lang="en-US" sz="2400" dirty="0">
+                <a:latin typeface="+mj-lt"/>
+              </a:rPr>
+              <a:t>*</a:t>
+            </a:r>
+            <a:r>
+              <a:rPr lang="en-US" sz="2400" dirty="0" err="1">
+                <a:latin typeface="+mj-lt"/>
+              </a:rPr>
+              <a:t>Process:Selecting</a:t>
+            </a:r>
+            <a:r>
+              <a:rPr lang="en-US" sz="2400" dirty="0">
+                <a:latin typeface="+mj-lt"/>
+              </a:rPr>
+              <a:t> Interviewees: Identify users with experience in managing energy consumption, such as frequent app users.</a:t>
+            </a:r>
+          </a:p>
+          <a:p>
+            <a:r>
+              <a:rPr lang="en-US" sz="2400" dirty="0">
+                <a:latin typeface="+mj-lt"/>
+              </a:rPr>
+              <a:t>*Designing Questions:</a:t>
+            </a:r>
+          </a:p>
+          <a:p>
+            <a:r>
+              <a:rPr lang="en-US" sz="2400" dirty="0">
+                <a:latin typeface="+mj-lt"/>
+              </a:rPr>
+              <a:t>1/Open-ended: "What challenges do you face in managing your electricity usage?“</a:t>
+            </a:r>
+          </a:p>
+          <a:p>
+            <a:r>
+              <a:rPr lang="en-US" sz="2400" dirty="0">
+                <a:latin typeface="+mj-lt"/>
+              </a:rPr>
+              <a:t>2/Closed-ended: "Do you monitor your daily electricity usage? (Yes/No)"Probing: "Can you elaborate on what causes unexpected spikes in usage?“</a:t>
+            </a:r>
+          </a:p>
+          <a:p>
+            <a:r>
+              <a:rPr lang="en-US" sz="2400" dirty="0">
+                <a:latin typeface="+mj-lt"/>
+              </a:rPr>
+              <a:t>*Interview Structure:</a:t>
+            </a:r>
+          </a:p>
+          <a:p>
+            <a:r>
+              <a:rPr lang="en-US" sz="2400" dirty="0">
+                <a:latin typeface="+mj-lt"/>
+              </a:rPr>
+              <a:t>1/Top-down: Start with broad questions about overall usage habits.</a:t>
+            </a:r>
+          </a:p>
+          <a:p>
+            <a:r>
+              <a:rPr lang="en-US" sz="2400" dirty="0">
+                <a:latin typeface="+mj-lt"/>
+              </a:rPr>
+              <a:t>2/Bottom-up: Dive into specifics, such as individual device </a:t>
+            </a:r>
+            <a:r>
+              <a:rPr lang="en-US" sz="2400" dirty="0" err="1">
+                <a:latin typeface="+mj-lt"/>
+              </a:rPr>
+              <a:t>usage.Follow</a:t>
+            </a:r>
+            <a:r>
+              <a:rPr lang="en-US" sz="2400" dirty="0">
+                <a:latin typeface="+mj-lt"/>
+              </a:rPr>
+              <a:t>-up: Summarize findings, verify with interviewees, and adjust requirements based on feedback.</a:t>
+            </a:r>
+          </a:p>
+        </p:txBody>
+      </p:sp>
+    </p:spTree>
+    <p:extLst>
+      <p:ext uri="{BB962C8B-B14F-4D97-AF65-F5344CB8AC3E}">
+        <p14:creationId xmlns:p14="http://schemas.microsoft.com/office/powerpoint/2010/main" val="3412115397"/>
+      </p:ext>
+    </p:extLst>
+  </p:cSld>
+  <p:clrMapOvr>
+    <a:masterClrMapping/>
+  </p:clrMapOvr>
+  <mc:AlternateContent xmlns:mc="http://schemas.openxmlformats.org/markup-compatibility/2006">
+    <mc:Choice xmlns:p159="http://schemas.microsoft.com/office/powerpoint/2015/09/main" Requires="p159">
+      <p:transition xmlns:p14="http://schemas.microsoft.com/office/powerpoint/2010/main" spd="slow" p14:dur="2000">
+        <p159:morph option="byObject"/>
+      </p:transition>
+    </mc:Choice>
+    <mc:Fallback>
+      <p:transition spd="slow">
+        <p:fade/>
+      </p:transition>
+    </mc:Fallback>
+  </mc:AlternateContent>
+</p:sld>
+</file>
+
+<file path=ppt/slides/slide19.xml><?xml version="1.0" encoding="utf-8"?>
+<p:sld xmlns:a="http://schemas.openxmlformats.org/drawingml/2006/main" xmlns:r="http://schemas.openxmlformats.org/officeDocument/2006/relationships" xmlns:p="http://schemas.openxmlformats.org/presentationml/2006/main">
+  <p:cSld>
+    <p:spTree>
+      <p:nvGrpSpPr>
+        <p:cNvPr id="1" name="">
+          <a:extLst>
+            <a:ext uri="{FF2B5EF4-FFF2-40B4-BE49-F238E27FC236}">
+              <a16:creationId xmlns:a16="http://schemas.microsoft.com/office/drawing/2014/main" id="{1B8D6857-6E71-D6DE-7204-05290A9D9B8E}"/>
+            </a:ext>
+          </a:extLst>
+        </p:cNvPr>
+        <p:cNvGrpSpPr/>
+        <p:nvPr/>
+      </p:nvGrpSpPr>
+      <p:grpSpPr>
+        <a:xfrm>
+          <a:off x="0" y="0"/>
+          <a:ext cx="0" cy="0"/>
+          <a:chOff x="0" y="0"/>
+          <a:chExt cx="0" cy="0"/>
+        </a:xfrm>
+      </p:grpSpPr>
+      <p:sp>
+        <p:nvSpPr>
+          <p:cNvPr id="2" name="CasellaDiTesto 1">
+            <a:extLst>
+              <a:ext uri="{FF2B5EF4-FFF2-40B4-BE49-F238E27FC236}">
+                <a16:creationId xmlns:a16="http://schemas.microsoft.com/office/drawing/2014/main" id="{834EFF07-9431-6DE0-0697-FAC62E83813A}"/>
+              </a:ext>
+            </a:extLst>
+          </p:cNvPr>
+          <p:cNvSpPr txBox="1"/>
+          <p:nvPr/>
+        </p:nvSpPr>
+        <p:spPr>
+          <a:xfrm>
+            <a:off x="2932922" y="371279"/>
+            <a:ext cx="6326155" cy="877163"/>
+          </a:xfrm>
+          <a:prstGeom prst="rect">
+            <a:avLst/>
+          </a:prstGeom>
+          <a:noFill/>
+        </p:spPr>
+        <p:txBody>
+          <a:bodyPr wrap="square" rtlCol="0">
+            <a:spAutoFit/>
+          </a:bodyPr>
+          <a:lstStyle/>
+          <a:p>
+            <a:pPr algn="ctr"/>
+            <a:r>
+              <a:rPr lang="en-US" sz="5100" dirty="0">
+                <a:solidFill>
+                  <a:srgbClr val="607899"/>
+                </a:solidFill>
+                <a:latin typeface="+mj-lt"/>
+              </a:rPr>
+              <a:t>Questionnaires</a:t>
+            </a:r>
+          </a:p>
+        </p:txBody>
+      </p:sp>
+      <p:sp>
+        <p:nvSpPr>
+          <p:cNvPr id="3" name="CasellaDiTesto 2">
+            <a:extLst>
+              <a:ext uri="{FF2B5EF4-FFF2-40B4-BE49-F238E27FC236}">
+                <a16:creationId xmlns:a16="http://schemas.microsoft.com/office/drawing/2014/main" id="{F25C9F0B-5FEB-9C6A-ACC0-4AEDD8C16B17}"/>
+              </a:ext>
+            </a:extLst>
+          </p:cNvPr>
+          <p:cNvSpPr txBox="1"/>
+          <p:nvPr/>
+        </p:nvSpPr>
+        <p:spPr>
+          <a:xfrm>
+            <a:off x="690465" y="1390261"/>
+            <a:ext cx="10842172" cy="4832092"/>
+          </a:xfrm>
+          <a:prstGeom prst="rect">
+            <a:avLst/>
+          </a:prstGeom>
+          <a:noFill/>
+        </p:spPr>
+        <p:txBody>
+          <a:bodyPr wrap="square" rtlCol="0">
+            <a:spAutoFit/>
+          </a:bodyPr>
+          <a:lstStyle/>
+          <a:p>
+            <a:r>
+              <a:rPr lang="en-US" sz="2200" dirty="0">
+                <a:latin typeface="+mj-lt"/>
+              </a:rPr>
+              <a:t>Purpose: Gather information from a larger user base efficiently.</a:t>
+            </a:r>
+          </a:p>
+          <a:p>
+            <a:endParaRPr lang="en-US" sz="2200" dirty="0">
+              <a:latin typeface="+mj-lt"/>
+            </a:endParaRPr>
+          </a:p>
+          <a:p>
+            <a:r>
+              <a:rPr lang="en-US" sz="2200" dirty="0">
+                <a:latin typeface="+mj-lt"/>
+              </a:rPr>
+              <a:t>1- Steps:</a:t>
+            </a:r>
+          </a:p>
+          <a:p>
+            <a:pPr marL="285750" indent="-285750">
+              <a:buFont typeface="Arial" panose="020B0604020202020204" pitchFamily="34" charset="0"/>
+              <a:buChar char="•"/>
+            </a:pPr>
+            <a:r>
+              <a:rPr lang="en-US" sz="2200" dirty="0">
+                <a:latin typeface="+mj-lt"/>
+              </a:rPr>
+              <a:t>Selecting Participants: Choose a representative sample of users.</a:t>
+            </a:r>
+          </a:p>
+          <a:p>
+            <a:pPr marL="285750" indent="-285750">
+              <a:buFont typeface="Arial" panose="020B0604020202020204" pitchFamily="34" charset="0"/>
+              <a:buChar char="•"/>
+            </a:pPr>
+            <a:r>
+              <a:rPr lang="en-US" sz="2200" dirty="0">
+                <a:latin typeface="+mj-lt"/>
+              </a:rPr>
+              <a:t>Designing Questions: Clear, straightforward questions are essential to avoid ambiguity.</a:t>
+            </a:r>
+          </a:p>
+          <a:p>
+            <a:pPr marL="285750" indent="-285750">
+              <a:buFont typeface="Arial" panose="020B0604020202020204" pitchFamily="34" charset="0"/>
+              <a:buChar char="•"/>
+            </a:pPr>
+            <a:r>
+              <a:rPr lang="en-US" sz="2200" dirty="0">
+                <a:latin typeface="+mj-lt"/>
+              </a:rPr>
+              <a:t>Administering the Questionnaire: Use incentives, like small rewards, to boost response rates</a:t>
+            </a:r>
+          </a:p>
+          <a:p>
+            <a:pPr marL="285750" indent="-285750">
+              <a:buFont typeface="Arial" panose="020B0604020202020204" pitchFamily="34" charset="0"/>
+              <a:buChar char="•"/>
+            </a:pPr>
+            <a:r>
+              <a:rPr lang="en-US" sz="2200">
+                <a:latin typeface="+mj-lt"/>
+              </a:rPr>
+              <a:t>Follow up</a:t>
+            </a:r>
+            <a:r>
+              <a:rPr lang="en-US" sz="2200" dirty="0">
+                <a:latin typeface="+mj-lt"/>
+              </a:rPr>
+              <a:t>: Share results with respondents to reinforce trust and thank them for their input.</a:t>
+            </a:r>
+          </a:p>
+          <a:p>
+            <a:pPr marL="285750" indent="-285750">
+              <a:buFont typeface="Arial" panose="020B0604020202020204" pitchFamily="34" charset="0"/>
+              <a:buChar char="•"/>
+            </a:pPr>
+            <a:endParaRPr lang="en-US" sz="2200" dirty="0">
+              <a:latin typeface="+mj-lt"/>
+            </a:endParaRPr>
+          </a:p>
+          <a:p>
+            <a:pPr marL="285750" indent="-285750">
+              <a:buFont typeface="Arial" panose="020B0604020202020204" pitchFamily="34" charset="0"/>
+              <a:buChar char="•"/>
+            </a:pPr>
+            <a:r>
+              <a:rPr lang="en-US" sz="2200" dirty="0">
+                <a:latin typeface="+mj-lt"/>
+              </a:rPr>
+              <a:t>2- Design Tips:</a:t>
+            </a:r>
+          </a:p>
+          <a:p>
+            <a:pPr marL="285750" indent="-285750">
+              <a:buFont typeface="Arial" panose="020B0604020202020204" pitchFamily="34" charset="0"/>
+              <a:buChar char="•"/>
+            </a:pPr>
+            <a:r>
+              <a:rPr lang="en-US" sz="2200" dirty="0">
+                <a:latin typeface="+mj-lt"/>
+              </a:rPr>
+              <a:t>Begin with non-threatening questions.</a:t>
+            </a:r>
+          </a:p>
+          <a:p>
+            <a:pPr marL="285750" indent="-285750">
+              <a:buFont typeface="Arial" panose="020B0604020202020204" pitchFamily="34" charset="0"/>
+              <a:buChar char="•"/>
+            </a:pPr>
+            <a:r>
+              <a:rPr lang="en-US" sz="2200" dirty="0">
+                <a:latin typeface="+mj-lt"/>
+              </a:rPr>
+              <a:t>Group similar questions together for logical flow.</a:t>
+            </a:r>
+          </a:p>
+          <a:p>
+            <a:pPr marL="285750" indent="-285750">
+              <a:buFont typeface="Arial" panose="020B0604020202020204" pitchFamily="34" charset="0"/>
+              <a:buChar char="•"/>
+            </a:pPr>
+            <a:r>
+              <a:rPr lang="en-US" sz="2200" dirty="0">
+                <a:latin typeface="+mj-lt"/>
+              </a:rPr>
+              <a:t>Pre-test the questionnaire to identify any confusing items.</a:t>
+            </a:r>
+          </a:p>
+        </p:txBody>
+      </p:sp>
+    </p:spTree>
+    <p:extLst>
+      <p:ext uri="{BB962C8B-B14F-4D97-AF65-F5344CB8AC3E}">
+        <p14:creationId xmlns:p14="http://schemas.microsoft.com/office/powerpoint/2010/main" val="1496018807"/>
+      </p:ext>
+    </p:extLst>
+  </p:cSld>
+  <p:clrMapOvr>
+    <a:masterClrMapping/>
+  </p:clrMapOvr>
+  <mc:AlternateContent xmlns:mc="http://schemas.openxmlformats.org/markup-compatibility/2006">
+    <mc:Choice xmlns:p159="http://schemas.microsoft.com/office/powerpoint/2015/09/main" Requires="p159">
       <p:transition xmlns:p14="http://schemas.microsoft.com/office/powerpoint/2010/main" spd="slow" p14:dur="2000">
         <p159:morph option="byObject"/>
       </p:transition>
@@ -6786,10 +8091,10 @@
           <p:cNvPr id="23" name="Rectangle 22">
             <a:extLst>
               <a:ext uri="{FF2B5EF4-FFF2-40B4-BE49-F238E27FC236}">
-                <a16:creationId xmlns:a16="http://schemas.microsoft.com/office/drawing/2014/main" xmlns="" id="{CF10C978-51B5-420C-9A05-C8F194EACAC3}"/>
+                <a16:creationId xmlns:a16="http://schemas.microsoft.com/office/drawing/2014/main" id="{CF10C978-51B5-420C-9A05-C8F194EACAC3}"/>
               </a:ext>
               <a:ext uri="{C183D7F6-B498-43B3-948B-1728B52AA6E4}">
-                <adec:decorative xmlns:adec="http://schemas.microsoft.com/office/drawing/2017/decorative" xmlns="" val="1"/>
+                <adec:decorative xmlns:adec="http://schemas.microsoft.com/office/drawing/2017/decorative" val="1"/>
               </a:ext>
             </a:extLst>
           </p:cNvPr>
@@ -6799,7 +8104,7 @@
           <p:nvPr>
             <p:extLst>
               <p:ext uri="{386F3935-93C4-4BCD-93E2-E3B085C9AB24}">
-                <p16:designElem xmlns:p16="http://schemas.microsoft.com/office/powerpoint/2015/main" xmlns="" val="1"/>
+                <p16:designElem xmlns:p16="http://schemas.microsoft.com/office/powerpoint/2015/main" val="1"/>
               </p:ext>
             </p:extLst>
           </p:nvPr>
@@ -6846,10 +8151,10 @@
           <p:cNvPr id="24" name="Rectangle 23">
             <a:extLst>
               <a:ext uri="{FF2B5EF4-FFF2-40B4-BE49-F238E27FC236}">
-                <a16:creationId xmlns:a16="http://schemas.microsoft.com/office/drawing/2014/main" xmlns="" id="{28D34D1C-4E49-4D32-96F1-E49CEBBF86E0}"/>
+                <a16:creationId xmlns:a16="http://schemas.microsoft.com/office/drawing/2014/main" id="{28D34D1C-4E49-4D32-96F1-E49CEBBF86E0}"/>
               </a:ext>
               <a:ext uri="{C183D7F6-B498-43B3-948B-1728B52AA6E4}">
-                <adec:decorative xmlns:adec="http://schemas.microsoft.com/office/drawing/2017/decorative" xmlns="" val="1"/>
+                <adec:decorative xmlns:adec="http://schemas.microsoft.com/office/drawing/2017/decorative" val="1"/>
               </a:ext>
             </a:extLst>
           </p:cNvPr>
@@ -6859,7 +8164,7 @@
           <p:nvPr>
             <p:extLst>
               <p:ext uri="{386F3935-93C4-4BCD-93E2-E3B085C9AB24}">
-                <p16:designElem xmlns:p16="http://schemas.microsoft.com/office/powerpoint/2015/main" xmlns="" val="1"/>
+                <p16:designElem xmlns:p16="http://schemas.microsoft.com/office/powerpoint/2015/main" val="1"/>
               </p:ext>
             </p:extLst>
           </p:nvPr>
@@ -6912,7 +8217,7 @@
           <p:cNvPr id="2" name="Title 1">
             <a:extLst>
               <a:ext uri="{FF2B5EF4-FFF2-40B4-BE49-F238E27FC236}">
-                <a16:creationId xmlns:a16="http://schemas.microsoft.com/office/drawing/2014/main" xmlns="" id="{1828427D-00E8-7343-23AA-BB7BF9DB6623}"/>
+                <a16:creationId xmlns:a16="http://schemas.microsoft.com/office/drawing/2014/main" id="{1828427D-00E8-7343-23AA-BB7BF9DB6623}"/>
               </a:ext>
             </a:extLst>
           </p:cNvPr>
@@ -6947,7 +8252,7 @@
           <p:cNvPr id="3" name="Content Placeholder 2">
             <a:extLst>
               <a:ext uri="{FF2B5EF4-FFF2-40B4-BE49-F238E27FC236}">
-                <a16:creationId xmlns:a16="http://schemas.microsoft.com/office/drawing/2014/main" xmlns="" id="{19D8C378-CE95-CCB8-7C06-90174EDE3CBD}"/>
+                <a16:creationId xmlns:a16="http://schemas.microsoft.com/office/drawing/2014/main" id="{19D8C378-CE95-CCB8-7C06-90174EDE3CBD}"/>
               </a:ext>
             </a:extLst>
           </p:cNvPr>
@@ -7030,10 +8335,10 @@
           <p:cNvPr id="25" name="Group 24">
             <a:extLst>
               <a:ext uri="{FF2B5EF4-FFF2-40B4-BE49-F238E27FC236}">
-                <a16:creationId xmlns:a16="http://schemas.microsoft.com/office/drawing/2014/main" xmlns="" id="{B3E72256-336B-4C56-A208-D12E28599B6F}"/>
+                <a16:creationId xmlns:a16="http://schemas.microsoft.com/office/drawing/2014/main" id="{B3E72256-336B-4C56-A208-D12E28599B6F}"/>
               </a:ext>
               <a:ext uri="{C183D7F6-B498-43B3-948B-1728B52AA6E4}">
-                <adec:decorative xmlns:adec="http://schemas.microsoft.com/office/drawing/2017/decorative" xmlns="" val="1"/>
+                <adec:decorative xmlns:adec="http://schemas.microsoft.com/office/drawing/2017/decorative" val="1"/>
               </a:ext>
             </a:extLst>
           </p:cNvPr>
@@ -7043,7 +8348,7 @@
           <p:nvPr>
             <p:extLst>
               <p:ext uri="{386F3935-93C4-4BCD-93E2-E3B085C9AB24}">
-                <p16:designElem xmlns:p16="http://schemas.microsoft.com/office/powerpoint/2015/main" xmlns="" val="1"/>
+                <p16:designElem xmlns:p16="http://schemas.microsoft.com/office/powerpoint/2015/main" val="1"/>
               </p:ext>
             </p:extLst>
           </p:nvPr>
@@ -7061,10 +8366,10 @@
             <p:cNvPr id="13" name="Straight Connector 12">
               <a:extLst>
                 <a:ext uri="{FF2B5EF4-FFF2-40B4-BE49-F238E27FC236}">
-                  <a16:creationId xmlns:a16="http://schemas.microsoft.com/office/drawing/2014/main" xmlns="" id="{6D1A7D90-D071-42CE-8999-521FE5EB0C9B}"/>
+                  <a16:creationId xmlns:a16="http://schemas.microsoft.com/office/drawing/2014/main" id="{6D1A7D90-D071-42CE-8999-521FE5EB0C9B}"/>
                 </a:ext>
                 <a:ext uri="{C183D7F6-B498-43B3-948B-1728B52AA6E4}">
-                  <adec:decorative xmlns:adec="http://schemas.microsoft.com/office/drawing/2017/decorative" xmlns="" val="1"/>
+                  <adec:decorative xmlns:adec="http://schemas.microsoft.com/office/drawing/2017/decorative" val="1"/>
                 </a:ext>
               </a:extLst>
             </p:cNvPr>
@@ -7074,7 +8379,7 @@
             <p:nvPr>
               <p:extLst>
                 <p:ext uri="{386F3935-93C4-4BCD-93E2-E3B085C9AB24}">
-                  <p16:designElem xmlns:p16="http://schemas.microsoft.com/office/powerpoint/2015/main" xmlns="" val="1"/>
+                  <p16:designElem xmlns:p16="http://schemas.microsoft.com/office/powerpoint/2015/main" val="1"/>
                 </p:ext>
               </p:extLst>
             </p:nvPr>
@@ -7113,10 +8418,10 @@
             <p:cNvPr id="14" name="Freeform: Shape 13">
               <a:extLst>
                 <a:ext uri="{FF2B5EF4-FFF2-40B4-BE49-F238E27FC236}">
-                  <a16:creationId xmlns:a16="http://schemas.microsoft.com/office/drawing/2014/main" xmlns="" id="{88BA3207-8B24-423E-876F-EED4F64FCB61}"/>
+                  <a16:creationId xmlns:a16="http://schemas.microsoft.com/office/drawing/2014/main" id="{88BA3207-8B24-423E-876F-EED4F64FCB61}"/>
                 </a:ext>
                 <a:ext uri="{C183D7F6-B498-43B3-948B-1728B52AA6E4}">
-                  <adec:decorative xmlns:adec="http://schemas.microsoft.com/office/drawing/2017/decorative" xmlns="" val="1"/>
+                  <adec:decorative xmlns:adec="http://schemas.microsoft.com/office/drawing/2017/decorative" val="1"/>
                 </a:ext>
               </a:extLst>
             </p:cNvPr>
@@ -7124,7 +8429,7 @@
             <p:nvPr>
               <p:extLst>
                 <p:ext uri="{386F3935-93C4-4BCD-93E2-E3B085C9AB24}">
-                  <p16:designElem xmlns:p16="http://schemas.microsoft.com/office/powerpoint/2015/main" xmlns="" val="1"/>
+                  <p16:designElem xmlns:p16="http://schemas.microsoft.com/office/powerpoint/2015/main" val="1"/>
                 </p:ext>
               </p:extLst>
             </p:nvPr>
@@ -7283,10 +8588,10 @@
             <p:cNvPr id="15" name="Straight Connector 14">
               <a:extLst>
                 <a:ext uri="{FF2B5EF4-FFF2-40B4-BE49-F238E27FC236}">
-                  <a16:creationId xmlns:a16="http://schemas.microsoft.com/office/drawing/2014/main" xmlns="" id="{E36E21C5-DC18-4475-9613-1AF97FC0CAB4}"/>
+                  <a16:creationId xmlns:a16="http://schemas.microsoft.com/office/drawing/2014/main" id="{E36E21C5-DC18-4475-9613-1AF97FC0CAB4}"/>
                 </a:ext>
                 <a:ext uri="{C183D7F6-B498-43B3-948B-1728B52AA6E4}">
-                  <adec:decorative xmlns:adec="http://schemas.microsoft.com/office/drawing/2017/decorative" xmlns="" val="1"/>
+                  <adec:decorative xmlns:adec="http://schemas.microsoft.com/office/drawing/2017/decorative" val="1"/>
                 </a:ext>
               </a:extLst>
             </p:cNvPr>
@@ -7296,7 +8601,7 @@
             <p:nvPr>
               <p:extLst>
                 <p:ext uri="{386F3935-93C4-4BCD-93E2-E3B085C9AB24}">
-                  <p16:designElem xmlns:p16="http://schemas.microsoft.com/office/powerpoint/2015/main" xmlns="" val="1"/>
+                  <p16:designElem xmlns:p16="http://schemas.microsoft.com/office/powerpoint/2015/main" val="1"/>
                 </p:ext>
               </p:extLst>
             </p:nvPr>
@@ -7335,10 +8640,10 @@
             <p:cNvPr id="16" name="Straight Connector 15">
               <a:extLst>
                 <a:ext uri="{FF2B5EF4-FFF2-40B4-BE49-F238E27FC236}">
-                  <a16:creationId xmlns:a16="http://schemas.microsoft.com/office/drawing/2014/main" xmlns="" id="{28498F04-5415-4A8B-A069-CF07486ECF69}"/>
+                  <a16:creationId xmlns:a16="http://schemas.microsoft.com/office/drawing/2014/main" id="{28498F04-5415-4A8B-A069-CF07486ECF69}"/>
                 </a:ext>
                 <a:ext uri="{C183D7F6-B498-43B3-948B-1728B52AA6E4}">
-                  <adec:decorative xmlns:adec="http://schemas.microsoft.com/office/drawing/2017/decorative" xmlns="" val="1"/>
+                  <adec:decorative xmlns:adec="http://schemas.microsoft.com/office/drawing/2017/decorative" val="1"/>
                 </a:ext>
               </a:extLst>
             </p:cNvPr>
@@ -7348,7 +8653,7 @@
             <p:nvPr>
               <p:extLst>
                 <p:ext uri="{386F3935-93C4-4BCD-93E2-E3B085C9AB24}">
-                  <p16:designElem xmlns:p16="http://schemas.microsoft.com/office/powerpoint/2015/main" xmlns="" val="1"/>
+                  <p16:designElem xmlns:p16="http://schemas.microsoft.com/office/powerpoint/2015/main" val="1"/>
                 </p:ext>
               </p:extLst>
             </p:nvPr>
@@ -7387,10 +8692,10 @@
             <p:cNvPr id="17" name="Graphic 8">
               <a:extLst>
                 <a:ext uri="{FF2B5EF4-FFF2-40B4-BE49-F238E27FC236}">
-                  <a16:creationId xmlns:a16="http://schemas.microsoft.com/office/drawing/2014/main" xmlns="" id="{7536A5CA-5F9D-44C7-87C6-A12CF740D518}"/>
+                  <a16:creationId xmlns:a16="http://schemas.microsoft.com/office/drawing/2014/main" id="{7536A5CA-5F9D-44C7-87C6-A12CF740D518}"/>
                 </a:ext>
                 <a:ext uri="{C183D7F6-B498-43B3-948B-1728B52AA6E4}">
-                  <adec:decorative xmlns:adec="http://schemas.microsoft.com/office/drawing/2017/decorative" xmlns="" val="1"/>
+                  <adec:decorative xmlns:adec="http://schemas.microsoft.com/office/drawing/2017/decorative" val="1"/>
                 </a:ext>
               </a:extLst>
             </p:cNvPr>
@@ -7398,7 +8703,7 @@
             <p:nvPr>
               <p:extLst>
                 <p:ext uri="{386F3935-93C4-4BCD-93E2-E3B085C9AB24}">
-                  <p16:designElem xmlns:p16="http://schemas.microsoft.com/office/powerpoint/2015/main" xmlns="" val="1"/>
+                  <p16:designElem xmlns:p16="http://schemas.microsoft.com/office/powerpoint/2015/main" val="1"/>
                 </p:ext>
               </p:extLst>
             </p:nvPr>
@@ -7471,10 +8776,10 @@
             <p:cNvPr id="18" name="Graphic 8">
               <a:extLst>
                 <a:ext uri="{FF2B5EF4-FFF2-40B4-BE49-F238E27FC236}">
-                  <a16:creationId xmlns:a16="http://schemas.microsoft.com/office/drawing/2014/main" xmlns="" id="{BE6FB307-61DF-42E4-ACB8-4E47813A8107}"/>
+                  <a16:creationId xmlns:a16="http://schemas.microsoft.com/office/drawing/2014/main" id="{BE6FB307-61DF-42E4-ACB8-4E47813A8107}"/>
                 </a:ext>
                 <a:ext uri="{C183D7F6-B498-43B3-948B-1728B52AA6E4}">
-                  <adec:decorative xmlns:adec="http://schemas.microsoft.com/office/drawing/2017/decorative" xmlns="" val="1"/>
+                  <adec:decorative xmlns:adec="http://schemas.microsoft.com/office/drawing/2017/decorative" val="1"/>
                 </a:ext>
               </a:extLst>
             </p:cNvPr>
@@ -7482,7 +8787,7 @@
             <p:nvPr>
               <p:extLst>
                 <p:ext uri="{386F3935-93C4-4BCD-93E2-E3B085C9AB24}">
-                  <p16:designElem xmlns:p16="http://schemas.microsoft.com/office/powerpoint/2015/main" xmlns="" val="1"/>
+                  <p16:designElem xmlns:p16="http://schemas.microsoft.com/office/powerpoint/2015/main" val="1"/>
                 </p:ext>
               </p:extLst>
             </p:nvPr>
@@ -7555,10 +8860,10 @@
             <p:cNvPr id="19" name="Straight Connector 18">
               <a:extLst>
                 <a:ext uri="{FF2B5EF4-FFF2-40B4-BE49-F238E27FC236}">
-                  <a16:creationId xmlns:a16="http://schemas.microsoft.com/office/drawing/2014/main" xmlns="" id="{E7C9104A-0B2E-42A7-8F27-CCEFDBA9001C}"/>
+                  <a16:creationId xmlns:a16="http://schemas.microsoft.com/office/drawing/2014/main" id="{E7C9104A-0B2E-42A7-8F27-CCEFDBA9001C}"/>
                 </a:ext>
                 <a:ext uri="{C183D7F6-B498-43B3-948B-1728B52AA6E4}">
-                  <adec:decorative xmlns:adec="http://schemas.microsoft.com/office/drawing/2017/decorative" xmlns="" val="1"/>
+                  <adec:decorative xmlns:adec="http://schemas.microsoft.com/office/drawing/2017/decorative" val="1"/>
                 </a:ext>
               </a:extLst>
             </p:cNvPr>
@@ -7568,7 +8873,7 @@
             <p:nvPr>
               <p:extLst>
                 <p:ext uri="{386F3935-93C4-4BCD-93E2-E3B085C9AB24}">
-                  <p16:designElem xmlns:p16="http://schemas.microsoft.com/office/powerpoint/2015/main" xmlns="" val="1"/>
+                  <p16:designElem xmlns:p16="http://schemas.microsoft.com/office/powerpoint/2015/main" val="1"/>
                 </p:ext>
               </p:extLst>
             </p:nvPr>
@@ -7607,10 +8912,10 @@
             <p:cNvPr id="20" name="Straight Connector 19">
               <a:extLst>
                 <a:ext uri="{FF2B5EF4-FFF2-40B4-BE49-F238E27FC236}">
-                  <a16:creationId xmlns:a16="http://schemas.microsoft.com/office/drawing/2014/main" xmlns="" id="{07C0EC34-7095-4362-AA58-F57213137383}"/>
+                  <a16:creationId xmlns:a16="http://schemas.microsoft.com/office/drawing/2014/main" id="{07C0EC34-7095-4362-AA58-F57213137383}"/>
                 </a:ext>
                 <a:ext uri="{C183D7F6-B498-43B3-948B-1728B52AA6E4}">
-                  <adec:decorative xmlns:adec="http://schemas.microsoft.com/office/drawing/2017/decorative" xmlns="" val="1"/>
+                  <adec:decorative xmlns:adec="http://schemas.microsoft.com/office/drawing/2017/decorative" val="1"/>
                 </a:ext>
               </a:extLst>
             </p:cNvPr>
@@ -7620,7 +8925,7 @@
             <p:nvPr>
               <p:extLst>
                 <p:ext uri="{386F3935-93C4-4BCD-93E2-E3B085C9AB24}">
-                  <p16:designElem xmlns:p16="http://schemas.microsoft.com/office/powerpoint/2015/main" xmlns="" val="1"/>
+                  <p16:designElem xmlns:p16="http://schemas.microsoft.com/office/powerpoint/2015/main" val="1"/>
                 </p:ext>
               </p:extLst>
             </p:nvPr>
@@ -7659,10 +8964,10 @@
             <p:cNvPr id="21" name="Straight Connector 20">
               <a:extLst>
                 <a:ext uri="{FF2B5EF4-FFF2-40B4-BE49-F238E27FC236}">
-                  <a16:creationId xmlns:a16="http://schemas.microsoft.com/office/drawing/2014/main" xmlns="" id="{3C19E597-F67B-455A-9D77-8B564DC5DB2C}"/>
+                  <a16:creationId xmlns:a16="http://schemas.microsoft.com/office/drawing/2014/main" id="{3C19E597-F67B-455A-9D77-8B564DC5DB2C}"/>
                 </a:ext>
                 <a:ext uri="{C183D7F6-B498-43B3-948B-1728B52AA6E4}">
-                  <adec:decorative xmlns:adec="http://schemas.microsoft.com/office/drawing/2017/decorative" xmlns="" val="1"/>
+                  <adec:decorative xmlns:adec="http://schemas.microsoft.com/office/drawing/2017/decorative" val="1"/>
                 </a:ext>
               </a:extLst>
             </p:cNvPr>
@@ -7672,7 +8977,7 @@
             <p:nvPr>
               <p:extLst>
                 <p:ext uri="{386F3935-93C4-4BCD-93E2-E3B085C9AB24}">
-                  <p16:designElem xmlns:p16="http://schemas.microsoft.com/office/powerpoint/2015/main" xmlns="" val="1"/>
+                  <p16:designElem xmlns:p16="http://schemas.microsoft.com/office/powerpoint/2015/main" val="1"/>
                 </p:ext>
               </p:extLst>
             </p:nvPr>
@@ -7711,10 +9016,10 @@
             <p:cNvPr id="22" name="Straight Connector 21">
               <a:extLst>
                 <a:ext uri="{FF2B5EF4-FFF2-40B4-BE49-F238E27FC236}">
-                  <a16:creationId xmlns:a16="http://schemas.microsoft.com/office/drawing/2014/main" xmlns="" id="{2CFF4279-F451-4DED-87EB-1899D7E4EBFE}"/>
+                  <a16:creationId xmlns:a16="http://schemas.microsoft.com/office/drawing/2014/main" id="{2CFF4279-F451-4DED-87EB-1899D7E4EBFE}"/>
                 </a:ext>
                 <a:ext uri="{C183D7F6-B498-43B3-948B-1728B52AA6E4}">
-                  <adec:decorative xmlns:adec="http://schemas.microsoft.com/office/drawing/2017/decorative" xmlns="" val="1"/>
+                  <adec:decorative xmlns:adec="http://schemas.microsoft.com/office/drawing/2017/decorative" val="1"/>
                 </a:ext>
               </a:extLst>
             </p:cNvPr>
@@ -7724,7 +9029,7 @@
             <p:nvPr>
               <p:extLst>
                 <p:ext uri="{386F3935-93C4-4BCD-93E2-E3B085C9AB24}">
-                  <p16:designElem xmlns:p16="http://schemas.microsoft.com/office/powerpoint/2015/main" xmlns="" val="1"/>
+                  <p16:designElem xmlns:p16="http://schemas.microsoft.com/office/powerpoint/2015/main" val="1"/>
                 </p:ext>
               </p:extLst>
             </p:nvPr>
@@ -7769,25 +9074,18 @@
   <p:clrMapOvr>
     <a:overrideClrMapping bg1="dk1" tx1="lt1" bg2="dk2" tx2="lt2" accent1="accent1" accent2="accent2" accent3="accent3" accent4="accent4" accent5="accent5" accent6="accent6" hlink="hlink" folHlink="folHlink"/>
   </p:clrMapOvr>
-  <mc:AlternateContent xmlns:mc="http://schemas.openxmlformats.org/markup-compatibility/2006">
-    <mc:Choice xmlns:p159="http://schemas.microsoft.com/office/powerpoint/2015/09/main" xmlns="" Requires="p159">
+  <mc:AlternateContent xmlns:mc="http://schemas.openxmlformats.org/markup-compatibility/2006" xmlns:p159="http://schemas.microsoft.com/office/powerpoint/2015/09/main">
+    <mc:Choice Requires="p159">
       <p:transition xmlns:p14="http://schemas.microsoft.com/office/powerpoint/2010/main" spd="slow" p14:dur="2000">
         <p159:morph option="byObject"/>
       </p:transition>
     </mc:Choice>
-    <mc:Fallback>
+    <mc:Fallback xmlns="">
       <p:transition spd="slow">
         <p:fade/>
       </p:transition>
     </mc:Fallback>
   </mc:AlternateContent>
-  <p:timing>
-    <p:tnLst>
-      <p:par>
-        <p:cTn id="1" dur="indefinite" restart="never" nodeType="tmRoot"/>
-      </p:par>
-    </p:tnLst>
-  </p:timing>
 </p:sld>
 </file>
 
@@ -7821,10 +9119,10 @@
           <p:cNvPr id="26" name="Rectangle 25">
             <a:extLst>
               <a:ext uri="{FF2B5EF4-FFF2-40B4-BE49-F238E27FC236}">
-                <a16:creationId xmlns:a16="http://schemas.microsoft.com/office/drawing/2014/main" xmlns="" id="{AE6FDE22-1F54-452D-A9BA-1BE9FDB53450}"/>
+                <a16:creationId xmlns:a16="http://schemas.microsoft.com/office/drawing/2014/main" id="{AE6FDE22-1F54-452D-A9BA-1BE9FDB53450}"/>
               </a:ext>
               <a:ext uri="{C183D7F6-B498-43B3-948B-1728B52AA6E4}">
-                <adec:decorative xmlns:adec="http://schemas.microsoft.com/office/drawing/2017/decorative" xmlns="" val="1"/>
+                <adec:decorative xmlns:adec="http://schemas.microsoft.com/office/drawing/2017/decorative" val="1"/>
               </a:ext>
             </a:extLst>
           </p:cNvPr>
@@ -7834,7 +9132,7 @@
           <p:nvPr>
             <p:extLst>
               <p:ext uri="{386F3935-93C4-4BCD-93E2-E3B085C9AB24}">
-                <p16:designElem xmlns:p16="http://schemas.microsoft.com/office/powerpoint/2015/main" xmlns="" val="1"/>
+                <p16:designElem xmlns:p16="http://schemas.microsoft.com/office/powerpoint/2015/main" val="1"/>
               </p:ext>
             </p:extLst>
           </p:nvPr>
@@ -7881,10 +9179,10 @@
           <p:cNvPr id="28" name="Rectangle 27">
             <a:extLst>
               <a:ext uri="{FF2B5EF4-FFF2-40B4-BE49-F238E27FC236}">
-                <a16:creationId xmlns:a16="http://schemas.microsoft.com/office/drawing/2014/main" xmlns="" id="{F06127CE-6F15-49AE-9751-398F3AC67163}"/>
+                <a16:creationId xmlns:a16="http://schemas.microsoft.com/office/drawing/2014/main" id="{F06127CE-6F15-49AE-9751-398F3AC67163}"/>
               </a:ext>
               <a:ext uri="{C183D7F6-B498-43B3-948B-1728B52AA6E4}">
-                <adec:decorative xmlns:adec="http://schemas.microsoft.com/office/drawing/2017/decorative" xmlns="" val="1"/>
+                <adec:decorative xmlns:adec="http://schemas.microsoft.com/office/drawing/2017/decorative" val="1"/>
               </a:ext>
             </a:extLst>
           </p:cNvPr>
@@ -7894,7 +9192,7 @@
           <p:nvPr>
             <p:extLst>
               <p:ext uri="{386F3935-93C4-4BCD-93E2-E3B085C9AB24}">
-                <p16:designElem xmlns:p16="http://schemas.microsoft.com/office/powerpoint/2015/main" xmlns="" val="1"/>
+                <p16:designElem xmlns:p16="http://schemas.microsoft.com/office/powerpoint/2015/main" val="1"/>
               </p:ext>
             </p:extLst>
           </p:nvPr>
@@ -7947,7 +9245,7 @@
           <p:cNvPr id="2" name="Title 1">
             <a:extLst>
               <a:ext uri="{FF2B5EF4-FFF2-40B4-BE49-F238E27FC236}">
-                <a16:creationId xmlns:a16="http://schemas.microsoft.com/office/drawing/2014/main" xmlns="" id="{943FFA39-B050-6E01-DA36-C6FB812064E8}"/>
+                <a16:creationId xmlns:a16="http://schemas.microsoft.com/office/drawing/2014/main" id="{943FFA39-B050-6E01-DA36-C6FB812064E8}"/>
               </a:ext>
             </a:extLst>
           </p:cNvPr>
@@ -7982,7 +9280,7 @@
           <p:cNvPr id="3" name="Content Placeholder 2">
             <a:extLst>
               <a:ext uri="{FF2B5EF4-FFF2-40B4-BE49-F238E27FC236}">
-                <a16:creationId xmlns:a16="http://schemas.microsoft.com/office/drawing/2014/main" xmlns="" id="{C759F7E9-A8F8-AC76-E747-37972266B03E}"/>
+                <a16:creationId xmlns:a16="http://schemas.microsoft.com/office/drawing/2014/main" id="{C759F7E9-A8F8-AC76-E747-37972266B03E}"/>
               </a:ext>
             </a:extLst>
           </p:cNvPr>
@@ -8182,10 +9480,10 @@
           <p:cNvPr id="30" name="Group 29">
             <a:extLst>
               <a:ext uri="{FF2B5EF4-FFF2-40B4-BE49-F238E27FC236}">
-                <a16:creationId xmlns:a16="http://schemas.microsoft.com/office/drawing/2014/main" xmlns="" id="{FCAB7548-8099-4066-AA4A-668904679008}"/>
+                <a16:creationId xmlns:a16="http://schemas.microsoft.com/office/drawing/2014/main" id="{FCAB7548-8099-4066-AA4A-668904679008}"/>
               </a:ext>
               <a:ext uri="{C183D7F6-B498-43B3-948B-1728B52AA6E4}">
-                <adec:decorative xmlns:adec="http://schemas.microsoft.com/office/drawing/2017/decorative" xmlns="" val="1"/>
+                <adec:decorative xmlns:adec="http://schemas.microsoft.com/office/drawing/2017/decorative" val="1"/>
               </a:ext>
             </a:extLst>
           </p:cNvPr>
@@ -8195,7 +9493,7 @@
           <p:nvPr>
             <p:extLst>
               <p:ext uri="{386F3935-93C4-4BCD-93E2-E3B085C9AB24}">
-                <p16:designElem xmlns:p16="http://schemas.microsoft.com/office/powerpoint/2015/main" xmlns="" val="1"/>
+                <p16:designElem xmlns:p16="http://schemas.microsoft.com/office/powerpoint/2015/main" val="1"/>
               </p:ext>
             </p:extLst>
           </p:nvPr>
@@ -8213,10 +9511,10 @@
             <p:cNvPr id="31" name="Straight Connector 30">
               <a:extLst>
                 <a:ext uri="{FF2B5EF4-FFF2-40B4-BE49-F238E27FC236}">
-                  <a16:creationId xmlns:a16="http://schemas.microsoft.com/office/drawing/2014/main" xmlns="" id="{0DD6D54C-5C05-40DE-8EAF-FA50D609AE24}"/>
+                  <a16:creationId xmlns:a16="http://schemas.microsoft.com/office/drawing/2014/main" id="{0DD6D54C-5C05-40DE-8EAF-FA50D609AE24}"/>
                 </a:ext>
                 <a:ext uri="{C183D7F6-B498-43B3-948B-1728B52AA6E4}">
-                  <adec:decorative xmlns:adec="http://schemas.microsoft.com/office/drawing/2017/decorative" xmlns="" val="1"/>
+                  <adec:decorative xmlns:adec="http://schemas.microsoft.com/office/drawing/2017/decorative" val="1"/>
                 </a:ext>
               </a:extLst>
             </p:cNvPr>
@@ -8226,7 +9524,7 @@
             <p:nvPr>
               <p:extLst>
                 <p:ext uri="{386F3935-93C4-4BCD-93E2-E3B085C9AB24}">
-                  <p16:designElem xmlns:p16="http://schemas.microsoft.com/office/powerpoint/2015/main" xmlns="" val="1"/>
+                  <p16:designElem xmlns:p16="http://schemas.microsoft.com/office/powerpoint/2015/main" val="1"/>
                 </p:ext>
               </p:extLst>
             </p:nvPr>
@@ -8265,10 +9563,10 @@
             <p:cNvPr id="32" name="Straight Connector 31">
               <a:extLst>
                 <a:ext uri="{FF2B5EF4-FFF2-40B4-BE49-F238E27FC236}">
-                  <a16:creationId xmlns:a16="http://schemas.microsoft.com/office/drawing/2014/main" xmlns="" id="{EB0CFF5B-7CFC-4A1B-811A-262201C04935}"/>
+                  <a16:creationId xmlns:a16="http://schemas.microsoft.com/office/drawing/2014/main" id="{EB0CFF5B-7CFC-4A1B-811A-262201C04935}"/>
                 </a:ext>
                 <a:ext uri="{C183D7F6-B498-43B3-948B-1728B52AA6E4}">
-                  <adec:decorative xmlns:adec="http://schemas.microsoft.com/office/drawing/2017/decorative" xmlns="" val="1"/>
+                  <adec:decorative xmlns:adec="http://schemas.microsoft.com/office/drawing/2017/decorative" val="1"/>
                 </a:ext>
               </a:extLst>
             </p:cNvPr>
@@ -8278,7 +9576,7 @@
             <p:nvPr>
               <p:extLst>
                 <p:ext uri="{386F3935-93C4-4BCD-93E2-E3B085C9AB24}">
-                  <p16:designElem xmlns:p16="http://schemas.microsoft.com/office/powerpoint/2015/main" xmlns="" val="1"/>
+                  <p16:designElem xmlns:p16="http://schemas.microsoft.com/office/powerpoint/2015/main" val="1"/>
                 </p:ext>
               </p:extLst>
             </p:nvPr>
@@ -8317,10 +9615,10 @@
             <p:cNvPr id="33" name="Straight Connector 32">
               <a:extLst>
                 <a:ext uri="{FF2B5EF4-FFF2-40B4-BE49-F238E27FC236}">
-                  <a16:creationId xmlns:a16="http://schemas.microsoft.com/office/drawing/2014/main" xmlns="" id="{3BD7D63C-11FE-48D4-8433-A188CDAB2343}"/>
+                  <a16:creationId xmlns:a16="http://schemas.microsoft.com/office/drawing/2014/main" id="{3BD7D63C-11FE-48D4-8433-A188CDAB2343}"/>
                 </a:ext>
                 <a:ext uri="{C183D7F6-B498-43B3-948B-1728B52AA6E4}">
-                  <adec:decorative xmlns:adec="http://schemas.microsoft.com/office/drawing/2017/decorative" xmlns="" val="1"/>
+                  <adec:decorative xmlns:adec="http://schemas.microsoft.com/office/drawing/2017/decorative" val="1"/>
                 </a:ext>
               </a:extLst>
             </p:cNvPr>
@@ -8330,7 +9628,7 @@
             <p:nvPr>
               <p:extLst>
                 <p:ext uri="{386F3935-93C4-4BCD-93E2-E3B085C9AB24}">
-                  <p16:designElem xmlns:p16="http://schemas.microsoft.com/office/powerpoint/2015/main" xmlns="" val="1"/>
+                  <p16:designElem xmlns:p16="http://schemas.microsoft.com/office/powerpoint/2015/main" val="1"/>
                 </p:ext>
               </p:extLst>
             </p:nvPr>
@@ -8369,10 +9667,10 @@
             <p:cNvPr id="34" name="Straight Connector 33">
               <a:extLst>
                 <a:ext uri="{FF2B5EF4-FFF2-40B4-BE49-F238E27FC236}">
-                  <a16:creationId xmlns:a16="http://schemas.microsoft.com/office/drawing/2014/main" xmlns="" id="{D0EB69FA-9640-4C07-9993-F74D211FB52E}"/>
+                  <a16:creationId xmlns:a16="http://schemas.microsoft.com/office/drawing/2014/main" id="{D0EB69FA-9640-4C07-9993-F74D211FB52E}"/>
                 </a:ext>
                 <a:ext uri="{C183D7F6-B498-43B3-948B-1728B52AA6E4}">
-                  <adec:decorative xmlns:adec="http://schemas.microsoft.com/office/drawing/2017/decorative" xmlns="" val="1"/>
+                  <adec:decorative xmlns:adec="http://schemas.microsoft.com/office/drawing/2017/decorative" val="1"/>
                 </a:ext>
               </a:extLst>
             </p:cNvPr>
@@ -8382,7 +9680,7 @@
             <p:nvPr>
               <p:extLst>
                 <p:ext uri="{386F3935-93C4-4BCD-93E2-E3B085C9AB24}">
-                  <p16:designElem xmlns:p16="http://schemas.microsoft.com/office/powerpoint/2015/main" xmlns="" val="1"/>
+                  <p16:designElem xmlns:p16="http://schemas.microsoft.com/office/powerpoint/2015/main" val="1"/>
                 </p:ext>
               </p:extLst>
             </p:nvPr>
@@ -8421,10 +9719,10 @@
             <p:cNvPr id="35" name="Straight Connector 34">
               <a:extLst>
                 <a:ext uri="{FF2B5EF4-FFF2-40B4-BE49-F238E27FC236}">
-                  <a16:creationId xmlns:a16="http://schemas.microsoft.com/office/drawing/2014/main" xmlns="" id="{B887ECAA-6BDB-4356-A66A-D28C7026B681}"/>
+                  <a16:creationId xmlns:a16="http://schemas.microsoft.com/office/drawing/2014/main" id="{B887ECAA-6BDB-4356-A66A-D28C7026B681}"/>
                 </a:ext>
                 <a:ext uri="{C183D7F6-B498-43B3-948B-1728B52AA6E4}">
-                  <adec:decorative xmlns:adec="http://schemas.microsoft.com/office/drawing/2017/decorative" xmlns="" val="1"/>
+                  <adec:decorative xmlns:adec="http://schemas.microsoft.com/office/drawing/2017/decorative" val="1"/>
                 </a:ext>
               </a:extLst>
             </p:cNvPr>
@@ -8434,7 +9732,7 @@
             <p:nvPr>
               <p:extLst>
                 <p:ext uri="{386F3935-93C4-4BCD-93E2-E3B085C9AB24}">
-                  <p16:designElem xmlns:p16="http://schemas.microsoft.com/office/powerpoint/2015/main" xmlns="" val="1"/>
+                  <p16:designElem xmlns:p16="http://schemas.microsoft.com/office/powerpoint/2015/main" val="1"/>
                 </p:ext>
               </p:extLst>
             </p:nvPr>
@@ -8473,10 +9771,10 @@
             <p:cNvPr id="36" name="Straight Connector 35">
               <a:extLst>
                 <a:ext uri="{FF2B5EF4-FFF2-40B4-BE49-F238E27FC236}">
-                  <a16:creationId xmlns:a16="http://schemas.microsoft.com/office/drawing/2014/main" xmlns="" id="{CFC3365E-17A9-4CC8-BE01-3969BF4C8E3B}"/>
+                  <a16:creationId xmlns:a16="http://schemas.microsoft.com/office/drawing/2014/main" id="{CFC3365E-17A9-4CC8-BE01-3969BF4C8E3B}"/>
                 </a:ext>
                 <a:ext uri="{C183D7F6-B498-43B3-948B-1728B52AA6E4}">
-                  <adec:decorative xmlns:adec="http://schemas.microsoft.com/office/drawing/2017/decorative" xmlns="" val="1"/>
+                  <adec:decorative xmlns:adec="http://schemas.microsoft.com/office/drawing/2017/decorative" val="1"/>
                 </a:ext>
               </a:extLst>
             </p:cNvPr>
@@ -8486,7 +9784,7 @@
             <p:nvPr>
               <p:extLst>
                 <p:ext uri="{386F3935-93C4-4BCD-93E2-E3B085C9AB24}">
-                  <p16:designElem xmlns:p16="http://schemas.microsoft.com/office/powerpoint/2015/main" xmlns="" val="1"/>
+                  <p16:designElem xmlns:p16="http://schemas.microsoft.com/office/powerpoint/2015/main" val="1"/>
                 </p:ext>
               </p:extLst>
             </p:nvPr>
@@ -8526,7 +9824,7 @@
           <p:cNvPr id="5" name="Picture 4" descr="Five bulbs and one of them is glowing">
             <a:extLst>
               <a:ext uri="{FF2B5EF4-FFF2-40B4-BE49-F238E27FC236}">
-                <a16:creationId xmlns:a16="http://schemas.microsoft.com/office/drawing/2014/main" xmlns="" id="{0E3B6F73-5BD1-E881-5FF8-60780B19D87D}"/>
+                <a16:creationId xmlns:a16="http://schemas.microsoft.com/office/drawing/2014/main" id="{0E3B6F73-5BD1-E881-5FF8-60780B19D87D}"/>
               </a:ext>
             </a:extLst>
           </p:cNvPr>
@@ -8616,7 +9914,7 @@
           <p:cNvPr id="4" name="Title 1">
             <a:extLst>
               <a:ext uri="{FF2B5EF4-FFF2-40B4-BE49-F238E27FC236}">
-                <a16:creationId xmlns:a16="http://schemas.microsoft.com/office/drawing/2014/main" xmlns="" id="{F32F67AD-8975-319C-6B65-4592639CE617}"/>
+                <a16:creationId xmlns:a16="http://schemas.microsoft.com/office/drawing/2014/main" id="{F32F67AD-8975-319C-6B65-4592639CE617}"/>
               </a:ext>
             </a:extLst>
           </p:cNvPr>
@@ -8687,25 +9985,18 @@
   <p:clrMapOvr>
     <a:masterClrMapping/>
   </p:clrMapOvr>
-  <mc:AlternateContent xmlns:mc="http://schemas.openxmlformats.org/markup-compatibility/2006">
-    <mc:Choice xmlns:p159="http://schemas.microsoft.com/office/powerpoint/2015/09/main" xmlns="" Requires="p159">
+  <mc:AlternateContent xmlns:mc="http://schemas.openxmlformats.org/markup-compatibility/2006" xmlns:p159="http://schemas.microsoft.com/office/powerpoint/2015/09/main">
+    <mc:Choice Requires="p159">
       <p:transition xmlns:p14="http://schemas.microsoft.com/office/powerpoint/2010/main" spd="slow" p14:dur="2000">
         <p159:morph option="byObject"/>
       </p:transition>
     </mc:Choice>
-    <mc:Fallback>
+    <mc:Fallback xmlns="">
       <p:transition spd="slow">
         <p:fade/>
       </p:transition>
     </mc:Fallback>
   </mc:AlternateContent>
-  <p:timing>
-    <p:tnLst>
-      <p:par>
-        <p:cTn id="1" dur="indefinite" restart="never" nodeType="tmRoot"/>
-      </p:par>
-    </p:tnLst>
-  </p:timing>
 </p:sld>
 </file>
 
@@ -8739,10 +10030,10 @@
           <p:cNvPr id="9" name="Rectangle 8">
             <a:extLst>
               <a:ext uri="{FF2B5EF4-FFF2-40B4-BE49-F238E27FC236}">
-                <a16:creationId xmlns:a16="http://schemas.microsoft.com/office/drawing/2014/main" xmlns="" id="{AE6FDE22-1F54-452D-A9BA-1BE9FDB53450}"/>
+                <a16:creationId xmlns:a16="http://schemas.microsoft.com/office/drawing/2014/main" id="{AE6FDE22-1F54-452D-A9BA-1BE9FDB53450}"/>
               </a:ext>
               <a:ext uri="{C183D7F6-B498-43B3-948B-1728B52AA6E4}">
-                <adec:decorative xmlns:adec="http://schemas.microsoft.com/office/drawing/2017/decorative" xmlns="" val="1"/>
+                <adec:decorative xmlns:adec="http://schemas.microsoft.com/office/drawing/2017/decorative" val="1"/>
               </a:ext>
             </a:extLst>
           </p:cNvPr>
@@ -8752,7 +10043,7 @@
           <p:nvPr>
             <p:extLst>
               <p:ext uri="{386F3935-93C4-4BCD-93E2-E3B085C9AB24}">
-                <p16:designElem xmlns:p16="http://schemas.microsoft.com/office/powerpoint/2015/main" xmlns="" val="1"/>
+                <p16:designElem xmlns:p16="http://schemas.microsoft.com/office/powerpoint/2015/main" val="1"/>
               </p:ext>
             </p:extLst>
           </p:nvPr>
@@ -8799,10 +10090,10 @@
           <p:cNvPr id="11" name="Rectangle 10">
             <a:extLst>
               <a:ext uri="{FF2B5EF4-FFF2-40B4-BE49-F238E27FC236}">
-                <a16:creationId xmlns:a16="http://schemas.microsoft.com/office/drawing/2014/main" xmlns="" id="{E24727BA-2777-4823-88E1-1B4B61968504}"/>
+                <a16:creationId xmlns:a16="http://schemas.microsoft.com/office/drawing/2014/main" id="{E24727BA-2777-4823-88E1-1B4B61968504}"/>
               </a:ext>
               <a:ext uri="{C183D7F6-B498-43B3-948B-1728B52AA6E4}">
-                <adec:decorative xmlns:adec="http://schemas.microsoft.com/office/drawing/2017/decorative" xmlns="" val="1"/>
+                <adec:decorative xmlns:adec="http://schemas.microsoft.com/office/drawing/2017/decorative" val="1"/>
               </a:ext>
             </a:extLst>
           </p:cNvPr>
@@ -8812,7 +10103,7 @@
           <p:nvPr>
             <p:extLst>
               <p:ext uri="{386F3935-93C4-4BCD-93E2-E3B085C9AB24}">
-                <p16:designElem xmlns:p16="http://schemas.microsoft.com/office/powerpoint/2015/main" xmlns="" val="1"/>
+                <p16:designElem xmlns:p16="http://schemas.microsoft.com/office/powerpoint/2015/main" val="1"/>
               </p:ext>
             </p:extLst>
           </p:nvPr>
@@ -8862,10 +10153,10 @@
           <p:cNvPr id="13" name="Rectangle 12">
             <a:extLst>
               <a:ext uri="{FF2B5EF4-FFF2-40B4-BE49-F238E27FC236}">
-                <a16:creationId xmlns:a16="http://schemas.microsoft.com/office/drawing/2014/main" xmlns="" id="{2AB0E0E5-A956-4B80-A317-E670B96CB03B}"/>
+                <a16:creationId xmlns:a16="http://schemas.microsoft.com/office/drawing/2014/main" id="{2AB0E0E5-A956-4B80-A317-E670B96CB03B}"/>
               </a:ext>
               <a:ext uri="{C183D7F6-B498-43B3-948B-1728B52AA6E4}">
-                <adec:decorative xmlns:adec="http://schemas.microsoft.com/office/drawing/2017/decorative" xmlns="" val="1"/>
+                <adec:decorative xmlns:adec="http://schemas.microsoft.com/office/drawing/2017/decorative" val="1"/>
               </a:ext>
             </a:extLst>
           </p:cNvPr>
@@ -8875,7 +10166,7 @@
           <p:nvPr>
             <p:extLst>
               <p:ext uri="{386F3935-93C4-4BCD-93E2-E3B085C9AB24}">
-                <p16:designElem xmlns:p16="http://schemas.microsoft.com/office/powerpoint/2015/main" xmlns="" val="1"/>
+                <p16:designElem xmlns:p16="http://schemas.microsoft.com/office/powerpoint/2015/main" val="1"/>
               </p:ext>
             </p:extLst>
           </p:nvPr>
@@ -8925,7 +10216,7 @@
           <p:cNvPr id="5" name="Picture 4" descr="Person watching empty phone">
             <a:extLst>
               <a:ext uri="{FF2B5EF4-FFF2-40B4-BE49-F238E27FC236}">
-                <a16:creationId xmlns:a16="http://schemas.microsoft.com/office/drawing/2014/main" xmlns="" id="{36BF03C9-7783-2E80-D333-EBEBAB79BB38}"/>
+                <a16:creationId xmlns:a16="http://schemas.microsoft.com/office/drawing/2014/main" id="{36BF03C9-7783-2E80-D333-EBEBAB79BB38}"/>
               </a:ext>
             </a:extLst>
           </p:cNvPr>
@@ -8959,10 +10250,10 @@
           <p:cNvPr id="15" name="Group 14">
             <a:extLst>
               <a:ext uri="{FF2B5EF4-FFF2-40B4-BE49-F238E27FC236}">
-                <a16:creationId xmlns:a16="http://schemas.microsoft.com/office/drawing/2014/main" xmlns="" id="{68142369-1172-4897-98AF-7E16842C4A29}"/>
+                <a16:creationId xmlns:a16="http://schemas.microsoft.com/office/drawing/2014/main" id="{68142369-1172-4897-98AF-7E16842C4A29}"/>
               </a:ext>
               <a:ext uri="{C183D7F6-B498-43B3-948B-1728B52AA6E4}">
-                <adec:decorative xmlns:adec="http://schemas.microsoft.com/office/drawing/2017/decorative" xmlns="" val="1"/>
+                <adec:decorative xmlns:adec="http://schemas.microsoft.com/office/drawing/2017/decorative" val="1"/>
               </a:ext>
             </a:extLst>
           </p:cNvPr>
@@ -8972,7 +10263,7 @@
           <p:nvPr>
             <p:extLst>
               <p:ext uri="{386F3935-93C4-4BCD-93E2-E3B085C9AB24}">
-                <p16:designElem xmlns:p16="http://schemas.microsoft.com/office/powerpoint/2015/main" xmlns="" val="1"/>
+                <p16:designElem xmlns:p16="http://schemas.microsoft.com/office/powerpoint/2015/main" val="1"/>
               </p:ext>
             </p:extLst>
           </p:nvPr>
@@ -8990,10 +10281,10 @@
             <p:cNvPr id="16" name="Straight Connector 15">
               <a:extLst>
                 <a:ext uri="{FF2B5EF4-FFF2-40B4-BE49-F238E27FC236}">
-                  <a16:creationId xmlns:a16="http://schemas.microsoft.com/office/drawing/2014/main" xmlns="" id="{6B4EC643-469D-49F7-B2C7-FA3DA6FFACC7}"/>
+                  <a16:creationId xmlns:a16="http://schemas.microsoft.com/office/drawing/2014/main" id="{6B4EC643-469D-49F7-B2C7-FA3DA6FFACC7}"/>
                 </a:ext>
                 <a:ext uri="{C183D7F6-B498-43B3-948B-1728B52AA6E4}">
-                  <adec:decorative xmlns:adec="http://schemas.microsoft.com/office/drawing/2017/decorative" xmlns="" val="1"/>
+                  <adec:decorative xmlns:adec="http://schemas.microsoft.com/office/drawing/2017/decorative" val="1"/>
                 </a:ext>
               </a:extLst>
             </p:cNvPr>
@@ -9003,7 +10294,7 @@
             <p:nvPr>
               <p:extLst>
                 <p:ext uri="{386F3935-93C4-4BCD-93E2-E3B085C9AB24}">
-                  <p16:designElem xmlns:p16="http://schemas.microsoft.com/office/powerpoint/2015/main" xmlns="" val="1"/>
+                  <p16:designElem xmlns:p16="http://schemas.microsoft.com/office/powerpoint/2015/main" val="1"/>
                 </p:ext>
               </p:extLst>
             </p:nvPr>
@@ -9042,10 +10333,10 @@
             <p:cNvPr id="17" name="Straight Connector 16">
               <a:extLst>
                 <a:ext uri="{FF2B5EF4-FFF2-40B4-BE49-F238E27FC236}">
-                  <a16:creationId xmlns:a16="http://schemas.microsoft.com/office/drawing/2014/main" xmlns="" id="{33C04565-7FC8-416F-9C08-F430D337F817}"/>
+                  <a16:creationId xmlns:a16="http://schemas.microsoft.com/office/drawing/2014/main" id="{33C04565-7FC8-416F-9C08-F430D337F817}"/>
                 </a:ext>
                 <a:ext uri="{C183D7F6-B498-43B3-948B-1728B52AA6E4}">
-                  <adec:decorative xmlns:adec="http://schemas.microsoft.com/office/drawing/2017/decorative" xmlns="" val="1"/>
+                  <adec:decorative xmlns:adec="http://schemas.microsoft.com/office/drawing/2017/decorative" val="1"/>
                 </a:ext>
               </a:extLst>
             </p:cNvPr>
@@ -9055,7 +10346,7 @@
             <p:nvPr>
               <p:extLst>
                 <p:ext uri="{386F3935-93C4-4BCD-93E2-E3B085C9AB24}">
-                  <p16:designElem xmlns:p16="http://schemas.microsoft.com/office/powerpoint/2015/main" xmlns="" val="1"/>
+                  <p16:designElem xmlns:p16="http://schemas.microsoft.com/office/powerpoint/2015/main" val="1"/>
                 </p:ext>
               </p:extLst>
             </p:nvPr>
@@ -9094,10 +10385,10 @@
             <p:cNvPr id="18" name="Straight Connector 17">
               <a:extLst>
                 <a:ext uri="{FF2B5EF4-FFF2-40B4-BE49-F238E27FC236}">
-                  <a16:creationId xmlns:a16="http://schemas.microsoft.com/office/drawing/2014/main" xmlns="" id="{92BD8DCF-6634-460D-AA2E-1357451FBA18}"/>
+                  <a16:creationId xmlns:a16="http://schemas.microsoft.com/office/drawing/2014/main" id="{92BD8DCF-6634-460D-AA2E-1357451FBA18}"/>
                 </a:ext>
                 <a:ext uri="{C183D7F6-B498-43B3-948B-1728B52AA6E4}">
-                  <adec:decorative xmlns:adec="http://schemas.microsoft.com/office/drawing/2017/decorative" xmlns="" val="1"/>
+                  <adec:decorative xmlns:adec="http://schemas.microsoft.com/office/drawing/2017/decorative" val="1"/>
                 </a:ext>
               </a:extLst>
             </p:cNvPr>
@@ -9107,7 +10398,7 @@
             <p:nvPr>
               <p:extLst>
                 <p:ext uri="{386F3935-93C4-4BCD-93E2-E3B085C9AB24}">
-                  <p16:designElem xmlns:p16="http://schemas.microsoft.com/office/powerpoint/2015/main" xmlns="" val="1"/>
+                  <p16:designElem xmlns:p16="http://schemas.microsoft.com/office/powerpoint/2015/main" val="1"/>
                 </p:ext>
               </p:extLst>
             </p:nvPr>
@@ -9146,10 +10437,10 @@
             <p:cNvPr id="19" name="Straight Connector 18">
               <a:extLst>
                 <a:ext uri="{FF2B5EF4-FFF2-40B4-BE49-F238E27FC236}">
-                  <a16:creationId xmlns:a16="http://schemas.microsoft.com/office/drawing/2014/main" xmlns="" id="{8EAC9175-245B-4886-A4F2-EEA53C13F540}"/>
+                  <a16:creationId xmlns:a16="http://schemas.microsoft.com/office/drawing/2014/main" id="{8EAC9175-245B-4886-A4F2-EEA53C13F540}"/>
                 </a:ext>
                 <a:ext uri="{C183D7F6-B498-43B3-948B-1728B52AA6E4}">
-                  <adec:decorative xmlns:adec="http://schemas.microsoft.com/office/drawing/2017/decorative" xmlns="" val="1"/>
+                  <adec:decorative xmlns:adec="http://schemas.microsoft.com/office/drawing/2017/decorative" val="1"/>
                 </a:ext>
               </a:extLst>
             </p:cNvPr>
@@ -9159,7 +10450,7 @@
             <p:nvPr>
               <p:extLst>
                 <p:ext uri="{386F3935-93C4-4BCD-93E2-E3B085C9AB24}">
-                  <p16:designElem xmlns:p16="http://schemas.microsoft.com/office/powerpoint/2015/main" xmlns="" val="1"/>
+                  <p16:designElem xmlns:p16="http://schemas.microsoft.com/office/powerpoint/2015/main" val="1"/>
                 </p:ext>
               </p:extLst>
             </p:nvPr>
@@ -9198,10 +10489,10 @@
             <p:cNvPr id="20" name="Graphic 33">
               <a:extLst>
                 <a:ext uri="{FF2B5EF4-FFF2-40B4-BE49-F238E27FC236}">
-                  <a16:creationId xmlns:a16="http://schemas.microsoft.com/office/drawing/2014/main" xmlns="" id="{BC567658-11B8-4D35-89AE-B7353466914F}"/>
+                  <a16:creationId xmlns:a16="http://schemas.microsoft.com/office/drawing/2014/main" id="{BC567658-11B8-4D35-89AE-B7353466914F}"/>
                 </a:ext>
                 <a:ext uri="{C183D7F6-B498-43B3-948B-1728B52AA6E4}">
-                  <adec:decorative xmlns:adec="http://schemas.microsoft.com/office/drawing/2017/decorative" xmlns="" val="1"/>
+                  <adec:decorative xmlns:adec="http://schemas.microsoft.com/office/drawing/2017/decorative" val="1"/>
                 </a:ext>
               </a:extLst>
             </p:cNvPr>
@@ -9209,7 +10500,7 @@
             <p:nvPr>
               <p:extLst>
                 <p:ext uri="{386F3935-93C4-4BCD-93E2-E3B085C9AB24}">
-                  <p16:designElem xmlns:p16="http://schemas.microsoft.com/office/powerpoint/2015/main" xmlns="" val="1"/>
+                  <p16:designElem xmlns:p16="http://schemas.microsoft.com/office/powerpoint/2015/main" val="1"/>
                 </p:ext>
               </p:extLst>
             </p:nvPr>
@@ -9376,10 +10667,10 @@
             <p:cNvPr id="21" name="Graphic 33">
               <a:extLst>
                 <a:ext uri="{FF2B5EF4-FFF2-40B4-BE49-F238E27FC236}">
-                  <a16:creationId xmlns:a16="http://schemas.microsoft.com/office/drawing/2014/main" xmlns="" id="{B2AAA79A-1602-4193-8170-9C436D9CED8F}"/>
+                  <a16:creationId xmlns:a16="http://schemas.microsoft.com/office/drawing/2014/main" id="{B2AAA79A-1602-4193-8170-9C436D9CED8F}"/>
                 </a:ext>
                 <a:ext uri="{C183D7F6-B498-43B3-948B-1728B52AA6E4}">
-                  <adec:decorative xmlns:adec="http://schemas.microsoft.com/office/drawing/2017/decorative" xmlns="" val="1"/>
+                  <adec:decorative xmlns:adec="http://schemas.microsoft.com/office/drawing/2017/decorative" val="1"/>
                 </a:ext>
               </a:extLst>
             </p:cNvPr>
@@ -9387,7 +10678,7 @@
             <p:nvPr>
               <p:extLst>
                 <p:ext uri="{386F3935-93C4-4BCD-93E2-E3B085C9AB24}">
-                  <p16:designElem xmlns:p16="http://schemas.microsoft.com/office/powerpoint/2015/main" xmlns="" val="1"/>
+                  <p16:designElem xmlns:p16="http://schemas.microsoft.com/office/powerpoint/2015/main" val="1"/>
                 </p:ext>
               </p:extLst>
             </p:nvPr>
@@ -9555,7 +10846,7 @@
           <p:cNvPr id="2" name="Title 1">
             <a:extLst>
               <a:ext uri="{FF2B5EF4-FFF2-40B4-BE49-F238E27FC236}">
-                <a16:creationId xmlns:a16="http://schemas.microsoft.com/office/drawing/2014/main" xmlns="" id="{B523243B-B02A-F4D0-FCD6-F67803657973}"/>
+                <a16:creationId xmlns:a16="http://schemas.microsoft.com/office/drawing/2014/main" id="{B523243B-B02A-F4D0-FCD6-F67803657973}"/>
               </a:ext>
             </a:extLst>
           </p:cNvPr>
@@ -9594,7 +10885,7 @@
           <p:cNvPr id="3" name="Content Placeholder 2">
             <a:extLst>
               <a:ext uri="{FF2B5EF4-FFF2-40B4-BE49-F238E27FC236}">
-                <a16:creationId xmlns:a16="http://schemas.microsoft.com/office/drawing/2014/main" xmlns="" id="{914F2E01-CB12-0A24-CE27-8DD6F821D827}"/>
+                <a16:creationId xmlns:a16="http://schemas.microsoft.com/office/drawing/2014/main" id="{914F2E01-CB12-0A24-CE27-8DD6F821D827}"/>
               </a:ext>
             </a:extLst>
           </p:cNvPr>
@@ -9986,25 +11277,18 @@
   <p:clrMapOvr>
     <a:overrideClrMapping bg1="dk1" tx1="lt1" bg2="dk2" tx2="lt2" accent1="accent1" accent2="accent2" accent3="accent3" accent4="accent4" accent5="accent5" accent6="accent6" hlink="hlink" folHlink="folHlink"/>
   </p:clrMapOvr>
-  <mc:AlternateContent xmlns:mc="http://schemas.openxmlformats.org/markup-compatibility/2006">
-    <mc:Choice xmlns:p159="http://schemas.microsoft.com/office/powerpoint/2015/09/main" xmlns="" Requires="p159">
+  <mc:AlternateContent xmlns:mc="http://schemas.openxmlformats.org/markup-compatibility/2006" xmlns:p159="http://schemas.microsoft.com/office/powerpoint/2015/09/main">
+    <mc:Choice Requires="p159">
       <p:transition xmlns:p14="http://schemas.microsoft.com/office/powerpoint/2010/main" spd="slow" p14:dur="2000">
         <p159:morph option="byObject"/>
       </p:transition>
     </mc:Choice>
-    <mc:Fallback>
+    <mc:Fallback xmlns="">
       <p:transition spd="slow">
         <p:fade/>
       </p:transition>
     </mc:Fallback>
   </mc:AlternateContent>
-  <p:timing>
-    <p:tnLst>
-      <p:par>
-        <p:cTn id="1" dur="indefinite" restart="never" nodeType="tmRoot"/>
-      </p:par>
-    </p:tnLst>
-  </p:timing>
 </p:sld>
 </file>
 
@@ -10038,10 +11322,10 @@
           <p:cNvPr id="9" name="Rectangle 8">
             <a:extLst>
               <a:ext uri="{FF2B5EF4-FFF2-40B4-BE49-F238E27FC236}">
-                <a16:creationId xmlns:a16="http://schemas.microsoft.com/office/drawing/2014/main" xmlns="" id="{AE6FDE22-1F54-452D-A9BA-1BE9FDB53450}"/>
+                <a16:creationId xmlns:a16="http://schemas.microsoft.com/office/drawing/2014/main" id="{AE6FDE22-1F54-452D-A9BA-1BE9FDB53450}"/>
               </a:ext>
               <a:ext uri="{C183D7F6-B498-43B3-948B-1728B52AA6E4}">
-                <adec:decorative xmlns:adec="http://schemas.microsoft.com/office/drawing/2017/decorative" xmlns="" val="1"/>
+                <adec:decorative xmlns:adec="http://schemas.microsoft.com/office/drawing/2017/decorative" val="1"/>
               </a:ext>
             </a:extLst>
           </p:cNvPr>
@@ -10051,7 +11335,7 @@
           <p:nvPr>
             <p:extLst>
               <p:ext uri="{386F3935-93C4-4BCD-93E2-E3B085C9AB24}">
-                <p16:designElem xmlns:p16="http://schemas.microsoft.com/office/powerpoint/2015/main" xmlns="" val="1"/>
+                <p16:designElem xmlns:p16="http://schemas.microsoft.com/office/powerpoint/2015/main" val="1"/>
               </p:ext>
             </p:extLst>
           </p:nvPr>
@@ -10098,10 +11382,10 @@
           <p:cNvPr id="11" name="Rectangle 10">
             <a:extLst>
               <a:ext uri="{FF2B5EF4-FFF2-40B4-BE49-F238E27FC236}">
-                <a16:creationId xmlns:a16="http://schemas.microsoft.com/office/drawing/2014/main" xmlns="" id="{E24727BA-2777-4823-88E1-1B4B61968504}"/>
+                <a16:creationId xmlns:a16="http://schemas.microsoft.com/office/drawing/2014/main" id="{E24727BA-2777-4823-88E1-1B4B61968504}"/>
               </a:ext>
               <a:ext uri="{C183D7F6-B498-43B3-948B-1728B52AA6E4}">
-                <adec:decorative xmlns:adec="http://schemas.microsoft.com/office/drawing/2017/decorative" xmlns="" val="1"/>
+                <adec:decorative xmlns:adec="http://schemas.microsoft.com/office/drawing/2017/decorative" val="1"/>
               </a:ext>
             </a:extLst>
           </p:cNvPr>
@@ -10111,7 +11395,7 @@
           <p:nvPr>
             <p:extLst>
               <p:ext uri="{386F3935-93C4-4BCD-93E2-E3B085C9AB24}">
-                <p16:designElem xmlns:p16="http://schemas.microsoft.com/office/powerpoint/2015/main" xmlns="" val="1"/>
+                <p16:designElem xmlns:p16="http://schemas.microsoft.com/office/powerpoint/2015/main" val="1"/>
               </p:ext>
             </p:extLst>
           </p:nvPr>
@@ -10161,10 +11445,10 @@
           <p:cNvPr id="13" name="Rectangle 12">
             <a:extLst>
               <a:ext uri="{FF2B5EF4-FFF2-40B4-BE49-F238E27FC236}">
-                <a16:creationId xmlns:a16="http://schemas.microsoft.com/office/drawing/2014/main" xmlns="" id="{2AB0E0E5-A956-4B80-A317-E670B96CB03B}"/>
+                <a16:creationId xmlns:a16="http://schemas.microsoft.com/office/drawing/2014/main" id="{2AB0E0E5-A956-4B80-A317-E670B96CB03B}"/>
               </a:ext>
               <a:ext uri="{C183D7F6-B498-43B3-948B-1728B52AA6E4}">
-                <adec:decorative xmlns:adec="http://schemas.microsoft.com/office/drawing/2017/decorative" xmlns="" val="1"/>
+                <adec:decorative xmlns:adec="http://schemas.microsoft.com/office/drawing/2017/decorative" val="1"/>
               </a:ext>
             </a:extLst>
           </p:cNvPr>
@@ -10174,7 +11458,7 @@
           <p:nvPr>
             <p:extLst>
               <p:ext uri="{386F3935-93C4-4BCD-93E2-E3B085C9AB24}">
-                <p16:designElem xmlns:p16="http://schemas.microsoft.com/office/powerpoint/2015/main" xmlns="" val="1"/>
+                <p16:designElem xmlns:p16="http://schemas.microsoft.com/office/powerpoint/2015/main" val="1"/>
               </p:ext>
             </p:extLst>
           </p:nvPr>
@@ -10224,7 +11508,7 @@
           <p:cNvPr id="5" name="Picture 4" descr="Person watching empty phone">
             <a:extLst>
               <a:ext uri="{FF2B5EF4-FFF2-40B4-BE49-F238E27FC236}">
-                <a16:creationId xmlns:a16="http://schemas.microsoft.com/office/drawing/2014/main" xmlns="" id="{36BF03C9-7783-2E80-D333-EBEBAB79BB38}"/>
+                <a16:creationId xmlns:a16="http://schemas.microsoft.com/office/drawing/2014/main" id="{36BF03C9-7783-2E80-D333-EBEBAB79BB38}"/>
               </a:ext>
             </a:extLst>
           </p:cNvPr>
@@ -10258,10 +11542,10 @@
           <p:cNvPr id="15" name="Group 14">
             <a:extLst>
               <a:ext uri="{FF2B5EF4-FFF2-40B4-BE49-F238E27FC236}">
-                <a16:creationId xmlns:a16="http://schemas.microsoft.com/office/drawing/2014/main" xmlns="" id="{68142369-1172-4897-98AF-7E16842C4A29}"/>
+                <a16:creationId xmlns:a16="http://schemas.microsoft.com/office/drawing/2014/main" id="{68142369-1172-4897-98AF-7E16842C4A29}"/>
               </a:ext>
               <a:ext uri="{C183D7F6-B498-43B3-948B-1728B52AA6E4}">
-                <adec:decorative xmlns:adec="http://schemas.microsoft.com/office/drawing/2017/decorative" xmlns="" val="1"/>
+                <adec:decorative xmlns:adec="http://schemas.microsoft.com/office/drawing/2017/decorative" val="1"/>
               </a:ext>
             </a:extLst>
           </p:cNvPr>
@@ -10271,7 +11555,7 @@
           <p:nvPr>
             <p:extLst>
               <p:ext uri="{386F3935-93C4-4BCD-93E2-E3B085C9AB24}">
-                <p16:designElem xmlns:p16="http://schemas.microsoft.com/office/powerpoint/2015/main" xmlns="" val="1"/>
+                <p16:designElem xmlns:p16="http://schemas.microsoft.com/office/powerpoint/2015/main" val="1"/>
               </p:ext>
             </p:extLst>
           </p:nvPr>
@@ -10289,10 +11573,10 @@
             <p:cNvPr id="16" name="Straight Connector 15">
               <a:extLst>
                 <a:ext uri="{FF2B5EF4-FFF2-40B4-BE49-F238E27FC236}">
-                  <a16:creationId xmlns:a16="http://schemas.microsoft.com/office/drawing/2014/main" xmlns="" id="{6B4EC643-469D-49F7-B2C7-FA3DA6FFACC7}"/>
+                  <a16:creationId xmlns:a16="http://schemas.microsoft.com/office/drawing/2014/main" id="{6B4EC643-469D-49F7-B2C7-FA3DA6FFACC7}"/>
                 </a:ext>
                 <a:ext uri="{C183D7F6-B498-43B3-948B-1728B52AA6E4}">
-                  <adec:decorative xmlns:adec="http://schemas.microsoft.com/office/drawing/2017/decorative" xmlns="" val="1"/>
+                  <adec:decorative xmlns:adec="http://schemas.microsoft.com/office/drawing/2017/decorative" val="1"/>
                 </a:ext>
               </a:extLst>
             </p:cNvPr>
@@ -10302,7 +11586,7 @@
             <p:nvPr>
               <p:extLst>
                 <p:ext uri="{386F3935-93C4-4BCD-93E2-E3B085C9AB24}">
-                  <p16:designElem xmlns:p16="http://schemas.microsoft.com/office/powerpoint/2015/main" xmlns="" val="1"/>
+                  <p16:designElem xmlns:p16="http://schemas.microsoft.com/office/powerpoint/2015/main" val="1"/>
                 </p:ext>
               </p:extLst>
             </p:nvPr>
@@ -10341,10 +11625,10 @@
             <p:cNvPr id="17" name="Straight Connector 16">
               <a:extLst>
                 <a:ext uri="{FF2B5EF4-FFF2-40B4-BE49-F238E27FC236}">
-                  <a16:creationId xmlns:a16="http://schemas.microsoft.com/office/drawing/2014/main" xmlns="" id="{33C04565-7FC8-416F-9C08-F430D337F817}"/>
+                  <a16:creationId xmlns:a16="http://schemas.microsoft.com/office/drawing/2014/main" id="{33C04565-7FC8-416F-9C08-F430D337F817}"/>
                 </a:ext>
                 <a:ext uri="{C183D7F6-B498-43B3-948B-1728B52AA6E4}">
-                  <adec:decorative xmlns:adec="http://schemas.microsoft.com/office/drawing/2017/decorative" xmlns="" val="1"/>
+                  <adec:decorative xmlns:adec="http://schemas.microsoft.com/office/drawing/2017/decorative" val="1"/>
                 </a:ext>
               </a:extLst>
             </p:cNvPr>
@@ -10354,7 +11638,7 @@
             <p:nvPr>
               <p:extLst>
                 <p:ext uri="{386F3935-93C4-4BCD-93E2-E3B085C9AB24}">
-                  <p16:designElem xmlns:p16="http://schemas.microsoft.com/office/powerpoint/2015/main" xmlns="" val="1"/>
+                  <p16:designElem xmlns:p16="http://schemas.microsoft.com/office/powerpoint/2015/main" val="1"/>
                 </p:ext>
               </p:extLst>
             </p:nvPr>
@@ -10393,10 +11677,10 @@
             <p:cNvPr id="18" name="Straight Connector 17">
               <a:extLst>
                 <a:ext uri="{FF2B5EF4-FFF2-40B4-BE49-F238E27FC236}">
-                  <a16:creationId xmlns:a16="http://schemas.microsoft.com/office/drawing/2014/main" xmlns="" id="{92BD8DCF-6634-460D-AA2E-1357451FBA18}"/>
+                  <a16:creationId xmlns:a16="http://schemas.microsoft.com/office/drawing/2014/main" id="{92BD8DCF-6634-460D-AA2E-1357451FBA18}"/>
                 </a:ext>
                 <a:ext uri="{C183D7F6-B498-43B3-948B-1728B52AA6E4}">
-                  <adec:decorative xmlns:adec="http://schemas.microsoft.com/office/drawing/2017/decorative" xmlns="" val="1"/>
+                  <adec:decorative xmlns:adec="http://schemas.microsoft.com/office/drawing/2017/decorative" val="1"/>
                 </a:ext>
               </a:extLst>
             </p:cNvPr>
@@ -10406,7 +11690,7 @@
             <p:nvPr>
               <p:extLst>
                 <p:ext uri="{386F3935-93C4-4BCD-93E2-E3B085C9AB24}">
-                  <p16:designElem xmlns:p16="http://schemas.microsoft.com/office/powerpoint/2015/main" xmlns="" val="1"/>
+                  <p16:designElem xmlns:p16="http://schemas.microsoft.com/office/powerpoint/2015/main" val="1"/>
                 </p:ext>
               </p:extLst>
             </p:nvPr>
@@ -10445,10 +11729,10 @@
             <p:cNvPr id="19" name="Straight Connector 18">
               <a:extLst>
                 <a:ext uri="{FF2B5EF4-FFF2-40B4-BE49-F238E27FC236}">
-                  <a16:creationId xmlns:a16="http://schemas.microsoft.com/office/drawing/2014/main" xmlns="" id="{8EAC9175-245B-4886-A4F2-EEA53C13F540}"/>
+                  <a16:creationId xmlns:a16="http://schemas.microsoft.com/office/drawing/2014/main" id="{8EAC9175-245B-4886-A4F2-EEA53C13F540}"/>
                 </a:ext>
                 <a:ext uri="{C183D7F6-B498-43B3-948B-1728B52AA6E4}">
-                  <adec:decorative xmlns:adec="http://schemas.microsoft.com/office/drawing/2017/decorative" xmlns="" val="1"/>
+                  <adec:decorative xmlns:adec="http://schemas.microsoft.com/office/drawing/2017/decorative" val="1"/>
                 </a:ext>
               </a:extLst>
             </p:cNvPr>
@@ -10458,7 +11742,7 @@
             <p:nvPr>
               <p:extLst>
                 <p:ext uri="{386F3935-93C4-4BCD-93E2-E3B085C9AB24}">
-                  <p16:designElem xmlns:p16="http://schemas.microsoft.com/office/powerpoint/2015/main" xmlns="" val="1"/>
+                  <p16:designElem xmlns:p16="http://schemas.microsoft.com/office/powerpoint/2015/main" val="1"/>
                 </p:ext>
               </p:extLst>
             </p:nvPr>
@@ -10497,10 +11781,10 @@
             <p:cNvPr id="20" name="Graphic 33">
               <a:extLst>
                 <a:ext uri="{FF2B5EF4-FFF2-40B4-BE49-F238E27FC236}">
-                  <a16:creationId xmlns:a16="http://schemas.microsoft.com/office/drawing/2014/main" xmlns="" id="{BC567658-11B8-4D35-89AE-B7353466914F}"/>
+                  <a16:creationId xmlns:a16="http://schemas.microsoft.com/office/drawing/2014/main" id="{BC567658-11B8-4D35-89AE-B7353466914F}"/>
                 </a:ext>
                 <a:ext uri="{C183D7F6-B498-43B3-948B-1728B52AA6E4}">
-                  <adec:decorative xmlns:adec="http://schemas.microsoft.com/office/drawing/2017/decorative" xmlns="" val="1"/>
+                  <adec:decorative xmlns:adec="http://schemas.microsoft.com/office/drawing/2017/decorative" val="1"/>
                 </a:ext>
               </a:extLst>
             </p:cNvPr>
@@ -10508,7 +11792,7 @@
             <p:nvPr>
               <p:extLst>
                 <p:ext uri="{386F3935-93C4-4BCD-93E2-E3B085C9AB24}">
-                  <p16:designElem xmlns:p16="http://schemas.microsoft.com/office/powerpoint/2015/main" xmlns="" val="1"/>
+                  <p16:designElem xmlns:p16="http://schemas.microsoft.com/office/powerpoint/2015/main" val="1"/>
                 </p:ext>
               </p:extLst>
             </p:nvPr>
@@ -10675,10 +11959,10 @@
             <p:cNvPr id="21" name="Graphic 33">
               <a:extLst>
                 <a:ext uri="{FF2B5EF4-FFF2-40B4-BE49-F238E27FC236}">
-                  <a16:creationId xmlns:a16="http://schemas.microsoft.com/office/drawing/2014/main" xmlns="" id="{B2AAA79A-1602-4193-8170-9C436D9CED8F}"/>
+                  <a16:creationId xmlns:a16="http://schemas.microsoft.com/office/drawing/2014/main" id="{B2AAA79A-1602-4193-8170-9C436D9CED8F}"/>
                 </a:ext>
                 <a:ext uri="{C183D7F6-B498-43B3-948B-1728B52AA6E4}">
-                  <adec:decorative xmlns:adec="http://schemas.microsoft.com/office/drawing/2017/decorative" xmlns="" val="1"/>
+                  <adec:decorative xmlns:adec="http://schemas.microsoft.com/office/drawing/2017/decorative" val="1"/>
                 </a:ext>
               </a:extLst>
             </p:cNvPr>
@@ -10686,7 +11970,7 @@
             <p:nvPr>
               <p:extLst>
                 <p:ext uri="{386F3935-93C4-4BCD-93E2-E3B085C9AB24}">
-                  <p16:designElem xmlns:p16="http://schemas.microsoft.com/office/powerpoint/2015/main" xmlns="" val="1"/>
+                  <p16:designElem xmlns:p16="http://schemas.microsoft.com/office/powerpoint/2015/main" val="1"/>
                 </p:ext>
               </p:extLst>
             </p:nvPr>
@@ -10854,7 +12138,7 @@
           <p:cNvPr id="3" name="Content Placeholder 2">
             <a:extLst>
               <a:ext uri="{FF2B5EF4-FFF2-40B4-BE49-F238E27FC236}">
-                <a16:creationId xmlns:a16="http://schemas.microsoft.com/office/drawing/2014/main" xmlns="" id="{914F2E01-CB12-0A24-CE27-8DD6F821D827}"/>
+                <a16:creationId xmlns:a16="http://schemas.microsoft.com/office/drawing/2014/main" id="{914F2E01-CB12-0A24-CE27-8DD6F821D827}"/>
               </a:ext>
             </a:extLst>
           </p:cNvPr>
@@ -11192,7 +12476,7 @@
           <p:cNvPr id="7" name="Title 1">
             <a:extLst>
               <a:ext uri="{FF2B5EF4-FFF2-40B4-BE49-F238E27FC236}">
-                <a16:creationId xmlns:a16="http://schemas.microsoft.com/office/drawing/2014/main" xmlns="" id="{D168CBBE-C00E-A79A-326B-E0306D5390D7}"/>
+                <a16:creationId xmlns:a16="http://schemas.microsoft.com/office/drawing/2014/main" id="{D168CBBE-C00E-A79A-326B-E0306D5390D7}"/>
               </a:ext>
             </a:extLst>
           </p:cNvPr>
@@ -11236,25 +12520,18 @@
   <p:clrMapOvr>
     <a:overrideClrMapping bg1="dk1" tx1="lt1" bg2="dk2" tx2="lt2" accent1="accent1" accent2="accent2" accent3="accent3" accent4="accent4" accent5="accent5" accent6="accent6" hlink="hlink" folHlink="folHlink"/>
   </p:clrMapOvr>
-  <mc:AlternateContent xmlns:mc="http://schemas.openxmlformats.org/markup-compatibility/2006">
-    <mc:Choice xmlns:p159="http://schemas.microsoft.com/office/powerpoint/2015/09/main" xmlns="" Requires="p159">
+  <mc:AlternateContent xmlns:mc="http://schemas.openxmlformats.org/markup-compatibility/2006" xmlns:p159="http://schemas.microsoft.com/office/powerpoint/2015/09/main">
+    <mc:Choice Requires="p159">
       <p:transition xmlns:p14="http://schemas.microsoft.com/office/powerpoint/2010/main" spd="slow" p14:dur="2000">
         <p159:morph option="byObject"/>
       </p:transition>
     </mc:Choice>
-    <mc:Fallback>
+    <mc:Fallback xmlns="">
       <p:transition spd="slow">
         <p:fade/>
       </p:transition>
     </mc:Fallback>
   </mc:AlternateContent>
-  <p:timing>
-    <p:tnLst>
-      <p:par>
-        <p:cTn id="1" dur="indefinite" restart="never" nodeType="tmRoot"/>
-      </p:par>
-    </p:tnLst>
-  </p:timing>
 </p:sld>
 </file>
 
@@ -11288,10 +12565,10 @@
           <p:cNvPr id="38" name="Rectangle 6">
             <a:extLst>
               <a:ext uri="{FF2B5EF4-FFF2-40B4-BE49-F238E27FC236}">
-                <a16:creationId xmlns:a16="http://schemas.microsoft.com/office/drawing/2014/main" xmlns="" id="{2293296F-4C3A-4530-98F5-F83646ACE913}"/>
+                <a16:creationId xmlns:a16="http://schemas.microsoft.com/office/drawing/2014/main" id="{2293296F-4C3A-4530-98F5-F83646ACE913}"/>
               </a:ext>
               <a:ext uri="{C183D7F6-B498-43B3-948B-1728B52AA6E4}">
-                <adec:decorative xmlns:adec="http://schemas.microsoft.com/office/drawing/2017/decorative" xmlns="" val="1"/>
+                <adec:decorative xmlns:adec="http://schemas.microsoft.com/office/drawing/2017/decorative" val="1"/>
               </a:ext>
             </a:extLst>
           </p:cNvPr>
@@ -11301,7 +12578,7 @@
           <p:nvPr>
             <p:extLst>
               <p:ext uri="{386F3935-93C4-4BCD-93E2-E3B085C9AB24}">
-                <p16:designElem xmlns:p16="http://schemas.microsoft.com/office/powerpoint/2015/main" xmlns="" val="1"/>
+                <p16:designElem xmlns:p16="http://schemas.microsoft.com/office/powerpoint/2015/main" val="1"/>
               </p:ext>
             </p:extLst>
           </p:nvPr>
@@ -11354,10 +12631,10 @@
           <p:cNvPr id="39" name="Group 8">
             <a:extLst>
               <a:ext uri="{FF2B5EF4-FFF2-40B4-BE49-F238E27FC236}">
-                <a16:creationId xmlns:a16="http://schemas.microsoft.com/office/drawing/2014/main" xmlns="" id="{3914D2BD-3C47-433D-81FE-DC6C39595F0E}"/>
+                <a16:creationId xmlns:a16="http://schemas.microsoft.com/office/drawing/2014/main" id="{3914D2BD-3C47-433D-81FE-DC6C39595F0E}"/>
               </a:ext>
               <a:ext uri="{C183D7F6-B498-43B3-948B-1728B52AA6E4}">
-                <adec:decorative xmlns:adec="http://schemas.microsoft.com/office/drawing/2017/decorative" xmlns="" val="1"/>
+                <adec:decorative xmlns:adec="http://schemas.microsoft.com/office/drawing/2017/decorative" val="1"/>
               </a:ext>
             </a:extLst>
           </p:cNvPr>
@@ -11367,7 +12644,7 @@
           <p:nvPr>
             <p:extLst>
               <p:ext uri="{386F3935-93C4-4BCD-93E2-E3B085C9AB24}">
-                <p16:designElem xmlns:p16="http://schemas.microsoft.com/office/powerpoint/2015/main" xmlns="" val="1"/>
+                <p16:designElem xmlns:p16="http://schemas.microsoft.com/office/powerpoint/2015/main" val="1"/>
               </p:ext>
             </p:extLst>
           </p:nvPr>
@@ -11385,10 +12662,10 @@
             <p:cNvPr id="10" name="Straight Connector 9">
               <a:extLst>
                 <a:ext uri="{FF2B5EF4-FFF2-40B4-BE49-F238E27FC236}">
-                  <a16:creationId xmlns:a16="http://schemas.microsoft.com/office/drawing/2014/main" xmlns="" id="{D3DD55E4-EA4F-4874-8B5B-6E0EAF4BBFC4}"/>
+                  <a16:creationId xmlns:a16="http://schemas.microsoft.com/office/drawing/2014/main" id="{D3DD55E4-EA4F-4874-8B5B-6E0EAF4BBFC4}"/>
                 </a:ext>
                 <a:ext uri="{C183D7F6-B498-43B3-948B-1728B52AA6E4}">
-                  <adec:decorative xmlns:adec="http://schemas.microsoft.com/office/drawing/2017/decorative" xmlns="" val="1"/>
+                  <adec:decorative xmlns:adec="http://schemas.microsoft.com/office/drawing/2017/decorative" val="1"/>
                 </a:ext>
               </a:extLst>
             </p:cNvPr>
@@ -11398,7 +12675,7 @@
             <p:nvPr>
               <p:extLst>
                 <p:ext uri="{386F3935-93C4-4BCD-93E2-E3B085C9AB24}">
-                  <p16:designElem xmlns:p16="http://schemas.microsoft.com/office/powerpoint/2015/main" xmlns="" val="1"/>
+                  <p16:designElem xmlns:p16="http://schemas.microsoft.com/office/powerpoint/2015/main" val="1"/>
                 </p:ext>
               </p:extLst>
             </p:nvPr>
@@ -11437,10 +12714,10 @@
             <p:cNvPr id="11" name="Straight Connector 10">
               <a:extLst>
                 <a:ext uri="{FF2B5EF4-FFF2-40B4-BE49-F238E27FC236}">
-                  <a16:creationId xmlns:a16="http://schemas.microsoft.com/office/drawing/2014/main" xmlns="" id="{32950BAF-7673-4138-AEA2-DE7D368CC357}"/>
+                  <a16:creationId xmlns:a16="http://schemas.microsoft.com/office/drawing/2014/main" id="{32950BAF-7673-4138-AEA2-DE7D368CC357}"/>
                 </a:ext>
                 <a:ext uri="{C183D7F6-B498-43B3-948B-1728B52AA6E4}">
-                  <adec:decorative xmlns:adec="http://schemas.microsoft.com/office/drawing/2017/decorative" xmlns="" val="1"/>
+                  <adec:decorative xmlns:adec="http://schemas.microsoft.com/office/drawing/2017/decorative" val="1"/>
                 </a:ext>
               </a:extLst>
             </p:cNvPr>
@@ -11450,7 +12727,7 @@
             <p:nvPr>
               <p:extLst>
                 <p:ext uri="{386F3935-93C4-4BCD-93E2-E3B085C9AB24}">
-                  <p16:designElem xmlns:p16="http://schemas.microsoft.com/office/powerpoint/2015/main" xmlns="" val="1"/>
+                  <p16:designElem xmlns:p16="http://schemas.microsoft.com/office/powerpoint/2015/main" val="1"/>
                 </p:ext>
               </p:extLst>
             </p:nvPr>
@@ -11489,10 +12766,10 @@
             <p:cNvPr id="12" name="Straight Connector 11">
               <a:extLst>
                 <a:ext uri="{FF2B5EF4-FFF2-40B4-BE49-F238E27FC236}">
-                  <a16:creationId xmlns:a16="http://schemas.microsoft.com/office/drawing/2014/main" xmlns="" id="{6BE3E2B5-EA1C-415A-941A-843C7EA148E1}"/>
+                  <a16:creationId xmlns:a16="http://schemas.microsoft.com/office/drawing/2014/main" id="{6BE3E2B5-EA1C-415A-941A-843C7EA148E1}"/>
                 </a:ext>
                 <a:ext uri="{C183D7F6-B498-43B3-948B-1728B52AA6E4}">
-                  <adec:decorative xmlns:adec="http://schemas.microsoft.com/office/drawing/2017/decorative" xmlns="" val="1"/>
+                  <adec:decorative xmlns:adec="http://schemas.microsoft.com/office/drawing/2017/decorative" val="1"/>
                 </a:ext>
               </a:extLst>
             </p:cNvPr>
@@ -11502,7 +12779,7 @@
             <p:nvPr>
               <p:extLst>
                 <p:ext uri="{386F3935-93C4-4BCD-93E2-E3B085C9AB24}">
-                  <p16:designElem xmlns:p16="http://schemas.microsoft.com/office/powerpoint/2015/main" xmlns="" val="1"/>
+                  <p16:designElem xmlns:p16="http://schemas.microsoft.com/office/powerpoint/2015/main" val="1"/>
                 </p:ext>
               </p:extLst>
             </p:nvPr>
@@ -11541,10 +12818,10 @@
             <p:cNvPr id="13" name="Straight Connector 12">
               <a:extLst>
                 <a:ext uri="{FF2B5EF4-FFF2-40B4-BE49-F238E27FC236}">
-                  <a16:creationId xmlns:a16="http://schemas.microsoft.com/office/drawing/2014/main" xmlns="" id="{087FA3A6-E398-4576-B6B8-3328028D84B2}"/>
+                  <a16:creationId xmlns:a16="http://schemas.microsoft.com/office/drawing/2014/main" id="{087FA3A6-E398-4576-B6B8-3328028D84B2}"/>
                 </a:ext>
                 <a:ext uri="{C183D7F6-B498-43B3-948B-1728B52AA6E4}">
-                  <adec:decorative xmlns:adec="http://schemas.microsoft.com/office/drawing/2017/decorative" xmlns="" val="1"/>
+                  <adec:decorative xmlns:adec="http://schemas.microsoft.com/office/drawing/2017/decorative" val="1"/>
                 </a:ext>
               </a:extLst>
             </p:cNvPr>
@@ -11554,7 +12831,7 @@
             <p:nvPr>
               <p:extLst>
                 <p:ext uri="{386F3935-93C4-4BCD-93E2-E3B085C9AB24}">
-                  <p16:designElem xmlns:p16="http://schemas.microsoft.com/office/powerpoint/2015/main" xmlns="" val="1"/>
+                  <p16:designElem xmlns:p16="http://schemas.microsoft.com/office/powerpoint/2015/main" val="1"/>
                 </p:ext>
               </p:extLst>
             </p:nvPr>
@@ -11593,10 +12870,10 @@
             <p:cNvPr id="14" name="Graphic 33">
               <a:extLst>
                 <a:ext uri="{FF2B5EF4-FFF2-40B4-BE49-F238E27FC236}">
-                  <a16:creationId xmlns:a16="http://schemas.microsoft.com/office/drawing/2014/main" xmlns="" id="{EFB597D7-65E0-476A-B9EB-3AA6ED33884C}"/>
+                  <a16:creationId xmlns:a16="http://schemas.microsoft.com/office/drawing/2014/main" id="{EFB597D7-65E0-476A-B9EB-3AA6ED33884C}"/>
                 </a:ext>
                 <a:ext uri="{C183D7F6-B498-43B3-948B-1728B52AA6E4}">
-                  <adec:decorative xmlns:adec="http://schemas.microsoft.com/office/drawing/2017/decorative" xmlns="" val="1"/>
+                  <adec:decorative xmlns:adec="http://schemas.microsoft.com/office/drawing/2017/decorative" val="1"/>
                 </a:ext>
               </a:extLst>
             </p:cNvPr>
@@ -11604,7 +12881,7 @@
             <p:nvPr>
               <p:extLst>
                 <p:ext uri="{386F3935-93C4-4BCD-93E2-E3B085C9AB24}">
-                  <p16:designElem xmlns:p16="http://schemas.microsoft.com/office/powerpoint/2015/main" xmlns="" val="1"/>
+                  <p16:designElem xmlns:p16="http://schemas.microsoft.com/office/powerpoint/2015/main" val="1"/>
                 </p:ext>
               </p:extLst>
             </p:nvPr>
@@ -11677,10 +12954,10 @@
             <p:cNvPr id="15" name="Graphic 33">
               <a:extLst>
                 <a:ext uri="{FF2B5EF4-FFF2-40B4-BE49-F238E27FC236}">
-                  <a16:creationId xmlns:a16="http://schemas.microsoft.com/office/drawing/2014/main" xmlns="" id="{11AA060A-BE0E-4687-8F9E-0E2955D9796D}"/>
+                  <a16:creationId xmlns:a16="http://schemas.microsoft.com/office/drawing/2014/main" id="{11AA060A-BE0E-4687-8F9E-0E2955D9796D}"/>
                 </a:ext>
                 <a:ext uri="{C183D7F6-B498-43B3-948B-1728B52AA6E4}">
-                  <adec:decorative xmlns:adec="http://schemas.microsoft.com/office/drawing/2017/decorative" xmlns="" val="1"/>
+                  <adec:decorative xmlns:adec="http://schemas.microsoft.com/office/drawing/2017/decorative" val="1"/>
                 </a:ext>
               </a:extLst>
             </p:cNvPr>
@@ -11688,7 +12965,7 @@
             <p:nvPr>
               <p:extLst>
                 <p:ext uri="{386F3935-93C4-4BCD-93E2-E3B085C9AB24}">
-                  <p16:designElem xmlns:p16="http://schemas.microsoft.com/office/powerpoint/2015/main" xmlns="" val="1"/>
+                  <p16:designElem xmlns:p16="http://schemas.microsoft.com/office/powerpoint/2015/main" val="1"/>
                 </p:ext>
               </p:extLst>
             </p:nvPr>
@@ -11762,10 +13039,10 @@
           <p:cNvPr id="40" name="Group 16">
             <a:extLst>
               <a:ext uri="{FF2B5EF4-FFF2-40B4-BE49-F238E27FC236}">
-                <a16:creationId xmlns:a16="http://schemas.microsoft.com/office/drawing/2014/main" xmlns="" id="{65E07BDE-E927-4175-820B-81F985407467}"/>
+                <a16:creationId xmlns:a16="http://schemas.microsoft.com/office/drawing/2014/main" id="{65E07BDE-E927-4175-820B-81F985407467}"/>
               </a:ext>
               <a:ext uri="{C183D7F6-B498-43B3-948B-1728B52AA6E4}">
-                <adec:decorative xmlns:adec="http://schemas.microsoft.com/office/drawing/2017/decorative" xmlns="" val="1"/>
+                <adec:decorative xmlns:adec="http://schemas.microsoft.com/office/drawing/2017/decorative" val="1"/>
               </a:ext>
             </a:extLst>
           </p:cNvPr>
@@ -11775,7 +13052,7 @@
           <p:nvPr>
             <p:extLst>
               <p:ext uri="{386F3935-93C4-4BCD-93E2-E3B085C9AB24}">
-                <p16:designElem xmlns:p16="http://schemas.microsoft.com/office/powerpoint/2015/main" xmlns="" val="1"/>
+                <p16:designElem xmlns:p16="http://schemas.microsoft.com/office/powerpoint/2015/main" val="1"/>
               </p:ext>
             </p:extLst>
           </p:nvPr>
@@ -11793,10 +13070,10 @@
             <p:cNvPr id="18" name="Straight Connector 17">
               <a:extLst>
                 <a:ext uri="{FF2B5EF4-FFF2-40B4-BE49-F238E27FC236}">
-                  <a16:creationId xmlns:a16="http://schemas.microsoft.com/office/drawing/2014/main" xmlns="" id="{F9103D9E-236B-4AD2-A27C-BF2007A2D95B}"/>
+                  <a16:creationId xmlns:a16="http://schemas.microsoft.com/office/drawing/2014/main" id="{F9103D9E-236B-4AD2-A27C-BF2007A2D95B}"/>
                 </a:ext>
                 <a:ext uri="{C183D7F6-B498-43B3-948B-1728B52AA6E4}">
-                  <adec:decorative xmlns:adec="http://schemas.microsoft.com/office/drawing/2017/decorative" xmlns="" val="1"/>
+                  <adec:decorative xmlns:adec="http://schemas.microsoft.com/office/drawing/2017/decorative" val="1"/>
                 </a:ext>
               </a:extLst>
             </p:cNvPr>
@@ -11806,7 +13083,7 @@
             <p:nvPr>
               <p:extLst>
                 <p:ext uri="{386F3935-93C4-4BCD-93E2-E3B085C9AB24}">
-                  <p16:designElem xmlns:p16="http://schemas.microsoft.com/office/powerpoint/2015/main" xmlns="" val="1"/>
+                  <p16:designElem xmlns:p16="http://schemas.microsoft.com/office/powerpoint/2015/main" val="1"/>
                 </p:ext>
               </p:extLst>
             </p:nvPr>
@@ -11845,10 +13122,10 @@
             <p:cNvPr id="19" name="Straight Connector 18">
               <a:extLst>
                 <a:ext uri="{FF2B5EF4-FFF2-40B4-BE49-F238E27FC236}">
-                  <a16:creationId xmlns:a16="http://schemas.microsoft.com/office/drawing/2014/main" xmlns="" id="{86701FBB-07FC-4733-9104-D2EF1D685050}"/>
+                  <a16:creationId xmlns:a16="http://schemas.microsoft.com/office/drawing/2014/main" id="{86701FBB-07FC-4733-9104-D2EF1D685050}"/>
                 </a:ext>
                 <a:ext uri="{C183D7F6-B498-43B3-948B-1728B52AA6E4}">
-                  <adec:decorative xmlns:adec="http://schemas.microsoft.com/office/drawing/2017/decorative" xmlns="" val="1"/>
+                  <adec:decorative xmlns:adec="http://schemas.microsoft.com/office/drawing/2017/decorative" val="1"/>
                 </a:ext>
               </a:extLst>
             </p:cNvPr>
@@ -11858,7 +13135,7 @@
             <p:nvPr>
               <p:extLst>
                 <p:ext uri="{386F3935-93C4-4BCD-93E2-E3B085C9AB24}">
-                  <p16:designElem xmlns:p16="http://schemas.microsoft.com/office/powerpoint/2015/main" xmlns="" val="1"/>
+                  <p16:designElem xmlns:p16="http://schemas.microsoft.com/office/powerpoint/2015/main" val="1"/>
                 </p:ext>
               </p:extLst>
             </p:nvPr>
@@ -11897,10 +13174,10 @@
             <p:cNvPr id="20" name="Straight Connector 19">
               <a:extLst>
                 <a:ext uri="{FF2B5EF4-FFF2-40B4-BE49-F238E27FC236}">
-                  <a16:creationId xmlns:a16="http://schemas.microsoft.com/office/drawing/2014/main" xmlns="" id="{F0024222-CC64-47B0-A4BF-B40233E43B4C}"/>
+                  <a16:creationId xmlns:a16="http://schemas.microsoft.com/office/drawing/2014/main" id="{F0024222-CC64-47B0-A4BF-B40233E43B4C}"/>
                 </a:ext>
                 <a:ext uri="{C183D7F6-B498-43B3-948B-1728B52AA6E4}">
-                  <adec:decorative xmlns:adec="http://schemas.microsoft.com/office/drawing/2017/decorative" xmlns="" val="1"/>
+                  <adec:decorative xmlns:adec="http://schemas.microsoft.com/office/drawing/2017/decorative" val="1"/>
                 </a:ext>
               </a:extLst>
             </p:cNvPr>
@@ -11910,7 +13187,7 @@
             <p:nvPr>
               <p:extLst>
                 <p:ext uri="{386F3935-93C4-4BCD-93E2-E3B085C9AB24}">
-                  <p16:designElem xmlns:p16="http://schemas.microsoft.com/office/powerpoint/2015/main" xmlns="" val="1"/>
+                  <p16:designElem xmlns:p16="http://schemas.microsoft.com/office/powerpoint/2015/main" val="1"/>
                 </p:ext>
               </p:extLst>
             </p:nvPr>
@@ -11949,10 +13226,10 @@
             <p:cNvPr id="21" name="Straight Connector 20">
               <a:extLst>
                 <a:ext uri="{FF2B5EF4-FFF2-40B4-BE49-F238E27FC236}">
-                  <a16:creationId xmlns:a16="http://schemas.microsoft.com/office/drawing/2014/main" xmlns="" id="{C8B03883-6F44-4FEE-BFBE-4D73F19E72AC}"/>
+                  <a16:creationId xmlns:a16="http://schemas.microsoft.com/office/drawing/2014/main" id="{C8B03883-6F44-4FEE-BFBE-4D73F19E72AC}"/>
                 </a:ext>
                 <a:ext uri="{C183D7F6-B498-43B3-948B-1728B52AA6E4}">
-                  <adec:decorative xmlns:adec="http://schemas.microsoft.com/office/drawing/2017/decorative" xmlns="" val="1"/>
+                  <adec:decorative xmlns:adec="http://schemas.microsoft.com/office/drawing/2017/decorative" val="1"/>
                 </a:ext>
               </a:extLst>
             </p:cNvPr>
@@ -11962,7 +13239,7 @@
             <p:nvPr>
               <p:extLst>
                 <p:ext uri="{386F3935-93C4-4BCD-93E2-E3B085C9AB24}">
-                  <p16:designElem xmlns:p16="http://schemas.microsoft.com/office/powerpoint/2015/main" xmlns="" val="1"/>
+                  <p16:designElem xmlns:p16="http://schemas.microsoft.com/office/powerpoint/2015/main" val="1"/>
                 </p:ext>
               </p:extLst>
             </p:nvPr>
@@ -12001,10 +13278,10 @@
             <p:cNvPr id="22" name="Graphic 33">
               <a:extLst>
                 <a:ext uri="{FF2B5EF4-FFF2-40B4-BE49-F238E27FC236}">
-                  <a16:creationId xmlns:a16="http://schemas.microsoft.com/office/drawing/2014/main" xmlns="" id="{5A26ABB5-559E-45EC-8DBC-364F029DD723}"/>
+                  <a16:creationId xmlns:a16="http://schemas.microsoft.com/office/drawing/2014/main" id="{5A26ABB5-559E-45EC-8DBC-364F029DD723}"/>
                 </a:ext>
                 <a:ext uri="{C183D7F6-B498-43B3-948B-1728B52AA6E4}">
-                  <adec:decorative xmlns:adec="http://schemas.microsoft.com/office/drawing/2017/decorative" xmlns="" val="1"/>
+                  <adec:decorative xmlns:adec="http://schemas.microsoft.com/office/drawing/2017/decorative" val="1"/>
                 </a:ext>
               </a:extLst>
             </p:cNvPr>
@@ -12012,7 +13289,7 @@
             <p:nvPr>
               <p:extLst>
                 <p:ext uri="{386F3935-93C4-4BCD-93E2-E3B085C9AB24}">
-                  <p16:designElem xmlns:p16="http://schemas.microsoft.com/office/powerpoint/2015/main" xmlns="" val="1"/>
+                  <p16:designElem xmlns:p16="http://schemas.microsoft.com/office/powerpoint/2015/main" val="1"/>
                 </p:ext>
               </p:extLst>
             </p:nvPr>
@@ -12085,10 +13362,10 @@
             <p:cNvPr id="23" name="Graphic 33">
               <a:extLst>
                 <a:ext uri="{FF2B5EF4-FFF2-40B4-BE49-F238E27FC236}">
-                  <a16:creationId xmlns:a16="http://schemas.microsoft.com/office/drawing/2014/main" xmlns="" id="{339DC07F-79A6-42D3-BDD6-5A262FFC53A2}"/>
+                  <a16:creationId xmlns:a16="http://schemas.microsoft.com/office/drawing/2014/main" id="{339DC07F-79A6-42D3-BDD6-5A262FFC53A2}"/>
                 </a:ext>
                 <a:ext uri="{C183D7F6-B498-43B3-948B-1728B52AA6E4}">
-                  <adec:decorative xmlns:adec="http://schemas.microsoft.com/office/drawing/2017/decorative" xmlns="" val="1"/>
+                  <adec:decorative xmlns:adec="http://schemas.microsoft.com/office/drawing/2017/decorative" val="1"/>
                 </a:ext>
               </a:extLst>
             </p:cNvPr>
@@ -12096,7 +13373,7 @@
             <p:nvPr>
               <p:extLst>
                 <p:ext uri="{386F3935-93C4-4BCD-93E2-E3B085C9AB24}">
-                  <p16:designElem xmlns:p16="http://schemas.microsoft.com/office/powerpoint/2015/main" xmlns="" val="1"/>
+                  <p16:designElem xmlns:p16="http://schemas.microsoft.com/office/powerpoint/2015/main" val="1"/>
                 </p:ext>
               </p:extLst>
             </p:nvPr>
@@ -12170,10 +13447,10 @@
           <p:cNvPr id="41" name="Rectangle 24">
             <a:extLst>
               <a:ext uri="{FF2B5EF4-FFF2-40B4-BE49-F238E27FC236}">
-                <a16:creationId xmlns:a16="http://schemas.microsoft.com/office/drawing/2014/main" xmlns="" id="{BD2D4D3D-0943-4A9D-AE30-EEEAF707A340}"/>
+                <a16:creationId xmlns:a16="http://schemas.microsoft.com/office/drawing/2014/main" id="{BD2D4D3D-0943-4A9D-AE30-EEEAF707A340}"/>
               </a:ext>
               <a:ext uri="{C183D7F6-B498-43B3-948B-1728B52AA6E4}">
-                <adec:decorative xmlns:adec="http://schemas.microsoft.com/office/drawing/2017/decorative" xmlns="" val="1"/>
+                <adec:decorative xmlns:adec="http://schemas.microsoft.com/office/drawing/2017/decorative" val="1"/>
               </a:ext>
             </a:extLst>
           </p:cNvPr>
@@ -12183,7 +13460,7 @@
           <p:nvPr>
             <p:extLst>
               <p:ext uri="{386F3935-93C4-4BCD-93E2-E3B085C9AB24}">
-                <p16:designElem xmlns:p16="http://schemas.microsoft.com/office/powerpoint/2015/main" xmlns="" val="1"/>
+                <p16:designElem xmlns:p16="http://schemas.microsoft.com/office/powerpoint/2015/main" val="1"/>
               </p:ext>
             </p:extLst>
           </p:nvPr>
@@ -12230,10 +13507,10 @@
           <p:cNvPr id="42" name="Rectangle 26">
             <a:extLst>
               <a:ext uri="{FF2B5EF4-FFF2-40B4-BE49-F238E27FC236}">
-                <a16:creationId xmlns:a16="http://schemas.microsoft.com/office/drawing/2014/main" xmlns="" id="{96402F50-78D0-4C40-8FB9-47AF6DD06DC9}"/>
+                <a16:creationId xmlns:a16="http://schemas.microsoft.com/office/drawing/2014/main" id="{96402F50-78D0-4C40-8FB9-47AF6DD06DC9}"/>
               </a:ext>
               <a:ext uri="{C183D7F6-B498-43B3-948B-1728B52AA6E4}">
-                <adec:decorative xmlns:adec="http://schemas.microsoft.com/office/drawing/2017/decorative" xmlns="" val="1"/>
+                <adec:decorative xmlns:adec="http://schemas.microsoft.com/office/drawing/2017/decorative" val="1"/>
               </a:ext>
             </a:extLst>
           </p:cNvPr>
@@ -12243,7 +13520,7 @@
           <p:nvPr>
             <p:extLst>
               <p:ext uri="{386F3935-93C4-4BCD-93E2-E3B085C9AB24}">
-                <p16:designElem xmlns:p16="http://schemas.microsoft.com/office/powerpoint/2015/main" xmlns="" val="1"/>
+                <p16:designElem xmlns:p16="http://schemas.microsoft.com/office/powerpoint/2015/main" val="1"/>
               </p:ext>
             </p:extLst>
           </p:nvPr>
@@ -12296,10 +13573,10 @@
           <p:cNvPr id="43" name="Group 28">
             <a:extLst>
               <a:ext uri="{FF2B5EF4-FFF2-40B4-BE49-F238E27FC236}">
-                <a16:creationId xmlns:a16="http://schemas.microsoft.com/office/drawing/2014/main" xmlns="" id="{905FD742-A584-4C24-981D-4BE96AC5618C}"/>
+                <a16:creationId xmlns:a16="http://schemas.microsoft.com/office/drawing/2014/main" id="{905FD742-A584-4C24-981D-4BE96AC5618C}"/>
               </a:ext>
               <a:ext uri="{C183D7F6-B498-43B3-948B-1728B52AA6E4}">
-                <adec:decorative xmlns:adec="http://schemas.microsoft.com/office/drawing/2017/decorative" xmlns="" val="1"/>
+                <adec:decorative xmlns:adec="http://schemas.microsoft.com/office/drawing/2017/decorative" val="1"/>
               </a:ext>
             </a:extLst>
           </p:cNvPr>
@@ -12309,7 +13586,7 @@
           <p:nvPr>
             <p:extLst>
               <p:ext uri="{386F3935-93C4-4BCD-93E2-E3B085C9AB24}">
-                <p16:designElem xmlns:p16="http://schemas.microsoft.com/office/powerpoint/2015/main" xmlns="" val="1"/>
+                <p16:designElem xmlns:p16="http://schemas.microsoft.com/office/powerpoint/2015/main" val="1"/>
               </p:ext>
             </p:extLst>
           </p:nvPr>
@@ -12327,10 +13604,10 @@
             <p:cNvPr id="30" name="Group 29">
               <a:extLst>
                 <a:ext uri="{FF2B5EF4-FFF2-40B4-BE49-F238E27FC236}">
-                  <a16:creationId xmlns:a16="http://schemas.microsoft.com/office/drawing/2014/main" xmlns="" id="{7258DE11-AA0C-48D2-8F00-9B8DC1093A47}"/>
+                  <a16:creationId xmlns:a16="http://schemas.microsoft.com/office/drawing/2014/main" id="{7258DE11-AA0C-48D2-8F00-9B8DC1093A47}"/>
                 </a:ext>
                 <a:ext uri="{C183D7F6-B498-43B3-948B-1728B52AA6E4}">
-                  <adec:decorative xmlns:adec="http://schemas.microsoft.com/office/drawing/2017/decorative" xmlns="" val="1"/>
+                  <adec:decorative xmlns:adec="http://schemas.microsoft.com/office/drawing/2017/decorative" val="1"/>
                 </a:ext>
               </a:extLst>
             </p:cNvPr>
@@ -12338,7 +13615,7 @@
             <p:nvPr>
               <p:extLst>
                 <p:ext uri="{386F3935-93C4-4BCD-93E2-E3B085C9AB24}">
-                  <p16:designElem xmlns:p16="http://schemas.microsoft.com/office/powerpoint/2015/main" xmlns="" val="1"/>
+                  <p16:designElem xmlns:p16="http://schemas.microsoft.com/office/powerpoint/2015/main" val="1"/>
                 </p:ext>
               </p:extLst>
             </p:nvPr>
@@ -12356,10 +13633,10 @@
               <p:cNvPr id="32" name="Straight Connector 31">
                 <a:extLst>
                   <a:ext uri="{FF2B5EF4-FFF2-40B4-BE49-F238E27FC236}">
-                    <a16:creationId xmlns:a16="http://schemas.microsoft.com/office/drawing/2014/main" xmlns="" id="{62A6129B-5E41-4111-BA49-D6E73631A7F0}"/>
+                    <a16:creationId xmlns:a16="http://schemas.microsoft.com/office/drawing/2014/main" id="{62A6129B-5E41-4111-BA49-D6E73631A7F0}"/>
                   </a:ext>
                   <a:ext uri="{C183D7F6-B498-43B3-948B-1728B52AA6E4}">
-                    <adec:decorative xmlns:adec="http://schemas.microsoft.com/office/drawing/2017/decorative" xmlns="" val="1"/>
+                    <adec:decorative xmlns:adec="http://schemas.microsoft.com/office/drawing/2017/decorative" val="1"/>
                   </a:ext>
                 </a:extLst>
               </p:cNvPr>
@@ -12369,7 +13646,7 @@
               <p:nvPr>
                 <p:extLst>
                   <p:ext uri="{386F3935-93C4-4BCD-93E2-E3B085C9AB24}">
-                    <p16:designElem xmlns:p16="http://schemas.microsoft.com/office/powerpoint/2015/main" xmlns="" val="1"/>
+                    <p16:designElem xmlns:p16="http://schemas.microsoft.com/office/powerpoint/2015/main" val="1"/>
                   </p:ext>
                 </p:extLst>
               </p:nvPr>
@@ -12408,10 +13685,10 @@
               <p:cNvPr id="33" name="Straight Connector 32">
                 <a:extLst>
                   <a:ext uri="{FF2B5EF4-FFF2-40B4-BE49-F238E27FC236}">
-                    <a16:creationId xmlns:a16="http://schemas.microsoft.com/office/drawing/2014/main" xmlns="" id="{42ACD671-2209-4876-A99B-0D185B70D1EA}"/>
+                    <a16:creationId xmlns:a16="http://schemas.microsoft.com/office/drawing/2014/main" id="{42ACD671-2209-4876-A99B-0D185B70D1EA}"/>
                   </a:ext>
                   <a:ext uri="{C183D7F6-B498-43B3-948B-1728B52AA6E4}">
-                    <adec:decorative xmlns:adec="http://schemas.microsoft.com/office/drawing/2017/decorative" xmlns="" val="1"/>
+                    <adec:decorative xmlns:adec="http://schemas.microsoft.com/office/drawing/2017/decorative" val="1"/>
                   </a:ext>
                 </a:extLst>
               </p:cNvPr>
@@ -12421,7 +13698,7 @@
               <p:nvPr>
                 <p:extLst>
                   <p:ext uri="{386F3935-93C4-4BCD-93E2-E3B085C9AB24}">
-                    <p16:designElem xmlns:p16="http://schemas.microsoft.com/office/powerpoint/2015/main" xmlns="" val="1"/>
+                    <p16:designElem xmlns:p16="http://schemas.microsoft.com/office/powerpoint/2015/main" val="1"/>
                   </p:ext>
                 </p:extLst>
               </p:nvPr>
@@ -12460,10 +13737,10 @@
               <p:cNvPr id="34" name="Straight Connector 33">
                 <a:extLst>
                   <a:ext uri="{FF2B5EF4-FFF2-40B4-BE49-F238E27FC236}">
-                    <a16:creationId xmlns:a16="http://schemas.microsoft.com/office/drawing/2014/main" xmlns="" id="{5ACF9EAE-7FB1-4C87-B3F1-9129699CB1B6}"/>
+                    <a16:creationId xmlns:a16="http://schemas.microsoft.com/office/drawing/2014/main" id="{5ACF9EAE-7FB1-4C87-B3F1-9129699CB1B6}"/>
                   </a:ext>
                   <a:ext uri="{C183D7F6-B498-43B3-948B-1728B52AA6E4}">
-                    <adec:decorative xmlns:adec="http://schemas.microsoft.com/office/drawing/2017/decorative" xmlns="" val="1"/>
+                    <adec:decorative xmlns:adec="http://schemas.microsoft.com/office/drawing/2017/decorative" val="1"/>
                   </a:ext>
                 </a:extLst>
               </p:cNvPr>
@@ -12473,7 +13750,7 @@
               <p:nvPr>
                 <p:extLst>
                   <p:ext uri="{386F3935-93C4-4BCD-93E2-E3B085C9AB24}">
-                    <p16:designElem xmlns:p16="http://schemas.microsoft.com/office/powerpoint/2015/main" xmlns="" val="1"/>
+                    <p16:designElem xmlns:p16="http://schemas.microsoft.com/office/powerpoint/2015/main" val="1"/>
                   </p:ext>
                 </p:extLst>
               </p:nvPr>
@@ -12512,10 +13789,10 @@
               <p:cNvPr id="35" name="Straight Connector 34">
                 <a:extLst>
                   <a:ext uri="{FF2B5EF4-FFF2-40B4-BE49-F238E27FC236}">
-                    <a16:creationId xmlns:a16="http://schemas.microsoft.com/office/drawing/2014/main" xmlns="" id="{774E1729-16FC-4A78-A1FC-1B4B0D30C803}"/>
+                    <a16:creationId xmlns:a16="http://schemas.microsoft.com/office/drawing/2014/main" id="{774E1729-16FC-4A78-A1FC-1B4B0D30C803}"/>
                   </a:ext>
                   <a:ext uri="{C183D7F6-B498-43B3-948B-1728B52AA6E4}">
-                    <adec:decorative xmlns:adec="http://schemas.microsoft.com/office/drawing/2017/decorative" xmlns="" val="1"/>
+                    <adec:decorative xmlns:adec="http://schemas.microsoft.com/office/drawing/2017/decorative" val="1"/>
                   </a:ext>
                 </a:extLst>
               </p:cNvPr>
@@ -12525,7 +13802,7 @@
               <p:nvPr>
                 <p:extLst>
                   <p:ext uri="{386F3935-93C4-4BCD-93E2-E3B085C9AB24}">
-                    <p16:designElem xmlns:p16="http://schemas.microsoft.com/office/powerpoint/2015/main" xmlns="" val="1"/>
+                    <p16:designElem xmlns:p16="http://schemas.microsoft.com/office/powerpoint/2015/main" val="1"/>
                   </p:ext>
                 </p:extLst>
               </p:nvPr>
@@ -12564,10 +13841,10 @@
               <p:cNvPr id="36" name="Straight Connector 35">
                 <a:extLst>
                   <a:ext uri="{FF2B5EF4-FFF2-40B4-BE49-F238E27FC236}">
-                    <a16:creationId xmlns:a16="http://schemas.microsoft.com/office/drawing/2014/main" xmlns="" id="{3E4DB013-2DB1-4155-8355-AE8EDE75CC7E}"/>
+                    <a16:creationId xmlns:a16="http://schemas.microsoft.com/office/drawing/2014/main" id="{3E4DB013-2DB1-4155-8355-AE8EDE75CC7E}"/>
                   </a:ext>
                   <a:ext uri="{C183D7F6-B498-43B3-948B-1728B52AA6E4}">
-                    <adec:decorative xmlns:adec="http://schemas.microsoft.com/office/drawing/2017/decorative" xmlns="" val="1"/>
+                    <adec:decorative xmlns:adec="http://schemas.microsoft.com/office/drawing/2017/decorative" val="1"/>
                   </a:ext>
                 </a:extLst>
               </p:cNvPr>
@@ -12577,7 +13854,7 @@
               <p:nvPr>
                 <p:extLst>
                   <p:ext uri="{386F3935-93C4-4BCD-93E2-E3B085C9AB24}">
-                    <p16:designElem xmlns:p16="http://schemas.microsoft.com/office/powerpoint/2015/main" xmlns="" val="1"/>
+                    <p16:designElem xmlns:p16="http://schemas.microsoft.com/office/powerpoint/2015/main" val="1"/>
                   </p:ext>
                 </p:extLst>
               </p:nvPr>
@@ -12616,10 +13893,10 @@
               <p:cNvPr id="37" name="Straight Connector 36">
                 <a:extLst>
                   <a:ext uri="{FF2B5EF4-FFF2-40B4-BE49-F238E27FC236}">
-                    <a16:creationId xmlns:a16="http://schemas.microsoft.com/office/drawing/2014/main" xmlns="" id="{77AED547-EF0A-4CE6-87B9-059D7C6375D3}"/>
+                    <a16:creationId xmlns:a16="http://schemas.microsoft.com/office/drawing/2014/main" id="{77AED547-EF0A-4CE6-87B9-059D7C6375D3}"/>
                   </a:ext>
                   <a:ext uri="{C183D7F6-B498-43B3-948B-1728B52AA6E4}">
-                    <adec:decorative xmlns:adec="http://schemas.microsoft.com/office/drawing/2017/decorative" xmlns="" val="1"/>
+                    <adec:decorative xmlns:adec="http://schemas.microsoft.com/office/drawing/2017/decorative" val="1"/>
                   </a:ext>
                 </a:extLst>
               </p:cNvPr>
@@ -12629,7 +13906,7 @@
               <p:nvPr>
                 <p:extLst>
                   <p:ext uri="{386F3935-93C4-4BCD-93E2-E3B085C9AB24}">
-                    <p16:designElem xmlns:p16="http://schemas.microsoft.com/office/powerpoint/2015/main" xmlns="" val="1"/>
+                    <p16:designElem xmlns:p16="http://schemas.microsoft.com/office/powerpoint/2015/main" val="1"/>
                   </p:ext>
                 </p:extLst>
               </p:nvPr>
@@ -12669,10 +13946,10 @@
             <p:cNvPr id="31" name="Graphic 11">
               <a:extLst>
                 <a:ext uri="{FF2B5EF4-FFF2-40B4-BE49-F238E27FC236}">
-                  <a16:creationId xmlns:a16="http://schemas.microsoft.com/office/drawing/2014/main" xmlns="" id="{61ABD7CE-E0CE-4FE7-AEA1-F7DB71799BF5}"/>
+                  <a16:creationId xmlns:a16="http://schemas.microsoft.com/office/drawing/2014/main" id="{61ABD7CE-E0CE-4FE7-AEA1-F7DB71799BF5}"/>
                 </a:ext>
                 <a:ext uri="{C183D7F6-B498-43B3-948B-1728B52AA6E4}">
-                  <adec:decorative xmlns:adec="http://schemas.microsoft.com/office/drawing/2017/decorative" xmlns="" val="1"/>
+                  <adec:decorative xmlns:adec="http://schemas.microsoft.com/office/drawing/2017/decorative" val="1"/>
                 </a:ext>
               </a:extLst>
             </p:cNvPr>
@@ -12680,7 +13957,7 @@
             <p:nvPr>
               <p:extLst>
                 <p:ext uri="{386F3935-93C4-4BCD-93E2-E3B085C9AB24}">
-                  <p16:designElem xmlns:p16="http://schemas.microsoft.com/office/powerpoint/2015/main" xmlns="" val="1"/>
+                  <p16:designElem xmlns:p16="http://schemas.microsoft.com/office/powerpoint/2015/main" val="1"/>
                 </p:ext>
               </p:extLst>
             </p:nvPr>
@@ -12794,7 +14071,7 @@
           <p:cNvPr id="44" name="Title 1">
             <a:extLst>
               <a:ext uri="{FF2B5EF4-FFF2-40B4-BE49-F238E27FC236}">
-                <a16:creationId xmlns:a16="http://schemas.microsoft.com/office/drawing/2014/main" xmlns="" id="{A4875C88-8791-496D-852A-47B73B6FFF5A}"/>
+                <a16:creationId xmlns:a16="http://schemas.microsoft.com/office/drawing/2014/main" id="{A4875C88-8791-496D-852A-47B73B6FFF5A}"/>
               </a:ext>
             </a:extLst>
           </p:cNvPr>
@@ -12857,25 +14134,18 @@
   <p:clrMapOvr>
     <a:masterClrMapping/>
   </p:clrMapOvr>
-  <mc:AlternateContent xmlns:mc="http://schemas.openxmlformats.org/markup-compatibility/2006">
-    <mc:Choice xmlns:p159="http://schemas.microsoft.com/office/powerpoint/2015/09/main" xmlns="" Requires="p159">
+  <mc:AlternateContent xmlns:mc="http://schemas.openxmlformats.org/markup-compatibility/2006" xmlns:p159="http://schemas.microsoft.com/office/powerpoint/2015/09/main">
+    <mc:Choice Requires="p159">
       <p:transition xmlns:p14="http://schemas.microsoft.com/office/powerpoint/2010/main" spd="slow" p14:dur="2000">
         <p159:morph option="byObject"/>
       </p:transition>
     </mc:Choice>
-    <mc:Fallback>
+    <mc:Fallback xmlns="">
       <p:transition spd="slow">
         <p:fade/>
       </p:transition>
     </mc:Fallback>
   </mc:AlternateContent>
-  <p:timing>
-    <p:tnLst>
-      <p:par>
-        <p:cTn id="1" dur="indefinite" restart="never" nodeType="tmRoot"/>
-      </p:par>
-    </p:tnLst>
-  </p:timing>
 </p:sld>
 </file>
 
@@ -12964,7 +14234,7 @@
           <p:cNvPr id="5" name="Content Placeholder 10">
             <a:extLst>
               <a:ext uri="{FF2B5EF4-FFF2-40B4-BE49-F238E27FC236}">
-                <a16:creationId xmlns:a16="http://schemas.microsoft.com/office/drawing/2014/main" xmlns="" id="{E1161351-9729-4ADA-AEA8-7105404763DF}"/>
+                <a16:creationId xmlns:a16="http://schemas.microsoft.com/office/drawing/2014/main" id="{E1161351-9729-4ADA-AEA8-7105404763DF}"/>
               </a:ext>
             </a:extLst>
           </p:cNvPr>
@@ -13000,7 +14270,7 @@
           <p:cNvPr id="7" name="Title 1">
             <a:extLst>
               <a:ext uri="{FF2B5EF4-FFF2-40B4-BE49-F238E27FC236}">
-                <a16:creationId xmlns:a16="http://schemas.microsoft.com/office/drawing/2014/main" xmlns="" id="{555E2E06-4399-44D0-8217-14B8D250EF62}"/>
+                <a16:creationId xmlns:a16="http://schemas.microsoft.com/office/drawing/2014/main" id="{555E2E06-4399-44D0-8217-14B8D250EF62}"/>
               </a:ext>
             </a:extLst>
           </p:cNvPr>
@@ -13063,25 +14333,18 @@
   <p:clrMapOvr>
     <a:masterClrMapping/>
   </p:clrMapOvr>
-  <mc:AlternateContent xmlns:mc="http://schemas.openxmlformats.org/markup-compatibility/2006">
-    <mc:Choice xmlns:p159="http://schemas.microsoft.com/office/powerpoint/2015/09/main" xmlns="" Requires="p159">
+  <mc:AlternateContent xmlns:mc="http://schemas.openxmlformats.org/markup-compatibility/2006" xmlns:p159="http://schemas.microsoft.com/office/powerpoint/2015/09/main">
+    <mc:Choice Requires="p159">
       <p:transition xmlns:p14="http://schemas.microsoft.com/office/powerpoint/2010/main" spd="slow" p14:dur="2000">
         <p159:morph option="byObject"/>
       </p:transition>
     </mc:Choice>
-    <mc:Fallback>
+    <mc:Fallback xmlns="">
       <p:transition spd="slow">
         <p:fade/>
       </p:transition>
     </mc:Fallback>
   </mc:AlternateContent>
-  <p:timing>
-    <p:tnLst>
-      <p:par>
-        <p:cTn id="1" dur="indefinite" restart="never" nodeType="tmRoot"/>
-      </p:par>
-    </p:tnLst>
-  </p:timing>
 </p:sld>
 </file>
 
@@ -13115,10 +14378,10 @@
           <p:cNvPr id="17" name="Rectangle 16">
             <a:extLst>
               <a:ext uri="{FF2B5EF4-FFF2-40B4-BE49-F238E27FC236}">
-                <a16:creationId xmlns:a16="http://schemas.microsoft.com/office/drawing/2014/main" xmlns="" id="{2293296F-4C3A-4530-98F5-F83646ACE913}"/>
+                <a16:creationId xmlns:a16="http://schemas.microsoft.com/office/drawing/2014/main" id="{2293296F-4C3A-4530-98F5-F83646ACE913}"/>
               </a:ext>
               <a:ext uri="{C183D7F6-B498-43B3-948B-1728B52AA6E4}">
-                <adec:decorative xmlns:adec="http://schemas.microsoft.com/office/drawing/2017/decorative" xmlns="" val="1"/>
+                <adec:decorative xmlns:adec="http://schemas.microsoft.com/office/drawing/2017/decorative" val="1"/>
               </a:ext>
             </a:extLst>
           </p:cNvPr>
@@ -13128,7 +14391,7 @@
           <p:nvPr>
             <p:extLst>
               <p:ext uri="{386F3935-93C4-4BCD-93E2-E3B085C9AB24}">
-                <p16:designElem xmlns:p16="http://schemas.microsoft.com/office/powerpoint/2015/main" xmlns="" val="1"/>
+                <p16:designElem xmlns:p16="http://schemas.microsoft.com/office/powerpoint/2015/main" val="1"/>
               </p:ext>
             </p:extLst>
           </p:nvPr>
@@ -13181,10 +14444,10 @@
           <p:cNvPr id="19" name="Group 18">
             <a:extLst>
               <a:ext uri="{FF2B5EF4-FFF2-40B4-BE49-F238E27FC236}">
-                <a16:creationId xmlns:a16="http://schemas.microsoft.com/office/drawing/2014/main" xmlns="" id="{3914D2BD-3C47-433D-81FE-DC6C39595F0E}"/>
+                <a16:creationId xmlns:a16="http://schemas.microsoft.com/office/drawing/2014/main" id="{3914D2BD-3C47-433D-81FE-DC6C39595F0E}"/>
               </a:ext>
               <a:ext uri="{C183D7F6-B498-43B3-948B-1728B52AA6E4}">
-                <adec:decorative xmlns:adec="http://schemas.microsoft.com/office/drawing/2017/decorative" xmlns="" val="1"/>
+                <adec:decorative xmlns:adec="http://schemas.microsoft.com/office/drawing/2017/decorative" val="1"/>
               </a:ext>
             </a:extLst>
           </p:cNvPr>
@@ -13194,7 +14457,7 @@
           <p:nvPr>
             <p:extLst>
               <p:ext uri="{386F3935-93C4-4BCD-93E2-E3B085C9AB24}">
-                <p16:designElem xmlns:p16="http://schemas.microsoft.com/office/powerpoint/2015/main" xmlns="" val="1"/>
+                <p16:designElem xmlns:p16="http://schemas.microsoft.com/office/powerpoint/2015/main" val="1"/>
               </p:ext>
             </p:extLst>
           </p:nvPr>
@@ -13212,10 +14475,10 @@
             <p:cNvPr id="20" name="Straight Connector 19">
               <a:extLst>
                 <a:ext uri="{FF2B5EF4-FFF2-40B4-BE49-F238E27FC236}">
-                  <a16:creationId xmlns:a16="http://schemas.microsoft.com/office/drawing/2014/main" xmlns="" id="{D3DD55E4-EA4F-4874-8B5B-6E0EAF4BBFC4}"/>
+                  <a16:creationId xmlns:a16="http://schemas.microsoft.com/office/drawing/2014/main" id="{D3DD55E4-EA4F-4874-8B5B-6E0EAF4BBFC4}"/>
                 </a:ext>
                 <a:ext uri="{C183D7F6-B498-43B3-948B-1728B52AA6E4}">
-                  <adec:decorative xmlns:adec="http://schemas.microsoft.com/office/drawing/2017/decorative" xmlns="" val="1"/>
+                  <adec:decorative xmlns:adec="http://schemas.microsoft.com/office/drawing/2017/decorative" val="1"/>
                 </a:ext>
               </a:extLst>
             </p:cNvPr>
@@ -13225,7 +14488,7 @@
             <p:nvPr>
               <p:extLst>
                 <p:ext uri="{386F3935-93C4-4BCD-93E2-E3B085C9AB24}">
-                  <p16:designElem xmlns:p16="http://schemas.microsoft.com/office/powerpoint/2015/main" xmlns="" val="1"/>
+                  <p16:designElem xmlns:p16="http://schemas.microsoft.com/office/powerpoint/2015/main" val="1"/>
                 </p:ext>
               </p:extLst>
             </p:nvPr>
@@ -13264,10 +14527,10 @@
             <p:cNvPr id="21" name="Straight Connector 20">
               <a:extLst>
                 <a:ext uri="{FF2B5EF4-FFF2-40B4-BE49-F238E27FC236}">
-                  <a16:creationId xmlns:a16="http://schemas.microsoft.com/office/drawing/2014/main" xmlns="" id="{32950BAF-7673-4138-AEA2-DE7D368CC357}"/>
+                  <a16:creationId xmlns:a16="http://schemas.microsoft.com/office/drawing/2014/main" id="{32950BAF-7673-4138-AEA2-DE7D368CC357}"/>
                 </a:ext>
                 <a:ext uri="{C183D7F6-B498-43B3-948B-1728B52AA6E4}">
-                  <adec:decorative xmlns:adec="http://schemas.microsoft.com/office/drawing/2017/decorative" xmlns="" val="1"/>
+                  <adec:decorative xmlns:adec="http://schemas.microsoft.com/office/drawing/2017/decorative" val="1"/>
                 </a:ext>
               </a:extLst>
             </p:cNvPr>
@@ -13277,7 +14540,7 @@
             <p:nvPr>
               <p:extLst>
                 <p:ext uri="{386F3935-93C4-4BCD-93E2-E3B085C9AB24}">
-                  <p16:designElem xmlns:p16="http://schemas.microsoft.com/office/powerpoint/2015/main" xmlns="" val="1"/>
+                  <p16:designElem xmlns:p16="http://schemas.microsoft.com/office/powerpoint/2015/main" val="1"/>
                 </p:ext>
               </p:extLst>
             </p:nvPr>
@@ -13316,10 +14579,10 @@
             <p:cNvPr id="22" name="Straight Connector 21">
               <a:extLst>
                 <a:ext uri="{FF2B5EF4-FFF2-40B4-BE49-F238E27FC236}">
-                  <a16:creationId xmlns:a16="http://schemas.microsoft.com/office/drawing/2014/main" xmlns="" id="{6BE3E2B5-EA1C-415A-941A-843C7EA148E1}"/>
+                  <a16:creationId xmlns:a16="http://schemas.microsoft.com/office/drawing/2014/main" id="{6BE3E2B5-EA1C-415A-941A-843C7EA148E1}"/>
                 </a:ext>
                 <a:ext uri="{C183D7F6-B498-43B3-948B-1728B52AA6E4}">
-                  <adec:decorative xmlns:adec="http://schemas.microsoft.com/office/drawing/2017/decorative" xmlns="" val="1"/>
+                  <adec:decorative xmlns:adec="http://schemas.microsoft.com/office/drawing/2017/decorative" val="1"/>
                 </a:ext>
               </a:extLst>
             </p:cNvPr>
@@ -13329,7 +14592,7 @@
             <p:nvPr>
               <p:extLst>
                 <p:ext uri="{386F3935-93C4-4BCD-93E2-E3B085C9AB24}">
-                  <p16:designElem xmlns:p16="http://schemas.microsoft.com/office/powerpoint/2015/main" xmlns="" val="1"/>
+                  <p16:designElem xmlns:p16="http://schemas.microsoft.com/office/powerpoint/2015/main" val="1"/>
                 </p:ext>
               </p:extLst>
             </p:nvPr>
@@ -13368,10 +14631,10 @@
             <p:cNvPr id="23" name="Straight Connector 22">
               <a:extLst>
                 <a:ext uri="{FF2B5EF4-FFF2-40B4-BE49-F238E27FC236}">
-                  <a16:creationId xmlns:a16="http://schemas.microsoft.com/office/drawing/2014/main" xmlns="" id="{087FA3A6-E398-4576-B6B8-3328028D84B2}"/>
+                  <a16:creationId xmlns:a16="http://schemas.microsoft.com/office/drawing/2014/main" id="{087FA3A6-E398-4576-B6B8-3328028D84B2}"/>
                 </a:ext>
                 <a:ext uri="{C183D7F6-B498-43B3-948B-1728B52AA6E4}">
-                  <adec:decorative xmlns:adec="http://schemas.microsoft.com/office/drawing/2017/decorative" xmlns="" val="1"/>
+                  <adec:decorative xmlns:adec="http://schemas.microsoft.com/office/drawing/2017/decorative" val="1"/>
                 </a:ext>
               </a:extLst>
             </p:cNvPr>
@@ -13381,7 +14644,7 @@
             <p:nvPr>
               <p:extLst>
                 <p:ext uri="{386F3935-93C4-4BCD-93E2-E3B085C9AB24}">
-                  <p16:designElem xmlns:p16="http://schemas.microsoft.com/office/powerpoint/2015/main" xmlns="" val="1"/>
+                  <p16:designElem xmlns:p16="http://schemas.microsoft.com/office/powerpoint/2015/main" val="1"/>
                 </p:ext>
               </p:extLst>
             </p:nvPr>
@@ -13420,10 +14683,10 @@
             <p:cNvPr id="24" name="Graphic 33">
               <a:extLst>
                 <a:ext uri="{FF2B5EF4-FFF2-40B4-BE49-F238E27FC236}">
-                  <a16:creationId xmlns:a16="http://schemas.microsoft.com/office/drawing/2014/main" xmlns="" id="{EFB597D7-65E0-476A-B9EB-3AA6ED33884C}"/>
+                  <a16:creationId xmlns:a16="http://schemas.microsoft.com/office/drawing/2014/main" id="{EFB597D7-65E0-476A-B9EB-3AA6ED33884C}"/>
                 </a:ext>
                 <a:ext uri="{C183D7F6-B498-43B3-948B-1728B52AA6E4}">
-                  <adec:decorative xmlns:adec="http://schemas.microsoft.com/office/drawing/2017/decorative" xmlns="" val="1"/>
+                  <adec:decorative xmlns:adec="http://schemas.microsoft.com/office/drawing/2017/decorative" val="1"/>
                 </a:ext>
               </a:extLst>
             </p:cNvPr>
@@ -13431,7 +14694,7 @@
             <p:nvPr>
               <p:extLst>
                 <p:ext uri="{386F3935-93C4-4BCD-93E2-E3B085C9AB24}">
-                  <p16:designElem xmlns:p16="http://schemas.microsoft.com/office/powerpoint/2015/main" xmlns="" val="1"/>
+                  <p16:designElem xmlns:p16="http://schemas.microsoft.com/office/powerpoint/2015/main" val="1"/>
                 </p:ext>
               </p:extLst>
             </p:nvPr>
@@ -13504,10 +14767,10 @@
             <p:cNvPr id="25" name="Graphic 33">
               <a:extLst>
                 <a:ext uri="{FF2B5EF4-FFF2-40B4-BE49-F238E27FC236}">
-                  <a16:creationId xmlns:a16="http://schemas.microsoft.com/office/drawing/2014/main" xmlns="" id="{11AA060A-BE0E-4687-8F9E-0E2955D9796D}"/>
+                  <a16:creationId xmlns:a16="http://schemas.microsoft.com/office/drawing/2014/main" id="{11AA060A-BE0E-4687-8F9E-0E2955D9796D}"/>
                 </a:ext>
                 <a:ext uri="{C183D7F6-B498-43B3-948B-1728B52AA6E4}">
-                  <adec:decorative xmlns:adec="http://schemas.microsoft.com/office/drawing/2017/decorative" xmlns="" val="1"/>
+                  <adec:decorative xmlns:adec="http://schemas.microsoft.com/office/drawing/2017/decorative" val="1"/>
                 </a:ext>
               </a:extLst>
             </p:cNvPr>
@@ -13515,7 +14778,7 @@
             <p:nvPr>
               <p:extLst>
                 <p:ext uri="{386F3935-93C4-4BCD-93E2-E3B085C9AB24}">
-                  <p16:designElem xmlns:p16="http://schemas.microsoft.com/office/powerpoint/2015/main" xmlns="" val="1"/>
+                  <p16:designElem xmlns:p16="http://schemas.microsoft.com/office/powerpoint/2015/main" val="1"/>
                 </p:ext>
               </p:extLst>
             </p:nvPr>
@@ -13589,10 +14852,10 @@
           <p:cNvPr id="27" name="Rectangle 26">
             <a:extLst>
               <a:ext uri="{FF2B5EF4-FFF2-40B4-BE49-F238E27FC236}">
-                <a16:creationId xmlns:a16="http://schemas.microsoft.com/office/drawing/2014/main" xmlns="" id="{916F6374-2300-41FF-BA7E-22FADCD95D3B}"/>
+                <a16:creationId xmlns:a16="http://schemas.microsoft.com/office/drawing/2014/main" id="{916F6374-2300-41FF-BA7E-22FADCD95D3B}"/>
               </a:ext>
               <a:ext uri="{C183D7F6-B498-43B3-948B-1728B52AA6E4}">
-                <adec:decorative xmlns:adec="http://schemas.microsoft.com/office/drawing/2017/decorative" xmlns="" val="1"/>
+                <adec:decorative xmlns:adec="http://schemas.microsoft.com/office/drawing/2017/decorative" val="1"/>
               </a:ext>
             </a:extLst>
           </p:cNvPr>
@@ -13602,7 +14865,7 @@
           <p:nvPr>
             <p:extLst>
               <p:ext uri="{386F3935-93C4-4BCD-93E2-E3B085C9AB24}">
-                <p16:designElem xmlns:p16="http://schemas.microsoft.com/office/powerpoint/2015/main" xmlns="" val="1"/>
+                <p16:designElem xmlns:p16="http://schemas.microsoft.com/office/powerpoint/2015/main" val="1"/>
               </p:ext>
             </p:extLst>
           </p:nvPr>
@@ -13649,10 +14912,10 @@
           <p:cNvPr id="29" name="Rectangle 28">
             <a:extLst>
               <a:ext uri="{FF2B5EF4-FFF2-40B4-BE49-F238E27FC236}">
-                <a16:creationId xmlns:a16="http://schemas.microsoft.com/office/drawing/2014/main" xmlns="" id="{7D522F64-6B4B-409B-B1CF-F152D3BE5C14}"/>
+                <a16:creationId xmlns:a16="http://schemas.microsoft.com/office/drawing/2014/main" id="{7D522F64-6B4B-409B-B1CF-F152D3BE5C14}"/>
               </a:ext>
               <a:ext uri="{C183D7F6-B498-43B3-948B-1728B52AA6E4}">
-                <adec:decorative xmlns:adec="http://schemas.microsoft.com/office/drawing/2017/decorative" xmlns="" val="1"/>
+                <adec:decorative xmlns:adec="http://schemas.microsoft.com/office/drawing/2017/decorative" val="1"/>
               </a:ext>
             </a:extLst>
           </p:cNvPr>
@@ -13662,7 +14925,7 @@
           <p:nvPr>
             <p:extLst>
               <p:ext uri="{386F3935-93C4-4BCD-93E2-E3B085C9AB24}">
-                <p16:designElem xmlns:p16="http://schemas.microsoft.com/office/powerpoint/2015/main" xmlns="" val="1"/>
+                <p16:designElem xmlns:p16="http://schemas.microsoft.com/office/powerpoint/2015/main" val="1"/>
               </p:ext>
             </p:extLst>
           </p:nvPr>
@@ -13715,7 +14978,7 @@
           <p:cNvPr id="12" name="TextBox 11">
             <a:extLst>
               <a:ext uri="{FF2B5EF4-FFF2-40B4-BE49-F238E27FC236}">
-                <a16:creationId xmlns:a16="http://schemas.microsoft.com/office/drawing/2014/main" xmlns="" id="{9CD083D0-A701-4D5F-8E84-A8CE689EED8B}"/>
+                <a16:creationId xmlns:a16="http://schemas.microsoft.com/office/drawing/2014/main" id="{9CD083D0-A701-4D5F-8E84-A8CE689EED8B}"/>
               </a:ext>
             </a:extLst>
           </p:cNvPr>
@@ -13767,10 +15030,10 @@
           <p:cNvPr id="31" name="Group 30">
             <a:extLst>
               <a:ext uri="{FF2B5EF4-FFF2-40B4-BE49-F238E27FC236}">
-                <a16:creationId xmlns:a16="http://schemas.microsoft.com/office/drawing/2014/main" xmlns="" id="{138D3BF6-8A70-4CC6-BFDD-708FEB418577}"/>
+                <a16:creationId xmlns:a16="http://schemas.microsoft.com/office/drawing/2014/main" id="{138D3BF6-8A70-4CC6-BFDD-708FEB418577}"/>
               </a:ext>
               <a:ext uri="{C183D7F6-B498-43B3-948B-1728B52AA6E4}">
-                <adec:decorative xmlns:adec="http://schemas.microsoft.com/office/drawing/2017/decorative" xmlns="" val="1"/>
+                <adec:decorative xmlns:adec="http://schemas.microsoft.com/office/drawing/2017/decorative" val="1"/>
               </a:ext>
             </a:extLst>
           </p:cNvPr>
@@ -13780,7 +15043,7 @@
           <p:nvPr>
             <p:extLst>
               <p:ext uri="{386F3935-93C4-4BCD-93E2-E3B085C9AB24}">
-                <p16:designElem xmlns:p16="http://schemas.microsoft.com/office/powerpoint/2015/main" xmlns="" val="1"/>
+                <p16:designElem xmlns:p16="http://schemas.microsoft.com/office/powerpoint/2015/main" val="1"/>
               </p:ext>
             </p:extLst>
           </p:nvPr>
@@ -13798,10 +15061,10 @@
             <p:cNvPr id="32" name="Straight Connector 31">
               <a:extLst>
                 <a:ext uri="{FF2B5EF4-FFF2-40B4-BE49-F238E27FC236}">
-                  <a16:creationId xmlns:a16="http://schemas.microsoft.com/office/drawing/2014/main" xmlns="" id="{940F10A6-9982-431C-AFE2-C8B02A7820AE}"/>
+                  <a16:creationId xmlns:a16="http://schemas.microsoft.com/office/drawing/2014/main" id="{940F10A6-9982-431C-AFE2-C8B02A7820AE}"/>
                 </a:ext>
                 <a:ext uri="{C183D7F6-B498-43B3-948B-1728B52AA6E4}">
-                  <adec:decorative xmlns:adec="http://schemas.microsoft.com/office/drawing/2017/decorative" xmlns="" val="1"/>
+                  <adec:decorative xmlns:adec="http://schemas.microsoft.com/office/drawing/2017/decorative" val="1"/>
                 </a:ext>
               </a:extLst>
             </p:cNvPr>
@@ -13811,7 +15074,7 @@
             <p:nvPr>
               <p:extLst>
                 <p:ext uri="{386F3935-93C4-4BCD-93E2-E3B085C9AB24}">
-                  <p16:designElem xmlns:p16="http://schemas.microsoft.com/office/powerpoint/2015/main" xmlns="" val="1"/>
+                  <p16:designElem xmlns:p16="http://schemas.microsoft.com/office/powerpoint/2015/main" val="1"/>
                 </p:ext>
               </p:extLst>
             </p:nvPr>
@@ -13850,10 +15113,10 @@
             <p:cNvPr id="33" name="Straight Connector 32">
               <a:extLst>
                 <a:ext uri="{FF2B5EF4-FFF2-40B4-BE49-F238E27FC236}">
-                  <a16:creationId xmlns:a16="http://schemas.microsoft.com/office/drawing/2014/main" xmlns="" id="{663B161F-B113-45E7-A15E-75219A9348F1}"/>
+                  <a16:creationId xmlns:a16="http://schemas.microsoft.com/office/drawing/2014/main" id="{663B161F-B113-45E7-A15E-75219A9348F1}"/>
                 </a:ext>
                 <a:ext uri="{C183D7F6-B498-43B3-948B-1728B52AA6E4}">
-                  <adec:decorative xmlns:adec="http://schemas.microsoft.com/office/drawing/2017/decorative" xmlns="" val="1"/>
+                  <adec:decorative xmlns:adec="http://schemas.microsoft.com/office/drawing/2017/decorative" val="1"/>
                 </a:ext>
               </a:extLst>
             </p:cNvPr>
@@ -13863,7 +15126,7 @@
             <p:nvPr>
               <p:extLst>
                 <p:ext uri="{386F3935-93C4-4BCD-93E2-E3B085C9AB24}">
-                  <p16:designElem xmlns:p16="http://schemas.microsoft.com/office/powerpoint/2015/main" xmlns="" val="1"/>
+                  <p16:designElem xmlns:p16="http://schemas.microsoft.com/office/powerpoint/2015/main" val="1"/>
                 </p:ext>
               </p:extLst>
             </p:nvPr>
@@ -13902,10 +15165,10 @@
             <p:cNvPr id="34" name="Straight Connector 33">
               <a:extLst>
                 <a:ext uri="{FF2B5EF4-FFF2-40B4-BE49-F238E27FC236}">
-                  <a16:creationId xmlns:a16="http://schemas.microsoft.com/office/drawing/2014/main" xmlns="" id="{71204C2C-DB1B-4391-92E9-5F6AE97E36E0}"/>
+                  <a16:creationId xmlns:a16="http://schemas.microsoft.com/office/drawing/2014/main" id="{71204C2C-DB1B-4391-92E9-5F6AE97E36E0}"/>
                 </a:ext>
                 <a:ext uri="{C183D7F6-B498-43B3-948B-1728B52AA6E4}">
-                  <adec:decorative xmlns:adec="http://schemas.microsoft.com/office/drawing/2017/decorative" xmlns="" val="1"/>
+                  <adec:decorative xmlns:adec="http://schemas.microsoft.com/office/drawing/2017/decorative" val="1"/>
                 </a:ext>
               </a:extLst>
             </p:cNvPr>
@@ -13915,7 +15178,7 @@
             <p:nvPr>
               <p:extLst>
                 <p:ext uri="{386F3935-93C4-4BCD-93E2-E3B085C9AB24}">
-                  <p16:designElem xmlns:p16="http://schemas.microsoft.com/office/powerpoint/2015/main" xmlns="" val="1"/>
+                  <p16:designElem xmlns:p16="http://schemas.microsoft.com/office/powerpoint/2015/main" val="1"/>
                 </p:ext>
               </p:extLst>
             </p:nvPr>
@@ -13954,10 +15217,10 @@
             <p:cNvPr id="35" name="Straight Connector 34">
               <a:extLst>
                 <a:ext uri="{FF2B5EF4-FFF2-40B4-BE49-F238E27FC236}">
-                  <a16:creationId xmlns:a16="http://schemas.microsoft.com/office/drawing/2014/main" xmlns="" id="{E64D1424-7E38-4B8A-A277-F9A0DA9B97DE}"/>
+                  <a16:creationId xmlns:a16="http://schemas.microsoft.com/office/drawing/2014/main" id="{E64D1424-7E38-4B8A-A277-F9A0DA9B97DE}"/>
                 </a:ext>
                 <a:ext uri="{C183D7F6-B498-43B3-948B-1728B52AA6E4}">
-                  <adec:decorative xmlns:adec="http://schemas.microsoft.com/office/drawing/2017/decorative" xmlns="" val="1"/>
+                  <adec:decorative xmlns:adec="http://schemas.microsoft.com/office/drawing/2017/decorative" val="1"/>
                 </a:ext>
               </a:extLst>
             </p:cNvPr>
@@ -13967,7 +15230,7 @@
             <p:nvPr>
               <p:extLst>
                 <p:ext uri="{386F3935-93C4-4BCD-93E2-E3B085C9AB24}">
-                  <p16:designElem xmlns:p16="http://schemas.microsoft.com/office/powerpoint/2015/main" xmlns="" val="1"/>
+                  <p16:designElem xmlns:p16="http://schemas.microsoft.com/office/powerpoint/2015/main" val="1"/>
                 </p:ext>
               </p:extLst>
             </p:nvPr>
@@ -14007,7 +15270,7 @@
           <p:cNvPr id="11" name="Content Placeholder 10">
             <a:extLst>
               <a:ext uri="{FF2B5EF4-FFF2-40B4-BE49-F238E27FC236}">
-                <a16:creationId xmlns:a16="http://schemas.microsoft.com/office/drawing/2014/main" xmlns="" id="{1EDB150C-EF66-484D-9AF5-38A4D63FB7EB}"/>
+                <a16:creationId xmlns:a16="http://schemas.microsoft.com/office/drawing/2014/main" id="{1EDB150C-EF66-484D-9AF5-38A4D63FB7EB}"/>
               </a:ext>
             </a:extLst>
           </p:cNvPr>
@@ -14045,7 +15308,7 @@
           <p:cNvPr id="36" name="Title 1">
             <a:extLst>
               <a:ext uri="{FF2B5EF4-FFF2-40B4-BE49-F238E27FC236}">
-                <a16:creationId xmlns:a16="http://schemas.microsoft.com/office/drawing/2014/main" xmlns="" id="{CC21A9E6-8CB4-4D9B-B82B-02FCE1A6331C}"/>
+                <a16:creationId xmlns:a16="http://schemas.microsoft.com/office/drawing/2014/main" id="{CC21A9E6-8CB4-4D9B-B82B-02FCE1A6331C}"/>
               </a:ext>
             </a:extLst>
           </p:cNvPr>
@@ -14108,25 +15371,18 @@
   <p:clrMapOvr>
     <a:masterClrMapping/>
   </p:clrMapOvr>
-  <mc:AlternateContent xmlns:mc="http://schemas.openxmlformats.org/markup-compatibility/2006">
-    <mc:Choice xmlns:p159="http://schemas.microsoft.com/office/powerpoint/2015/09/main" xmlns="" Requires="p159">
+  <mc:AlternateContent xmlns:mc="http://schemas.openxmlformats.org/markup-compatibility/2006" xmlns:p159="http://schemas.microsoft.com/office/powerpoint/2015/09/main">
+    <mc:Choice Requires="p159">
       <p:transition xmlns:p14="http://schemas.microsoft.com/office/powerpoint/2010/main" spd="slow" p14:dur="2000">
         <p159:morph option="byObject"/>
       </p:transition>
     </mc:Choice>
-    <mc:Fallback>
+    <mc:Fallback xmlns="">
       <p:transition spd="slow">
         <p:fade/>
       </p:transition>
     </mc:Fallback>
   </mc:AlternateContent>
-  <p:timing>
-    <p:tnLst>
-      <p:par>
-        <p:cTn id="1" dur="indefinite" restart="never" nodeType="tmRoot"/>
-      </p:par>
-    </p:tnLst>
-  </p:timing>
 </p:sld>
 </file>
 
@@ -14160,10 +15416,10 @@
           <p:cNvPr id="7" name="Rectangle 6">
             <a:extLst>
               <a:ext uri="{FF2B5EF4-FFF2-40B4-BE49-F238E27FC236}">
-                <a16:creationId xmlns:a16="http://schemas.microsoft.com/office/drawing/2014/main" xmlns="" id="{2293296F-4C3A-4530-98F5-F83646ACE913}"/>
+                <a16:creationId xmlns:a16="http://schemas.microsoft.com/office/drawing/2014/main" id="{2293296F-4C3A-4530-98F5-F83646ACE913}"/>
               </a:ext>
               <a:ext uri="{C183D7F6-B498-43B3-948B-1728B52AA6E4}">
-                <adec:decorative xmlns:adec="http://schemas.microsoft.com/office/drawing/2017/decorative" xmlns="" val="1"/>
+                <adec:decorative xmlns:adec="http://schemas.microsoft.com/office/drawing/2017/decorative" val="1"/>
               </a:ext>
             </a:extLst>
           </p:cNvPr>
@@ -14173,7 +15429,7 @@
           <p:nvPr>
             <p:extLst>
               <p:ext uri="{386F3935-93C4-4BCD-93E2-E3B085C9AB24}">
-                <p16:designElem xmlns:p16="http://schemas.microsoft.com/office/powerpoint/2015/main" xmlns="" val="1"/>
+                <p16:designElem xmlns:p16="http://schemas.microsoft.com/office/powerpoint/2015/main" val="1"/>
               </p:ext>
             </p:extLst>
           </p:nvPr>
@@ -14226,10 +15482,10 @@
           <p:cNvPr id="9" name="Group 8">
             <a:extLst>
               <a:ext uri="{FF2B5EF4-FFF2-40B4-BE49-F238E27FC236}">
-                <a16:creationId xmlns:a16="http://schemas.microsoft.com/office/drawing/2014/main" xmlns="" id="{3914D2BD-3C47-433D-81FE-DC6C39595F0E}"/>
+                <a16:creationId xmlns:a16="http://schemas.microsoft.com/office/drawing/2014/main" id="{3914D2BD-3C47-433D-81FE-DC6C39595F0E}"/>
               </a:ext>
               <a:ext uri="{C183D7F6-B498-43B3-948B-1728B52AA6E4}">
-                <adec:decorative xmlns:adec="http://schemas.microsoft.com/office/drawing/2017/decorative" xmlns="" val="1"/>
+                <adec:decorative xmlns:adec="http://schemas.microsoft.com/office/drawing/2017/decorative" val="1"/>
               </a:ext>
             </a:extLst>
           </p:cNvPr>
@@ -14239,7 +15495,7 @@
           <p:nvPr>
             <p:extLst>
               <p:ext uri="{386F3935-93C4-4BCD-93E2-E3B085C9AB24}">
-                <p16:designElem xmlns:p16="http://schemas.microsoft.com/office/powerpoint/2015/main" xmlns="" val="1"/>
+                <p16:designElem xmlns:p16="http://schemas.microsoft.com/office/powerpoint/2015/main" val="1"/>
               </p:ext>
             </p:extLst>
           </p:nvPr>
@@ -14257,10 +15513,10 @@
             <p:cNvPr id="10" name="Straight Connector 9">
               <a:extLst>
                 <a:ext uri="{FF2B5EF4-FFF2-40B4-BE49-F238E27FC236}">
-                  <a16:creationId xmlns:a16="http://schemas.microsoft.com/office/drawing/2014/main" xmlns="" id="{D3DD55E4-EA4F-4874-8B5B-6E0EAF4BBFC4}"/>
+                  <a16:creationId xmlns:a16="http://schemas.microsoft.com/office/drawing/2014/main" id="{D3DD55E4-EA4F-4874-8B5B-6E0EAF4BBFC4}"/>
                 </a:ext>
                 <a:ext uri="{C183D7F6-B498-43B3-948B-1728B52AA6E4}">
-                  <adec:decorative xmlns:adec="http://schemas.microsoft.com/office/drawing/2017/decorative" xmlns="" val="1"/>
+                  <adec:decorative xmlns:adec="http://schemas.microsoft.com/office/drawing/2017/decorative" val="1"/>
                 </a:ext>
               </a:extLst>
             </p:cNvPr>
@@ -14270,7 +15526,7 @@
             <p:nvPr>
               <p:extLst>
                 <p:ext uri="{386F3935-93C4-4BCD-93E2-E3B085C9AB24}">
-                  <p16:designElem xmlns:p16="http://schemas.microsoft.com/office/powerpoint/2015/main" xmlns="" val="1"/>
+                  <p16:designElem xmlns:p16="http://schemas.microsoft.com/office/powerpoint/2015/main" val="1"/>
                 </p:ext>
               </p:extLst>
             </p:nvPr>
@@ -14309,10 +15565,10 @@
             <p:cNvPr id="11" name="Straight Connector 10">
               <a:extLst>
                 <a:ext uri="{FF2B5EF4-FFF2-40B4-BE49-F238E27FC236}">
-                  <a16:creationId xmlns:a16="http://schemas.microsoft.com/office/drawing/2014/main" xmlns="" id="{32950BAF-7673-4138-AEA2-DE7D368CC357}"/>
+                  <a16:creationId xmlns:a16="http://schemas.microsoft.com/office/drawing/2014/main" id="{32950BAF-7673-4138-AEA2-DE7D368CC357}"/>
                 </a:ext>
                 <a:ext uri="{C183D7F6-B498-43B3-948B-1728B52AA6E4}">
-                  <adec:decorative xmlns:adec="http://schemas.microsoft.com/office/drawing/2017/decorative" xmlns="" val="1"/>
+                  <adec:decorative xmlns:adec="http://schemas.microsoft.com/office/drawing/2017/decorative" val="1"/>
                 </a:ext>
               </a:extLst>
             </p:cNvPr>
@@ -14322,7 +15578,7 @@
             <p:nvPr>
               <p:extLst>
                 <p:ext uri="{386F3935-93C4-4BCD-93E2-E3B085C9AB24}">
-                  <p16:designElem xmlns:p16="http://schemas.microsoft.com/office/powerpoint/2015/main" xmlns="" val="1"/>
+                  <p16:designElem xmlns:p16="http://schemas.microsoft.com/office/powerpoint/2015/main" val="1"/>
                 </p:ext>
               </p:extLst>
             </p:nvPr>
@@ -14361,10 +15617,10 @@
             <p:cNvPr id="12" name="Straight Connector 11">
               <a:extLst>
                 <a:ext uri="{FF2B5EF4-FFF2-40B4-BE49-F238E27FC236}">
-                  <a16:creationId xmlns:a16="http://schemas.microsoft.com/office/drawing/2014/main" xmlns="" id="{6BE3E2B5-EA1C-415A-941A-843C7EA148E1}"/>
+                  <a16:creationId xmlns:a16="http://schemas.microsoft.com/office/drawing/2014/main" id="{6BE3E2B5-EA1C-415A-941A-843C7EA148E1}"/>
                 </a:ext>
                 <a:ext uri="{C183D7F6-B498-43B3-948B-1728B52AA6E4}">
-                  <adec:decorative xmlns:adec="http://schemas.microsoft.com/office/drawing/2017/decorative" xmlns="" val="1"/>
+                  <adec:decorative xmlns:adec="http://schemas.microsoft.com/office/drawing/2017/decorative" val="1"/>
                 </a:ext>
               </a:extLst>
             </p:cNvPr>
@@ -14374,7 +15630,7 @@
             <p:nvPr>
               <p:extLst>
                 <p:ext uri="{386F3935-93C4-4BCD-93E2-E3B085C9AB24}">
-                  <p16:designElem xmlns:p16="http://schemas.microsoft.com/office/powerpoint/2015/main" xmlns="" val="1"/>
+                  <p16:designElem xmlns:p16="http://schemas.microsoft.com/office/powerpoint/2015/main" val="1"/>
                 </p:ext>
               </p:extLst>
             </p:nvPr>
@@ -14413,10 +15669,10 @@
             <p:cNvPr id="13" name="Straight Connector 12">
               <a:extLst>
                 <a:ext uri="{FF2B5EF4-FFF2-40B4-BE49-F238E27FC236}">
-                  <a16:creationId xmlns:a16="http://schemas.microsoft.com/office/drawing/2014/main" xmlns="" id="{087FA3A6-E398-4576-B6B8-3328028D84B2}"/>
+                  <a16:creationId xmlns:a16="http://schemas.microsoft.com/office/drawing/2014/main" id="{087FA3A6-E398-4576-B6B8-3328028D84B2}"/>
                 </a:ext>
                 <a:ext uri="{C183D7F6-B498-43B3-948B-1728B52AA6E4}">
-                  <adec:decorative xmlns:adec="http://schemas.microsoft.com/office/drawing/2017/decorative" xmlns="" val="1"/>
+                  <adec:decorative xmlns:adec="http://schemas.microsoft.com/office/drawing/2017/decorative" val="1"/>
                 </a:ext>
               </a:extLst>
             </p:cNvPr>
@@ -14426,7 +15682,7 @@
             <p:nvPr>
               <p:extLst>
                 <p:ext uri="{386F3935-93C4-4BCD-93E2-E3B085C9AB24}">
-                  <p16:designElem xmlns:p16="http://schemas.microsoft.com/office/powerpoint/2015/main" xmlns="" val="1"/>
+                  <p16:designElem xmlns:p16="http://schemas.microsoft.com/office/powerpoint/2015/main" val="1"/>
                 </p:ext>
               </p:extLst>
             </p:nvPr>
@@ -14465,10 +15721,10 @@
             <p:cNvPr id="14" name="Graphic 33">
               <a:extLst>
                 <a:ext uri="{FF2B5EF4-FFF2-40B4-BE49-F238E27FC236}">
-                  <a16:creationId xmlns:a16="http://schemas.microsoft.com/office/drawing/2014/main" xmlns="" id="{EFB597D7-65E0-476A-B9EB-3AA6ED33884C}"/>
+                  <a16:creationId xmlns:a16="http://schemas.microsoft.com/office/drawing/2014/main" id="{EFB597D7-65E0-476A-B9EB-3AA6ED33884C}"/>
                 </a:ext>
                 <a:ext uri="{C183D7F6-B498-43B3-948B-1728B52AA6E4}">
-                  <adec:decorative xmlns:adec="http://schemas.microsoft.com/office/drawing/2017/decorative" xmlns="" val="1"/>
+                  <adec:decorative xmlns:adec="http://schemas.microsoft.com/office/drawing/2017/decorative" val="1"/>
                 </a:ext>
               </a:extLst>
             </p:cNvPr>
@@ -14476,7 +15732,7 @@
             <p:nvPr>
               <p:extLst>
                 <p:ext uri="{386F3935-93C4-4BCD-93E2-E3B085C9AB24}">
-                  <p16:designElem xmlns:p16="http://schemas.microsoft.com/office/powerpoint/2015/main" xmlns="" val="1"/>
+                  <p16:designElem xmlns:p16="http://schemas.microsoft.com/office/powerpoint/2015/main" val="1"/>
                 </p:ext>
               </p:extLst>
             </p:nvPr>
@@ -14549,10 +15805,10 @@
             <p:cNvPr id="15" name="Graphic 33">
               <a:extLst>
                 <a:ext uri="{FF2B5EF4-FFF2-40B4-BE49-F238E27FC236}">
-                  <a16:creationId xmlns:a16="http://schemas.microsoft.com/office/drawing/2014/main" xmlns="" id="{11AA060A-BE0E-4687-8F9E-0E2955D9796D}"/>
+                  <a16:creationId xmlns:a16="http://schemas.microsoft.com/office/drawing/2014/main" id="{11AA060A-BE0E-4687-8F9E-0E2955D9796D}"/>
                 </a:ext>
                 <a:ext uri="{C183D7F6-B498-43B3-948B-1728B52AA6E4}">
-                  <adec:decorative xmlns:adec="http://schemas.microsoft.com/office/drawing/2017/decorative" xmlns="" val="1"/>
+                  <adec:decorative xmlns:adec="http://schemas.microsoft.com/office/drawing/2017/decorative" val="1"/>
                 </a:ext>
               </a:extLst>
             </p:cNvPr>
@@ -14560,7 +15816,7 @@
             <p:nvPr>
               <p:extLst>
                 <p:ext uri="{386F3935-93C4-4BCD-93E2-E3B085C9AB24}">
-                  <p16:designElem xmlns:p16="http://schemas.microsoft.com/office/powerpoint/2015/main" xmlns="" val="1"/>
+                  <p16:designElem xmlns:p16="http://schemas.microsoft.com/office/powerpoint/2015/main" val="1"/>
                 </p:ext>
               </p:extLst>
             </p:nvPr>
@@ -14634,10 +15890,10 @@
           <p:cNvPr id="17" name="Group 16">
             <a:extLst>
               <a:ext uri="{FF2B5EF4-FFF2-40B4-BE49-F238E27FC236}">
-                <a16:creationId xmlns:a16="http://schemas.microsoft.com/office/drawing/2014/main" xmlns="" id="{65E07BDE-E927-4175-820B-81F985407467}"/>
+                <a16:creationId xmlns:a16="http://schemas.microsoft.com/office/drawing/2014/main" id="{65E07BDE-E927-4175-820B-81F985407467}"/>
               </a:ext>
               <a:ext uri="{C183D7F6-B498-43B3-948B-1728B52AA6E4}">
-                <adec:decorative xmlns:adec="http://schemas.microsoft.com/office/drawing/2017/decorative" xmlns="" val="1"/>
+                <adec:decorative xmlns:adec="http://schemas.microsoft.com/office/drawing/2017/decorative" val="1"/>
               </a:ext>
             </a:extLst>
           </p:cNvPr>
@@ -14647,7 +15903,7 @@
           <p:nvPr>
             <p:extLst>
               <p:ext uri="{386F3935-93C4-4BCD-93E2-E3B085C9AB24}">
-                <p16:designElem xmlns:p16="http://schemas.microsoft.com/office/powerpoint/2015/main" xmlns="" val="1"/>
+                <p16:designElem xmlns:p16="http://schemas.microsoft.com/office/powerpoint/2015/main" val="1"/>
               </p:ext>
             </p:extLst>
           </p:nvPr>
@@ -14665,10 +15921,10 @@
             <p:cNvPr id="18" name="Straight Connector 17">
               <a:extLst>
                 <a:ext uri="{FF2B5EF4-FFF2-40B4-BE49-F238E27FC236}">
-                  <a16:creationId xmlns:a16="http://schemas.microsoft.com/office/drawing/2014/main" xmlns="" id="{F9103D9E-236B-4AD2-A27C-BF2007A2D95B}"/>
+                  <a16:creationId xmlns:a16="http://schemas.microsoft.com/office/drawing/2014/main" id="{F9103D9E-236B-4AD2-A27C-BF2007A2D95B}"/>
                 </a:ext>
                 <a:ext uri="{C183D7F6-B498-43B3-948B-1728B52AA6E4}">
-                  <adec:decorative xmlns:adec="http://schemas.microsoft.com/office/drawing/2017/decorative" xmlns="" val="1"/>
+                  <adec:decorative xmlns:adec="http://schemas.microsoft.com/office/drawing/2017/decorative" val="1"/>
                 </a:ext>
               </a:extLst>
             </p:cNvPr>
@@ -14678,7 +15934,7 @@
             <p:nvPr>
               <p:extLst>
                 <p:ext uri="{386F3935-93C4-4BCD-93E2-E3B085C9AB24}">
-                  <p16:designElem xmlns:p16="http://schemas.microsoft.com/office/powerpoint/2015/main" xmlns="" val="1"/>
+                  <p16:designElem xmlns:p16="http://schemas.microsoft.com/office/powerpoint/2015/main" val="1"/>
                 </p:ext>
               </p:extLst>
             </p:nvPr>
@@ -14717,10 +15973,10 @@
             <p:cNvPr id="19" name="Straight Connector 18">
               <a:extLst>
                 <a:ext uri="{FF2B5EF4-FFF2-40B4-BE49-F238E27FC236}">
-                  <a16:creationId xmlns:a16="http://schemas.microsoft.com/office/drawing/2014/main" xmlns="" id="{86701FBB-07FC-4733-9104-D2EF1D685050}"/>
+                  <a16:creationId xmlns:a16="http://schemas.microsoft.com/office/drawing/2014/main" id="{86701FBB-07FC-4733-9104-D2EF1D685050}"/>
                 </a:ext>
                 <a:ext uri="{C183D7F6-B498-43B3-948B-1728B52AA6E4}">
-                  <adec:decorative xmlns:adec="http://schemas.microsoft.com/office/drawing/2017/decorative" xmlns="" val="1"/>
+                  <adec:decorative xmlns:adec="http://schemas.microsoft.com/office/drawing/2017/decorative" val="1"/>
                 </a:ext>
               </a:extLst>
             </p:cNvPr>
@@ -14730,7 +15986,7 @@
             <p:nvPr>
               <p:extLst>
                 <p:ext uri="{386F3935-93C4-4BCD-93E2-E3B085C9AB24}">
-                  <p16:designElem xmlns:p16="http://schemas.microsoft.com/office/powerpoint/2015/main" xmlns="" val="1"/>
+                  <p16:designElem xmlns:p16="http://schemas.microsoft.com/office/powerpoint/2015/main" val="1"/>
                 </p:ext>
               </p:extLst>
             </p:nvPr>
@@ -14769,10 +16025,10 @@
             <p:cNvPr id="20" name="Straight Connector 19">
               <a:extLst>
                 <a:ext uri="{FF2B5EF4-FFF2-40B4-BE49-F238E27FC236}">
-                  <a16:creationId xmlns:a16="http://schemas.microsoft.com/office/drawing/2014/main" xmlns="" id="{F0024222-CC64-47B0-A4BF-B40233E43B4C}"/>
+                  <a16:creationId xmlns:a16="http://schemas.microsoft.com/office/drawing/2014/main" id="{F0024222-CC64-47B0-A4BF-B40233E43B4C}"/>
                 </a:ext>
                 <a:ext uri="{C183D7F6-B498-43B3-948B-1728B52AA6E4}">
-                  <adec:decorative xmlns:adec="http://schemas.microsoft.com/office/drawing/2017/decorative" xmlns="" val="1"/>
+                  <adec:decorative xmlns:adec="http://schemas.microsoft.com/office/drawing/2017/decorative" val="1"/>
                 </a:ext>
               </a:extLst>
             </p:cNvPr>
@@ -14782,7 +16038,7 @@
             <p:nvPr>
               <p:extLst>
                 <p:ext uri="{386F3935-93C4-4BCD-93E2-E3B085C9AB24}">
-                  <p16:designElem xmlns:p16="http://schemas.microsoft.com/office/powerpoint/2015/main" xmlns="" val="1"/>
+                  <p16:designElem xmlns:p16="http://schemas.microsoft.com/office/powerpoint/2015/main" val="1"/>
                 </p:ext>
               </p:extLst>
             </p:nvPr>
@@ -14821,10 +16077,10 @@
             <p:cNvPr id="21" name="Straight Connector 20">
               <a:extLst>
                 <a:ext uri="{FF2B5EF4-FFF2-40B4-BE49-F238E27FC236}">
-                  <a16:creationId xmlns:a16="http://schemas.microsoft.com/office/drawing/2014/main" xmlns="" id="{C8B03883-6F44-4FEE-BFBE-4D73F19E72AC}"/>
+                  <a16:creationId xmlns:a16="http://schemas.microsoft.com/office/drawing/2014/main" id="{C8B03883-6F44-4FEE-BFBE-4D73F19E72AC}"/>
                 </a:ext>
                 <a:ext uri="{C183D7F6-B498-43B3-948B-1728B52AA6E4}">
-                  <adec:decorative xmlns:adec="http://schemas.microsoft.com/office/drawing/2017/decorative" xmlns="" val="1"/>
+                  <adec:decorative xmlns:adec="http://schemas.microsoft.com/office/drawing/2017/decorative" val="1"/>
                 </a:ext>
               </a:extLst>
             </p:cNvPr>
@@ -14834,7 +16090,7 @@
             <p:nvPr>
               <p:extLst>
                 <p:ext uri="{386F3935-93C4-4BCD-93E2-E3B085C9AB24}">
-                  <p16:designElem xmlns:p16="http://schemas.microsoft.com/office/powerpoint/2015/main" xmlns="" val="1"/>
+                  <p16:designElem xmlns:p16="http://schemas.microsoft.com/office/powerpoint/2015/main" val="1"/>
                 </p:ext>
               </p:extLst>
             </p:nvPr>
@@ -14873,10 +16129,10 @@
             <p:cNvPr id="22" name="Graphic 33">
               <a:extLst>
                 <a:ext uri="{FF2B5EF4-FFF2-40B4-BE49-F238E27FC236}">
-                  <a16:creationId xmlns:a16="http://schemas.microsoft.com/office/drawing/2014/main" xmlns="" id="{5A26ABB5-559E-45EC-8DBC-364F029DD723}"/>
+                  <a16:creationId xmlns:a16="http://schemas.microsoft.com/office/drawing/2014/main" id="{5A26ABB5-559E-45EC-8DBC-364F029DD723}"/>
                 </a:ext>
                 <a:ext uri="{C183D7F6-B498-43B3-948B-1728B52AA6E4}">
-                  <adec:decorative xmlns:adec="http://schemas.microsoft.com/office/drawing/2017/decorative" xmlns="" val="1"/>
+                  <adec:decorative xmlns:adec="http://schemas.microsoft.com/office/drawing/2017/decorative" val="1"/>
                 </a:ext>
               </a:extLst>
             </p:cNvPr>
@@ -14884,7 +16140,7 @@
             <p:nvPr>
               <p:extLst>
                 <p:ext uri="{386F3935-93C4-4BCD-93E2-E3B085C9AB24}">
-                  <p16:designElem xmlns:p16="http://schemas.microsoft.com/office/powerpoint/2015/main" xmlns="" val="1"/>
+                  <p16:designElem xmlns:p16="http://schemas.microsoft.com/office/powerpoint/2015/main" val="1"/>
                 </p:ext>
               </p:extLst>
             </p:nvPr>
@@ -14957,10 +16213,10 @@
             <p:cNvPr id="23" name="Graphic 33">
               <a:extLst>
                 <a:ext uri="{FF2B5EF4-FFF2-40B4-BE49-F238E27FC236}">
-                  <a16:creationId xmlns:a16="http://schemas.microsoft.com/office/drawing/2014/main" xmlns="" id="{339DC07F-79A6-42D3-BDD6-5A262FFC53A2}"/>
+                  <a16:creationId xmlns:a16="http://schemas.microsoft.com/office/drawing/2014/main" id="{339DC07F-79A6-42D3-BDD6-5A262FFC53A2}"/>
                 </a:ext>
                 <a:ext uri="{C183D7F6-B498-43B3-948B-1728B52AA6E4}">
-                  <adec:decorative xmlns:adec="http://schemas.microsoft.com/office/drawing/2017/decorative" xmlns="" val="1"/>
+                  <adec:decorative xmlns:adec="http://schemas.microsoft.com/office/drawing/2017/decorative" val="1"/>
                 </a:ext>
               </a:extLst>
             </p:cNvPr>
@@ -14968,7 +16224,7 @@
             <p:nvPr>
               <p:extLst>
                 <p:ext uri="{386F3935-93C4-4BCD-93E2-E3B085C9AB24}">
-                  <p16:designElem xmlns:p16="http://schemas.microsoft.com/office/powerpoint/2015/main" xmlns="" val="1"/>
+                  <p16:designElem xmlns:p16="http://schemas.microsoft.com/office/powerpoint/2015/main" val="1"/>
                 </p:ext>
               </p:extLst>
             </p:nvPr>
@@ -15042,10 +16298,10 @@
           <p:cNvPr id="25" name="Rectangle 24">
             <a:extLst>
               <a:ext uri="{FF2B5EF4-FFF2-40B4-BE49-F238E27FC236}">
-                <a16:creationId xmlns:a16="http://schemas.microsoft.com/office/drawing/2014/main" xmlns="" id="{BD2D4D3D-0943-4A9D-AE30-EEEAF707A340}"/>
+                <a16:creationId xmlns:a16="http://schemas.microsoft.com/office/drawing/2014/main" id="{BD2D4D3D-0943-4A9D-AE30-EEEAF707A340}"/>
               </a:ext>
               <a:ext uri="{C183D7F6-B498-43B3-948B-1728B52AA6E4}">
-                <adec:decorative xmlns:adec="http://schemas.microsoft.com/office/drawing/2017/decorative" xmlns="" val="1"/>
+                <adec:decorative xmlns:adec="http://schemas.microsoft.com/office/drawing/2017/decorative" val="1"/>
               </a:ext>
             </a:extLst>
           </p:cNvPr>
@@ -15055,7 +16311,7 @@
           <p:nvPr>
             <p:extLst>
               <p:ext uri="{386F3935-93C4-4BCD-93E2-E3B085C9AB24}">
-                <p16:designElem xmlns:p16="http://schemas.microsoft.com/office/powerpoint/2015/main" xmlns="" val="1"/>
+                <p16:designElem xmlns:p16="http://schemas.microsoft.com/office/powerpoint/2015/main" val="1"/>
               </p:ext>
             </p:extLst>
           </p:nvPr>
@@ -15102,10 +16358,10 @@
           <p:cNvPr id="27" name="Rectangle 26">
             <a:extLst>
               <a:ext uri="{FF2B5EF4-FFF2-40B4-BE49-F238E27FC236}">
-                <a16:creationId xmlns:a16="http://schemas.microsoft.com/office/drawing/2014/main" xmlns="" id="{96402F50-78D0-4C40-8FB9-47AF6DD06DC9}"/>
+                <a16:creationId xmlns:a16="http://schemas.microsoft.com/office/drawing/2014/main" id="{96402F50-78D0-4C40-8FB9-47AF6DD06DC9}"/>
               </a:ext>
               <a:ext uri="{C183D7F6-B498-43B3-948B-1728B52AA6E4}">
-                <adec:decorative xmlns:adec="http://schemas.microsoft.com/office/drawing/2017/decorative" xmlns="" val="1"/>
+                <adec:decorative xmlns:adec="http://schemas.microsoft.com/office/drawing/2017/decorative" val="1"/>
               </a:ext>
             </a:extLst>
           </p:cNvPr>
@@ -15115,7 +16371,7 @@
           <p:nvPr>
             <p:extLst>
               <p:ext uri="{386F3935-93C4-4BCD-93E2-E3B085C9AB24}">
-                <p16:designElem xmlns:p16="http://schemas.microsoft.com/office/powerpoint/2015/main" xmlns="" val="1"/>
+                <p16:designElem xmlns:p16="http://schemas.microsoft.com/office/powerpoint/2015/main" val="1"/>
               </p:ext>
             </p:extLst>
           </p:nvPr>
@@ -15168,10 +16424,10 @@
           <p:cNvPr id="29" name="Group 28">
             <a:extLst>
               <a:ext uri="{FF2B5EF4-FFF2-40B4-BE49-F238E27FC236}">
-                <a16:creationId xmlns:a16="http://schemas.microsoft.com/office/drawing/2014/main" xmlns="" id="{905FD742-A584-4C24-981D-4BE96AC5618C}"/>
+                <a16:creationId xmlns:a16="http://schemas.microsoft.com/office/drawing/2014/main" id="{905FD742-A584-4C24-981D-4BE96AC5618C}"/>
               </a:ext>
               <a:ext uri="{C183D7F6-B498-43B3-948B-1728B52AA6E4}">
-                <adec:decorative xmlns:adec="http://schemas.microsoft.com/office/drawing/2017/decorative" xmlns="" val="1"/>
+                <adec:decorative xmlns:adec="http://schemas.microsoft.com/office/drawing/2017/decorative" val="1"/>
               </a:ext>
             </a:extLst>
           </p:cNvPr>
@@ -15181,7 +16437,7 @@
           <p:nvPr>
             <p:extLst>
               <p:ext uri="{386F3935-93C4-4BCD-93E2-E3B085C9AB24}">
-                <p16:designElem xmlns:p16="http://schemas.microsoft.com/office/powerpoint/2015/main" xmlns="" val="1"/>
+                <p16:designElem xmlns:p16="http://schemas.microsoft.com/office/powerpoint/2015/main" val="1"/>
               </p:ext>
             </p:extLst>
           </p:nvPr>
@@ -15199,10 +16455,10 @@
             <p:cNvPr id="30" name="Group 29">
               <a:extLst>
                 <a:ext uri="{FF2B5EF4-FFF2-40B4-BE49-F238E27FC236}">
-                  <a16:creationId xmlns:a16="http://schemas.microsoft.com/office/drawing/2014/main" xmlns="" id="{7258DE11-AA0C-48D2-8F00-9B8DC1093A47}"/>
+                  <a16:creationId xmlns:a16="http://schemas.microsoft.com/office/drawing/2014/main" id="{7258DE11-AA0C-48D2-8F00-9B8DC1093A47}"/>
                 </a:ext>
                 <a:ext uri="{C183D7F6-B498-43B3-948B-1728B52AA6E4}">
-                  <adec:decorative xmlns:adec="http://schemas.microsoft.com/office/drawing/2017/decorative" xmlns="" val="1"/>
+                  <adec:decorative xmlns:adec="http://schemas.microsoft.com/office/drawing/2017/decorative" val="1"/>
                 </a:ext>
               </a:extLst>
             </p:cNvPr>
@@ -15210,7 +16466,7 @@
             <p:nvPr>
               <p:extLst>
                 <p:ext uri="{386F3935-93C4-4BCD-93E2-E3B085C9AB24}">
-                  <p16:designElem xmlns:p16="http://schemas.microsoft.com/office/powerpoint/2015/main" xmlns="" val="1"/>
+                  <p16:designElem xmlns:p16="http://schemas.microsoft.com/office/powerpoint/2015/main" val="1"/>
                 </p:ext>
               </p:extLst>
             </p:nvPr>
@@ -15228,10 +16484,10 @@
               <p:cNvPr id="32" name="Straight Connector 31">
                 <a:extLst>
                   <a:ext uri="{FF2B5EF4-FFF2-40B4-BE49-F238E27FC236}">
-                    <a16:creationId xmlns:a16="http://schemas.microsoft.com/office/drawing/2014/main" xmlns="" id="{62A6129B-5E41-4111-BA49-D6E73631A7F0}"/>
+                    <a16:creationId xmlns:a16="http://schemas.microsoft.com/office/drawing/2014/main" id="{62A6129B-5E41-4111-BA49-D6E73631A7F0}"/>
                   </a:ext>
                   <a:ext uri="{C183D7F6-B498-43B3-948B-1728B52AA6E4}">
-                    <adec:decorative xmlns:adec="http://schemas.microsoft.com/office/drawing/2017/decorative" xmlns="" val="1"/>
+                    <adec:decorative xmlns:adec="http://schemas.microsoft.com/office/drawing/2017/decorative" val="1"/>
                   </a:ext>
                 </a:extLst>
               </p:cNvPr>
@@ -15241,7 +16497,7 @@
               <p:nvPr>
                 <p:extLst>
                   <p:ext uri="{386F3935-93C4-4BCD-93E2-E3B085C9AB24}">
-                    <p16:designElem xmlns:p16="http://schemas.microsoft.com/office/powerpoint/2015/main" xmlns="" val="1"/>
+                    <p16:designElem xmlns:p16="http://schemas.microsoft.com/office/powerpoint/2015/main" val="1"/>
                   </p:ext>
                 </p:extLst>
               </p:nvPr>
@@ -15280,10 +16536,10 @@
               <p:cNvPr id="33" name="Straight Connector 32">
                 <a:extLst>
                   <a:ext uri="{FF2B5EF4-FFF2-40B4-BE49-F238E27FC236}">
-                    <a16:creationId xmlns:a16="http://schemas.microsoft.com/office/drawing/2014/main" xmlns="" id="{42ACD671-2209-4876-A99B-0D185B70D1EA}"/>
+                    <a16:creationId xmlns:a16="http://schemas.microsoft.com/office/drawing/2014/main" id="{42ACD671-2209-4876-A99B-0D185B70D1EA}"/>
                   </a:ext>
                   <a:ext uri="{C183D7F6-B498-43B3-948B-1728B52AA6E4}">
-                    <adec:decorative xmlns:adec="http://schemas.microsoft.com/office/drawing/2017/decorative" xmlns="" val="1"/>
+                    <adec:decorative xmlns:adec="http://schemas.microsoft.com/office/drawing/2017/decorative" val="1"/>
                   </a:ext>
                 </a:extLst>
               </p:cNvPr>
@@ -15293,7 +16549,7 @@
               <p:nvPr>
                 <p:extLst>
                   <p:ext uri="{386F3935-93C4-4BCD-93E2-E3B085C9AB24}">
-                    <p16:designElem xmlns:p16="http://schemas.microsoft.com/office/powerpoint/2015/main" xmlns="" val="1"/>
+                    <p16:designElem xmlns:p16="http://schemas.microsoft.com/office/powerpoint/2015/main" val="1"/>
                   </p:ext>
                 </p:extLst>
               </p:nvPr>
@@ -15332,10 +16588,10 @@
               <p:cNvPr id="34" name="Straight Connector 33">
                 <a:extLst>
                   <a:ext uri="{FF2B5EF4-FFF2-40B4-BE49-F238E27FC236}">
-                    <a16:creationId xmlns:a16="http://schemas.microsoft.com/office/drawing/2014/main" xmlns="" id="{5ACF9EAE-7FB1-4C87-B3F1-9129699CB1B6}"/>
+                    <a16:creationId xmlns:a16="http://schemas.microsoft.com/office/drawing/2014/main" id="{5ACF9EAE-7FB1-4C87-B3F1-9129699CB1B6}"/>
                   </a:ext>
                   <a:ext uri="{C183D7F6-B498-43B3-948B-1728B52AA6E4}">
-                    <adec:decorative xmlns:adec="http://schemas.microsoft.com/office/drawing/2017/decorative" xmlns="" val="1"/>
+                    <adec:decorative xmlns:adec="http://schemas.microsoft.com/office/drawing/2017/decorative" val="1"/>
                   </a:ext>
                 </a:extLst>
               </p:cNvPr>
@@ -15345,7 +16601,7 @@
               <p:nvPr>
                 <p:extLst>
                   <p:ext uri="{386F3935-93C4-4BCD-93E2-E3B085C9AB24}">
-                    <p16:designElem xmlns:p16="http://schemas.microsoft.com/office/powerpoint/2015/main" xmlns="" val="1"/>
+                    <p16:designElem xmlns:p16="http://schemas.microsoft.com/office/powerpoint/2015/main" val="1"/>
                   </p:ext>
                 </p:extLst>
               </p:nvPr>
@@ -15384,10 +16640,10 @@
               <p:cNvPr id="35" name="Straight Connector 34">
                 <a:extLst>
                   <a:ext uri="{FF2B5EF4-FFF2-40B4-BE49-F238E27FC236}">
-                    <a16:creationId xmlns:a16="http://schemas.microsoft.com/office/drawing/2014/main" xmlns="" id="{774E1729-16FC-4A78-A1FC-1B4B0D30C803}"/>
+                    <a16:creationId xmlns:a16="http://schemas.microsoft.com/office/drawing/2014/main" id="{774E1729-16FC-4A78-A1FC-1B4B0D30C803}"/>
                   </a:ext>
                   <a:ext uri="{C183D7F6-B498-43B3-948B-1728B52AA6E4}">
-                    <adec:decorative xmlns:adec="http://schemas.microsoft.com/office/drawing/2017/decorative" xmlns="" val="1"/>
+                    <adec:decorative xmlns:adec="http://schemas.microsoft.com/office/drawing/2017/decorative" val="1"/>
                   </a:ext>
                 </a:extLst>
               </p:cNvPr>
@@ -15397,7 +16653,7 @@
               <p:nvPr>
                 <p:extLst>
                   <p:ext uri="{386F3935-93C4-4BCD-93E2-E3B085C9AB24}">
-                    <p16:designElem xmlns:p16="http://schemas.microsoft.com/office/powerpoint/2015/main" xmlns="" val="1"/>
+                    <p16:designElem xmlns:p16="http://schemas.microsoft.com/office/powerpoint/2015/main" val="1"/>
                   </p:ext>
                 </p:extLst>
               </p:nvPr>
@@ -15436,10 +16692,10 @@
               <p:cNvPr id="36" name="Straight Connector 35">
                 <a:extLst>
                   <a:ext uri="{FF2B5EF4-FFF2-40B4-BE49-F238E27FC236}">
-                    <a16:creationId xmlns:a16="http://schemas.microsoft.com/office/drawing/2014/main" xmlns="" id="{3E4DB013-2DB1-4155-8355-AE8EDE75CC7E}"/>
+                    <a16:creationId xmlns:a16="http://schemas.microsoft.com/office/drawing/2014/main" id="{3E4DB013-2DB1-4155-8355-AE8EDE75CC7E}"/>
                   </a:ext>
                   <a:ext uri="{C183D7F6-B498-43B3-948B-1728B52AA6E4}">
-                    <adec:decorative xmlns:adec="http://schemas.microsoft.com/office/drawing/2017/decorative" xmlns="" val="1"/>
+                    <adec:decorative xmlns:adec="http://schemas.microsoft.com/office/drawing/2017/decorative" val="1"/>
                   </a:ext>
                 </a:extLst>
               </p:cNvPr>
@@ -15449,7 +16705,7 @@
               <p:nvPr>
                 <p:extLst>
                   <p:ext uri="{386F3935-93C4-4BCD-93E2-E3B085C9AB24}">
-                    <p16:designElem xmlns:p16="http://schemas.microsoft.com/office/powerpoint/2015/main" xmlns="" val="1"/>
+                    <p16:designElem xmlns:p16="http://schemas.microsoft.com/office/powerpoint/2015/main" val="1"/>
                   </p:ext>
                 </p:extLst>
               </p:nvPr>
@@ -15488,10 +16744,10 @@
               <p:cNvPr id="37" name="Straight Connector 36">
                 <a:extLst>
                   <a:ext uri="{FF2B5EF4-FFF2-40B4-BE49-F238E27FC236}">
-                    <a16:creationId xmlns:a16="http://schemas.microsoft.com/office/drawing/2014/main" xmlns="" id="{77AED547-EF0A-4CE6-87B9-059D7C6375D3}"/>
+                    <a16:creationId xmlns:a16="http://schemas.microsoft.com/office/drawing/2014/main" id="{77AED547-EF0A-4CE6-87B9-059D7C6375D3}"/>
                   </a:ext>
                   <a:ext uri="{C183D7F6-B498-43B3-948B-1728B52AA6E4}">
-                    <adec:decorative xmlns:adec="http://schemas.microsoft.com/office/drawing/2017/decorative" xmlns="" val="1"/>
+                    <adec:decorative xmlns:adec="http://schemas.microsoft.com/office/drawing/2017/decorative" val="1"/>
                   </a:ext>
                 </a:extLst>
               </p:cNvPr>
@@ -15501,7 +16757,7 @@
               <p:nvPr>
                 <p:extLst>
                   <p:ext uri="{386F3935-93C4-4BCD-93E2-E3B085C9AB24}">
-                    <p16:designElem xmlns:p16="http://schemas.microsoft.com/office/powerpoint/2015/main" xmlns="" val="1"/>
+                    <p16:designElem xmlns:p16="http://schemas.microsoft.com/office/powerpoint/2015/main" val="1"/>
                   </p:ext>
                 </p:extLst>
               </p:nvPr>
@@ -15541,10 +16797,10 @@
             <p:cNvPr id="31" name="Graphic 11">
               <a:extLst>
                 <a:ext uri="{FF2B5EF4-FFF2-40B4-BE49-F238E27FC236}">
-                  <a16:creationId xmlns:a16="http://schemas.microsoft.com/office/drawing/2014/main" xmlns="" id="{61ABD7CE-E0CE-4FE7-AEA1-F7DB71799BF5}"/>
+                  <a16:creationId xmlns:a16="http://schemas.microsoft.com/office/drawing/2014/main" id="{61ABD7CE-E0CE-4FE7-AEA1-F7DB71799BF5}"/>
                 </a:ext>
                 <a:ext uri="{C183D7F6-B498-43B3-948B-1728B52AA6E4}">
-                  <adec:decorative xmlns:adec="http://schemas.microsoft.com/office/drawing/2017/decorative" xmlns="" val="1"/>
+                  <adec:decorative xmlns:adec="http://schemas.microsoft.com/office/drawing/2017/decorative" val="1"/>
                 </a:ext>
               </a:extLst>
             </p:cNvPr>
@@ -15552,7 +16808,7 @@
             <p:nvPr>
               <p:extLst>
                 <p:ext uri="{386F3935-93C4-4BCD-93E2-E3B085C9AB24}">
-                  <p16:designElem xmlns:p16="http://schemas.microsoft.com/office/powerpoint/2015/main" xmlns="" val="1"/>
+                  <p16:designElem xmlns:p16="http://schemas.microsoft.com/office/powerpoint/2015/main" val="1"/>
                 </p:ext>
               </p:extLst>
             </p:nvPr>
@@ -15666,7 +16922,7 @@
           <p:cNvPr id="2" name="Title 1">
             <a:extLst>
               <a:ext uri="{FF2B5EF4-FFF2-40B4-BE49-F238E27FC236}">
-                <a16:creationId xmlns:a16="http://schemas.microsoft.com/office/drawing/2014/main" xmlns="" id="{A893A620-9F63-4170-BB98-6D4325E35B0D}"/>
+                <a16:creationId xmlns:a16="http://schemas.microsoft.com/office/drawing/2014/main" id="{A893A620-9F63-4170-BB98-6D4325E35B0D}"/>
               </a:ext>
             </a:extLst>
           </p:cNvPr>
@@ -15702,7 +16958,7 @@
           <p:cNvPr id="38" name="Picture 37">
             <a:extLst>
               <a:ext uri="{FF2B5EF4-FFF2-40B4-BE49-F238E27FC236}">
-                <a16:creationId xmlns:a16="http://schemas.microsoft.com/office/drawing/2014/main" xmlns="" id="{54DACFB0-4652-4751-B70D-959AAA5BC3FA}"/>
+                <a16:creationId xmlns:a16="http://schemas.microsoft.com/office/drawing/2014/main" id="{54DACFB0-4652-4751-B70D-959AAA5BC3FA}"/>
               </a:ext>
             </a:extLst>
           </p:cNvPr>
@@ -15738,7 +16994,7 @@
           <p:cNvPr id="39" name="Picture 38">
             <a:extLst>
               <a:ext uri="{FF2B5EF4-FFF2-40B4-BE49-F238E27FC236}">
-                <a16:creationId xmlns:a16="http://schemas.microsoft.com/office/drawing/2014/main" xmlns="" id="{4CC1C64D-E722-43DE-ADC1-B6AF649FC98F}"/>
+                <a16:creationId xmlns:a16="http://schemas.microsoft.com/office/drawing/2014/main" id="{4CC1C64D-E722-43DE-ADC1-B6AF649FC98F}"/>
               </a:ext>
             </a:extLst>
           </p:cNvPr>
@@ -15779,25 +17035,18 @@
   <p:clrMapOvr>
     <a:masterClrMapping/>
   </p:clrMapOvr>
-  <mc:AlternateContent xmlns:mc="http://schemas.openxmlformats.org/markup-compatibility/2006">
-    <mc:Choice xmlns:p159="http://schemas.microsoft.com/office/powerpoint/2015/09/main" xmlns="" Requires="p159">
+  <mc:AlternateContent xmlns:mc="http://schemas.openxmlformats.org/markup-compatibility/2006" xmlns:p159="http://schemas.microsoft.com/office/powerpoint/2015/09/main">
+    <mc:Choice Requires="p159">
       <p:transition xmlns:p14="http://schemas.microsoft.com/office/powerpoint/2010/main" spd="slow" p14:dur="2000">
         <p159:morph option="byObject"/>
       </p:transition>
     </mc:Choice>
-    <mc:Fallback>
+    <mc:Fallback xmlns="">
       <p:transition spd="slow">
         <p:fade/>
       </p:transition>
     </mc:Fallback>
   </mc:AlternateContent>
-  <p:timing>
-    <p:tnLst>
-      <p:par>
-        <p:cTn id="1" dur="indefinite" restart="never" nodeType="tmRoot"/>
-      </p:par>
-    </p:tnLst>
-  </p:timing>
 </p:sld>
 </file>
 
